--- a/SYS_DESIGN/logo.pptx
+++ b/SYS_DESIGN/logo.pptx
@@ -6,6 +6,7 @@
   </p:sldMasterIdLst>
   <p:sldIdLst>
     <p:sldId id="256" r:id="rId2"/>
+    <p:sldId id="257" r:id="rId3"/>
   </p:sldIdLst>
   <p:sldSz cx="12192000" cy="6858000"/>
   <p:notesSz cx="6858000" cy="9144000"/>
@@ -104,6 +105,11 @@
       </a:defRPr>
     </a:lvl9pPr>
   </p:defaultTextStyle>
+  <p:extLst>
+    <p:ext uri="{EFAFB233-063F-42B5-8137-9DF3F51BA10A}">
+      <p15:sldGuideLst xmlns:p15="http://schemas.microsoft.com/office/powerpoint/2012/main"/>
+    </p:ext>
+  </p:extLst>
 </p:presentation>
 </file>
 
@@ -254,7 +260,7 @@
           <a:p>
             <a:fld id="{F0042B78-112A-4528-A74D-AFD8DACDDC9B}" type="datetimeFigureOut">
               <a:rPr lang="en-US" smtClean="0"/>
-              <a:t>11/11/2024</a:t>
+              <a:t>11/12/2024</a:t>
             </a:fld>
             <a:endParaRPr lang="en-US"/>
           </a:p>
@@ -452,7 +458,7 @@
           <a:p>
             <a:fld id="{F0042B78-112A-4528-A74D-AFD8DACDDC9B}" type="datetimeFigureOut">
               <a:rPr lang="en-US" smtClean="0"/>
-              <a:t>11/11/2024</a:t>
+              <a:t>11/12/2024</a:t>
             </a:fld>
             <a:endParaRPr lang="en-US"/>
           </a:p>
@@ -660,7 +666,7 @@
           <a:p>
             <a:fld id="{F0042B78-112A-4528-A74D-AFD8DACDDC9B}" type="datetimeFigureOut">
               <a:rPr lang="en-US" smtClean="0"/>
-              <a:t>11/11/2024</a:t>
+              <a:t>11/12/2024</a:t>
             </a:fld>
             <a:endParaRPr lang="en-US"/>
           </a:p>
@@ -858,7 +864,7 @@
           <a:p>
             <a:fld id="{F0042B78-112A-4528-A74D-AFD8DACDDC9B}" type="datetimeFigureOut">
               <a:rPr lang="en-US" smtClean="0"/>
-              <a:t>11/11/2024</a:t>
+              <a:t>11/12/2024</a:t>
             </a:fld>
             <a:endParaRPr lang="en-US"/>
           </a:p>
@@ -1133,7 +1139,7 @@
           <a:p>
             <a:fld id="{F0042B78-112A-4528-A74D-AFD8DACDDC9B}" type="datetimeFigureOut">
               <a:rPr lang="en-US" smtClean="0"/>
-              <a:t>11/11/2024</a:t>
+              <a:t>11/12/2024</a:t>
             </a:fld>
             <a:endParaRPr lang="en-US"/>
           </a:p>
@@ -1398,7 +1404,7 @@
           <a:p>
             <a:fld id="{F0042B78-112A-4528-A74D-AFD8DACDDC9B}" type="datetimeFigureOut">
               <a:rPr lang="en-US" smtClean="0"/>
-              <a:t>11/11/2024</a:t>
+              <a:t>11/12/2024</a:t>
             </a:fld>
             <a:endParaRPr lang="en-US"/>
           </a:p>
@@ -1810,7 +1816,7 @@
           <a:p>
             <a:fld id="{F0042B78-112A-4528-A74D-AFD8DACDDC9B}" type="datetimeFigureOut">
               <a:rPr lang="en-US" smtClean="0"/>
-              <a:t>11/11/2024</a:t>
+              <a:t>11/12/2024</a:t>
             </a:fld>
             <a:endParaRPr lang="en-US"/>
           </a:p>
@@ -1951,7 +1957,7 @@
           <a:p>
             <a:fld id="{F0042B78-112A-4528-A74D-AFD8DACDDC9B}" type="datetimeFigureOut">
               <a:rPr lang="en-US" smtClean="0"/>
-              <a:t>11/11/2024</a:t>
+              <a:t>11/12/2024</a:t>
             </a:fld>
             <a:endParaRPr lang="en-US"/>
           </a:p>
@@ -2064,7 +2070,7 @@
           <a:p>
             <a:fld id="{F0042B78-112A-4528-A74D-AFD8DACDDC9B}" type="datetimeFigureOut">
               <a:rPr lang="en-US" smtClean="0"/>
-              <a:t>11/11/2024</a:t>
+              <a:t>11/12/2024</a:t>
             </a:fld>
             <a:endParaRPr lang="en-US"/>
           </a:p>
@@ -2375,7 +2381,7 @@
           <a:p>
             <a:fld id="{F0042B78-112A-4528-A74D-AFD8DACDDC9B}" type="datetimeFigureOut">
               <a:rPr lang="en-US" smtClean="0"/>
-              <a:t>11/11/2024</a:t>
+              <a:t>11/12/2024</a:t>
             </a:fld>
             <a:endParaRPr lang="en-US"/>
           </a:p>
@@ -2663,7 +2669,7 @@
           <a:p>
             <a:fld id="{F0042B78-112A-4528-A74D-AFD8DACDDC9B}" type="datetimeFigureOut">
               <a:rPr lang="en-US" smtClean="0"/>
-              <a:t>11/11/2024</a:t>
+              <a:t>11/12/2024</a:t>
             </a:fld>
             <a:endParaRPr lang="en-US"/>
           </a:p>
@@ -2904,7 +2910,7 @@
           <a:p>
             <a:fld id="{F0042B78-112A-4528-A74D-AFD8DACDDC9B}" type="datetimeFigureOut">
               <a:rPr lang="en-US" smtClean="0"/>
-              <a:t>11/11/2024</a:t>
+              <a:t>11/12/2024</a:t>
             </a:fld>
             <a:endParaRPr lang="en-US"/>
           </a:p>
@@ -3321,12 +3327,4451 @@
           <a:chExt cx="0" cy="0"/>
         </a:xfrm>
       </p:grpSpPr>
+      <p:sp>
+        <p:nvSpPr>
+          <p:cNvPr id="109" name="Freeform: Shape 108">
+            <a:extLst>
+              <a:ext uri="{FF2B5EF4-FFF2-40B4-BE49-F238E27FC236}">
+                <a16:creationId xmlns:a16="http://schemas.microsoft.com/office/drawing/2014/main" id="{BC0F0E10-9F0E-A1CE-3571-0186A0CA9779}"/>
+              </a:ext>
+            </a:extLst>
+          </p:cNvPr>
+          <p:cNvSpPr/>
+          <p:nvPr/>
+        </p:nvSpPr>
+        <p:spPr>
+          <a:xfrm>
+            <a:off x="6767221" y="3017881"/>
+            <a:ext cx="2494905" cy="822237"/>
+          </a:xfrm>
+          <a:custGeom>
+            <a:avLst/>
+            <a:gdLst>
+              <a:gd name="connsiteX0" fmla="*/ 1827213 w 2932150"/>
+              <a:gd name="connsiteY0" fmla="*/ 63200 h 701180"/>
+              <a:gd name="connsiteX1" fmla="*/ 1717315 w 2932150"/>
+              <a:gd name="connsiteY1" fmla="*/ 92297 h 701180"/>
+              <a:gd name="connsiteX2" fmla="*/ 1634699 w 2932150"/>
+              <a:gd name="connsiteY2" fmla="*/ 177495 h 701180"/>
+              <a:gd name="connsiteX3" fmla="*/ 1603343 w 2932150"/>
+              <a:gd name="connsiteY3" fmla="*/ 308788 h 701180"/>
+              <a:gd name="connsiteX4" fmla="*/ 1642140 w 2932150"/>
+              <a:gd name="connsiteY4" fmla="*/ 465845 h 701180"/>
+              <a:gd name="connsiteX5" fmla="*/ 1745903 w 2932150"/>
+              <a:gd name="connsiteY5" fmla="*/ 583557 h 701180"/>
+              <a:gd name="connsiteX6" fmla="*/ 1882872 w 2932150"/>
+              <a:gd name="connsiteY6" fmla="*/ 627529 h 701180"/>
+              <a:gd name="connsiteX7" fmla="*/ 1984655 w 2932150"/>
+              <a:gd name="connsiteY7" fmla="*/ 601251 h 701180"/>
+              <a:gd name="connsiteX8" fmla="*/ 2064659 w 2932150"/>
+              <a:gd name="connsiteY8" fmla="*/ 519812 h 701180"/>
+              <a:gd name="connsiteX9" fmla="*/ 2096011 w 2932150"/>
+              <a:gd name="connsiteY9" fmla="*/ 382913 h 701180"/>
+              <a:gd name="connsiteX10" fmla="*/ 2074807 w 2932150"/>
+              <a:gd name="connsiteY10" fmla="*/ 258712 h 701180"/>
+              <a:gd name="connsiteX11" fmla="*/ 2016135 w 2932150"/>
+              <a:gd name="connsiteY11" fmla="*/ 155669 h 701180"/>
+              <a:gd name="connsiteX12" fmla="*/ 1929697 w 2932150"/>
+              <a:gd name="connsiteY12" fmla="*/ 87426 h 701180"/>
+              <a:gd name="connsiteX13" fmla="*/ 1827213 w 2932150"/>
+              <a:gd name="connsiteY13" fmla="*/ 63200 h 701180"/>
+              <a:gd name="connsiteX14" fmla="*/ 998538 w 2932150"/>
+              <a:gd name="connsiteY14" fmla="*/ 63200 h 701180"/>
+              <a:gd name="connsiteX15" fmla="*/ 888640 w 2932150"/>
+              <a:gd name="connsiteY15" fmla="*/ 92297 h 701180"/>
+              <a:gd name="connsiteX16" fmla="*/ 806024 w 2932150"/>
+              <a:gd name="connsiteY16" fmla="*/ 177495 h 701180"/>
+              <a:gd name="connsiteX17" fmla="*/ 774668 w 2932150"/>
+              <a:gd name="connsiteY17" fmla="*/ 308788 h 701180"/>
+              <a:gd name="connsiteX18" fmla="*/ 813465 w 2932150"/>
+              <a:gd name="connsiteY18" fmla="*/ 465845 h 701180"/>
+              <a:gd name="connsiteX19" fmla="*/ 917228 w 2932150"/>
+              <a:gd name="connsiteY19" fmla="*/ 583557 h 701180"/>
+              <a:gd name="connsiteX20" fmla="*/ 1054197 w 2932150"/>
+              <a:gd name="connsiteY20" fmla="*/ 627529 h 701180"/>
+              <a:gd name="connsiteX21" fmla="*/ 1155980 w 2932150"/>
+              <a:gd name="connsiteY21" fmla="*/ 601251 h 701180"/>
+              <a:gd name="connsiteX22" fmla="*/ 1235984 w 2932150"/>
+              <a:gd name="connsiteY22" fmla="*/ 519812 h 701180"/>
+              <a:gd name="connsiteX23" fmla="*/ 1267336 w 2932150"/>
+              <a:gd name="connsiteY23" fmla="*/ 382913 h 701180"/>
+              <a:gd name="connsiteX24" fmla="*/ 1246132 w 2932150"/>
+              <a:gd name="connsiteY24" fmla="*/ 258712 h 701180"/>
+              <a:gd name="connsiteX25" fmla="*/ 1187460 w 2932150"/>
+              <a:gd name="connsiteY25" fmla="*/ 155669 h 701180"/>
+              <a:gd name="connsiteX26" fmla="*/ 1101022 w 2932150"/>
+              <a:gd name="connsiteY26" fmla="*/ 87426 h 701180"/>
+              <a:gd name="connsiteX27" fmla="*/ 998538 w 2932150"/>
+              <a:gd name="connsiteY27" fmla="*/ 63200 h 701180"/>
+              <a:gd name="connsiteX28" fmla="*/ 240532 w 2932150"/>
+              <a:gd name="connsiteY28" fmla="*/ 55238 h 701180"/>
+              <a:gd name="connsiteX29" fmla="*/ 196561 w 2932150"/>
+              <a:gd name="connsiteY29" fmla="*/ 60145 h 701180"/>
+              <a:gd name="connsiteX30" fmla="*/ 170489 w 2932150"/>
+              <a:gd name="connsiteY30" fmla="*/ 71606 h 701180"/>
+              <a:gd name="connsiteX31" fmla="*/ 159743 w 2932150"/>
+              <a:gd name="connsiteY31" fmla="*/ 320257 h 701180"/>
+              <a:gd name="connsiteX32" fmla="*/ 228340 w 2932150"/>
+              <a:gd name="connsiteY32" fmla="*/ 325957 h 701180"/>
+              <a:gd name="connsiteX33" fmla="*/ 276480 w 2932150"/>
+              <a:gd name="connsiteY33" fmla="*/ 322695 h 701180"/>
+              <a:gd name="connsiteX34" fmla="*/ 327014 w 2932150"/>
+              <a:gd name="connsiteY34" fmla="*/ 308562 h 701180"/>
+              <a:gd name="connsiteX35" fmla="*/ 370888 w 2932150"/>
+              <a:gd name="connsiteY35" fmla="*/ 272308 h 701180"/>
+              <a:gd name="connsiteX36" fmla="*/ 389157 w 2932150"/>
+              <a:gd name="connsiteY36" fmla="*/ 203272 h 701180"/>
+              <a:gd name="connsiteX37" fmla="*/ 372844 w 2932150"/>
+              <a:gd name="connsiteY37" fmla="*/ 138298 h 701180"/>
+              <a:gd name="connsiteX38" fmla="*/ 322729 w 2932150"/>
+              <a:gd name="connsiteY38" fmla="*/ 79662 h 701180"/>
+              <a:gd name="connsiteX39" fmla="*/ 240532 w 2932150"/>
+              <a:gd name="connsiteY39" fmla="*/ 55238 h 701180"/>
+              <a:gd name="connsiteX40" fmla="*/ 256737 w 2932150"/>
+              <a:gd name="connsiteY40" fmla="*/ 14431 h 701180"/>
+              <a:gd name="connsiteX41" fmla="*/ 352304 w 2932150"/>
+              <a:gd name="connsiteY41" fmla="*/ 29252 h 701180"/>
+              <a:gd name="connsiteX42" fmla="*/ 424334 w 2932150"/>
+              <a:gd name="connsiteY42" fmla="*/ 68838 h 701180"/>
+              <a:gd name="connsiteX43" fmla="*/ 468586 w 2932150"/>
+              <a:gd name="connsiteY43" fmla="*/ 125705 h 701180"/>
+              <a:gd name="connsiteX44" fmla="*/ 483709 w 2932150"/>
+              <a:gd name="connsiteY44" fmla="*/ 191297 h 701180"/>
+              <a:gd name="connsiteX45" fmla="*/ 468061 w 2932150"/>
+              <a:gd name="connsiteY45" fmla="*/ 258786 h 701180"/>
+              <a:gd name="connsiteX46" fmla="*/ 421143 w 2932150"/>
+              <a:gd name="connsiteY46" fmla="*/ 317990 h 701180"/>
+              <a:gd name="connsiteX47" fmla="*/ 347907 w 2932150"/>
+              <a:gd name="connsiteY47" fmla="*/ 358187 h 701180"/>
+              <a:gd name="connsiteX48" fmla="*/ 368225 w 2932150"/>
+              <a:gd name="connsiteY48" fmla="*/ 381094 h 701180"/>
+              <a:gd name="connsiteX49" fmla="*/ 444318 w 2932150"/>
+              <a:gd name="connsiteY49" fmla="*/ 492290 h 701180"/>
+              <a:gd name="connsiteX50" fmla="*/ 509248 w 2932150"/>
+              <a:gd name="connsiteY50" fmla="*/ 574448 h 701180"/>
+              <a:gd name="connsiteX51" fmla="*/ 577713 w 2932150"/>
+              <a:gd name="connsiteY51" fmla="*/ 636895 h 701180"/>
+              <a:gd name="connsiteX52" fmla="*/ 644915 w 2932150"/>
+              <a:gd name="connsiteY52" fmla="*/ 663134 h 701180"/>
+              <a:gd name="connsiteX53" fmla="*/ 662364 w 2932150"/>
+              <a:gd name="connsiteY53" fmla="*/ 682503 h 701180"/>
+              <a:gd name="connsiteX54" fmla="*/ 654110 w 2932150"/>
+              <a:gd name="connsiteY54" fmla="*/ 697071 h 701180"/>
+              <a:gd name="connsiteX55" fmla="*/ 626588 w 2932150"/>
+              <a:gd name="connsiteY55" fmla="*/ 701180 h 701180"/>
+              <a:gd name="connsiteX56" fmla="*/ 531510 w 2932150"/>
+              <a:gd name="connsiteY56" fmla="*/ 679665 h 701180"/>
+              <a:gd name="connsiteX57" fmla="*/ 445636 w 2932150"/>
+              <a:gd name="connsiteY57" fmla="*/ 622117 h 701180"/>
+              <a:gd name="connsiteX58" fmla="*/ 374356 w 2932150"/>
+              <a:gd name="connsiteY58" fmla="*/ 547412 h 701180"/>
+              <a:gd name="connsiteX59" fmla="*/ 301059 w 2932150"/>
+              <a:gd name="connsiteY59" fmla="*/ 448548 h 701180"/>
+              <a:gd name="connsiteX60" fmla="*/ 247880 w 2932150"/>
+              <a:gd name="connsiteY60" fmla="*/ 372735 h 701180"/>
+              <a:gd name="connsiteX61" fmla="*/ 156493 w 2932150"/>
+              <a:gd name="connsiteY61" fmla="*/ 366382 h 701180"/>
+              <a:gd name="connsiteX62" fmla="*/ 155762 w 2932150"/>
+              <a:gd name="connsiteY62" fmla="*/ 463695 h 701180"/>
+              <a:gd name="connsiteX63" fmla="*/ 157830 w 2932150"/>
+              <a:gd name="connsiteY63" fmla="*/ 556968 h 701180"/>
+              <a:gd name="connsiteX64" fmla="*/ 166912 w 2932150"/>
+              <a:gd name="connsiteY64" fmla="*/ 617304 h 701180"/>
+              <a:gd name="connsiteX65" fmla="*/ 177184 w 2932150"/>
+              <a:gd name="connsiteY65" fmla="*/ 630293 h 701180"/>
+              <a:gd name="connsiteX66" fmla="*/ 214189 w 2932150"/>
+              <a:gd name="connsiteY66" fmla="*/ 641960 h 701180"/>
+              <a:gd name="connsiteX67" fmla="*/ 234887 w 2932150"/>
+              <a:gd name="connsiteY67" fmla="*/ 659666 h 701180"/>
+              <a:gd name="connsiteX68" fmla="*/ 217610 w 2932150"/>
+              <a:gd name="connsiteY68" fmla="*/ 680279 h 701180"/>
+              <a:gd name="connsiteX69" fmla="*/ 174307 w 2932150"/>
+              <a:gd name="connsiteY69" fmla="*/ 675178 h 701180"/>
+              <a:gd name="connsiteX70" fmla="*/ 125484 w 2932150"/>
+              <a:gd name="connsiteY70" fmla="*/ 671321 h 701180"/>
+              <a:gd name="connsiteX71" fmla="*/ 29283 w 2932150"/>
+              <a:gd name="connsiteY71" fmla="*/ 678288 h 701180"/>
+              <a:gd name="connsiteX72" fmla="*/ 20885 w 2932150"/>
+              <a:gd name="connsiteY72" fmla="*/ 679284 h 701180"/>
+              <a:gd name="connsiteX73" fmla="*/ 0 w 2932150"/>
+              <a:gd name="connsiteY73" fmla="*/ 660607 h 701180"/>
+              <a:gd name="connsiteX74" fmla="*/ 6399 w 2932150"/>
+              <a:gd name="connsiteY74" fmla="*/ 646163 h 701180"/>
+              <a:gd name="connsiteX75" fmla="*/ 27292 w 2932150"/>
+              <a:gd name="connsiteY75" fmla="*/ 638010 h 701180"/>
+              <a:gd name="connsiteX76" fmla="*/ 53916 w 2932150"/>
+              <a:gd name="connsiteY76" fmla="*/ 623357 h 701180"/>
+              <a:gd name="connsiteX77" fmla="*/ 65976 w 2932150"/>
+              <a:gd name="connsiteY77" fmla="*/ 580214 h 701180"/>
+              <a:gd name="connsiteX78" fmla="*/ 70665 w 2932150"/>
+              <a:gd name="connsiteY78" fmla="*/ 470732 h 701180"/>
+              <a:gd name="connsiteX79" fmla="*/ 70665 w 2932150"/>
+              <a:gd name="connsiteY79" fmla="*/ 254894 h 701180"/>
+              <a:gd name="connsiteX80" fmla="*/ 69953 w 2932150"/>
+              <a:gd name="connsiteY80" fmla="*/ 140040 h 701180"/>
+              <a:gd name="connsiteX81" fmla="*/ 62866 w 2932150"/>
+              <a:gd name="connsiteY81" fmla="*/ 89167 h 701180"/>
+              <a:gd name="connsiteX82" fmla="*/ 46871 w 2932150"/>
+              <a:gd name="connsiteY82" fmla="*/ 69650 h 701180"/>
+              <a:gd name="connsiteX83" fmla="*/ 995 w 2932150"/>
+              <a:gd name="connsiteY83" fmla="*/ 60502 h 701180"/>
+              <a:gd name="connsiteX84" fmla="*/ 4051 w 2932150"/>
+              <a:gd name="connsiteY84" fmla="*/ 25900 h 701180"/>
+              <a:gd name="connsiteX85" fmla="*/ 78736 w 2932150"/>
+              <a:gd name="connsiteY85" fmla="*/ 26872 h 701180"/>
+              <a:gd name="connsiteX86" fmla="*/ 164743 w 2932150"/>
+              <a:gd name="connsiteY86" fmla="*/ 20652 h 701180"/>
+              <a:gd name="connsiteX87" fmla="*/ 256737 w 2932150"/>
+              <a:gd name="connsiteY87" fmla="*/ 14431 h 701180"/>
+              <a:gd name="connsiteX88" fmla="*/ 1857982 w 2932150"/>
+              <a:gd name="connsiteY88" fmla="*/ 8957 h 701180"/>
+              <a:gd name="connsiteX89" fmla="*/ 1979500 w 2932150"/>
+              <a:gd name="connsiteY89" fmla="*/ 33213 h 701180"/>
+              <a:gd name="connsiteX90" fmla="*/ 2086898 w 2932150"/>
+              <a:gd name="connsiteY90" fmla="*/ 100944 h 701180"/>
+              <a:gd name="connsiteX91" fmla="*/ 2162357 w 2932150"/>
+              <a:gd name="connsiteY91" fmla="*/ 207369 h 701180"/>
+              <a:gd name="connsiteX92" fmla="*/ 2190564 w 2932150"/>
+              <a:gd name="connsiteY92" fmla="*/ 343911 h 701180"/>
+              <a:gd name="connsiteX93" fmla="*/ 2145721 w 2932150"/>
+              <a:gd name="connsiteY93" fmla="*/ 511998 h 701180"/>
+              <a:gd name="connsiteX94" fmla="*/ 2021236 w 2932150"/>
+              <a:gd name="connsiteY94" fmla="*/ 636545 h 701180"/>
+              <a:gd name="connsiteX95" fmla="*/ 1840898 w 2932150"/>
+              <a:gd name="connsiteY95" fmla="*/ 682767 h 701180"/>
+              <a:gd name="connsiteX96" fmla="*/ 1701787 w 2932150"/>
+              <a:gd name="connsiteY96" fmla="*/ 652605 h 701180"/>
+              <a:gd name="connsiteX97" fmla="*/ 1596380 w 2932150"/>
+              <a:gd name="connsiteY97" fmla="*/ 571081 h 701180"/>
+              <a:gd name="connsiteX98" fmla="*/ 1531550 w 2932150"/>
+              <a:gd name="connsiteY98" fmla="*/ 461440 h 701180"/>
+              <a:gd name="connsiteX99" fmla="*/ 1510284 w 2932150"/>
+              <a:gd name="connsiteY99" fmla="*/ 345862 h 701180"/>
+              <a:gd name="connsiteX100" fmla="*/ 1558765 w 2932150"/>
+              <a:gd name="connsiteY100" fmla="*/ 176792 h 701180"/>
+              <a:gd name="connsiteX101" fmla="*/ 1687690 w 2932150"/>
+              <a:gd name="connsiteY101" fmla="*/ 54196 h 701180"/>
+              <a:gd name="connsiteX102" fmla="*/ 1857982 w 2932150"/>
+              <a:gd name="connsiteY102" fmla="*/ 8957 h 701180"/>
+              <a:gd name="connsiteX103" fmla="*/ 1029307 w 2932150"/>
+              <a:gd name="connsiteY103" fmla="*/ 8957 h 701180"/>
+              <a:gd name="connsiteX104" fmla="*/ 1150825 w 2932150"/>
+              <a:gd name="connsiteY104" fmla="*/ 33213 h 701180"/>
+              <a:gd name="connsiteX105" fmla="*/ 1258223 w 2932150"/>
+              <a:gd name="connsiteY105" fmla="*/ 100944 h 701180"/>
+              <a:gd name="connsiteX106" fmla="*/ 1333682 w 2932150"/>
+              <a:gd name="connsiteY106" fmla="*/ 207369 h 701180"/>
+              <a:gd name="connsiteX107" fmla="*/ 1361888 w 2932150"/>
+              <a:gd name="connsiteY107" fmla="*/ 343911 h 701180"/>
+              <a:gd name="connsiteX108" fmla="*/ 1317046 w 2932150"/>
+              <a:gd name="connsiteY108" fmla="*/ 511998 h 701180"/>
+              <a:gd name="connsiteX109" fmla="*/ 1192561 w 2932150"/>
+              <a:gd name="connsiteY109" fmla="*/ 636545 h 701180"/>
+              <a:gd name="connsiteX110" fmla="*/ 1012223 w 2932150"/>
+              <a:gd name="connsiteY110" fmla="*/ 682767 h 701180"/>
+              <a:gd name="connsiteX111" fmla="*/ 873112 w 2932150"/>
+              <a:gd name="connsiteY111" fmla="*/ 652605 h 701180"/>
+              <a:gd name="connsiteX112" fmla="*/ 767705 w 2932150"/>
+              <a:gd name="connsiteY112" fmla="*/ 571081 h 701180"/>
+              <a:gd name="connsiteX113" fmla="*/ 702875 w 2932150"/>
+              <a:gd name="connsiteY113" fmla="*/ 461440 h 701180"/>
+              <a:gd name="connsiteX114" fmla="*/ 681609 w 2932150"/>
+              <a:gd name="connsiteY114" fmla="*/ 345862 h 701180"/>
+              <a:gd name="connsiteX115" fmla="*/ 730090 w 2932150"/>
+              <a:gd name="connsiteY115" fmla="*/ 176792 h 701180"/>
+              <a:gd name="connsiteX116" fmla="*/ 859015 w 2932150"/>
+              <a:gd name="connsiteY116" fmla="*/ 54196 h 701180"/>
+              <a:gd name="connsiteX117" fmla="*/ 1029307 w 2932150"/>
+              <a:gd name="connsiteY117" fmla="*/ 8957 h 701180"/>
+              <a:gd name="connsiteX118" fmla="*/ 2353632 w 2932150"/>
+              <a:gd name="connsiteY118" fmla="*/ 0 h 701180"/>
+              <a:gd name="connsiteX119" fmla="*/ 2369766 w 2932150"/>
+              <a:gd name="connsiteY119" fmla="*/ 9828 h 701180"/>
+              <a:gd name="connsiteX120" fmla="*/ 2398093 w 2932150"/>
+              <a:gd name="connsiteY120" fmla="*/ 23700 h 701180"/>
+              <a:gd name="connsiteX121" fmla="*/ 2428811 w 2932150"/>
+              <a:gd name="connsiteY121" fmla="*/ 26666 h 701180"/>
+              <a:gd name="connsiteX122" fmla="*/ 2461733 w 2932150"/>
+              <a:gd name="connsiteY122" fmla="*/ 27553 h 701180"/>
+              <a:gd name="connsiteX123" fmla="*/ 2536602 w 2932150"/>
+              <a:gd name="connsiteY123" fmla="*/ 27868 h 701180"/>
+              <a:gd name="connsiteX124" fmla="*/ 2910752 w 2932150"/>
+              <a:gd name="connsiteY124" fmla="*/ 22985 h 701180"/>
+              <a:gd name="connsiteX125" fmla="*/ 2910752 w 2932150"/>
+              <a:gd name="connsiteY125" fmla="*/ 44966 h 701180"/>
+              <a:gd name="connsiteX126" fmla="*/ 2853380 w 2932150"/>
+              <a:gd name="connsiteY126" fmla="*/ 116526 h 701180"/>
+              <a:gd name="connsiteX127" fmla="*/ 2798078 w 2932150"/>
+              <a:gd name="connsiteY127" fmla="*/ 184011 h 701180"/>
+              <a:gd name="connsiteX128" fmla="*/ 2749305 w 2932150"/>
+              <a:gd name="connsiteY128" fmla="*/ 248168 h 701180"/>
+              <a:gd name="connsiteX129" fmla="*/ 2731934 w 2932150"/>
+              <a:gd name="connsiteY129" fmla="*/ 271558 h 701180"/>
+              <a:gd name="connsiteX130" fmla="*/ 2622570 w 2932150"/>
+              <a:gd name="connsiteY130" fmla="*/ 410369 h 701180"/>
+              <a:gd name="connsiteX131" fmla="*/ 2584865 w 2932150"/>
+              <a:gd name="connsiteY131" fmla="*/ 458734 h 701180"/>
+              <a:gd name="connsiteX132" fmla="*/ 2555978 w 2932150"/>
+              <a:gd name="connsiteY132" fmla="*/ 493410 h 701180"/>
+              <a:gd name="connsiteX133" fmla="*/ 2520739 w 2932150"/>
+              <a:gd name="connsiteY133" fmla="*/ 537739 h 701180"/>
+              <a:gd name="connsiteX134" fmla="*/ 2483190 w 2932150"/>
+              <a:gd name="connsiteY134" fmla="*/ 585361 h 701180"/>
+              <a:gd name="connsiteX135" fmla="*/ 2445502 w 2932150"/>
+              <a:gd name="connsiteY135" fmla="*/ 621783 h 701180"/>
+              <a:gd name="connsiteX136" fmla="*/ 2563972 w 2932150"/>
+              <a:gd name="connsiteY136" fmla="*/ 627529 h 701180"/>
+              <a:gd name="connsiteX137" fmla="*/ 2733132 w 2932150"/>
+              <a:gd name="connsiteY137" fmla="*/ 620857 h 701180"/>
+              <a:gd name="connsiteX138" fmla="*/ 2823089 w 2932150"/>
+              <a:gd name="connsiteY138" fmla="*/ 601690 h 701180"/>
+              <a:gd name="connsiteX139" fmla="*/ 2872558 w 2932150"/>
+              <a:gd name="connsiteY139" fmla="*/ 569845 h 701180"/>
+              <a:gd name="connsiteX140" fmla="*/ 2901997 w 2932150"/>
+              <a:gd name="connsiteY140" fmla="*/ 517549 h 701180"/>
+              <a:gd name="connsiteX141" fmla="*/ 2932150 w 2932150"/>
+              <a:gd name="connsiteY141" fmla="*/ 532455 h 701180"/>
+              <a:gd name="connsiteX142" fmla="*/ 2901161 w 2932150"/>
+              <a:gd name="connsiteY142" fmla="*/ 614279 h 701180"/>
+              <a:gd name="connsiteX143" fmla="*/ 2870832 w 2932150"/>
+              <a:gd name="connsiteY143" fmla="*/ 687246 h 701180"/>
+              <a:gd name="connsiteX144" fmla="*/ 2845460 w 2932150"/>
+              <a:gd name="connsiteY144" fmla="*/ 683840 h 701180"/>
+              <a:gd name="connsiteX145" fmla="*/ 2826848 w 2932150"/>
+              <a:gd name="connsiteY145" fmla="*/ 673328 h 701180"/>
+              <a:gd name="connsiteX146" fmla="*/ 2718078 w 2932150"/>
+              <a:gd name="connsiteY146" fmla="*/ 670326 h 701180"/>
+              <a:gd name="connsiteX147" fmla="*/ 2466294 w 2932150"/>
+              <a:gd name="connsiteY147" fmla="*/ 670326 h 701180"/>
+              <a:gd name="connsiteX148" fmla="*/ 2302149 w 2932150"/>
+              <a:gd name="connsiteY148" fmla="*/ 676181 h 701180"/>
+              <a:gd name="connsiteX149" fmla="*/ 2302958 w 2932150"/>
+              <a:gd name="connsiteY149" fmla="*/ 659281 h 701180"/>
+              <a:gd name="connsiteX150" fmla="*/ 2303036 w 2932150"/>
+              <a:gd name="connsiteY150" fmla="*/ 650677 h 701180"/>
+              <a:gd name="connsiteX151" fmla="*/ 2432847 w 2932150"/>
+              <a:gd name="connsiteY151" fmla="*/ 509455 h 701180"/>
+              <a:gd name="connsiteX152" fmla="*/ 2549155 w 2932150"/>
+              <a:gd name="connsiteY152" fmla="*/ 370857 h 701180"/>
+              <a:gd name="connsiteX153" fmla="*/ 2663104 w 2932150"/>
+              <a:gd name="connsiteY153" fmla="*/ 221541 h 701180"/>
+              <a:gd name="connsiteX154" fmla="*/ 2775222 w 2932150"/>
+              <a:gd name="connsiteY154" fmla="*/ 75657 h 701180"/>
+              <a:gd name="connsiteX155" fmla="*/ 2701516 w 2932150"/>
+              <a:gd name="connsiteY155" fmla="*/ 73647 h 701180"/>
+              <a:gd name="connsiteX156" fmla="*/ 2598519 w 2932150"/>
+              <a:gd name="connsiteY156" fmla="*/ 72656 h 701180"/>
+              <a:gd name="connsiteX157" fmla="*/ 2446567 w 2932150"/>
+              <a:gd name="connsiteY157" fmla="*/ 78557 h 701180"/>
+              <a:gd name="connsiteX158" fmla="*/ 2379070 w 2932150"/>
+              <a:gd name="connsiteY158" fmla="*/ 101262 h 701180"/>
+              <a:gd name="connsiteX159" fmla="*/ 2334014 w 2932150"/>
+              <a:gd name="connsiteY159" fmla="*/ 164720 h 701180"/>
+              <a:gd name="connsiteX160" fmla="*/ 2305120 w 2932150"/>
+              <a:gd name="connsiteY160" fmla="*/ 152403 h 701180"/>
+              <a:gd name="connsiteX161" fmla="*/ 2316243 w 2932150"/>
+              <a:gd name="connsiteY161" fmla="*/ 107378 h 701180"/>
+              <a:gd name="connsiteX162" fmla="*/ 2323070 w 2932150"/>
+              <a:gd name="connsiteY162" fmla="*/ 79281 h 701180"/>
+              <a:gd name="connsiteX163" fmla="*/ 2326503 w 2932150"/>
+              <a:gd name="connsiteY163" fmla="*/ 64616 h 701180"/>
+              <a:gd name="connsiteX164" fmla="*/ 2336650 w 2932150"/>
+              <a:gd name="connsiteY164" fmla="*/ 17215 h 701180"/>
+              <a:gd name="connsiteX165" fmla="*/ 2340895 w 2932150"/>
+              <a:gd name="connsiteY165" fmla="*/ 6298 h 701180"/>
+              <a:gd name="connsiteX166" fmla="*/ 2353632 w 2932150"/>
+              <a:gd name="connsiteY166" fmla="*/ 0 h 701180"/>
+            </a:gdLst>
+            <a:ahLst/>
+            <a:cxnLst>
+              <a:cxn ang="0">
+                <a:pos x="connsiteX0" y="connsiteY0"/>
+              </a:cxn>
+              <a:cxn ang="0">
+                <a:pos x="connsiteX1" y="connsiteY1"/>
+              </a:cxn>
+              <a:cxn ang="0">
+                <a:pos x="connsiteX2" y="connsiteY2"/>
+              </a:cxn>
+              <a:cxn ang="0">
+                <a:pos x="connsiteX3" y="connsiteY3"/>
+              </a:cxn>
+              <a:cxn ang="0">
+                <a:pos x="connsiteX4" y="connsiteY4"/>
+              </a:cxn>
+              <a:cxn ang="0">
+                <a:pos x="connsiteX5" y="connsiteY5"/>
+              </a:cxn>
+              <a:cxn ang="0">
+                <a:pos x="connsiteX6" y="connsiteY6"/>
+              </a:cxn>
+              <a:cxn ang="0">
+                <a:pos x="connsiteX7" y="connsiteY7"/>
+              </a:cxn>
+              <a:cxn ang="0">
+                <a:pos x="connsiteX8" y="connsiteY8"/>
+              </a:cxn>
+              <a:cxn ang="0">
+                <a:pos x="connsiteX9" y="connsiteY9"/>
+              </a:cxn>
+              <a:cxn ang="0">
+                <a:pos x="connsiteX10" y="connsiteY10"/>
+              </a:cxn>
+              <a:cxn ang="0">
+                <a:pos x="connsiteX11" y="connsiteY11"/>
+              </a:cxn>
+              <a:cxn ang="0">
+                <a:pos x="connsiteX12" y="connsiteY12"/>
+              </a:cxn>
+              <a:cxn ang="0">
+                <a:pos x="connsiteX13" y="connsiteY13"/>
+              </a:cxn>
+              <a:cxn ang="0">
+                <a:pos x="connsiteX14" y="connsiteY14"/>
+              </a:cxn>
+              <a:cxn ang="0">
+                <a:pos x="connsiteX15" y="connsiteY15"/>
+              </a:cxn>
+              <a:cxn ang="0">
+                <a:pos x="connsiteX16" y="connsiteY16"/>
+              </a:cxn>
+              <a:cxn ang="0">
+                <a:pos x="connsiteX17" y="connsiteY17"/>
+              </a:cxn>
+              <a:cxn ang="0">
+                <a:pos x="connsiteX18" y="connsiteY18"/>
+              </a:cxn>
+              <a:cxn ang="0">
+                <a:pos x="connsiteX19" y="connsiteY19"/>
+              </a:cxn>
+              <a:cxn ang="0">
+                <a:pos x="connsiteX20" y="connsiteY20"/>
+              </a:cxn>
+              <a:cxn ang="0">
+                <a:pos x="connsiteX21" y="connsiteY21"/>
+              </a:cxn>
+              <a:cxn ang="0">
+                <a:pos x="connsiteX22" y="connsiteY22"/>
+              </a:cxn>
+              <a:cxn ang="0">
+                <a:pos x="connsiteX23" y="connsiteY23"/>
+              </a:cxn>
+              <a:cxn ang="0">
+                <a:pos x="connsiteX24" y="connsiteY24"/>
+              </a:cxn>
+              <a:cxn ang="0">
+                <a:pos x="connsiteX25" y="connsiteY25"/>
+              </a:cxn>
+              <a:cxn ang="0">
+                <a:pos x="connsiteX26" y="connsiteY26"/>
+              </a:cxn>
+              <a:cxn ang="0">
+                <a:pos x="connsiteX27" y="connsiteY27"/>
+              </a:cxn>
+              <a:cxn ang="0">
+                <a:pos x="connsiteX28" y="connsiteY28"/>
+              </a:cxn>
+              <a:cxn ang="0">
+                <a:pos x="connsiteX29" y="connsiteY29"/>
+              </a:cxn>
+              <a:cxn ang="0">
+                <a:pos x="connsiteX30" y="connsiteY30"/>
+              </a:cxn>
+              <a:cxn ang="0">
+                <a:pos x="connsiteX31" y="connsiteY31"/>
+              </a:cxn>
+              <a:cxn ang="0">
+                <a:pos x="connsiteX32" y="connsiteY32"/>
+              </a:cxn>
+              <a:cxn ang="0">
+                <a:pos x="connsiteX33" y="connsiteY33"/>
+              </a:cxn>
+              <a:cxn ang="0">
+                <a:pos x="connsiteX34" y="connsiteY34"/>
+              </a:cxn>
+              <a:cxn ang="0">
+                <a:pos x="connsiteX35" y="connsiteY35"/>
+              </a:cxn>
+              <a:cxn ang="0">
+                <a:pos x="connsiteX36" y="connsiteY36"/>
+              </a:cxn>
+              <a:cxn ang="0">
+                <a:pos x="connsiteX37" y="connsiteY37"/>
+              </a:cxn>
+              <a:cxn ang="0">
+                <a:pos x="connsiteX38" y="connsiteY38"/>
+              </a:cxn>
+              <a:cxn ang="0">
+                <a:pos x="connsiteX39" y="connsiteY39"/>
+              </a:cxn>
+              <a:cxn ang="0">
+                <a:pos x="connsiteX40" y="connsiteY40"/>
+              </a:cxn>
+              <a:cxn ang="0">
+                <a:pos x="connsiteX41" y="connsiteY41"/>
+              </a:cxn>
+              <a:cxn ang="0">
+                <a:pos x="connsiteX42" y="connsiteY42"/>
+              </a:cxn>
+              <a:cxn ang="0">
+                <a:pos x="connsiteX43" y="connsiteY43"/>
+              </a:cxn>
+              <a:cxn ang="0">
+                <a:pos x="connsiteX44" y="connsiteY44"/>
+              </a:cxn>
+              <a:cxn ang="0">
+                <a:pos x="connsiteX45" y="connsiteY45"/>
+              </a:cxn>
+              <a:cxn ang="0">
+                <a:pos x="connsiteX46" y="connsiteY46"/>
+              </a:cxn>
+              <a:cxn ang="0">
+                <a:pos x="connsiteX47" y="connsiteY47"/>
+              </a:cxn>
+              <a:cxn ang="0">
+                <a:pos x="connsiteX48" y="connsiteY48"/>
+              </a:cxn>
+              <a:cxn ang="0">
+                <a:pos x="connsiteX49" y="connsiteY49"/>
+              </a:cxn>
+              <a:cxn ang="0">
+                <a:pos x="connsiteX50" y="connsiteY50"/>
+              </a:cxn>
+              <a:cxn ang="0">
+                <a:pos x="connsiteX51" y="connsiteY51"/>
+              </a:cxn>
+              <a:cxn ang="0">
+                <a:pos x="connsiteX52" y="connsiteY52"/>
+              </a:cxn>
+              <a:cxn ang="0">
+                <a:pos x="connsiteX53" y="connsiteY53"/>
+              </a:cxn>
+              <a:cxn ang="0">
+                <a:pos x="connsiteX54" y="connsiteY54"/>
+              </a:cxn>
+              <a:cxn ang="0">
+                <a:pos x="connsiteX55" y="connsiteY55"/>
+              </a:cxn>
+              <a:cxn ang="0">
+                <a:pos x="connsiteX56" y="connsiteY56"/>
+              </a:cxn>
+              <a:cxn ang="0">
+                <a:pos x="connsiteX57" y="connsiteY57"/>
+              </a:cxn>
+              <a:cxn ang="0">
+                <a:pos x="connsiteX58" y="connsiteY58"/>
+              </a:cxn>
+              <a:cxn ang="0">
+                <a:pos x="connsiteX59" y="connsiteY59"/>
+              </a:cxn>
+              <a:cxn ang="0">
+                <a:pos x="connsiteX60" y="connsiteY60"/>
+              </a:cxn>
+              <a:cxn ang="0">
+                <a:pos x="connsiteX61" y="connsiteY61"/>
+              </a:cxn>
+              <a:cxn ang="0">
+                <a:pos x="connsiteX62" y="connsiteY62"/>
+              </a:cxn>
+              <a:cxn ang="0">
+                <a:pos x="connsiteX63" y="connsiteY63"/>
+              </a:cxn>
+              <a:cxn ang="0">
+                <a:pos x="connsiteX64" y="connsiteY64"/>
+              </a:cxn>
+              <a:cxn ang="0">
+                <a:pos x="connsiteX65" y="connsiteY65"/>
+              </a:cxn>
+              <a:cxn ang="0">
+                <a:pos x="connsiteX66" y="connsiteY66"/>
+              </a:cxn>
+              <a:cxn ang="0">
+                <a:pos x="connsiteX67" y="connsiteY67"/>
+              </a:cxn>
+              <a:cxn ang="0">
+                <a:pos x="connsiteX68" y="connsiteY68"/>
+              </a:cxn>
+              <a:cxn ang="0">
+                <a:pos x="connsiteX69" y="connsiteY69"/>
+              </a:cxn>
+              <a:cxn ang="0">
+                <a:pos x="connsiteX70" y="connsiteY70"/>
+              </a:cxn>
+              <a:cxn ang="0">
+                <a:pos x="connsiteX71" y="connsiteY71"/>
+              </a:cxn>
+              <a:cxn ang="0">
+                <a:pos x="connsiteX72" y="connsiteY72"/>
+              </a:cxn>
+              <a:cxn ang="0">
+                <a:pos x="connsiteX73" y="connsiteY73"/>
+              </a:cxn>
+              <a:cxn ang="0">
+                <a:pos x="connsiteX74" y="connsiteY74"/>
+              </a:cxn>
+              <a:cxn ang="0">
+                <a:pos x="connsiteX75" y="connsiteY75"/>
+              </a:cxn>
+              <a:cxn ang="0">
+                <a:pos x="connsiteX76" y="connsiteY76"/>
+              </a:cxn>
+              <a:cxn ang="0">
+                <a:pos x="connsiteX77" y="connsiteY77"/>
+              </a:cxn>
+              <a:cxn ang="0">
+                <a:pos x="connsiteX78" y="connsiteY78"/>
+              </a:cxn>
+              <a:cxn ang="0">
+                <a:pos x="connsiteX79" y="connsiteY79"/>
+              </a:cxn>
+              <a:cxn ang="0">
+                <a:pos x="connsiteX80" y="connsiteY80"/>
+              </a:cxn>
+              <a:cxn ang="0">
+                <a:pos x="connsiteX81" y="connsiteY81"/>
+              </a:cxn>
+              <a:cxn ang="0">
+                <a:pos x="connsiteX82" y="connsiteY82"/>
+              </a:cxn>
+              <a:cxn ang="0">
+                <a:pos x="connsiteX83" y="connsiteY83"/>
+              </a:cxn>
+              <a:cxn ang="0">
+                <a:pos x="connsiteX84" y="connsiteY84"/>
+              </a:cxn>
+              <a:cxn ang="0">
+                <a:pos x="connsiteX85" y="connsiteY85"/>
+              </a:cxn>
+              <a:cxn ang="0">
+                <a:pos x="connsiteX86" y="connsiteY86"/>
+              </a:cxn>
+              <a:cxn ang="0">
+                <a:pos x="connsiteX87" y="connsiteY87"/>
+              </a:cxn>
+              <a:cxn ang="0">
+                <a:pos x="connsiteX88" y="connsiteY88"/>
+              </a:cxn>
+              <a:cxn ang="0">
+                <a:pos x="connsiteX89" y="connsiteY89"/>
+              </a:cxn>
+              <a:cxn ang="0">
+                <a:pos x="connsiteX90" y="connsiteY90"/>
+              </a:cxn>
+              <a:cxn ang="0">
+                <a:pos x="connsiteX91" y="connsiteY91"/>
+              </a:cxn>
+              <a:cxn ang="0">
+                <a:pos x="connsiteX92" y="connsiteY92"/>
+              </a:cxn>
+              <a:cxn ang="0">
+                <a:pos x="connsiteX93" y="connsiteY93"/>
+              </a:cxn>
+              <a:cxn ang="0">
+                <a:pos x="connsiteX94" y="connsiteY94"/>
+              </a:cxn>
+              <a:cxn ang="0">
+                <a:pos x="connsiteX95" y="connsiteY95"/>
+              </a:cxn>
+              <a:cxn ang="0">
+                <a:pos x="connsiteX96" y="connsiteY96"/>
+              </a:cxn>
+              <a:cxn ang="0">
+                <a:pos x="connsiteX97" y="connsiteY97"/>
+              </a:cxn>
+              <a:cxn ang="0">
+                <a:pos x="connsiteX98" y="connsiteY98"/>
+              </a:cxn>
+              <a:cxn ang="0">
+                <a:pos x="connsiteX99" y="connsiteY99"/>
+              </a:cxn>
+              <a:cxn ang="0">
+                <a:pos x="connsiteX100" y="connsiteY100"/>
+              </a:cxn>
+              <a:cxn ang="0">
+                <a:pos x="connsiteX101" y="connsiteY101"/>
+              </a:cxn>
+              <a:cxn ang="0">
+                <a:pos x="connsiteX102" y="connsiteY102"/>
+              </a:cxn>
+              <a:cxn ang="0">
+                <a:pos x="connsiteX103" y="connsiteY103"/>
+              </a:cxn>
+              <a:cxn ang="0">
+                <a:pos x="connsiteX104" y="connsiteY104"/>
+              </a:cxn>
+              <a:cxn ang="0">
+                <a:pos x="connsiteX105" y="connsiteY105"/>
+              </a:cxn>
+              <a:cxn ang="0">
+                <a:pos x="connsiteX106" y="connsiteY106"/>
+              </a:cxn>
+              <a:cxn ang="0">
+                <a:pos x="connsiteX107" y="connsiteY107"/>
+              </a:cxn>
+              <a:cxn ang="0">
+                <a:pos x="connsiteX108" y="connsiteY108"/>
+              </a:cxn>
+              <a:cxn ang="0">
+                <a:pos x="connsiteX109" y="connsiteY109"/>
+              </a:cxn>
+              <a:cxn ang="0">
+                <a:pos x="connsiteX110" y="connsiteY110"/>
+              </a:cxn>
+              <a:cxn ang="0">
+                <a:pos x="connsiteX111" y="connsiteY111"/>
+              </a:cxn>
+              <a:cxn ang="0">
+                <a:pos x="connsiteX112" y="connsiteY112"/>
+              </a:cxn>
+              <a:cxn ang="0">
+                <a:pos x="connsiteX113" y="connsiteY113"/>
+              </a:cxn>
+              <a:cxn ang="0">
+                <a:pos x="connsiteX114" y="connsiteY114"/>
+              </a:cxn>
+              <a:cxn ang="0">
+                <a:pos x="connsiteX115" y="connsiteY115"/>
+              </a:cxn>
+              <a:cxn ang="0">
+                <a:pos x="connsiteX116" y="connsiteY116"/>
+              </a:cxn>
+              <a:cxn ang="0">
+                <a:pos x="connsiteX117" y="connsiteY117"/>
+              </a:cxn>
+              <a:cxn ang="0">
+                <a:pos x="connsiteX118" y="connsiteY118"/>
+              </a:cxn>
+              <a:cxn ang="0">
+                <a:pos x="connsiteX119" y="connsiteY119"/>
+              </a:cxn>
+              <a:cxn ang="0">
+                <a:pos x="connsiteX120" y="connsiteY120"/>
+              </a:cxn>
+              <a:cxn ang="0">
+                <a:pos x="connsiteX121" y="connsiteY121"/>
+              </a:cxn>
+              <a:cxn ang="0">
+                <a:pos x="connsiteX122" y="connsiteY122"/>
+              </a:cxn>
+              <a:cxn ang="0">
+                <a:pos x="connsiteX123" y="connsiteY123"/>
+              </a:cxn>
+              <a:cxn ang="0">
+                <a:pos x="connsiteX124" y="connsiteY124"/>
+              </a:cxn>
+              <a:cxn ang="0">
+                <a:pos x="connsiteX125" y="connsiteY125"/>
+              </a:cxn>
+              <a:cxn ang="0">
+                <a:pos x="connsiteX126" y="connsiteY126"/>
+              </a:cxn>
+              <a:cxn ang="0">
+                <a:pos x="connsiteX127" y="connsiteY127"/>
+              </a:cxn>
+              <a:cxn ang="0">
+                <a:pos x="connsiteX128" y="connsiteY128"/>
+              </a:cxn>
+              <a:cxn ang="0">
+                <a:pos x="connsiteX129" y="connsiteY129"/>
+              </a:cxn>
+              <a:cxn ang="0">
+                <a:pos x="connsiteX130" y="connsiteY130"/>
+              </a:cxn>
+              <a:cxn ang="0">
+                <a:pos x="connsiteX131" y="connsiteY131"/>
+              </a:cxn>
+              <a:cxn ang="0">
+                <a:pos x="connsiteX132" y="connsiteY132"/>
+              </a:cxn>
+              <a:cxn ang="0">
+                <a:pos x="connsiteX133" y="connsiteY133"/>
+              </a:cxn>
+              <a:cxn ang="0">
+                <a:pos x="connsiteX134" y="connsiteY134"/>
+              </a:cxn>
+              <a:cxn ang="0">
+                <a:pos x="connsiteX135" y="connsiteY135"/>
+              </a:cxn>
+              <a:cxn ang="0">
+                <a:pos x="connsiteX136" y="connsiteY136"/>
+              </a:cxn>
+              <a:cxn ang="0">
+                <a:pos x="connsiteX137" y="connsiteY137"/>
+              </a:cxn>
+              <a:cxn ang="0">
+                <a:pos x="connsiteX138" y="connsiteY138"/>
+              </a:cxn>
+              <a:cxn ang="0">
+                <a:pos x="connsiteX139" y="connsiteY139"/>
+              </a:cxn>
+              <a:cxn ang="0">
+                <a:pos x="connsiteX140" y="connsiteY140"/>
+              </a:cxn>
+              <a:cxn ang="0">
+                <a:pos x="connsiteX141" y="connsiteY141"/>
+              </a:cxn>
+              <a:cxn ang="0">
+                <a:pos x="connsiteX142" y="connsiteY142"/>
+              </a:cxn>
+              <a:cxn ang="0">
+                <a:pos x="connsiteX143" y="connsiteY143"/>
+              </a:cxn>
+              <a:cxn ang="0">
+                <a:pos x="connsiteX144" y="connsiteY144"/>
+              </a:cxn>
+              <a:cxn ang="0">
+                <a:pos x="connsiteX145" y="connsiteY145"/>
+              </a:cxn>
+              <a:cxn ang="0">
+                <a:pos x="connsiteX146" y="connsiteY146"/>
+              </a:cxn>
+              <a:cxn ang="0">
+                <a:pos x="connsiteX147" y="connsiteY147"/>
+              </a:cxn>
+              <a:cxn ang="0">
+                <a:pos x="connsiteX148" y="connsiteY148"/>
+              </a:cxn>
+              <a:cxn ang="0">
+                <a:pos x="connsiteX149" y="connsiteY149"/>
+              </a:cxn>
+              <a:cxn ang="0">
+                <a:pos x="connsiteX150" y="connsiteY150"/>
+              </a:cxn>
+              <a:cxn ang="0">
+                <a:pos x="connsiteX151" y="connsiteY151"/>
+              </a:cxn>
+              <a:cxn ang="0">
+                <a:pos x="connsiteX152" y="connsiteY152"/>
+              </a:cxn>
+              <a:cxn ang="0">
+                <a:pos x="connsiteX153" y="connsiteY153"/>
+              </a:cxn>
+              <a:cxn ang="0">
+                <a:pos x="connsiteX154" y="connsiteY154"/>
+              </a:cxn>
+              <a:cxn ang="0">
+                <a:pos x="connsiteX155" y="connsiteY155"/>
+              </a:cxn>
+              <a:cxn ang="0">
+                <a:pos x="connsiteX156" y="connsiteY156"/>
+              </a:cxn>
+              <a:cxn ang="0">
+                <a:pos x="connsiteX157" y="connsiteY157"/>
+              </a:cxn>
+              <a:cxn ang="0">
+                <a:pos x="connsiteX158" y="connsiteY158"/>
+              </a:cxn>
+              <a:cxn ang="0">
+                <a:pos x="connsiteX159" y="connsiteY159"/>
+              </a:cxn>
+              <a:cxn ang="0">
+                <a:pos x="connsiteX160" y="connsiteY160"/>
+              </a:cxn>
+              <a:cxn ang="0">
+                <a:pos x="connsiteX161" y="connsiteY161"/>
+              </a:cxn>
+              <a:cxn ang="0">
+                <a:pos x="connsiteX162" y="connsiteY162"/>
+              </a:cxn>
+              <a:cxn ang="0">
+                <a:pos x="connsiteX163" y="connsiteY163"/>
+              </a:cxn>
+              <a:cxn ang="0">
+                <a:pos x="connsiteX164" y="connsiteY164"/>
+              </a:cxn>
+              <a:cxn ang="0">
+                <a:pos x="connsiteX165" y="connsiteY165"/>
+              </a:cxn>
+              <a:cxn ang="0">
+                <a:pos x="connsiteX166" y="connsiteY166"/>
+              </a:cxn>
+            </a:cxnLst>
+            <a:rect l="l" t="t" r="r" b="b"/>
+            <a:pathLst>
+              <a:path w="2932150" h="701180">
+                <a:moveTo>
+                  <a:pt x="1827213" y="63200"/>
+                </a:moveTo>
+                <a:cubicBezTo>
+                  <a:pt x="1788122" y="63200"/>
+                  <a:pt x="1751490" y="72899"/>
+                  <a:pt x="1717315" y="92297"/>
+                </a:cubicBezTo>
+                <a:cubicBezTo>
+                  <a:pt x="1683141" y="111695"/>
+                  <a:pt x="1655602" y="140094"/>
+                  <a:pt x="1634699" y="177495"/>
+                </a:cubicBezTo>
+                <a:cubicBezTo>
+                  <a:pt x="1613795" y="214896"/>
+                  <a:pt x="1603343" y="258660"/>
+                  <a:pt x="1603343" y="308788"/>
+                </a:cubicBezTo>
+                <a:cubicBezTo>
+                  <a:pt x="1603343" y="364332"/>
+                  <a:pt x="1616276" y="416684"/>
+                  <a:pt x="1642140" y="465845"/>
+                </a:cubicBezTo>
+                <a:cubicBezTo>
+                  <a:pt x="1668005" y="515006"/>
+                  <a:pt x="1702592" y="554243"/>
+                  <a:pt x="1745903" y="583557"/>
+                </a:cubicBezTo>
+                <a:cubicBezTo>
+                  <a:pt x="1789213" y="612872"/>
+                  <a:pt x="1834870" y="627529"/>
+                  <a:pt x="1882872" y="627529"/>
+                </a:cubicBezTo>
+                <a:cubicBezTo>
+                  <a:pt x="1918292" y="627529"/>
+                  <a:pt x="1952220" y="618769"/>
+                  <a:pt x="1984655" y="601251"/>
+                </a:cubicBezTo>
+                <a:cubicBezTo>
+                  <a:pt x="2017090" y="583732"/>
+                  <a:pt x="2043758" y="556586"/>
+                  <a:pt x="2064659" y="519812"/>
+                </a:cubicBezTo>
+                <a:cubicBezTo>
+                  <a:pt x="2085560" y="483038"/>
+                  <a:pt x="2096011" y="437405"/>
+                  <a:pt x="2096011" y="382913"/>
+                </a:cubicBezTo>
+                <a:cubicBezTo>
+                  <a:pt x="2096011" y="339463"/>
+                  <a:pt x="2088943" y="298062"/>
+                  <a:pt x="2074807" y="258712"/>
+                </a:cubicBezTo>
+                <a:cubicBezTo>
+                  <a:pt x="2060670" y="219362"/>
+                  <a:pt x="2041113" y="185014"/>
+                  <a:pt x="2016135" y="155669"/>
+                </a:cubicBezTo>
+                <a:cubicBezTo>
+                  <a:pt x="1991157" y="126323"/>
+                  <a:pt x="1962344" y="103576"/>
+                  <a:pt x="1929697" y="87426"/>
+                </a:cubicBezTo>
+                <a:cubicBezTo>
+                  <a:pt x="1897049" y="71275"/>
+                  <a:pt x="1862888" y="63200"/>
+                  <a:pt x="1827213" y="63200"/>
+                </a:cubicBezTo>
+                <a:close/>
+                <a:moveTo>
+                  <a:pt x="998538" y="63200"/>
+                </a:moveTo>
+                <a:cubicBezTo>
+                  <a:pt x="959447" y="63200"/>
+                  <a:pt x="922815" y="72899"/>
+                  <a:pt x="888640" y="92297"/>
+                </a:cubicBezTo>
+                <a:cubicBezTo>
+                  <a:pt x="854466" y="111695"/>
+                  <a:pt x="826927" y="140094"/>
+                  <a:pt x="806024" y="177495"/>
+                </a:cubicBezTo>
+                <a:cubicBezTo>
+                  <a:pt x="785120" y="214896"/>
+                  <a:pt x="774668" y="258660"/>
+                  <a:pt x="774668" y="308788"/>
+                </a:cubicBezTo>
+                <a:cubicBezTo>
+                  <a:pt x="774668" y="364332"/>
+                  <a:pt x="787601" y="416684"/>
+                  <a:pt x="813465" y="465845"/>
+                </a:cubicBezTo>
+                <a:cubicBezTo>
+                  <a:pt x="839330" y="515006"/>
+                  <a:pt x="873917" y="554243"/>
+                  <a:pt x="917228" y="583557"/>
+                </a:cubicBezTo>
+                <a:cubicBezTo>
+                  <a:pt x="960538" y="612872"/>
+                  <a:pt x="1006195" y="627529"/>
+                  <a:pt x="1054197" y="627529"/>
+                </a:cubicBezTo>
+                <a:cubicBezTo>
+                  <a:pt x="1089617" y="627529"/>
+                  <a:pt x="1123545" y="618769"/>
+                  <a:pt x="1155980" y="601251"/>
+                </a:cubicBezTo>
+                <a:cubicBezTo>
+                  <a:pt x="1188415" y="583732"/>
+                  <a:pt x="1215083" y="556586"/>
+                  <a:pt x="1235984" y="519812"/>
+                </a:cubicBezTo>
+                <a:cubicBezTo>
+                  <a:pt x="1256885" y="483038"/>
+                  <a:pt x="1267336" y="437405"/>
+                  <a:pt x="1267336" y="382913"/>
+                </a:cubicBezTo>
+                <a:cubicBezTo>
+                  <a:pt x="1267336" y="339463"/>
+                  <a:pt x="1260268" y="298062"/>
+                  <a:pt x="1246132" y="258712"/>
+                </a:cubicBezTo>
+                <a:cubicBezTo>
+                  <a:pt x="1231995" y="219362"/>
+                  <a:pt x="1212438" y="185014"/>
+                  <a:pt x="1187460" y="155669"/>
+                </a:cubicBezTo>
+                <a:cubicBezTo>
+                  <a:pt x="1162482" y="126323"/>
+                  <a:pt x="1133669" y="103576"/>
+                  <a:pt x="1101022" y="87426"/>
+                </a:cubicBezTo>
+                <a:cubicBezTo>
+                  <a:pt x="1068374" y="71275"/>
+                  <a:pt x="1034213" y="63200"/>
+                  <a:pt x="998538" y="63200"/>
+                </a:cubicBezTo>
+                <a:close/>
+                <a:moveTo>
+                  <a:pt x="240532" y="55238"/>
+                </a:moveTo>
+                <a:cubicBezTo>
+                  <a:pt x="227023" y="55238"/>
+                  <a:pt x="212366" y="56874"/>
+                  <a:pt x="196561" y="60145"/>
+                </a:cubicBezTo>
+                <a:cubicBezTo>
+                  <a:pt x="180756" y="63416"/>
+                  <a:pt x="172065" y="67236"/>
+                  <a:pt x="170489" y="71606"/>
+                </a:cubicBezTo>
+                <a:cubicBezTo>
+                  <a:pt x="163325" y="86857"/>
+                  <a:pt x="159743" y="169740"/>
+                  <a:pt x="159743" y="320257"/>
+                </a:cubicBezTo>
+                <a:cubicBezTo>
+                  <a:pt x="175357" y="324057"/>
+                  <a:pt x="198223" y="325957"/>
+                  <a:pt x="228340" y="325957"/>
+                </a:cubicBezTo>
+                <a:cubicBezTo>
+                  <a:pt x="243814" y="325957"/>
+                  <a:pt x="259860" y="324869"/>
+                  <a:pt x="276480" y="322695"/>
+                </a:cubicBezTo>
+                <a:cubicBezTo>
+                  <a:pt x="293099" y="320520"/>
+                  <a:pt x="309943" y="315809"/>
+                  <a:pt x="327014" y="308562"/>
+                </a:cubicBezTo>
+                <a:cubicBezTo>
+                  <a:pt x="344084" y="301315"/>
+                  <a:pt x="358709" y="289231"/>
+                  <a:pt x="370888" y="272308"/>
+                </a:cubicBezTo>
+                <a:cubicBezTo>
+                  <a:pt x="383068" y="255386"/>
+                  <a:pt x="389157" y="232373"/>
+                  <a:pt x="389157" y="203272"/>
+                </a:cubicBezTo>
+                <a:cubicBezTo>
+                  <a:pt x="389157" y="182765"/>
+                  <a:pt x="383720" y="161107"/>
+                  <a:pt x="372844" y="138298"/>
+                </a:cubicBezTo>
+                <a:cubicBezTo>
+                  <a:pt x="361968" y="115489"/>
+                  <a:pt x="345263" y="95944"/>
+                  <a:pt x="322729" y="79662"/>
+                </a:cubicBezTo>
+                <a:cubicBezTo>
+                  <a:pt x="300195" y="63379"/>
+                  <a:pt x="272796" y="55238"/>
+                  <a:pt x="240532" y="55238"/>
+                </a:cubicBezTo>
+                <a:close/>
+                <a:moveTo>
+                  <a:pt x="256737" y="14431"/>
+                </a:moveTo>
+                <a:cubicBezTo>
+                  <a:pt x="291847" y="14431"/>
+                  <a:pt x="323703" y="19371"/>
+                  <a:pt x="352304" y="29252"/>
+                </a:cubicBezTo>
+                <a:cubicBezTo>
+                  <a:pt x="380906" y="39132"/>
+                  <a:pt x="404916" y="52327"/>
+                  <a:pt x="424334" y="68838"/>
+                </a:cubicBezTo>
+                <a:cubicBezTo>
+                  <a:pt x="443753" y="85348"/>
+                  <a:pt x="458503" y="104304"/>
+                  <a:pt x="468586" y="125705"/>
+                </a:cubicBezTo>
+                <a:cubicBezTo>
+                  <a:pt x="478668" y="147107"/>
+                  <a:pt x="483709" y="168971"/>
+                  <a:pt x="483709" y="191297"/>
+                </a:cubicBezTo>
+                <a:cubicBezTo>
+                  <a:pt x="483709" y="214401"/>
+                  <a:pt x="478493" y="236898"/>
+                  <a:pt x="468061" y="258786"/>
+                </a:cubicBezTo>
+                <a:cubicBezTo>
+                  <a:pt x="457629" y="280675"/>
+                  <a:pt x="441989" y="300409"/>
+                  <a:pt x="421143" y="317990"/>
+                </a:cubicBezTo>
+                <a:cubicBezTo>
+                  <a:pt x="400296" y="335571"/>
+                  <a:pt x="375884" y="348970"/>
+                  <a:pt x="347907" y="358187"/>
+                </a:cubicBezTo>
+                <a:lnTo>
+                  <a:pt x="368225" y="381094"/>
+                </a:lnTo>
+                <a:cubicBezTo>
+                  <a:pt x="398441" y="426457"/>
+                  <a:pt x="423805" y="463523"/>
+                  <a:pt x="444318" y="492290"/>
+                </a:cubicBezTo>
+                <a:cubicBezTo>
+                  <a:pt x="464830" y="521058"/>
+                  <a:pt x="486473" y="548444"/>
+                  <a:pt x="509248" y="574448"/>
+                </a:cubicBezTo>
+                <a:cubicBezTo>
+                  <a:pt x="532024" y="600453"/>
+                  <a:pt x="554845" y="621268"/>
+                  <a:pt x="577713" y="636895"/>
+                </a:cubicBezTo>
+                <a:cubicBezTo>
+                  <a:pt x="600582" y="652521"/>
+                  <a:pt x="622982" y="661268"/>
+                  <a:pt x="644915" y="663134"/>
+                </a:cubicBezTo>
+                <a:cubicBezTo>
+                  <a:pt x="656547" y="664969"/>
+                  <a:pt x="662364" y="671425"/>
+                  <a:pt x="662364" y="682503"/>
+                </a:cubicBezTo>
+                <a:cubicBezTo>
+                  <a:pt x="662364" y="689475"/>
+                  <a:pt x="659612" y="694331"/>
+                  <a:pt x="654110" y="697071"/>
+                </a:cubicBezTo>
+                <a:cubicBezTo>
+                  <a:pt x="648607" y="699810"/>
+                  <a:pt x="639433" y="701180"/>
+                  <a:pt x="626588" y="701180"/>
+                </a:cubicBezTo>
+                <a:cubicBezTo>
+                  <a:pt x="593499" y="701180"/>
+                  <a:pt x="561807" y="694008"/>
+                  <a:pt x="531510" y="679665"/>
+                </a:cubicBezTo>
+                <a:cubicBezTo>
+                  <a:pt x="501213" y="665321"/>
+                  <a:pt x="472589" y="646139"/>
+                  <a:pt x="445636" y="622117"/>
+                </a:cubicBezTo>
+                <a:cubicBezTo>
+                  <a:pt x="418683" y="598095"/>
+                  <a:pt x="394923" y="573194"/>
+                  <a:pt x="374356" y="547412"/>
+                </a:cubicBezTo>
+                <a:cubicBezTo>
+                  <a:pt x="353789" y="521630"/>
+                  <a:pt x="329357" y="488676"/>
+                  <a:pt x="301059" y="448548"/>
+                </a:cubicBezTo>
+                <a:lnTo>
+                  <a:pt x="247880" y="372735"/>
+                </a:lnTo>
+                <a:cubicBezTo>
+                  <a:pt x="207431" y="372735"/>
+                  <a:pt x="176969" y="370617"/>
+                  <a:pt x="156493" y="366382"/>
+                </a:cubicBezTo>
+                <a:lnTo>
+                  <a:pt x="155762" y="463695"/>
+                </a:lnTo>
+                <a:cubicBezTo>
+                  <a:pt x="155762" y="497037"/>
+                  <a:pt x="156451" y="528128"/>
+                  <a:pt x="157830" y="556968"/>
+                </a:cubicBezTo>
+                <a:cubicBezTo>
+                  <a:pt x="159209" y="585808"/>
+                  <a:pt x="162237" y="605920"/>
+                  <a:pt x="166912" y="617304"/>
+                </a:cubicBezTo>
+                <a:cubicBezTo>
+                  <a:pt x="168986" y="623514"/>
+                  <a:pt x="172410" y="627844"/>
+                  <a:pt x="177184" y="630293"/>
+                </a:cubicBezTo>
+                <a:cubicBezTo>
+                  <a:pt x="181958" y="632742"/>
+                  <a:pt x="194293" y="636632"/>
+                  <a:pt x="214189" y="641960"/>
+                </a:cubicBezTo>
+                <a:cubicBezTo>
+                  <a:pt x="227988" y="645014"/>
+                  <a:pt x="234887" y="650915"/>
+                  <a:pt x="234887" y="659666"/>
+                </a:cubicBezTo>
+                <a:cubicBezTo>
+                  <a:pt x="234887" y="673408"/>
+                  <a:pt x="229128" y="680279"/>
+                  <a:pt x="217610" y="680279"/>
+                </a:cubicBezTo>
+                <a:cubicBezTo>
+                  <a:pt x="211374" y="680279"/>
+                  <a:pt x="196940" y="678579"/>
+                  <a:pt x="174307" y="675178"/>
+                </a:cubicBezTo>
+                <a:cubicBezTo>
+                  <a:pt x="147221" y="672607"/>
+                  <a:pt x="130947" y="671321"/>
+                  <a:pt x="125484" y="671321"/>
+                </a:cubicBezTo>
+                <a:cubicBezTo>
+                  <a:pt x="94832" y="671321"/>
+                  <a:pt x="62765" y="673644"/>
+                  <a:pt x="29283" y="678288"/>
+                </a:cubicBezTo>
+                <a:cubicBezTo>
+                  <a:pt x="26945" y="678288"/>
+                  <a:pt x="24146" y="678620"/>
+                  <a:pt x="20885" y="679284"/>
+                </a:cubicBezTo>
+                <a:cubicBezTo>
+                  <a:pt x="6961" y="679284"/>
+                  <a:pt x="0" y="673058"/>
+                  <a:pt x="0" y="660607"/>
+                </a:cubicBezTo>
+                <a:cubicBezTo>
+                  <a:pt x="0" y="653805"/>
+                  <a:pt x="2133" y="648991"/>
+                  <a:pt x="6399" y="646163"/>
+                </a:cubicBezTo>
+                <a:cubicBezTo>
+                  <a:pt x="10665" y="643335"/>
+                  <a:pt x="17630" y="640618"/>
+                  <a:pt x="27292" y="638010"/>
+                </a:cubicBezTo>
+                <a:cubicBezTo>
+                  <a:pt x="39806" y="634667"/>
+                  <a:pt x="48680" y="629782"/>
+                  <a:pt x="53916" y="623357"/>
+                </a:cubicBezTo>
+                <a:cubicBezTo>
+                  <a:pt x="59152" y="616932"/>
+                  <a:pt x="63172" y="602551"/>
+                  <a:pt x="65976" y="580214"/>
+                </a:cubicBezTo>
+                <a:cubicBezTo>
+                  <a:pt x="68780" y="557877"/>
+                  <a:pt x="70344" y="521383"/>
+                  <a:pt x="70665" y="470732"/>
+                </a:cubicBezTo>
+                <a:lnTo>
+                  <a:pt x="70665" y="254894"/>
+                </a:lnTo>
+                <a:cubicBezTo>
+                  <a:pt x="71313" y="202377"/>
+                  <a:pt x="71076" y="164093"/>
+                  <a:pt x="69953" y="140040"/>
+                </a:cubicBezTo>
+                <a:cubicBezTo>
+                  <a:pt x="68831" y="115987"/>
+                  <a:pt x="66469" y="99030"/>
+                  <a:pt x="62866" y="89167"/>
+                </a:cubicBezTo>
+                <a:cubicBezTo>
+                  <a:pt x="59263" y="79305"/>
+                  <a:pt x="53931" y="72799"/>
+                  <a:pt x="46871" y="69650"/>
+                </a:cubicBezTo>
+                <a:cubicBezTo>
+                  <a:pt x="39811" y="66501"/>
+                  <a:pt x="24519" y="63452"/>
+                  <a:pt x="995" y="60502"/>
+                </a:cubicBezTo>
+                <a:lnTo>
+                  <a:pt x="4051" y="25900"/>
+                </a:lnTo>
+                <a:cubicBezTo>
+                  <a:pt x="24692" y="26548"/>
+                  <a:pt x="49588" y="26872"/>
+                  <a:pt x="78736" y="26872"/>
+                </a:cubicBezTo>
+                <a:cubicBezTo>
+                  <a:pt x="87139" y="26872"/>
+                  <a:pt x="115808" y="24799"/>
+                  <a:pt x="164743" y="20652"/>
+                </a:cubicBezTo>
+                <a:cubicBezTo>
+                  <a:pt x="213678" y="16505"/>
+                  <a:pt x="244343" y="14431"/>
+                  <a:pt x="256737" y="14431"/>
+                </a:cubicBezTo>
+                <a:close/>
+                <a:moveTo>
+                  <a:pt x="1857982" y="8957"/>
+                </a:moveTo>
+                <a:cubicBezTo>
+                  <a:pt x="1898897" y="8957"/>
+                  <a:pt x="1939403" y="17043"/>
+                  <a:pt x="1979500" y="33213"/>
+                </a:cubicBezTo>
+                <a:cubicBezTo>
+                  <a:pt x="2019596" y="49384"/>
+                  <a:pt x="2055396" y="71961"/>
+                  <a:pt x="2086898" y="100944"/>
+                </a:cubicBezTo>
+                <a:cubicBezTo>
+                  <a:pt x="2118400" y="129926"/>
+                  <a:pt x="2143553" y="165401"/>
+                  <a:pt x="2162357" y="207369"/>
+                </a:cubicBezTo>
+                <a:cubicBezTo>
+                  <a:pt x="2181161" y="249337"/>
+                  <a:pt x="2190564" y="294851"/>
+                  <a:pt x="2190564" y="343911"/>
+                </a:cubicBezTo>
+                <a:cubicBezTo>
+                  <a:pt x="2190564" y="403752"/>
+                  <a:pt x="2175616" y="459781"/>
+                  <a:pt x="2145721" y="511998"/>
+                </a:cubicBezTo>
+                <a:cubicBezTo>
+                  <a:pt x="2115826" y="564214"/>
+                  <a:pt x="2074331" y="605730"/>
+                  <a:pt x="2021236" y="636545"/>
+                </a:cubicBezTo>
+                <a:cubicBezTo>
+                  <a:pt x="1968141" y="667360"/>
+                  <a:pt x="1908029" y="682767"/>
+                  <a:pt x="1840898" y="682767"/>
+                </a:cubicBezTo>
+                <a:cubicBezTo>
+                  <a:pt x="1789387" y="682767"/>
+                  <a:pt x="1743017" y="672713"/>
+                  <a:pt x="1701787" y="652605"/>
+                </a:cubicBezTo>
+                <a:cubicBezTo>
+                  <a:pt x="1660558" y="632497"/>
+                  <a:pt x="1625422" y="605323"/>
+                  <a:pt x="1596380" y="571081"/>
+                </a:cubicBezTo>
+                <a:cubicBezTo>
+                  <a:pt x="1567338" y="536840"/>
+                  <a:pt x="1545728" y="500293"/>
+                  <a:pt x="1531550" y="461440"/>
+                </a:cubicBezTo>
+                <a:cubicBezTo>
+                  <a:pt x="1517373" y="422588"/>
+                  <a:pt x="1510284" y="384062"/>
+                  <a:pt x="1510284" y="345862"/>
+                </a:cubicBezTo>
+                <a:cubicBezTo>
+                  <a:pt x="1510284" y="284719"/>
+                  <a:pt x="1526445" y="228362"/>
+                  <a:pt x="1558765" y="176792"/>
+                </a:cubicBezTo>
+                <a:cubicBezTo>
+                  <a:pt x="1591086" y="125221"/>
+                  <a:pt x="1634061" y="84355"/>
+                  <a:pt x="1687690" y="54196"/>
+                </a:cubicBezTo>
+                <a:cubicBezTo>
+                  <a:pt x="1741319" y="24037"/>
+                  <a:pt x="1798083" y="8957"/>
+                  <a:pt x="1857982" y="8957"/>
+                </a:cubicBezTo>
+                <a:close/>
+                <a:moveTo>
+                  <a:pt x="1029307" y="8957"/>
+                </a:moveTo>
+                <a:cubicBezTo>
+                  <a:pt x="1070222" y="8957"/>
+                  <a:pt x="1110728" y="17043"/>
+                  <a:pt x="1150825" y="33213"/>
+                </a:cubicBezTo>
+                <a:cubicBezTo>
+                  <a:pt x="1190922" y="49384"/>
+                  <a:pt x="1226721" y="71961"/>
+                  <a:pt x="1258223" y="100944"/>
+                </a:cubicBezTo>
+                <a:cubicBezTo>
+                  <a:pt x="1289725" y="129926"/>
+                  <a:pt x="1314878" y="165401"/>
+                  <a:pt x="1333682" y="207369"/>
+                </a:cubicBezTo>
+                <a:cubicBezTo>
+                  <a:pt x="1352486" y="249337"/>
+                  <a:pt x="1361888" y="294851"/>
+                  <a:pt x="1361888" y="343911"/>
+                </a:cubicBezTo>
+                <a:cubicBezTo>
+                  <a:pt x="1361888" y="403752"/>
+                  <a:pt x="1346941" y="459781"/>
+                  <a:pt x="1317046" y="511998"/>
+                </a:cubicBezTo>
+                <a:cubicBezTo>
+                  <a:pt x="1287151" y="564214"/>
+                  <a:pt x="1245656" y="605730"/>
+                  <a:pt x="1192561" y="636545"/>
+                </a:cubicBezTo>
+                <a:cubicBezTo>
+                  <a:pt x="1139466" y="667360"/>
+                  <a:pt x="1079354" y="682767"/>
+                  <a:pt x="1012223" y="682767"/>
+                </a:cubicBezTo>
+                <a:cubicBezTo>
+                  <a:pt x="960712" y="682767"/>
+                  <a:pt x="914342" y="672713"/>
+                  <a:pt x="873112" y="652605"/>
+                </a:cubicBezTo>
+                <a:cubicBezTo>
+                  <a:pt x="831883" y="632497"/>
+                  <a:pt x="796747" y="605323"/>
+                  <a:pt x="767705" y="571081"/>
+                </a:cubicBezTo>
+                <a:cubicBezTo>
+                  <a:pt x="738663" y="536840"/>
+                  <a:pt x="717053" y="500293"/>
+                  <a:pt x="702875" y="461440"/>
+                </a:cubicBezTo>
+                <a:cubicBezTo>
+                  <a:pt x="688698" y="422588"/>
+                  <a:pt x="681609" y="384062"/>
+                  <a:pt x="681609" y="345862"/>
+                </a:cubicBezTo>
+                <a:cubicBezTo>
+                  <a:pt x="681609" y="284719"/>
+                  <a:pt x="697769" y="228362"/>
+                  <a:pt x="730090" y="176792"/>
+                </a:cubicBezTo>
+                <a:cubicBezTo>
+                  <a:pt x="762411" y="125221"/>
+                  <a:pt x="805386" y="84355"/>
+                  <a:pt x="859015" y="54196"/>
+                </a:cubicBezTo>
+                <a:cubicBezTo>
+                  <a:pt x="912644" y="24037"/>
+                  <a:pt x="969408" y="8957"/>
+                  <a:pt x="1029307" y="8957"/>
+                </a:cubicBezTo>
+                <a:close/>
+                <a:moveTo>
+                  <a:pt x="2353632" y="0"/>
+                </a:moveTo>
+                <a:cubicBezTo>
+                  <a:pt x="2359319" y="0"/>
+                  <a:pt x="2364697" y="3276"/>
+                  <a:pt x="2369766" y="9828"/>
+                </a:cubicBezTo>
+                <a:cubicBezTo>
+                  <a:pt x="2374333" y="17671"/>
+                  <a:pt x="2383775" y="22295"/>
+                  <a:pt x="2398093" y="23700"/>
+                </a:cubicBezTo>
+                <a:cubicBezTo>
+                  <a:pt x="2407808" y="25297"/>
+                  <a:pt x="2418047" y="26285"/>
+                  <a:pt x="2428811" y="26666"/>
+                </a:cubicBezTo>
+                <a:cubicBezTo>
+                  <a:pt x="2439575" y="27047"/>
+                  <a:pt x="2450549" y="27343"/>
+                  <a:pt x="2461733" y="27553"/>
+                </a:cubicBezTo>
+                <a:cubicBezTo>
+                  <a:pt x="2472917" y="27763"/>
+                  <a:pt x="2497873" y="27868"/>
+                  <a:pt x="2536602" y="27868"/>
+                </a:cubicBezTo>
+                <a:cubicBezTo>
+                  <a:pt x="2662277" y="27868"/>
+                  <a:pt x="2786994" y="26240"/>
+                  <a:pt x="2910752" y="22985"/>
+                </a:cubicBezTo>
+                <a:lnTo>
+                  <a:pt x="2910752" y="44966"/>
+                </a:lnTo>
+                <a:cubicBezTo>
+                  <a:pt x="2886274" y="77500"/>
+                  <a:pt x="2867150" y="101353"/>
+                  <a:pt x="2853380" y="116526"/>
+                </a:cubicBezTo>
+                <a:cubicBezTo>
+                  <a:pt x="2839608" y="131699"/>
+                  <a:pt x="2821175" y="154194"/>
+                  <a:pt x="2798078" y="184011"/>
+                </a:cubicBezTo>
+                <a:cubicBezTo>
+                  <a:pt x="2774982" y="213828"/>
+                  <a:pt x="2758724" y="235214"/>
+                  <a:pt x="2749305" y="248168"/>
+                </a:cubicBezTo>
+                <a:cubicBezTo>
+                  <a:pt x="2739886" y="261123"/>
+                  <a:pt x="2734096" y="268919"/>
+                  <a:pt x="2731934" y="271558"/>
+                </a:cubicBezTo>
+                <a:lnTo>
+                  <a:pt x="2622570" y="410369"/>
+                </a:lnTo>
+                <a:cubicBezTo>
+                  <a:pt x="2617780" y="415481"/>
+                  <a:pt x="2605211" y="431602"/>
+                  <a:pt x="2584865" y="458734"/>
+                </a:cubicBezTo>
+                <a:cubicBezTo>
+                  <a:pt x="2576110" y="468837"/>
+                  <a:pt x="2566480" y="480396"/>
+                  <a:pt x="2555978" y="493410"/>
+                </a:cubicBezTo>
+                <a:cubicBezTo>
+                  <a:pt x="2545476" y="506424"/>
+                  <a:pt x="2533729" y="521200"/>
+                  <a:pt x="2520739" y="537739"/>
+                </a:cubicBezTo>
+                <a:cubicBezTo>
+                  <a:pt x="2507748" y="554278"/>
+                  <a:pt x="2495232" y="570152"/>
+                  <a:pt x="2483190" y="585361"/>
+                </a:cubicBezTo>
+                <a:cubicBezTo>
+                  <a:pt x="2471148" y="600570"/>
+                  <a:pt x="2458585" y="612711"/>
+                  <a:pt x="2445502" y="621783"/>
+                </a:cubicBezTo>
+                <a:cubicBezTo>
+                  <a:pt x="2469741" y="625613"/>
+                  <a:pt x="2509231" y="627529"/>
+                  <a:pt x="2563972" y="627529"/>
+                </a:cubicBezTo>
+                <a:cubicBezTo>
+                  <a:pt x="2642615" y="627529"/>
+                  <a:pt x="2699002" y="625305"/>
+                  <a:pt x="2733132" y="620857"/>
+                </a:cubicBezTo>
+                <a:cubicBezTo>
+                  <a:pt x="2767262" y="616410"/>
+                  <a:pt x="2797248" y="610020"/>
+                  <a:pt x="2823089" y="601690"/>
+                </a:cubicBezTo>
+                <a:cubicBezTo>
+                  <a:pt x="2846940" y="590037"/>
+                  <a:pt x="2863430" y="579422"/>
+                  <a:pt x="2872558" y="569845"/>
+                </a:cubicBezTo>
+                <a:cubicBezTo>
+                  <a:pt x="2881686" y="560268"/>
+                  <a:pt x="2891500" y="542836"/>
+                  <a:pt x="2901997" y="517549"/>
+                </a:cubicBezTo>
+                <a:lnTo>
+                  <a:pt x="2932150" y="532455"/>
+                </a:lnTo>
+                <a:cubicBezTo>
+                  <a:pt x="2924784" y="554004"/>
+                  <a:pt x="2914454" y="581279"/>
+                  <a:pt x="2901161" y="614279"/>
+                </a:cubicBezTo>
+                <a:cubicBezTo>
+                  <a:pt x="2887867" y="647279"/>
+                  <a:pt x="2877757" y="671601"/>
+                  <a:pt x="2870832" y="687246"/>
+                </a:cubicBezTo>
+                <a:cubicBezTo>
+                  <a:pt x="2860796" y="687246"/>
+                  <a:pt x="2852338" y="686111"/>
+                  <a:pt x="2845460" y="683840"/>
+                </a:cubicBezTo>
+                <a:cubicBezTo>
+                  <a:pt x="2844894" y="678833"/>
+                  <a:pt x="2838691" y="675328"/>
+                  <a:pt x="2826848" y="673328"/>
+                </a:cubicBezTo>
+                <a:cubicBezTo>
+                  <a:pt x="2815006" y="671327"/>
+                  <a:pt x="2778749" y="670326"/>
+                  <a:pt x="2718078" y="670326"/>
+                </a:cubicBezTo>
+                <a:lnTo>
+                  <a:pt x="2466294" y="670326"/>
+                </a:lnTo>
+                <a:cubicBezTo>
+                  <a:pt x="2415332" y="670326"/>
+                  <a:pt x="2360617" y="672278"/>
+                  <a:pt x="2302149" y="676181"/>
+                </a:cubicBezTo>
+                <a:cubicBezTo>
+                  <a:pt x="2302574" y="665980"/>
+                  <a:pt x="2302843" y="660346"/>
+                  <a:pt x="2302958" y="659281"/>
+                </a:cubicBezTo>
+                <a:cubicBezTo>
+                  <a:pt x="2303071" y="658216"/>
+                  <a:pt x="2303098" y="655348"/>
+                  <a:pt x="2303036" y="650677"/>
+                </a:cubicBezTo>
+                <a:cubicBezTo>
+                  <a:pt x="2345791" y="606485"/>
+                  <a:pt x="2389062" y="559411"/>
+                  <a:pt x="2432847" y="509455"/>
+                </a:cubicBezTo>
+                <a:cubicBezTo>
+                  <a:pt x="2476632" y="459499"/>
+                  <a:pt x="2515401" y="413300"/>
+                  <a:pt x="2549155" y="370857"/>
+                </a:cubicBezTo>
+                <a:cubicBezTo>
+                  <a:pt x="2582910" y="328415"/>
+                  <a:pt x="2620892" y="278643"/>
+                  <a:pt x="2663104" y="221541"/>
+                </a:cubicBezTo>
+                <a:cubicBezTo>
+                  <a:pt x="2705316" y="164439"/>
+                  <a:pt x="2742688" y="115811"/>
+                  <a:pt x="2775222" y="75657"/>
+                </a:cubicBezTo>
+                <a:cubicBezTo>
+                  <a:pt x="2757638" y="74978"/>
+                  <a:pt x="2733070" y="74308"/>
+                  <a:pt x="2701516" y="73647"/>
+                </a:cubicBezTo>
+                <a:cubicBezTo>
+                  <a:pt x="2669962" y="72986"/>
+                  <a:pt x="2635630" y="72656"/>
+                  <a:pt x="2598519" y="72656"/>
+                </a:cubicBezTo>
+                <a:cubicBezTo>
+                  <a:pt x="2527910" y="72656"/>
+                  <a:pt x="2477260" y="74623"/>
+                  <a:pt x="2446567" y="78557"/>
+                </a:cubicBezTo>
+                <a:cubicBezTo>
+                  <a:pt x="2415873" y="82492"/>
+                  <a:pt x="2393375" y="90060"/>
+                  <a:pt x="2379070" y="101262"/>
+                </a:cubicBezTo>
+                <a:cubicBezTo>
+                  <a:pt x="2364765" y="112465"/>
+                  <a:pt x="2349746" y="133617"/>
+                  <a:pt x="2334014" y="164720"/>
+                </a:cubicBezTo>
+                <a:lnTo>
+                  <a:pt x="2305120" y="152403"/>
+                </a:lnTo>
+                <a:cubicBezTo>
+                  <a:pt x="2309297" y="135328"/>
+                  <a:pt x="2313005" y="120319"/>
+                  <a:pt x="2316243" y="107378"/>
+                </a:cubicBezTo>
+                <a:cubicBezTo>
+                  <a:pt x="2319480" y="94437"/>
+                  <a:pt x="2321755" y="85071"/>
+                  <a:pt x="2323070" y="79281"/>
+                </a:cubicBezTo>
+                <a:cubicBezTo>
+                  <a:pt x="2324384" y="73490"/>
+                  <a:pt x="2325528" y="68602"/>
+                  <a:pt x="2326503" y="64616"/>
+                </a:cubicBezTo>
+                <a:lnTo>
+                  <a:pt x="2336650" y="17215"/>
+                </a:lnTo>
+                <a:cubicBezTo>
+                  <a:pt x="2337412" y="14136"/>
+                  <a:pt x="2338827" y="10497"/>
+                  <a:pt x="2340895" y="6298"/>
+                </a:cubicBezTo>
+                <a:cubicBezTo>
+                  <a:pt x="2342964" y="2099"/>
+                  <a:pt x="2347209" y="0"/>
+                  <a:pt x="2353632" y="0"/>
+                </a:cubicBezTo>
+                <a:close/>
+              </a:path>
+            </a:pathLst>
+          </a:custGeom>
+          <a:solidFill>
+            <a:srgbClr val="FF0000"/>
+          </a:solidFill>
+          <a:ln w="3175">
+            <a:noFill/>
+          </a:ln>
+          <a:effectLst/>
+          <a:scene3d>
+            <a:camera prst="orthographicFront">
+              <a:rot lat="0" lon="0" rev="0"/>
+            </a:camera>
+            <a:lightRig rig="contrasting" dir="t">
+              <a:rot lat="0" lon="0" rev="1500000"/>
+            </a:lightRig>
+          </a:scene3d>
+          <a:sp3d prstMaterial="metal">
+            <a:bevelT w="88900" h="88900"/>
+          </a:sp3d>
+        </p:spPr>
+        <p:txBody>
+          <a:bodyPr rot="0" spcFirstLastPara="0" vertOverflow="overflow" horzOverflow="overflow" vert="horz" wrap="square" lIns="91440" tIns="45720" rIns="91440" bIns="45720" numCol="1" spcCol="0" rtlCol="0" fromWordArt="0" anchor="t" anchorCtr="0" forceAA="0" compatLnSpc="1">
+            <a:prstTxWarp prst="textNoShape">
+              <a:avLst/>
+            </a:prstTxWarp>
+            <a:noAutofit/>
+          </a:bodyPr>
+          <a:lstStyle/>
+          <a:p>
+            <a:pPr algn="ctr"/>
+            <a:endParaRPr lang="en-US" sz="8000" b="1" cap="none" spc="600" dirty="0">
+              <a:ln w="0"/>
+              <a:solidFill>
+                <a:schemeClr val="tx1"/>
+              </a:solidFill>
+              <a:latin typeface="Centaur" panose="02030504050205020304" pitchFamily="18" charset="0"/>
+            </a:endParaRPr>
+          </a:p>
+        </p:txBody>
+      </p:sp>
+      <p:sp>
+        <p:nvSpPr>
+          <p:cNvPr id="111" name="Freeform: Shape 110">
+            <a:extLst>
+              <a:ext uri="{FF2B5EF4-FFF2-40B4-BE49-F238E27FC236}">
+                <a16:creationId xmlns:a16="http://schemas.microsoft.com/office/drawing/2014/main" id="{2EF6F3B0-3FD8-9B1C-8982-D9E3615988EF}"/>
+              </a:ext>
+            </a:extLst>
+          </p:cNvPr>
+          <p:cNvSpPr/>
+          <p:nvPr/>
+        </p:nvSpPr>
+        <p:spPr>
+          <a:xfrm>
+            <a:off x="4138668" y="3018904"/>
+            <a:ext cx="2292711" cy="820192"/>
+          </a:xfrm>
+          <a:custGeom>
+            <a:avLst/>
+            <a:gdLst>
+              <a:gd name="connsiteX0" fmla="*/ 813584 w 1870852"/>
+              <a:gd name="connsiteY0" fmla="*/ 150094 h 669277"/>
+              <a:gd name="connsiteX1" fmla="*/ 805902 w 1870852"/>
+              <a:gd name="connsiteY1" fmla="*/ 182853 h 669277"/>
+              <a:gd name="connsiteX2" fmla="*/ 791789 w 1870852"/>
+              <a:gd name="connsiteY2" fmla="*/ 217735 h 669277"/>
+              <a:gd name="connsiteX3" fmla="*/ 736100 w 1870852"/>
+              <a:gd name="connsiteY3" fmla="*/ 360815 h 669277"/>
+              <a:gd name="connsiteX4" fmla="*/ 727698 w 1870852"/>
+              <a:gd name="connsiteY4" fmla="*/ 380486 h 669277"/>
+              <a:gd name="connsiteX5" fmla="*/ 724986 w 1870852"/>
+              <a:gd name="connsiteY5" fmla="*/ 384205 h 669277"/>
+              <a:gd name="connsiteX6" fmla="*/ 757145 w 1870852"/>
+              <a:gd name="connsiteY6" fmla="*/ 386751 h 669277"/>
+              <a:gd name="connsiteX7" fmla="*/ 804728 w 1870852"/>
+              <a:gd name="connsiteY7" fmla="*/ 387649 h 669277"/>
+              <a:gd name="connsiteX8" fmla="*/ 849485 w 1870852"/>
+              <a:gd name="connsiteY8" fmla="*/ 386669 h 669277"/>
+              <a:gd name="connsiteX9" fmla="*/ 905384 w 1870852"/>
+              <a:gd name="connsiteY9" fmla="*/ 385643 h 669277"/>
+              <a:gd name="connsiteX10" fmla="*/ 884211 w 1870852"/>
+              <a:gd name="connsiteY10" fmla="*/ 339541 h 669277"/>
+              <a:gd name="connsiteX11" fmla="*/ 849150 w 1870852"/>
+              <a:gd name="connsiteY11" fmla="*/ 249669 h 669277"/>
+              <a:gd name="connsiteX12" fmla="*/ 827005 w 1870852"/>
+              <a:gd name="connsiteY12" fmla="*/ 195205 h 669277"/>
+              <a:gd name="connsiteX13" fmla="*/ 813584 w 1870852"/>
+              <a:gd name="connsiteY13" fmla="*/ 150094 h 669277"/>
+              <a:gd name="connsiteX14" fmla="*/ 225661 w 1870852"/>
+              <a:gd name="connsiteY14" fmla="*/ 47276 h 669277"/>
+              <a:gd name="connsiteX15" fmla="*/ 169248 w 1870852"/>
+              <a:gd name="connsiteY15" fmla="*/ 54095 h 669277"/>
+              <a:gd name="connsiteX16" fmla="*/ 167923 w 1870852"/>
+              <a:gd name="connsiteY16" fmla="*/ 94560 h 669277"/>
+              <a:gd name="connsiteX17" fmla="*/ 165850 w 1870852"/>
+              <a:gd name="connsiteY17" fmla="*/ 174284 h 669277"/>
+              <a:gd name="connsiteX18" fmla="*/ 164202 w 1870852"/>
+              <a:gd name="connsiteY18" fmla="*/ 236731 h 669277"/>
+              <a:gd name="connsiteX19" fmla="*/ 163300 w 1870852"/>
+              <a:gd name="connsiteY19" fmla="*/ 280173 h 669277"/>
+              <a:gd name="connsiteX20" fmla="*/ 163976 w 1870852"/>
+              <a:gd name="connsiteY20" fmla="*/ 376724 h 669277"/>
+              <a:gd name="connsiteX21" fmla="*/ 232916 w 1870852"/>
+              <a:gd name="connsiteY21" fmla="*/ 385674 h 669277"/>
+              <a:gd name="connsiteX22" fmla="*/ 310669 w 1870852"/>
+              <a:gd name="connsiteY22" fmla="*/ 370741 h 669277"/>
+              <a:gd name="connsiteX23" fmla="*/ 376047 w 1870852"/>
+              <a:gd name="connsiteY23" fmla="*/ 319767 h 669277"/>
+              <a:gd name="connsiteX24" fmla="*/ 402644 w 1870852"/>
+              <a:gd name="connsiteY24" fmla="*/ 224538 h 669277"/>
+              <a:gd name="connsiteX25" fmla="*/ 383022 w 1870852"/>
+              <a:gd name="connsiteY25" fmla="*/ 138119 h 669277"/>
+              <a:gd name="connsiteX26" fmla="*/ 322787 w 1870852"/>
+              <a:gd name="connsiteY26" fmla="*/ 72465 h 669277"/>
+              <a:gd name="connsiteX27" fmla="*/ 225661 w 1870852"/>
+              <a:gd name="connsiteY27" fmla="*/ 47276 h 669277"/>
+              <a:gd name="connsiteX28" fmla="*/ 1494158 w 1870852"/>
+              <a:gd name="connsiteY28" fmla="*/ 5972 h 669277"/>
+              <a:gd name="connsiteX29" fmla="*/ 1494158 w 1870852"/>
+              <a:gd name="connsiteY29" fmla="*/ 40192 h 669277"/>
+              <a:gd name="connsiteX30" fmla="*/ 1424154 w 1870852"/>
+              <a:gd name="connsiteY30" fmla="*/ 64297 h 669277"/>
+              <a:gd name="connsiteX31" fmla="*/ 1417774 w 1870852"/>
+              <a:gd name="connsiteY31" fmla="*/ 113101 h 669277"/>
+              <a:gd name="connsiteX32" fmla="*/ 1412696 w 1870852"/>
+              <a:gd name="connsiteY32" fmla="*/ 203408 h 669277"/>
+              <a:gd name="connsiteX33" fmla="*/ 1411052 w 1870852"/>
+              <a:gd name="connsiteY33" fmla="*/ 279341 h 669277"/>
+              <a:gd name="connsiteX34" fmla="*/ 1411052 w 1870852"/>
+              <a:gd name="connsiteY34" fmla="*/ 327481 h 669277"/>
+              <a:gd name="connsiteX35" fmla="*/ 1450708 w 1870852"/>
+              <a:gd name="connsiteY35" fmla="*/ 281651 h 669277"/>
+              <a:gd name="connsiteX36" fmla="*/ 1570344 w 1870852"/>
+              <a:gd name="connsiteY36" fmla="*/ 163872 h 669277"/>
+              <a:gd name="connsiteX37" fmla="*/ 1636694 w 1870852"/>
+              <a:gd name="connsiteY37" fmla="*/ 86730 h 669277"/>
+              <a:gd name="connsiteX38" fmla="*/ 1646515 w 1870852"/>
+              <a:gd name="connsiteY38" fmla="*/ 63605 h 669277"/>
+              <a:gd name="connsiteX39" fmla="*/ 1599122 w 1870852"/>
+              <a:gd name="connsiteY39" fmla="*/ 48823 h 669277"/>
+              <a:gd name="connsiteX40" fmla="*/ 1597668 w 1870852"/>
+              <a:gd name="connsiteY40" fmla="*/ 10971 h 669277"/>
+              <a:gd name="connsiteX41" fmla="*/ 1688869 w 1870852"/>
+              <a:gd name="connsiteY41" fmla="*/ 12099 h 669277"/>
+              <a:gd name="connsiteX42" fmla="*/ 1802472 w 1870852"/>
+              <a:gd name="connsiteY42" fmla="*/ 6967 h 669277"/>
+              <a:gd name="connsiteX43" fmla="*/ 1804167 w 1870852"/>
+              <a:gd name="connsiteY43" fmla="*/ 44228 h 669277"/>
+              <a:gd name="connsiteX44" fmla="*/ 1694911 w 1870852"/>
+              <a:gd name="connsiteY44" fmla="*/ 101854 h 669277"/>
+              <a:gd name="connsiteX45" fmla="*/ 1580966 w 1870852"/>
+              <a:gd name="connsiteY45" fmla="*/ 203552 h 669277"/>
+              <a:gd name="connsiteX46" fmla="*/ 1502704 w 1870852"/>
+              <a:gd name="connsiteY46" fmla="*/ 278183 h 669277"/>
+              <a:gd name="connsiteX47" fmla="*/ 1465723 w 1870852"/>
+              <a:gd name="connsiteY47" fmla="*/ 314620 h 669277"/>
+              <a:gd name="connsiteX48" fmla="*/ 1642884 w 1870852"/>
+              <a:gd name="connsiteY48" fmla="*/ 458828 h 669277"/>
+              <a:gd name="connsiteX49" fmla="*/ 1798374 w 1870852"/>
+              <a:gd name="connsiteY49" fmla="*/ 585342 h 669277"/>
+              <a:gd name="connsiteX50" fmla="*/ 1869390 w 1870852"/>
+              <a:gd name="connsiteY50" fmla="*/ 634185 h 669277"/>
+              <a:gd name="connsiteX51" fmla="*/ 1870852 w 1870852"/>
+              <a:gd name="connsiteY51" fmla="*/ 665350 h 669277"/>
+              <a:gd name="connsiteX52" fmla="*/ 1845576 w 1870852"/>
+              <a:gd name="connsiteY52" fmla="*/ 663433 h 669277"/>
+              <a:gd name="connsiteX53" fmla="*/ 1829197 w 1870852"/>
+              <a:gd name="connsiteY53" fmla="*/ 661369 h 669277"/>
+              <a:gd name="connsiteX54" fmla="*/ 1784230 w 1870852"/>
+              <a:gd name="connsiteY54" fmla="*/ 659378 h 669277"/>
+              <a:gd name="connsiteX55" fmla="*/ 1668077 w 1870852"/>
+              <a:gd name="connsiteY55" fmla="*/ 665350 h 669277"/>
+              <a:gd name="connsiteX56" fmla="*/ 1666359 w 1870852"/>
+              <a:gd name="connsiteY56" fmla="*/ 635351 h 669277"/>
+              <a:gd name="connsiteX57" fmla="*/ 1681082 w 1870852"/>
+              <a:gd name="connsiteY57" fmla="*/ 630033 h 669277"/>
+              <a:gd name="connsiteX58" fmla="*/ 1697003 w 1870852"/>
+              <a:gd name="connsiteY58" fmla="*/ 626674 h 669277"/>
+              <a:gd name="connsiteX59" fmla="*/ 1707383 w 1870852"/>
+              <a:gd name="connsiteY59" fmla="*/ 625951 h 669277"/>
+              <a:gd name="connsiteX60" fmla="*/ 1603228 w 1870852"/>
+              <a:gd name="connsiteY60" fmla="*/ 533428 h 669277"/>
+              <a:gd name="connsiteX61" fmla="*/ 1512766 w 1870852"/>
+              <a:gd name="connsiteY61" fmla="*/ 459838 h 669277"/>
+              <a:gd name="connsiteX62" fmla="*/ 1485741 w 1870852"/>
+              <a:gd name="connsiteY62" fmla="*/ 438199 h 669277"/>
+              <a:gd name="connsiteX63" fmla="*/ 1451287 w 1870852"/>
+              <a:gd name="connsiteY63" fmla="*/ 410245 h 669277"/>
+              <a:gd name="connsiteX64" fmla="*/ 1427782 w 1870852"/>
+              <a:gd name="connsiteY64" fmla="*/ 392293 h 669277"/>
+              <a:gd name="connsiteX65" fmla="*/ 1411114 w 1870852"/>
+              <a:gd name="connsiteY65" fmla="*/ 381159 h 669277"/>
+              <a:gd name="connsiteX66" fmla="*/ 1411189 w 1870852"/>
+              <a:gd name="connsiteY66" fmla="*/ 394796 h 669277"/>
+              <a:gd name="connsiteX67" fmla="*/ 1413186 w 1870852"/>
+              <a:gd name="connsiteY67" fmla="*/ 501260 h 669277"/>
+              <a:gd name="connsiteX68" fmla="*/ 1419340 w 1870852"/>
+              <a:gd name="connsiteY68" fmla="*/ 603137 h 669277"/>
+              <a:gd name="connsiteX69" fmla="*/ 1449157 w 1870852"/>
+              <a:gd name="connsiteY69" fmla="*/ 623898 h 669277"/>
+              <a:gd name="connsiteX70" fmla="*/ 1495153 w 1870852"/>
+              <a:gd name="connsiteY70" fmla="*/ 633003 h 669277"/>
+              <a:gd name="connsiteX71" fmla="*/ 1495153 w 1870852"/>
+              <a:gd name="connsiteY71" fmla="*/ 667340 h 669277"/>
+              <a:gd name="connsiteX72" fmla="*/ 1420336 w 1870852"/>
+              <a:gd name="connsiteY72" fmla="*/ 662364 h 669277"/>
+              <a:gd name="connsiteX73" fmla="*/ 1343730 w 1870852"/>
+              <a:gd name="connsiteY73" fmla="*/ 661369 h 669277"/>
+              <a:gd name="connsiteX74" fmla="*/ 1252801 w 1870852"/>
+              <a:gd name="connsiteY74" fmla="*/ 663359 h 669277"/>
+              <a:gd name="connsiteX75" fmla="*/ 1252801 w 1870852"/>
+              <a:gd name="connsiteY75" fmla="*/ 627436 h 669277"/>
+              <a:gd name="connsiteX76" fmla="*/ 1299381 w 1870852"/>
+              <a:gd name="connsiteY76" fmla="*/ 618871 h 669277"/>
+              <a:gd name="connsiteX77" fmla="*/ 1313840 w 1870852"/>
+              <a:gd name="connsiteY77" fmla="*/ 594801 h 669277"/>
+              <a:gd name="connsiteX78" fmla="*/ 1320756 w 1870852"/>
+              <a:gd name="connsiteY78" fmla="*/ 527312 h 669277"/>
+              <a:gd name="connsiteX79" fmla="*/ 1325515 w 1870852"/>
+              <a:gd name="connsiteY79" fmla="*/ 410412 h 669277"/>
+              <a:gd name="connsiteX80" fmla="*/ 1326950 w 1870852"/>
+              <a:gd name="connsiteY80" fmla="*/ 334697 h 669277"/>
+              <a:gd name="connsiteX81" fmla="*/ 1323964 w 1870852"/>
+              <a:gd name="connsiteY81" fmla="*/ 159985 h 669277"/>
+              <a:gd name="connsiteX82" fmla="*/ 1321818 w 1870852"/>
+              <a:gd name="connsiteY82" fmla="*/ 95963 h 669277"/>
+              <a:gd name="connsiteX83" fmla="*/ 1314979 w 1870852"/>
+              <a:gd name="connsiteY83" fmla="*/ 65090 h 669277"/>
+              <a:gd name="connsiteX84" fmla="*/ 1300353 w 1870852"/>
+              <a:gd name="connsiteY84" fmla="*/ 52641 h 669277"/>
+              <a:gd name="connsiteX85" fmla="*/ 1258228 w 1870852"/>
+              <a:gd name="connsiteY85" fmla="*/ 44687 h 669277"/>
+              <a:gd name="connsiteX86" fmla="*/ 1256782 w 1870852"/>
+              <a:gd name="connsiteY86" fmla="*/ 8957 h 669277"/>
+              <a:gd name="connsiteX87" fmla="*/ 1382779 w 1870852"/>
+              <a:gd name="connsiteY87" fmla="*/ 12939 h 669277"/>
+              <a:gd name="connsiteX88" fmla="*/ 1440362 w 1870852"/>
+              <a:gd name="connsiteY88" fmla="*/ 10816 h 669277"/>
+              <a:gd name="connsiteX89" fmla="*/ 1494158 w 1870852"/>
+              <a:gd name="connsiteY89" fmla="*/ 5972 h 669277"/>
+              <a:gd name="connsiteX90" fmla="*/ 216952 w 1870852"/>
+              <a:gd name="connsiteY90" fmla="*/ 1990 h 669277"/>
+              <a:gd name="connsiteX91" fmla="*/ 341126 w 1870852"/>
+              <a:gd name="connsiteY91" fmla="*/ 21686 h 669277"/>
+              <a:gd name="connsiteX92" fmla="*/ 431102 w 1870852"/>
+              <a:gd name="connsiteY92" fmla="*/ 74374 h 669277"/>
+              <a:gd name="connsiteX93" fmla="*/ 485396 w 1870852"/>
+              <a:gd name="connsiteY93" fmla="*/ 145285 h 669277"/>
+              <a:gd name="connsiteX94" fmla="*/ 503168 w 1870852"/>
+              <a:gd name="connsiteY94" fmla="*/ 219173 h 669277"/>
+              <a:gd name="connsiteX95" fmla="*/ 469207 w 1870852"/>
+              <a:gd name="connsiteY95" fmla="*/ 323818 h 669277"/>
+              <a:gd name="connsiteX96" fmla="*/ 370036 w 1870852"/>
+              <a:gd name="connsiteY96" fmla="*/ 402598 h 669277"/>
+              <a:gd name="connsiteX97" fmla="*/ 216812 w 1870852"/>
+              <a:gd name="connsiteY97" fmla="*/ 432453 h 669277"/>
+              <a:gd name="connsiteX98" fmla="*/ 164272 w 1870852"/>
+              <a:gd name="connsiteY98" fmla="*/ 427476 h 669277"/>
+              <a:gd name="connsiteX99" fmla="*/ 165240 w 1870852"/>
+              <a:gd name="connsiteY99" fmla="*/ 506399 h 669277"/>
+              <a:gd name="connsiteX100" fmla="*/ 166387 w 1870852"/>
+              <a:gd name="connsiteY100" fmla="*/ 568084 h 669277"/>
+              <a:gd name="connsiteX101" fmla="*/ 172502 w 1870852"/>
+              <a:gd name="connsiteY101" fmla="*/ 605267 h 669277"/>
+              <a:gd name="connsiteX102" fmla="*/ 192505 w 1870852"/>
+              <a:gd name="connsiteY102" fmla="*/ 619769 h 669277"/>
+              <a:gd name="connsiteX103" fmla="*/ 258824 w 1870852"/>
+              <a:gd name="connsiteY103" fmla="*/ 627272 h 669277"/>
+              <a:gd name="connsiteX104" fmla="*/ 257176 w 1870852"/>
+              <a:gd name="connsiteY104" fmla="*/ 668336 h 669277"/>
+              <a:gd name="connsiteX105" fmla="*/ 197093 w 1870852"/>
+              <a:gd name="connsiteY105" fmla="*/ 663359 h 669277"/>
+              <a:gd name="connsiteX106" fmla="*/ 145603 w 1870852"/>
+              <a:gd name="connsiteY106" fmla="*/ 661369 h 669277"/>
+              <a:gd name="connsiteX107" fmla="*/ 64627 w 1870852"/>
+              <a:gd name="connsiteY107" fmla="*/ 666151 h 669277"/>
+              <a:gd name="connsiteX108" fmla="*/ 38104 w 1870852"/>
+              <a:gd name="connsiteY108" fmla="*/ 669277 h 669277"/>
+              <a:gd name="connsiteX109" fmla="*/ 9007 w 1870852"/>
+              <a:gd name="connsiteY109" fmla="*/ 663569 h 669277"/>
+              <a:gd name="connsiteX110" fmla="*/ 9007 w 1870852"/>
+              <a:gd name="connsiteY110" fmla="*/ 634550 h 669277"/>
+              <a:gd name="connsiteX111" fmla="*/ 61143 w 1870852"/>
+              <a:gd name="connsiteY111" fmla="*/ 617541 h 669277"/>
+              <a:gd name="connsiteX112" fmla="*/ 70715 w 1870852"/>
+              <a:gd name="connsiteY112" fmla="*/ 607382 h 669277"/>
+              <a:gd name="connsiteX113" fmla="*/ 78180 w 1870852"/>
+              <a:gd name="connsiteY113" fmla="*/ 382354 h 669277"/>
+              <a:gd name="connsiteX114" fmla="*/ 77931 w 1870852"/>
+              <a:gd name="connsiteY114" fmla="*/ 315720 h 669277"/>
+              <a:gd name="connsiteX115" fmla="*/ 77192 w 1870852"/>
+              <a:gd name="connsiteY115" fmla="*/ 260237 h 669277"/>
+              <a:gd name="connsiteX116" fmla="*/ 74719 w 1870852"/>
+              <a:gd name="connsiteY116" fmla="*/ 199407 h 669277"/>
+              <a:gd name="connsiteX117" fmla="*/ 71247 w 1870852"/>
+              <a:gd name="connsiteY117" fmla="*/ 129030 h 669277"/>
+              <a:gd name="connsiteX118" fmla="*/ 66780 w 1870852"/>
+              <a:gd name="connsiteY118" fmla="*/ 76625 h 669277"/>
+              <a:gd name="connsiteX119" fmla="*/ 62745 w 1870852"/>
+              <a:gd name="connsiteY119" fmla="*/ 62765 h 669277"/>
+              <a:gd name="connsiteX120" fmla="*/ 45257 w 1870852"/>
+              <a:gd name="connsiteY120" fmla="*/ 50413 h 669277"/>
+              <a:gd name="connsiteX121" fmla="*/ 811 w 1870852"/>
+              <a:gd name="connsiteY121" fmla="*/ 43388 h 669277"/>
+              <a:gd name="connsiteX122" fmla="*/ 1068 w 1870852"/>
+              <a:gd name="connsiteY122" fmla="*/ 4976 h 669277"/>
+              <a:gd name="connsiteX123" fmla="*/ 101763 w 1870852"/>
+              <a:gd name="connsiteY123" fmla="*/ 7962 h 669277"/>
+              <a:gd name="connsiteX124" fmla="*/ 153534 w 1870852"/>
+              <a:gd name="connsiteY124" fmla="*/ 5995 h 669277"/>
+              <a:gd name="connsiteX125" fmla="*/ 184699 w 1870852"/>
+              <a:gd name="connsiteY125" fmla="*/ 3234 h 669277"/>
+              <a:gd name="connsiteX126" fmla="*/ 216952 w 1870852"/>
+              <a:gd name="connsiteY126" fmla="*/ 1990 h 669277"/>
+              <a:gd name="connsiteX127" fmla="*/ 855721 w 1870852"/>
+              <a:gd name="connsiteY127" fmla="*/ 0 h 669277"/>
+              <a:gd name="connsiteX128" fmla="*/ 891660 w 1870852"/>
+              <a:gd name="connsiteY128" fmla="*/ 121098 h 669277"/>
+              <a:gd name="connsiteX129" fmla="*/ 991741 w 1870852"/>
+              <a:gd name="connsiteY129" fmla="*/ 379912 h 669277"/>
+              <a:gd name="connsiteX130" fmla="*/ 1052974 w 1870852"/>
+              <a:gd name="connsiteY130" fmla="*/ 535088 h 669277"/>
+              <a:gd name="connsiteX131" fmla="*/ 1083603 w 1870852"/>
+              <a:gd name="connsiteY131" fmla="*/ 600516 h 669277"/>
+              <a:gd name="connsiteX132" fmla="*/ 1141501 w 1870852"/>
+              <a:gd name="connsiteY132" fmla="*/ 623657 h 669277"/>
+              <a:gd name="connsiteX133" fmla="*/ 1141501 w 1870852"/>
+              <a:gd name="connsiteY133" fmla="*/ 659378 h 669277"/>
+              <a:gd name="connsiteX134" fmla="*/ 1054009 w 1870852"/>
+              <a:gd name="connsiteY134" fmla="*/ 655397 h 669277"/>
+              <a:gd name="connsiteX135" fmla="*/ 1000601 w 1870852"/>
+              <a:gd name="connsiteY135" fmla="*/ 656863 h 669277"/>
+              <a:gd name="connsiteX136" fmla="*/ 960984 w 1870852"/>
+              <a:gd name="connsiteY136" fmla="*/ 659600 h 669277"/>
+              <a:gd name="connsiteX137" fmla="*/ 928011 w 1870852"/>
+              <a:gd name="connsiteY137" fmla="*/ 661369 h 669277"/>
+              <a:gd name="connsiteX138" fmla="*/ 928011 w 1870852"/>
+              <a:gd name="connsiteY138" fmla="*/ 627109 h 669277"/>
+              <a:gd name="connsiteX139" fmla="*/ 967473 w 1870852"/>
+              <a:gd name="connsiteY139" fmla="*/ 617273 h 669277"/>
+              <a:gd name="connsiteX140" fmla="*/ 977255 w 1870852"/>
+              <a:gd name="connsiteY140" fmla="*/ 603627 h 669277"/>
+              <a:gd name="connsiteX141" fmla="*/ 968667 w 1870852"/>
+              <a:gd name="connsiteY141" fmla="*/ 565269 h 669277"/>
+              <a:gd name="connsiteX142" fmla="*/ 956004 w 1870852"/>
+              <a:gd name="connsiteY142" fmla="*/ 529859 h 669277"/>
+              <a:gd name="connsiteX143" fmla="*/ 921363 w 1870852"/>
+              <a:gd name="connsiteY143" fmla="*/ 436605 h 669277"/>
+              <a:gd name="connsiteX144" fmla="*/ 836352 w 1870852"/>
+              <a:gd name="connsiteY144" fmla="*/ 433448 h 669277"/>
+              <a:gd name="connsiteX145" fmla="*/ 797310 w 1870852"/>
+              <a:gd name="connsiteY145" fmla="*/ 433448 h 669277"/>
+              <a:gd name="connsiteX146" fmla="*/ 703387 w 1870852"/>
+              <a:gd name="connsiteY146" fmla="*/ 438207 h 669277"/>
+              <a:gd name="connsiteX147" fmla="*/ 668475 w 1870852"/>
+              <a:gd name="connsiteY147" fmla="*/ 526367 h 669277"/>
+              <a:gd name="connsiteX148" fmla="*/ 646811 w 1870852"/>
+              <a:gd name="connsiteY148" fmla="*/ 590439 h 669277"/>
+              <a:gd name="connsiteX149" fmla="*/ 659101 w 1870852"/>
+              <a:gd name="connsiteY149" fmla="*/ 612036 h 669277"/>
+              <a:gd name="connsiteX150" fmla="*/ 724973 w 1870852"/>
+              <a:gd name="connsiteY150" fmla="*/ 628983 h 669277"/>
+              <a:gd name="connsiteX151" fmla="*/ 724973 w 1870852"/>
+              <a:gd name="connsiteY151" fmla="*/ 663359 h 669277"/>
+              <a:gd name="connsiteX152" fmla="*/ 617311 w 1870852"/>
+              <a:gd name="connsiteY152" fmla="*/ 656392 h 669277"/>
+              <a:gd name="connsiteX153" fmla="*/ 518450 w 1870852"/>
+              <a:gd name="connsiteY153" fmla="*/ 660373 h 669277"/>
+              <a:gd name="connsiteX154" fmla="*/ 518450 w 1870852"/>
+              <a:gd name="connsiteY154" fmla="*/ 628719 h 669277"/>
+              <a:gd name="connsiteX155" fmla="*/ 566660 w 1870852"/>
+              <a:gd name="connsiteY155" fmla="*/ 605928 h 669277"/>
+              <a:gd name="connsiteX156" fmla="*/ 595978 w 1870852"/>
+              <a:gd name="connsiteY156" fmla="*/ 559122 h 669277"/>
+              <a:gd name="connsiteX157" fmla="*/ 634339 w 1870852"/>
+              <a:gd name="connsiteY157" fmla="*/ 477116 h 669277"/>
+              <a:gd name="connsiteX158" fmla="*/ 662915 w 1870852"/>
+              <a:gd name="connsiteY158" fmla="*/ 406295 h 669277"/>
+              <a:gd name="connsiteX159" fmla="*/ 739956 w 1870852"/>
+              <a:gd name="connsiteY159" fmla="*/ 225666 h 669277"/>
+              <a:gd name="connsiteX160" fmla="*/ 770095 w 1870852"/>
+              <a:gd name="connsiteY160" fmla="*/ 152691 h 669277"/>
+              <a:gd name="connsiteX161" fmla="*/ 799483 w 1870852"/>
+              <a:gd name="connsiteY161" fmla="*/ 76155 h 669277"/>
+              <a:gd name="connsiteX162" fmla="*/ 818965 w 1870852"/>
+              <a:gd name="connsiteY162" fmla="*/ 18677 h 669277"/>
+              <a:gd name="connsiteX163" fmla="*/ 827239 w 1870852"/>
+              <a:gd name="connsiteY163" fmla="*/ 1399 h 669277"/>
+            </a:gdLst>
+            <a:ahLst/>
+            <a:cxnLst>
+              <a:cxn ang="0">
+                <a:pos x="connsiteX0" y="connsiteY0"/>
+              </a:cxn>
+              <a:cxn ang="0">
+                <a:pos x="connsiteX1" y="connsiteY1"/>
+              </a:cxn>
+              <a:cxn ang="0">
+                <a:pos x="connsiteX2" y="connsiteY2"/>
+              </a:cxn>
+              <a:cxn ang="0">
+                <a:pos x="connsiteX3" y="connsiteY3"/>
+              </a:cxn>
+              <a:cxn ang="0">
+                <a:pos x="connsiteX4" y="connsiteY4"/>
+              </a:cxn>
+              <a:cxn ang="0">
+                <a:pos x="connsiteX5" y="connsiteY5"/>
+              </a:cxn>
+              <a:cxn ang="0">
+                <a:pos x="connsiteX6" y="connsiteY6"/>
+              </a:cxn>
+              <a:cxn ang="0">
+                <a:pos x="connsiteX7" y="connsiteY7"/>
+              </a:cxn>
+              <a:cxn ang="0">
+                <a:pos x="connsiteX8" y="connsiteY8"/>
+              </a:cxn>
+              <a:cxn ang="0">
+                <a:pos x="connsiteX9" y="connsiteY9"/>
+              </a:cxn>
+              <a:cxn ang="0">
+                <a:pos x="connsiteX10" y="connsiteY10"/>
+              </a:cxn>
+              <a:cxn ang="0">
+                <a:pos x="connsiteX11" y="connsiteY11"/>
+              </a:cxn>
+              <a:cxn ang="0">
+                <a:pos x="connsiteX12" y="connsiteY12"/>
+              </a:cxn>
+              <a:cxn ang="0">
+                <a:pos x="connsiteX13" y="connsiteY13"/>
+              </a:cxn>
+              <a:cxn ang="0">
+                <a:pos x="connsiteX14" y="connsiteY14"/>
+              </a:cxn>
+              <a:cxn ang="0">
+                <a:pos x="connsiteX15" y="connsiteY15"/>
+              </a:cxn>
+              <a:cxn ang="0">
+                <a:pos x="connsiteX16" y="connsiteY16"/>
+              </a:cxn>
+              <a:cxn ang="0">
+                <a:pos x="connsiteX17" y="connsiteY17"/>
+              </a:cxn>
+              <a:cxn ang="0">
+                <a:pos x="connsiteX18" y="connsiteY18"/>
+              </a:cxn>
+              <a:cxn ang="0">
+                <a:pos x="connsiteX19" y="connsiteY19"/>
+              </a:cxn>
+              <a:cxn ang="0">
+                <a:pos x="connsiteX20" y="connsiteY20"/>
+              </a:cxn>
+              <a:cxn ang="0">
+                <a:pos x="connsiteX21" y="connsiteY21"/>
+              </a:cxn>
+              <a:cxn ang="0">
+                <a:pos x="connsiteX22" y="connsiteY22"/>
+              </a:cxn>
+              <a:cxn ang="0">
+                <a:pos x="connsiteX23" y="connsiteY23"/>
+              </a:cxn>
+              <a:cxn ang="0">
+                <a:pos x="connsiteX24" y="connsiteY24"/>
+              </a:cxn>
+              <a:cxn ang="0">
+                <a:pos x="connsiteX25" y="connsiteY25"/>
+              </a:cxn>
+              <a:cxn ang="0">
+                <a:pos x="connsiteX26" y="connsiteY26"/>
+              </a:cxn>
+              <a:cxn ang="0">
+                <a:pos x="connsiteX27" y="connsiteY27"/>
+              </a:cxn>
+              <a:cxn ang="0">
+                <a:pos x="connsiteX28" y="connsiteY28"/>
+              </a:cxn>
+              <a:cxn ang="0">
+                <a:pos x="connsiteX29" y="connsiteY29"/>
+              </a:cxn>
+              <a:cxn ang="0">
+                <a:pos x="connsiteX30" y="connsiteY30"/>
+              </a:cxn>
+              <a:cxn ang="0">
+                <a:pos x="connsiteX31" y="connsiteY31"/>
+              </a:cxn>
+              <a:cxn ang="0">
+                <a:pos x="connsiteX32" y="connsiteY32"/>
+              </a:cxn>
+              <a:cxn ang="0">
+                <a:pos x="connsiteX33" y="connsiteY33"/>
+              </a:cxn>
+              <a:cxn ang="0">
+                <a:pos x="connsiteX34" y="connsiteY34"/>
+              </a:cxn>
+              <a:cxn ang="0">
+                <a:pos x="connsiteX35" y="connsiteY35"/>
+              </a:cxn>
+              <a:cxn ang="0">
+                <a:pos x="connsiteX36" y="connsiteY36"/>
+              </a:cxn>
+              <a:cxn ang="0">
+                <a:pos x="connsiteX37" y="connsiteY37"/>
+              </a:cxn>
+              <a:cxn ang="0">
+                <a:pos x="connsiteX38" y="connsiteY38"/>
+              </a:cxn>
+              <a:cxn ang="0">
+                <a:pos x="connsiteX39" y="connsiteY39"/>
+              </a:cxn>
+              <a:cxn ang="0">
+                <a:pos x="connsiteX40" y="connsiteY40"/>
+              </a:cxn>
+              <a:cxn ang="0">
+                <a:pos x="connsiteX41" y="connsiteY41"/>
+              </a:cxn>
+              <a:cxn ang="0">
+                <a:pos x="connsiteX42" y="connsiteY42"/>
+              </a:cxn>
+              <a:cxn ang="0">
+                <a:pos x="connsiteX43" y="connsiteY43"/>
+              </a:cxn>
+              <a:cxn ang="0">
+                <a:pos x="connsiteX44" y="connsiteY44"/>
+              </a:cxn>
+              <a:cxn ang="0">
+                <a:pos x="connsiteX45" y="connsiteY45"/>
+              </a:cxn>
+              <a:cxn ang="0">
+                <a:pos x="connsiteX46" y="connsiteY46"/>
+              </a:cxn>
+              <a:cxn ang="0">
+                <a:pos x="connsiteX47" y="connsiteY47"/>
+              </a:cxn>
+              <a:cxn ang="0">
+                <a:pos x="connsiteX48" y="connsiteY48"/>
+              </a:cxn>
+              <a:cxn ang="0">
+                <a:pos x="connsiteX49" y="connsiteY49"/>
+              </a:cxn>
+              <a:cxn ang="0">
+                <a:pos x="connsiteX50" y="connsiteY50"/>
+              </a:cxn>
+              <a:cxn ang="0">
+                <a:pos x="connsiteX51" y="connsiteY51"/>
+              </a:cxn>
+              <a:cxn ang="0">
+                <a:pos x="connsiteX52" y="connsiteY52"/>
+              </a:cxn>
+              <a:cxn ang="0">
+                <a:pos x="connsiteX53" y="connsiteY53"/>
+              </a:cxn>
+              <a:cxn ang="0">
+                <a:pos x="connsiteX54" y="connsiteY54"/>
+              </a:cxn>
+              <a:cxn ang="0">
+                <a:pos x="connsiteX55" y="connsiteY55"/>
+              </a:cxn>
+              <a:cxn ang="0">
+                <a:pos x="connsiteX56" y="connsiteY56"/>
+              </a:cxn>
+              <a:cxn ang="0">
+                <a:pos x="connsiteX57" y="connsiteY57"/>
+              </a:cxn>
+              <a:cxn ang="0">
+                <a:pos x="connsiteX58" y="connsiteY58"/>
+              </a:cxn>
+              <a:cxn ang="0">
+                <a:pos x="connsiteX59" y="connsiteY59"/>
+              </a:cxn>
+              <a:cxn ang="0">
+                <a:pos x="connsiteX60" y="connsiteY60"/>
+              </a:cxn>
+              <a:cxn ang="0">
+                <a:pos x="connsiteX61" y="connsiteY61"/>
+              </a:cxn>
+              <a:cxn ang="0">
+                <a:pos x="connsiteX62" y="connsiteY62"/>
+              </a:cxn>
+              <a:cxn ang="0">
+                <a:pos x="connsiteX63" y="connsiteY63"/>
+              </a:cxn>
+              <a:cxn ang="0">
+                <a:pos x="connsiteX64" y="connsiteY64"/>
+              </a:cxn>
+              <a:cxn ang="0">
+                <a:pos x="connsiteX65" y="connsiteY65"/>
+              </a:cxn>
+              <a:cxn ang="0">
+                <a:pos x="connsiteX66" y="connsiteY66"/>
+              </a:cxn>
+              <a:cxn ang="0">
+                <a:pos x="connsiteX67" y="connsiteY67"/>
+              </a:cxn>
+              <a:cxn ang="0">
+                <a:pos x="connsiteX68" y="connsiteY68"/>
+              </a:cxn>
+              <a:cxn ang="0">
+                <a:pos x="connsiteX69" y="connsiteY69"/>
+              </a:cxn>
+              <a:cxn ang="0">
+                <a:pos x="connsiteX70" y="connsiteY70"/>
+              </a:cxn>
+              <a:cxn ang="0">
+                <a:pos x="connsiteX71" y="connsiteY71"/>
+              </a:cxn>
+              <a:cxn ang="0">
+                <a:pos x="connsiteX72" y="connsiteY72"/>
+              </a:cxn>
+              <a:cxn ang="0">
+                <a:pos x="connsiteX73" y="connsiteY73"/>
+              </a:cxn>
+              <a:cxn ang="0">
+                <a:pos x="connsiteX74" y="connsiteY74"/>
+              </a:cxn>
+              <a:cxn ang="0">
+                <a:pos x="connsiteX75" y="connsiteY75"/>
+              </a:cxn>
+              <a:cxn ang="0">
+                <a:pos x="connsiteX76" y="connsiteY76"/>
+              </a:cxn>
+              <a:cxn ang="0">
+                <a:pos x="connsiteX77" y="connsiteY77"/>
+              </a:cxn>
+              <a:cxn ang="0">
+                <a:pos x="connsiteX78" y="connsiteY78"/>
+              </a:cxn>
+              <a:cxn ang="0">
+                <a:pos x="connsiteX79" y="connsiteY79"/>
+              </a:cxn>
+              <a:cxn ang="0">
+                <a:pos x="connsiteX80" y="connsiteY80"/>
+              </a:cxn>
+              <a:cxn ang="0">
+                <a:pos x="connsiteX81" y="connsiteY81"/>
+              </a:cxn>
+              <a:cxn ang="0">
+                <a:pos x="connsiteX82" y="connsiteY82"/>
+              </a:cxn>
+              <a:cxn ang="0">
+                <a:pos x="connsiteX83" y="connsiteY83"/>
+              </a:cxn>
+              <a:cxn ang="0">
+                <a:pos x="connsiteX84" y="connsiteY84"/>
+              </a:cxn>
+              <a:cxn ang="0">
+                <a:pos x="connsiteX85" y="connsiteY85"/>
+              </a:cxn>
+              <a:cxn ang="0">
+                <a:pos x="connsiteX86" y="connsiteY86"/>
+              </a:cxn>
+              <a:cxn ang="0">
+                <a:pos x="connsiteX87" y="connsiteY87"/>
+              </a:cxn>
+              <a:cxn ang="0">
+                <a:pos x="connsiteX88" y="connsiteY88"/>
+              </a:cxn>
+              <a:cxn ang="0">
+                <a:pos x="connsiteX89" y="connsiteY89"/>
+              </a:cxn>
+              <a:cxn ang="0">
+                <a:pos x="connsiteX90" y="connsiteY90"/>
+              </a:cxn>
+              <a:cxn ang="0">
+                <a:pos x="connsiteX91" y="connsiteY91"/>
+              </a:cxn>
+              <a:cxn ang="0">
+                <a:pos x="connsiteX92" y="connsiteY92"/>
+              </a:cxn>
+              <a:cxn ang="0">
+                <a:pos x="connsiteX93" y="connsiteY93"/>
+              </a:cxn>
+              <a:cxn ang="0">
+                <a:pos x="connsiteX94" y="connsiteY94"/>
+              </a:cxn>
+              <a:cxn ang="0">
+                <a:pos x="connsiteX95" y="connsiteY95"/>
+              </a:cxn>
+              <a:cxn ang="0">
+                <a:pos x="connsiteX96" y="connsiteY96"/>
+              </a:cxn>
+              <a:cxn ang="0">
+                <a:pos x="connsiteX97" y="connsiteY97"/>
+              </a:cxn>
+              <a:cxn ang="0">
+                <a:pos x="connsiteX98" y="connsiteY98"/>
+              </a:cxn>
+              <a:cxn ang="0">
+                <a:pos x="connsiteX99" y="connsiteY99"/>
+              </a:cxn>
+              <a:cxn ang="0">
+                <a:pos x="connsiteX100" y="connsiteY100"/>
+              </a:cxn>
+              <a:cxn ang="0">
+                <a:pos x="connsiteX101" y="connsiteY101"/>
+              </a:cxn>
+              <a:cxn ang="0">
+                <a:pos x="connsiteX102" y="connsiteY102"/>
+              </a:cxn>
+              <a:cxn ang="0">
+                <a:pos x="connsiteX103" y="connsiteY103"/>
+              </a:cxn>
+              <a:cxn ang="0">
+                <a:pos x="connsiteX104" y="connsiteY104"/>
+              </a:cxn>
+              <a:cxn ang="0">
+                <a:pos x="connsiteX105" y="connsiteY105"/>
+              </a:cxn>
+              <a:cxn ang="0">
+                <a:pos x="connsiteX106" y="connsiteY106"/>
+              </a:cxn>
+              <a:cxn ang="0">
+                <a:pos x="connsiteX107" y="connsiteY107"/>
+              </a:cxn>
+              <a:cxn ang="0">
+                <a:pos x="connsiteX108" y="connsiteY108"/>
+              </a:cxn>
+              <a:cxn ang="0">
+                <a:pos x="connsiteX109" y="connsiteY109"/>
+              </a:cxn>
+              <a:cxn ang="0">
+                <a:pos x="connsiteX110" y="connsiteY110"/>
+              </a:cxn>
+              <a:cxn ang="0">
+                <a:pos x="connsiteX111" y="connsiteY111"/>
+              </a:cxn>
+              <a:cxn ang="0">
+                <a:pos x="connsiteX112" y="connsiteY112"/>
+              </a:cxn>
+              <a:cxn ang="0">
+                <a:pos x="connsiteX113" y="connsiteY113"/>
+              </a:cxn>
+              <a:cxn ang="0">
+                <a:pos x="connsiteX114" y="connsiteY114"/>
+              </a:cxn>
+              <a:cxn ang="0">
+                <a:pos x="connsiteX115" y="connsiteY115"/>
+              </a:cxn>
+              <a:cxn ang="0">
+                <a:pos x="connsiteX116" y="connsiteY116"/>
+              </a:cxn>
+              <a:cxn ang="0">
+                <a:pos x="connsiteX117" y="connsiteY117"/>
+              </a:cxn>
+              <a:cxn ang="0">
+                <a:pos x="connsiteX118" y="connsiteY118"/>
+              </a:cxn>
+              <a:cxn ang="0">
+                <a:pos x="connsiteX119" y="connsiteY119"/>
+              </a:cxn>
+              <a:cxn ang="0">
+                <a:pos x="connsiteX120" y="connsiteY120"/>
+              </a:cxn>
+              <a:cxn ang="0">
+                <a:pos x="connsiteX121" y="connsiteY121"/>
+              </a:cxn>
+              <a:cxn ang="0">
+                <a:pos x="connsiteX122" y="connsiteY122"/>
+              </a:cxn>
+              <a:cxn ang="0">
+                <a:pos x="connsiteX123" y="connsiteY123"/>
+              </a:cxn>
+              <a:cxn ang="0">
+                <a:pos x="connsiteX124" y="connsiteY124"/>
+              </a:cxn>
+              <a:cxn ang="0">
+                <a:pos x="connsiteX125" y="connsiteY125"/>
+              </a:cxn>
+              <a:cxn ang="0">
+                <a:pos x="connsiteX126" y="connsiteY126"/>
+              </a:cxn>
+              <a:cxn ang="0">
+                <a:pos x="connsiteX127" y="connsiteY127"/>
+              </a:cxn>
+              <a:cxn ang="0">
+                <a:pos x="connsiteX128" y="connsiteY128"/>
+              </a:cxn>
+              <a:cxn ang="0">
+                <a:pos x="connsiteX129" y="connsiteY129"/>
+              </a:cxn>
+              <a:cxn ang="0">
+                <a:pos x="connsiteX130" y="connsiteY130"/>
+              </a:cxn>
+              <a:cxn ang="0">
+                <a:pos x="connsiteX131" y="connsiteY131"/>
+              </a:cxn>
+              <a:cxn ang="0">
+                <a:pos x="connsiteX132" y="connsiteY132"/>
+              </a:cxn>
+              <a:cxn ang="0">
+                <a:pos x="connsiteX133" y="connsiteY133"/>
+              </a:cxn>
+              <a:cxn ang="0">
+                <a:pos x="connsiteX134" y="connsiteY134"/>
+              </a:cxn>
+              <a:cxn ang="0">
+                <a:pos x="connsiteX135" y="connsiteY135"/>
+              </a:cxn>
+              <a:cxn ang="0">
+                <a:pos x="connsiteX136" y="connsiteY136"/>
+              </a:cxn>
+              <a:cxn ang="0">
+                <a:pos x="connsiteX137" y="connsiteY137"/>
+              </a:cxn>
+              <a:cxn ang="0">
+                <a:pos x="connsiteX138" y="connsiteY138"/>
+              </a:cxn>
+              <a:cxn ang="0">
+                <a:pos x="connsiteX139" y="connsiteY139"/>
+              </a:cxn>
+              <a:cxn ang="0">
+                <a:pos x="connsiteX140" y="connsiteY140"/>
+              </a:cxn>
+              <a:cxn ang="0">
+                <a:pos x="connsiteX141" y="connsiteY141"/>
+              </a:cxn>
+              <a:cxn ang="0">
+                <a:pos x="connsiteX142" y="connsiteY142"/>
+              </a:cxn>
+              <a:cxn ang="0">
+                <a:pos x="connsiteX143" y="connsiteY143"/>
+              </a:cxn>
+              <a:cxn ang="0">
+                <a:pos x="connsiteX144" y="connsiteY144"/>
+              </a:cxn>
+              <a:cxn ang="0">
+                <a:pos x="connsiteX145" y="connsiteY145"/>
+              </a:cxn>
+              <a:cxn ang="0">
+                <a:pos x="connsiteX146" y="connsiteY146"/>
+              </a:cxn>
+              <a:cxn ang="0">
+                <a:pos x="connsiteX147" y="connsiteY147"/>
+              </a:cxn>
+              <a:cxn ang="0">
+                <a:pos x="connsiteX148" y="connsiteY148"/>
+              </a:cxn>
+              <a:cxn ang="0">
+                <a:pos x="connsiteX149" y="connsiteY149"/>
+              </a:cxn>
+              <a:cxn ang="0">
+                <a:pos x="connsiteX150" y="connsiteY150"/>
+              </a:cxn>
+              <a:cxn ang="0">
+                <a:pos x="connsiteX151" y="connsiteY151"/>
+              </a:cxn>
+              <a:cxn ang="0">
+                <a:pos x="connsiteX152" y="connsiteY152"/>
+              </a:cxn>
+              <a:cxn ang="0">
+                <a:pos x="connsiteX153" y="connsiteY153"/>
+              </a:cxn>
+              <a:cxn ang="0">
+                <a:pos x="connsiteX154" y="connsiteY154"/>
+              </a:cxn>
+              <a:cxn ang="0">
+                <a:pos x="connsiteX155" y="connsiteY155"/>
+              </a:cxn>
+              <a:cxn ang="0">
+                <a:pos x="connsiteX156" y="connsiteY156"/>
+              </a:cxn>
+              <a:cxn ang="0">
+                <a:pos x="connsiteX157" y="connsiteY157"/>
+              </a:cxn>
+              <a:cxn ang="0">
+                <a:pos x="connsiteX158" y="connsiteY158"/>
+              </a:cxn>
+              <a:cxn ang="0">
+                <a:pos x="connsiteX159" y="connsiteY159"/>
+              </a:cxn>
+              <a:cxn ang="0">
+                <a:pos x="connsiteX160" y="connsiteY160"/>
+              </a:cxn>
+              <a:cxn ang="0">
+                <a:pos x="connsiteX161" y="connsiteY161"/>
+              </a:cxn>
+              <a:cxn ang="0">
+                <a:pos x="connsiteX162" y="connsiteY162"/>
+              </a:cxn>
+              <a:cxn ang="0">
+                <a:pos x="connsiteX163" y="connsiteY163"/>
+              </a:cxn>
+            </a:cxnLst>
+            <a:rect l="l" t="t" r="r" b="b"/>
+            <a:pathLst>
+              <a:path w="1870852" h="669277">
+                <a:moveTo>
+                  <a:pt x="813584" y="150094"/>
+                </a:moveTo>
+                <a:cubicBezTo>
+                  <a:pt x="813102" y="160104"/>
+                  <a:pt x="810542" y="171023"/>
+                  <a:pt x="805902" y="182853"/>
+                </a:cubicBezTo>
+                <a:cubicBezTo>
+                  <a:pt x="801263" y="194682"/>
+                  <a:pt x="796558" y="206310"/>
+                  <a:pt x="791789" y="217735"/>
+                </a:cubicBezTo>
+                <a:lnTo>
+                  <a:pt x="736100" y="360815"/>
+                </a:lnTo>
+                <a:cubicBezTo>
+                  <a:pt x="732663" y="370055"/>
+                  <a:pt x="729862" y="376612"/>
+                  <a:pt x="727698" y="380486"/>
+                </a:cubicBezTo>
+                <a:lnTo>
+                  <a:pt x="724986" y="384205"/>
+                </a:lnTo>
+                <a:lnTo>
+                  <a:pt x="757145" y="386751"/>
+                </a:lnTo>
+                <a:cubicBezTo>
+                  <a:pt x="770747" y="387350"/>
+                  <a:pt x="786608" y="387649"/>
+                  <a:pt x="804728" y="387649"/>
+                </a:cubicBezTo>
+                <a:lnTo>
+                  <a:pt x="849485" y="386669"/>
+                </a:lnTo>
+                <a:cubicBezTo>
+                  <a:pt x="873211" y="386669"/>
+                  <a:pt x="891844" y="386327"/>
+                  <a:pt x="905384" y="385643"/>
+                </a:cubicBezTo>
+                <a:cubicBezTo>
+                  <a:pt x="894503" y="361082"/>
+                  <a:pt x="887446" y="345715"/>
+                  <a:pt x="884211" y="339541"/>
+                </a:cubicBezTo>
+                <a:lnTo>
+                  <a:pt x="849150" y="249669"/>
+                </a:lnTo>
+                <a:cubicBezTo>
+                  <a:pt x="844848" y="237420"/>
+                  <a:pt x="837466" y="219265"/>
+                  <a:pt x="827005" y="195205"/>
+                </a:cubicBezTo>
+                <a:cubicBezTo>
+                  <a:pt x="816544" y="171144"/>
+                  <a:pt x="812071" y="156107"/>
+                  <a:pt x="813584" y="150094"/>
+                </a:cubicBezTo>
+                <a:close/>
+                <a:moveTo>
+                  <a:pt x="225661" y="47276"/>
+                </a:moveTo>
+                <a:cubicBezTo>
+                  <a:pt x="206377" y="47276"/>
+                  <a:pt x="187573" y="49549"/>
+                  <a:pt x="169248" y="54095"/>
+                </a:cubicBezTo>
+                <a:cubicBezTo>
+                  <a:pt x="169248" y="47942"/>
+                  <a:pt x="168806" y="61430"/>
+                  <a:pt x="167923" y="94560"/>
+                </a:cubicBezTo>
+                <a:cubicBezTo>
+                  <a:pt x="167039" y="127690"/>
+                  <a:pt x="166348" y="154264"/>
+                  <a:pt x="165850" y="174284"/>
+                </a:cubicBezTo>
+                <a:cubicBezTo>
+                  <a:pt x="165353" y="194304"/>
+                  <a:pt x="164803" y="215119"/>
+                  <a:pt x="164202" y="236731"/>
+                </a:cubicBezTo>
+                <a:cubicBezTo>
+                  <a:pt x="163601" y="258342"/>
+                  <a:pt x="163300" y="272823"/>
+                  <a:pt x="163300" y="280173"/>
+                </a:cubicBezTo>
+                <a:cubicBezTo>
+                  <a:pt x="163300" y="317989"/>
+                  <a:pt x="163525" y="350173"/>
+                  <a:pt x="163976" y="376724"/>
+                </a:cubicBezTo>
+                <a:cubicBezTo>
+                  <a:pt x="186122" y="382691"/>
+                  <a:pt x="209101" y="385674"/>
+                  <a:pt x="232916" y="385674"/>
+                </a:cubicBezTo>
+                <a:cubicBezTo>
+                  <a:pt x="258897" y="385674"/>
+                  <a:pt x="284815" y="380696"/>
+                  <a:pt x="310669" y="370741"/>
+                </a:cubicBezTo>
+                <a:cubicBezTo>
+                  <a:pt x="336523" y="360785"/>
+                  <a:pt x="358316" y="343794"/>
+                  <a:pt x="376047" y="319767"/>
+                </a:cubicBezTo>
+                <a:cubicBezTo>
+                  <a:pt x="393778" y="295740"/>
+                  <a:pt x="402644" y="263997"/>
+                  <a:pt x="402644" y="224538"/>
+                </a:cubicBezTo>
+                <a:cubicBezTo>
+                  <a:pt x="402644" y="193902"/>
+                  <a:pt x="396103" y="165096"/>
+                  <a:pt x="383022" y="138119"/>
+                </a:cubicBezTo>
+                <a:cubicBezTo>
+                  <a:pt x="369940" y="111143"/>
+                  <a:pt x="349862" y="89258"/>
+                  <a:pt x="322787" y="72465"/>
+                </a:cubicBezTo>
+                <a:cubicBezTo>
+                  <a:pt x="295712" y="55672"/>
+                  <a:pt x="263337" y="47276"/>
+                  <a:pt x="225661" y="47276"/>
+                </a:cubicBezTo>
+                <a:close/>
+                <a:moveTo>
+                  <a:pt x="1494158" y="5972"/>
+                </a:moveTo>
+                <a:lnTo>
+                  <a:pt x="1494158" y="40192"/>
+                </a:lnTo>
+                <a:cubicBezTo>
+                  <a:pt x="1453626" y="45049"/>
+                  <a:pt x="1430291" y="53084"/>
+                  <a:pt x="1424154" y="64297"/>
+                </a:cubicBezTo>
+                <a:cubicBezTo>
+                  <a:pt x="1422189" y="68449"/>
+                  <a:pt x="1420062" y="84717"/>
+                  <a:pt x="1417774" y="113101"/>
+                </a:cubicBezTo>
+                <a:cubicBezTo>
+                  <a:pt x="1415485" y="141485"/>
+                  <a:pt x="1413793" y="171587"/>
+                  <a:pt x="1412696" y="203408"/>
+                </a:cubicBezTo>
+                <a:cubicBezTo>
+                  <a:pt x="1411600" y="235229"/>
+                  <a:pt x="1411052" y="260540"/>
+                  <a:pt x="1411052" y="279341"/>
+                </a:cubicBezTo>
+                <a:lnTo>
+                  <a:pt x="1411052" y="327481"/>
+                </a:lnTo>
+                <a:cubicBezTo>
+                  <a:pt x="1410119" y="319938"/>
+                  <a:pt x="1423337" y="304662"/>
+                  <a:pt x="1450708" y="281651"/>
+                </a:cubicBezTo>
+                <a:lnTo>
+                  <a:pt x="1570344" y="163872"/>
+                </a:lnTo>
+                <a:cubicBezTo>
+                  <a:pt x="1606087" y="123677"/>
+                  <a:pt x="1628203" y="97963"/>
+                  <a:pt x="1636694" y="86730"/>
+                </a:cubicBezTo>
+                <a:cubicBezTo>
+                  <a:pt x="1643242" y="79317"/>
+                  <a:pt x="1646515" y="71609"/>
+                  <a:pt x="1646515" y="63605"/>
+                </a:cubicBezTo>
+                <a:cubicBezTo>
+                  <a:pt x="1646515" y="55321"/>
+                  <a:pt x="1630717" y="50394"/>
+                  <a:pt x="1599122" y="48823"/>
+                </a:cubicBezTo>
+                <a:lnTo>
+                  <a:pt x="1597668" y="10971"/>
+                </a:lnTo>
+                <a:lnTo>
+                  <a:pt x="1688869" y="12099"/>
+                </a:lnTo>
+                <a:cubicBezTo>
+                  <a:pt x="1720993" y="13058"/>
+                  <a:pt x="1758861" y="11347"/>
+                  <a:pt x="1802472" y="6967"/>
+                </a:cubicBezTo>
+                <a:lnTo>
+                  <a:pt x="1804167" y="44228"/>
+                </a:lnTo>
+                <a:cubicBezTo>
+                  <a:pt x="1773210" y="47587"/>
+                  <a:pt x="1736791" y="66796"/>
+                  <a:pt x="1694911" y="101854"/>
+                </a:cubicBezTo>
+                <a:cubicBezTo>
+                  <a:pt x="1653031" y="136911"/>
+                  <a:pt x="1615049" y="170811"/>
+                  <a:pt x="1580966" y="203552"/>
+                </a:cubicBezTo>
+                <a:lnTo>
+                  <a:pt x="1502704" y="278183"/>
+                </a:lnTo>
+                <a:cubicBezTo>
+                  <a:pt x="1487463" y="295517"/>
+                  <a:pt x="1475136" y="307663"/>
+                  <a:pt x="1465723" y="314620"/>
+                </a:cubicBezTo>
+                <a:lnTo>
+                  <a:pt x="1642884" y="458828"/>
+                </a:lnTo>
+                <a:cubicBezTo>
+                  <a:pt x="1721496" y="523625"/>
+                  <a:pt x="1773326" y="565796"/>
+                  <a:pt x="1798374" y="585342"/>
+                </a:cubicBezTo>
+                <a:cubicBezTo>
+                  <a:pt x="1823422" y="604887"/>
+                  <a:pt x="1847094" y="621168"/>
+                  <a:pt x="1869390" y="634185"/>
+                </a:cubicBezTo>
+                <a:lnTo>
+                  <a:pt x="1870852" y="665350"/>
+                </a:lnTo>
+                <a:cubicBezTo>
+                  <a:pt x="1858685" y="664894"/>
+                  <a:pt x="1850260" y="664255"/>
+                  <a:pt x="1845576" y="663433"/>
+                </a:cubicBezTo>
+                <a:cubicBezTo>
+                  <a:pt x="1840893" y="662612"/>
+                  <a:pt x="1835433" y="661923"/>
+                  <a:pt x="1829197" y="661369"/>
+                </a:cubicBezTo>
+                <a:cubicBezTo>
+                  <a:pt x="1813584" y="660042"/>
+                  <a:pt x="1798595" y="659378"/>
+                  <a:pt x="1784230" y="659378"/>
+                </a:cubicBezTo>
+                <a:cubicBezTo>
+                  <a:pt x="1757430" y="659378"/>
+                  <a:pt x="1718712" y="661369"/>
+                  <a:pt x="1668077" y="665350"/>
+                </a:cubicBezTo>
+                <a:lnTo>
+                  <a:pt x="1666359" y="635351"/>
+                </a:lnTo>
+                <a:cubicBezTo>
+                  <a:pt x="1674280" y="632277"/>
+                  <a:pt x="1679187" y="630504"/>
+                  <a:pt x="1681082" y="630033"/>
+                </a:cubicBezTo>
+                <a:cubicBezTo>
+                  <a:pt x="1682977" y="629561"/>
+                  <a:pt x="1688283" y="628441"/>
+                  <a:pt x="1697003" y="626674"/>
+                </a:cubicBezTo>
+                <a:cubicBezTo>
+                  <a:pt x="1703923" y="625445"/>
+                  <a:pt x="1707383" y="625204"/>
+                  <a:pt x="1707383" y="625951"/>
+                </a:cubicBezTo>
+                <a:cubicBezTo>
+                  <a:pt x="1707383" y="619243"/>
+                  <a:pt x="1672665" y="588402"/>
+                  <a:pt x="1603228" y="533428"/>
+                </a:cubicBezTo>
+                <a:lnTo>
+                  <a:pt x="1512766" y="459838"/>
+                </a:lnTo>
+                <a:cubicBezTo>
+                  <a:pt x="1501781" y="451150"/>
+                  <a:pt x="1492773" y="443937"/>
+                  <a:pt x="1485741" y="438199"/>
+                </a:cubicBezTo>
+                <a:cubicBezTo>
+                  <a:pt x="1478709" y="432460"/>
+                  <a:pt x="1467225" y="423142"/>
+                  <a:pt x="1451287" y="410245"/>
+                </a:cubicBezTo>
+                <a:cubicBezTo>
+                  <a:pt x="1443318" y="403796"/>
+                  <a:pt x="1435483" y="397812"/>
+                  <a:pt x="1427782" y="392293"/>
+                </a:cubicBezTo>
+                <a:lnTo>
+                  <a:pt x="1411114" y="381159"/>
+                </a:lnTo>
+                <a:lnTo>
+                  <a:pt x="1411189" y="394796"/>
+                </a:lnTo>
+                <a:cubicBezTo>
+                  <a:pt x="1411453" y="421217"/>
+                  <a:pt x="1412119" y="456705"/>
+                  <a:pt x="1413186" y="501260"/>
+                </a:cubicBezTo>
+                <a:cubicBezTo>
+                  <a:pt x="1414609" y="560666"/>
+                  <a:pt x="1416660" y="594625"/>
+                  <a:pt x="1419340" y="603137"/>
+                </a:cubicBezTo>
+                <a:cubicBezTo>
+                  <a:pt x="1422969" y="610907"/>
+                  <a:pt x="1432908" y="617827"/>
+                  <a:pt x="1449157" y="623898"/>
+                </a:cubicBezTo>
+                <a:cubicBezTo>
+                  <a:pt x="1465405" y="629968"/>
+                  <a:pt x="1480737" y="633003"/>
+                  <a:pt x="1495153" y="633003"/>
+                </a:cubicBezTo>
+                <a:lnTo>
+                  <a:pt x="1495153" y="667340"/>
+                </a:lnTo>
+                <a:cubicBezTo>
+                  <a:pt x="1475071" y="665303"/>
+                  <a:pt x="1450132" y="663644"/>
+                  <a:pt x="1420336" y="662364"/>
+                </a:cubicBezTo>
+                <a:cubicBezTo>
+                  <a:pt x="1403473" y="661700"/>
+                  <a:pt x="1377938" y="661369"/>
+                  <a:pt x="1343730" y="661369"/>
+                </a:cubicBezTo>
+                <a:cubicBezTo>
+                  <a:pt x="1315436" y="661369"/>
+                  <a:pt x="1285127" y="662032"/>
+                  <a:pt x="1252801" y="663359"/>
+                </a:cubicBezTo>
+                <a:lnTo>
+                  <a:pt x="1252801" y="627436"/>
+                </a:lnTo>
+                <a:cubicBezTo>
+                  <a:pt x="1276931" y="625435"/>
+                  <a:pt x="1292458" y="622580"/>
+                  <a:pt x="1299381" y="618871"/>
+                </a:cubicBezTo>
+                <a:cubicBezTo>
+                  <a:pt x="1306304" y="615162"/>
+                  <a:pt x="1311124" y="607138"/>
+                  <a:pt x="1313840" y="594801"/>
+                </a:cubicBezTo>
+                <a:cubicBezTo>
+                  <a:pt x="1316235" y="585076"/>
+                  <a:pt x="1318540" y="562580"/>
+                  <a:pt x="1320756" y="527312"/>
+                </a:cubicBezTo>
+                <a:cubicBezTo>
+                  <a:pt x="1322972" y="492044"/>
+                  <a:pt x="1324559" y="453077"/>
+                  <a:pt x="1325515" y="410412"/>
+                </a:cubicBezTo>
+                <a:cubicBezTo>
+                  <a:pt x="1326472" y="367747"/>
+                  <a:pt x="1326950" y="342509"/>
+                  <a:pt x="1326950" y="334697"/>
+                </a:cubicBezTo>
+                <a:cubicBezTo>
+                  <a:pt x="1326950" y="256976"/>
+                  <a:pt x="1325954" y="198739"/>
+                  <a:pt x="1323964" y="159985"/>
+                </a:cubicBezTo>
+                <a:cubicBezTo>
+                  <a:pt x="1323964" y="131982"/>
+                  <a:pt x="1323249" y="110641"/>
+                  <a:pt x="1321818" y="95963"/>
+                </a:cubicBezTo>
+                <a:cubicBezTo>
+                  <a:pt x="1320387" y="81286"/>
+                  <a:pt x="1318108" y="70994"/>
+                  <a:pt x="1314979" y="65090"/>
+                </a:cubicBezTo>
+                <a:cubicBezTo>
+                  <a:pt x="1311851" y="59186"/>
+                  <a:pt x="1306976" y="55036"/>
+                  <a:pt x="1300353" y="52641"/>
+                </a:cubicBezTo>
+                <a:cubicBezTo>
+                  <a:pt x="1293731" y="50246"/>
+                  <a:pt x="1279689" y="47595"/>
+                  <a:pt x="1258228" y="44687"/>
+                </a:cubicBezTo>
+                <a:lnTo>
+                  <a:pt x="1256782" y="8957"/>
+                </a:lnTo>
+                <a:cubicBezTo>
+                  <a:pt x="1314960" y="11611"/>
+                  <a:pt x="1356959" y="12939"/>
+                  <a:pt x="1382779" y="12939"/>
+                </a:cubicBezTo>
+                <a:cubicBezTo>
+                  <a:pt x="1406832" y="12939"/>
+                  <a:pt x="1426026" y="12231"/>
+                  <a:pt x="1440362" y="10816"/>
+                </a:cubicBezTo>
+                <a:cubicBezTo>
+                  <a:pt x="1454698" y="9401"/>
+                  <a:pt x="1472630" y="7786"/>
+                  <a:pt x="1494158" y="5972"/>
+                </a:cubicBezTo>
+                <a:close/>
+                <a:moveTo>
+                  <a:pt x="216952" y="1990"/>
+                </a:moveTo>
+                <a:cubicBezTo>
+                  <a:pt x="264099" y="1990"/>
+                  <a:pt x="305490" y="8556"/>
+                  <a:pt x="341126" y="21686"/>
+                </a:cubicBezTo>
+                <a:cubicBezTo>
+                  <a:pt x="376762" y="34817"/>
+                  <a:pt x="406754" y="52379"/>
+                  <a:pt x="431102" y="74374"/>
+                </a:cubicBezTo>
+                <a:cubicBezTo>
+                  <a:pt x="455451" y="96369"/>
+                  <a:pt x="473549" y="120006"/>
+                  <a:pt x="485396" y="145285"/>
+                </a:cubicBezTo>
+                <a:cubicBezTo>
+                  <a:pt x="497244" y="170563"/>
+                  <a:pt x="503168" y="195193"/>
+                  <a:pt x="503168" y="219173"/>
+                </a:cubicBezTo>
+                <a:cubicBezTo>
+                  <a:pt x="503168" y="256320"/>
+                  <a:pt x="491848" y="291202"/>
+                  <a:pt x="469207" y="323818"/>
+                </a:cubicBezTo>
+                <a:cubicBezTo>
+                  <a:pt x="446567" y="356435"/>
+                  <a:pt x="413510" y="382695"/>
+                  <a:pt x="370036" y="402598"/>
+                </a:cubicBezTo>
+                <a:cubicBezTo>
+                  <a:pt x="326562" y="422501"/>
+                  <a:pt x="275488" y="432453"/>
+                  <a:pt x="216812" y="432453"/>
+                </a:cubicBezTo>
+                <a:cubicBezTo>
+                  <a:pt x="193864" y="432453"/>
+                  <a:pt x="176350" y="430794"/>
+                  <a:pt x="164272" y="427476"/>
+                </a:cubicBezTo>
+                <a:cubicBezTo>
+                  <a:pt x="164542" y="446257"/>
+                  <a:pt x="164864" y="472565"/>
+                  <a:pt x="165240" y="506399"/>
+                </a:cubicBezTo>
+                <a:cubicBezTo>
+                  <a:pt x="165616" y="540234"/>
+                  <a:pt x="165998" y="560795"/>
+                  <a:pt x="166387" y="568084"/>
+                </a:cubicBezTo>
+                <a:cubicBezTo>
+                  <a:pt x="167439" y="586258"/>
+                  <a:pt x="169478" y="598653"/>
+                  <a:pt x="172502" y="605267"/>
+                </a:cubicBezTo>
+                <a:cubicBezTo>
+                  <a:pt x="175527" y="611882"/>
+                  <a:pt x="182195" y="616716"/>
+                  <a:pt x="192505" y="619769"/>
+                </a:cubicBezTo>
+                <a:cubicBezTo>
+                  <a:pt x="202816" y="622822"/>
+                  <a:pt x="224922" y="625323"/>
+                  <a:pt x="258824" y="627272"/>
+                </a:cubicBezTo>
+                <a:lnTo>
+                  <a:pt x="257176" y="668336"/>
+                </a:lnTo>
+                <a:cubicBezTo>
+                  <a:pt x="237534" y="665998"/>
+                  <a:pt x="217507" y="664339"/>
+                  <a:pt x="197093" y="663359"/>
+                </a:cubicBezTo>
+                <a:cubicBezTo>
+                  <a:pt x="171786" y="662032"/>
+                  <a:pt x="154622" y="661369"/>
+                  <a:pt x="145603" y="661369"/>
+                </a:cubicBezTo>
+                <a:cubicBezTo>
+                  <a:pt x="110970" y="661369"/>
+                  <a:pt x="83978" y="662963"/>
+                  <a:pt x="64627" y="666151"/>
+                </a:cubicBezTo>
+                <a:lnTo>
+                  <a:pt x="38104" y="669277"/>
+                </a:lnTo>
+                <a:cubicBezTo>
+                  <a:pt x="29457" y="669277"/>
+                  <a:pt x="19758" y="667374"/>
+                  <a:pt x="9007" y="663569"/>
+                </a:cubicBezTo>
+                <a:lnTo>
+                  <a:pt x="9007" y="634550"/>
+                </a:lnTo>
+                <a:cubicBezTo>
+                  <a:pt x="38124" y="625914"/>
+                  <a:pt x="55503" y="620244"/>
+                  <a:pt x="61143" y="617541"/>
+                </a:cubicBezTo>
+                <a:cubicBezTo>
+                  <a:pt x="66783" y="614838"/>
+                  <a:pt x="69974" y="611451"/>
+                  <a:pt x="70715" y="607382"/>
+                </a:cubicBezTo>
+                <a:cubicBezTo>
+                  <a:pt x="75691" y="588591"/>
+                  <a:pt x="78180" y="513581"/>
+                  <a:pt x="78180" y="382354"/>
+                </a:cubicBezTo>
+                <a:cubicBezTo>
+                  <a:pt x="78180" y="361961"/>
+                  <a:pt x="78097" y="339749"/>
+                  <a:pt x="77931" y="315720"/>
+                </a:cubicBezTo>
+                <a:cubicBezTo>
+                  <a:pt x="77765" y="291690"/>
+                  <a:pt x="77519" y="273196"/>
+                  <a:pt x="77192" y="260237"/>
+                </a:cubicBezTo>
+                <a:cubicBezTo>
+                  <a:pt x="76865" y="247277"/>
+                  <a:pt x="76041" y="227001"/>
+                  <a:pt x="74719" y="199407"/>
+                </a:cubicBezTo>
+                <a:cubicBezTo>
+                  <a:pt x="74051" y="180455"/>
+                  <a:pt x="72893" y="156996"/>
+                  <a:pt x="71247" y="129030"/>
+                </a:cubicBezTo>
+                <a:cubicBezTo>
+                  <a:pt x="69602" y="101063"/>
+                  <a:pt x="68113" y="83595"/>
+                  <a:pt x="66780" y="76625"/>
+                </a:cubicBezTo>
+                <a:cubicBezTo>
+                  <a:pt x="65448" y="69656"/>
+                  <a:pt x="64103" y="65036"/>
+                  <a:pt x="62745" y="62765"/>
+                </a:cubicBezTo>
+                <a:cubicBezTo>
+                  <a:pt x="58717" y="56716"/>
+                  <a:pt x="52888" y="52598"/>
+                  <a:pt x="45257" y="50413"/>
+                </a:cubicBezTo>
+                <a:cubicBezTo>
+                  <a:pt x="37627" y="48228"/>
+                  <a:pt x="22811" y="45887"/>
+                  <a:pt x="811" y="43388"/>
+                </a:cubicBezTo>
+                <a:cubicBezTo>
+                  <a:pt x="-350" y="30584"/>
+                  <a:pt x="-264" y="17780"/>
+                  <a:pt x="1068" y="4976"/>
+                </a:cubicBezTo>
+                <a:cubicBezTo>
+                  <a:pt x="32109" y="6967"/>
+                  <a:pt x="65674" y="7962"/>
+                  <a:pt x="101763" y="7962"/>
+                </a:cubicBezTo>
+                <a:cubicBezTo>
+                  <a:pt x="113256" y="7962"/>
+                  <a:pt x="130512" y="7306"/>
+                  <a:pt x="153534" y="5995"/>
+                </a:cubicBezTo>
+                <a:lnTo>
+                  <a:pt x="184699" y="3234"/>
+                </a:lnTo>
+                <a:cubicBezTo>
+                  <a:pt x="193179" y="2405"/>
+                  <a:pt x="203931" y="1990"/>
+                  <a:pt x="216952" y="1990"/>
+                </a:cubicBezTo>
+                <a:close/>
+                <a:moveTo>
+                  <a:pt x="855721" y="0"/>
+                </a:moveTo>
+                <a:cubicBezTo>
+                  <a:pt x="867146" y="40490"/>
+                  <a:pt x="879126" y="80857"/>
+                  <a:pt x="891660" y="121098"/>
+                </a:cubicBezTo>
+                <a:lnTo>
+                  <a:pt x="991741" y="379912"/>
+                </a:lnTo>
+                <a:cubicBezTo>
+                  <a:pt x="1018862" y="450303"/>
+                  <a:pt x="1039274" y="502028"/>
+                  <a:pt x="1052974" y="535088"/>
+                </a:cubicBezTo>
+                <a:cubicBezTo>
+                  <a:pt x="1066675" y="568147"/>
+                  <a:pt x="1076885" y="589957"/>
+                  <a:pt x="1083603" y="600516"/>
+                </a:cubicBezTo>
+                <a:cubicBezTo>
+                  <a:pt x="1093063" y="613030"/>
+                  <a:pt x="1112363" y="620743"/>
+                  <a:pt x="1141501" y="623657"/>
+                </a:cubicBezTo>
+                <a:lnTo>
+                  <a:pt x="1141501" y="659378"/>
+                </a:lnTo>
+                <a:cubicBezTo>
+                  <a:pt x="1107153" y="656724"/>
+                  <a:pt x="1077989" y="655397"/>
+                  <a:pt x="1054009" y="655397"/>
+                </a:cubicBezTo>
+                <a:cubicBezTo>
+                  <a:pt x="1034834" y="655397"/>
+                  <a:pt x="1017031" y="655886"/>
+                  <a:pt x="1000601" y="656863"/>
+                </a:cubicBezTo>
+                <a:cubicBezTo>
+                  <a:pt x="984171" y="657840"/>
+                  <a:pt x="970966" y="658752"/>
+                  <a:pt x="960984" y="659600"/>
+                </a:cubicBezTo>
+                <a:cubicBezTo>
+                  <a:pt x="951003" y="660447"/>
+                  <a:pt x="940012" y="661037"/>
+                  <a:pt x="928011" y="661369"/>
+                </a:cubicBezTo>
+                <a:lnTo>
+                  <a:pt x="928011" y="627109"/>
+                </a:lnTo>
+                <a:cubicBezTo>
+                  <a:pt x="947798" y="623651"/>
+                  <a:pt x="960952" y="620373"/>
+                  <a:pt x="967473" y="617273"/>
+                </a:cubicBezTo>
+                <a:cubicBezTo>
+                  <a:pt x="973994" y="614173"/>
+                  <a:pt x="977255" y="609624"/>
+                  <a:pt x="977255" y="603627"/>
+                </a:cubicBezTo>
+                <a:cubicBezTo>
+                  <a:pt x="977255" y="595384"/>
+                  <a:pt x="974392" y="582598"/>
+                  <a:pt x="968667" y="565269"/>
+                </a:cubicBezTo>
+                <a:cubicBezTo>
+                  <a:pt x="962941" y="547940"/>
+                  <a:pt x="958720" y="536136"/>
+                  <a:pt x="956004" y="529859"/>
+                </a:cubicBezTo>
+                <a:lnTo>
+                  <a:pt x="921363" y="436605"/>
+                </a:lnTo>
+                <a:cubicBezTo>
+                  <a:pt x="906403" y="434500"/>
+                  <a:pt x="878066" y="433448"/>
+                  <a:pt x="836352" y="433448"/>
+                </a:cubicBezTo>
+                <a:lnTo>
+                  <a:pt x="797310" y="433448"/>
+                </a:lnTo>
+                <a:cubicBezTo>
+                  <a:pt x="759359" y="432147"/>
+                  <a:pt x="728052" y="433733"/>
+                  <a:pt x="703387" y="438207"/>
+                </a:cubicBezTo>
+                <a:lnTo>
+                  <a:pt x="668475" y="526367"/>
+                </a:lnTo>
+                <a:cubicBezTo>
+                  <a:pt x="654032" y="560902"/>
+                  <a:pt x="646811" y="582259"/>
+                  <a:pt x="646811" y="590439"/>
+                </a:cubicBezTo>
+                <a:cubicBezTo>
+                  <a:pt x="646811" y="598707"/>
+                  <a:pt x="650908" y="605906"/>
+                  <a:pt x="659101" y="612036"/>
+                </a:cubicBezTo>
+                <a:cubicBezTo>
+                  <a:pt x="667294" y="618166"/>
+                  <a:pt x="689251" y="623815"/>
+                  <a:pt x="724973" y="628983"/>
+                </a:cubicBezTo>
+                <a:lnTo>
+                  <a:pt x="724973" y="663359"/>
+                </a:lnTo>
+                <a:cubicBezTo>
+                  <a:pt x="679055" y="658715"/>
+                  <a:pt x="643167" y="656392"/>
+                  <a:pt x="617311" y="656392"/>
+                </a:cubicBezTo>
+                <a:cubicBezTo>
+                  <a:pt x="590500" y="656392"/>
+                  <a:pt x="557547" y="657719"/>
+                  <a:pt x="518450" y="660373"/>
+                </a:cubicBezTo>
+                <a:lnTo>
+                  <a:pt x="518450" y="628719"/>
+                </a:lnTo>
+                <a:cubicBezTo>
+                  <a:pt x="541155" y="623011"/>
+                  <a:pt x="557225" y="615414"/>
+                  <a:pt x="566660" y="605928"/>
+                </a:cubicBezTo>
+                <a:cubicBezTo>
+                  <a:pt x="573559" y="599858"/>
+                  <a:pt x="583332" y="584256"/>
+                  <a:pt x="595978" y="559122"/>
+                </a:cubicBezTo>
+                <a:cubicBezTo>
+                  <a:pt x="608624" y="533989"/>
+                  <a:pt x="621411" y="506653"/>
+                  <a:pt x="634339" y="477116"/>
+                </a:cubicBezTo>
+                <a:cubicBezTo>
+                  <a:pt x="647268" y="447579"/>
+                  <a:pt x="656793" y="423972"/>
+                  <a:pt x="662915" y="406295"/>
+                </a:cubicBezTo>
+                <a:lnTo>
+                  <a:pt x="739956" y="225666"/>
+                </a:lnTo>
+                <a:cubicBezTo>
+                  <a:pt x="749712" y="202909"/>
+                  <a:pt x="759759" y="178584"/>
+                  <a:pt x="770095" y="152691"/>
+                </a:cubicBezTo>
+                <a:cubicBezTo>
+                  <a:pt x="780431" y="126798"/>
+                  <a:pt x="790228" y="101286"/>
+                  <a:pt x="799483" y="76155"/>
+                </a:cubicBezTo>
+                <a:cubicBezTo>
+                  <a:pt x="808739" y="51024"/>
+                  <a:pt x="815233" y="31865"/>
+                  <a:pt x="818965" y="18677"/>
+                </a:cubicBezTo>
+                <a:cubicBezTo>
+                  <a:pt x="818965" y="12674"/>
+                  <a:pt x="821723" y="6915"/>
+                  <a:pt x="827239" y="1399"/>
+                </a:cubicBezTo>
+                <a:close/>
+              </a:path>
+            </a:pathLst>
+          </a:custGeom>
+          <a:solidFill>
+            <a:schemeClr val="tx1"/>
+          </a:solidFill>
+          <a:ln w="3175">
+            <a:noFill/>
+          </a:ln>
+          <a:effectLst/>
+          <a:scene3d>
+            <a:camera prst="orthographicFront">
+              <a:rot lat="0" lon="0" rev="0"/>
+            </a:camera>
+            <a:lightRig rig="contrasting" dir="t">
+              <a:rot lat="0" lon="0" rev="1500000"/>
+            </a:lightRig>
+          </a:scene3d>
+          <a:sp3d prstMaterial="metal">
+            <a:bevelT w="88900" h="88900"/>
+          </a:sp3d>
+        </p:spPr>
+        <p:txBody>
+          <a:bodyPr rot="0" spcFirstLastPara="0" vertOverflow="overflow" horzOverflow="overflow" vert="horz" wrap="square" lIns="91440" tIns="45720" rIns="91440" bIns="45720" numCol="1" spcCol="0" rtlCol="0" fromWordArt="0" anchor="t" anchorCtr="0" forceAA="0" compatLnSpc="1">
+            <a:prstTxWarp prst="textNoShape">
+              <a:avLst/>
+            </a:prstTxWarp>
+            <a:noAutofit/>
+          </a:bodyPr>
+          <a:lstStyle/>
+          <a:p>
+            <a:pPr algn="ctr"/>
+            <a:endParaRPr lang="en-US" sz="8000" b="1" cap="none" spc="600" dirty="0">
+              <a:ln w="0"/>
+              <a:solidFill>
+                <a:schemeClr val="tx1"/>
+              </a:solidFill>
+              <a:latin typeface="Centaur" panose="02030504050205020304" pitchFamily="18" charset="0"/>
+            </a:endParaRPr>
+          </a:p>
+        </p:txBody>
+      </p:sp>
+      <p:sp>
+        <p:nvSpPr>
+          <p:cNvPr id="141" name="Graphic 139">
+            <a:extLst>
+              <a:ext uri="{FF2B5EF4-FFF2-40B4-BE49-F238E27FC236}">
+                <a16:creationId xmlns:a16="http://schemas.microsoft.com/office/drawing/2014/main" id="{08309A17-7067-2429-B8D6-32732320D971}"/>
+              </a:ext>
+            </a:extLst>
+          </p:cNvPr>
+          <p:cNvSpPr/>
+          <p:nvPr/>
+        </p:nvSpPr>
+        <p:spPr>
+          <a:xfrm>
+            <a:off x="2929875" y="2897142"/>
+            <a:ext cx="949022" cy="1063716"/>
+          </a:xfrm>
+          <a:custGeom>
+            <a:avLst/>
+            <a:gdLst>
+              <a:gd name="connsiteX0" fmla="*/ 647706 w 2177573"/>
+              <a:gd name="connsiteY0" fmla="*/ 560476 h 2440743"/>
+              <a:gd name="connsiteX1" fmla="*/ 647688 w 2177573"/>
+              <a:gd name="connsiteY1" fmla="*/ 558725 h 2440743"/>
+              <a:gd name="connsiteX2" fmla="*/ 647688 w 2177573"/>
+              <a:gd name="connsiteY2" fmla="*/ 441098 h 2440743"/>
+              <a:gd name="connsiteX3" fmla="*/ 1088789 w 2177573"/>
+              <a:gd name="connsiteY3" fmla="*/ 0 h 2440743"/>
+              <a:gd name="connsiteX4" fmla="*/ 1529887 w 2177573"/>
+              <a:gd name="connsiteY4" fmla="*/ 441098 h 2440743"/>
+              <a:gd name="connsiteX5" fmla="*/ 1529887 w 2177573"/>
+              <a:gd name="connsiteY5" fmla="*/ 558725 h 2440743"/>
+              <a:gd name="connsiteX6" fmla="*/ 1529863 w 2177573"/>
+              <a:gd name="connsiteY6" fmla="*/ 560476 h 2440743"/>
+              <a:gd name="connsiteX7" fmla="*/ 1844667 w 2177573"/>
+              <a:gd name="connsiteY7" fmla="*/ 640060 h 2440743"/>
+              <a:gd name="connsiteX8" fmla="*/ 2020118 w 2177573"/>
+              <a:gd name="connsiteY8" fmla="*/ 1134423 h 2440743"/>
+              <a:gd name="connsiteX9" fmla="*/ 2108337 w 2177573"/>
+              <a:gd name="connsiteY9" fmla="*/ 1604927 h 2440743"/>
+              <a:gd name="connsiteX10" fmla="*/ 2111396 w 2177573"/>
+              <a:gd name="connsiteY10" fmla="*/ 2313225 h 2440743"/>
+              <a:gd name="connsiteX11" fmla="*/ 1414660 w 2177573"/>
+              <a:gd name="connsiteY11" fmla="*/ 2440744 h 2440743"/>
+              <a:gd name="connsiteX12" fmla="*/ 762910 w 2177573"/>
+              <a:gd name="connsiteY12" fmla="*/ 2440744 h 2440743"/>
+              <a:gd name="connsiteX13" fmla="*/ 66175 w 2177573"/>
+              <a:gd name="connsiteY13" fmla="*/ 2313225 h 2440743"/>
+              <a:gd name="connsiteX14" fmla="*/ 69241 w 2177573"/>
+              <a:gd name="connsiteY14" fmla="*/ 1604927 h 2440743"/>
+              <a:gd name="connsiteX15" fmla="*/ 157461 w 2177573"/>
+              <a:gd name="connsiteY15" fmla="*/ 1134423 h 2440743"/>
+              <a:gd name="connsiteX16" fmla="*/ 332906 w 2177573"/>
+              <a:gd name="connsiteY16" fmla="*/ 640060 h 2440743"/>
+              <a:gd name="connsiteX17" fmla="*/ 647706 w 2177573"/>
+              <a:gd name="connsiteY17" fmla="*/ 560476 h 2440743"/>
+              <a:gd name="connsiteX18" fmla="*/ 824127 w 2177573"/>
+              <a:gd name="connsiteY18" fmla="*/ 441098 h 2440743"/>
+              <a:gd name="connsiteX19" fmla="*/ 1088789 w 2177573"/>
+              <a:gd name="connsiteY19" fmla="*/ 176439 h 2440743"/>
+              <a:gd name="connsiteX20" fmla="*/ 1353448 w 2177573"/>
+              <a:gd name="connsiteY20" fmla="*/ 441098 h 2440743"/>
+              <a:gd name="connsiteX21" fmla="*/ 1353448 w 2177573"/>
+              <a:gd name="connsiteY21" fmla="*/ 558725 h 2440743"/>
+              <a:gd name="connsiteX22" fmla="*/ 1353448 w 2177573"/>
+              <a:gd name="connsiteY22" fmla="*/ 558725 h 2440743"/>
+              <a:gd name="connsiteX23" fmla="*/ 1326441 w 2177573"/>
+              <a:gd name="connsiteY23" fmla="*/ 558725 h 2440743"/>
+              <a:gd name="connsiteX24" fmla="*/ 851130 w 2177573"/>
+              <a:gd name="connsiteY24" fmla="*/ 558725 h 2440743"/>
+              <a:gd name="connsiteX25" fmla="*/ 824127 w 2177573"/>
+              <a:gd name="connsiteY25" fmla="*/ 558727 h 2440743"/>
+              <a:gd name="connsiteX26" fmla="*/ 824127 w 2177573"/>
+              <a:gd name="connsiteY26" fmla="*/ 558727 h 2440743"/>
+              <a:gd name="connsiteX27" fmla="*/ 824127 w 2177573"/>
+              <a:gd name="connsiteY27" fmla="*/ 441098 h 2440743"/>
+            </a:gdLst>
+            <a:ahLst/>
+            <a:cxnLst>
+              <a:cxn ang="0">
+                <a:pos x="connsiteX0" y="connsiteY0"/>
+              </a:cxn>
+              <a:cxn ang="0">
+                <a:pos x="connsiteX1" y="connsiteY1"/>
+              </a:cxn>
+              <a:cxn ang="0">
+                <a:pos x="connsiteX2" y="connsiteY2"/>
+              </a:cxn>
+              <a:cxn ang="0">
+                <a:pos x="connsiteX3" y="connsiteY3"/>
+              </a:cxn>
+              <a:cxn ang="0">
+                <a:pos x="connsiteX4" y="connsiteY4"/>
+              </a:cxn>
+              <a:cxn ang="0">
+                <a:pos x="connsiteX5" y="connsiteY5"/>
+              </a:cxn>
+              <a:cxn ang="0">
+                <a:pos x="connsiteX6" y="connsiteY6"/>
+              </a:cxn>
+              <a:cxn ang="0">
+                <a:pos x="connsiteX7" y="connsiteY7"/>
+              </a:cxn>
+              <a:cxn ang="0">
+                <a:pos x="connsiteX8" y="connsiteY8"/>
+              </a:cxn>
+              <a:cxn ang="0">
+                <a:pos x="connsiteX9" y="connsiteY9"/>
+              </a:cxn>
+              <a:cxn ang="0">
+                <a:pos x="connsiteX10" y="connsiteY10"/>
+              </a:cxn>
+              <a:cxn ang="0">
+                <a:pos x="connsiteX11" y="connsiteY11"/>
+              </a:cxn>
+              <a:cxn ang="0">
+                <a:pos x="connsiteX12" y="connsiteY12"/>
+              </a:cxn>
+              <a:cxn ang="0">
+                <a:pos x="connsiteX13" y="connsiteY13"/>
+              </a:cxn>
+              <a:cxn ang="0">
+                <a:pos x="connsiteX14" y="connsiteY14"/>
+              </a:cxn>
+              <a:cxn ang="0">
+                <a:pos x="connsiteX15" y="connsiteY15"/>
+              </a:cxn>
+              <a:cxn ang="0">
+                <a:pos x="connsiteX16" y="connsiteY16"/>
+              </a:cxn>
+              <a:cxn ang="0">
+                <a:pos x="connsiteX17" y="connsiteY17"/>
+              </a:cxn>
+              <a:cxn ang="0">
+                <a:pos x="connsiteX18" y="connsiteY18"/>
+              </a:cxn>
+              <a:cxn ang="0">
+                <a:pos x="connsiteX19" y="connsiteY19"/>
+              </a:cxn>
+              <a:cxn ang="0">
+                <a:pos x="connsiteX20" y="connsiteY20"/>
+              </a:cxn>
+              <a:cxn ang="0">
+                <a:pos x="connsiteX21" y="connsiteY21"/>
+              </a:cxn>
+              <a:cxn ang="0">
+                <a:pos x="connsiteX22" y="connsiteY22"/>
+              </a:cxn>
+              <a:cxn ang="0">
+                <a:pos x="connsiteX23" y="connsiteY23"/>
+              </a:cxn>
+              <a:cxn ang="0">
+                <a:pos x="connsiteX24" y="connsiteY24"/>
+              </a:cxn>
+              <a:cxn ang="0">
+                <a:pos x="connsiteX25" y="connsiteY25"/>
+              </a:cxn>
+              <a:cxn ang="0">
+                <a:pos x="connsiteX26" y="connsiteY26"/>
+              </a:cxn>
+              <a:cxn ang="0">
+                <a:pos x="connsiteX27" y="connsiteY27"/>
+              </a:cxn>
+            </a:cxnLst>
+            <a:rect l="l" t="t" r="r" b="b"/>
+            <a:pathLst>
+              <a:path w="2177573" h="2440743">
+                <a:moveTo>
+                  <a:pt x="647706" y="560476"/>
+                </a:moveTo>
+                <a:cubicBezTo>
+                  <a:pt x="647694" y="559894"/>
+                  <a:pt x="647688" y="559310"/>
+                  <a:pt x="647688" y="558725"/>
+                </a:cubicBezTo>
+                <a:lnTo>
+                  <a:pt x="647688" y="441098"/>
+                </a:lnTo>
+                <a:cubicBezTo>
+                  <a:pt x="647688" y="197486"/>
+                  <a:pt x="845175" y="0"/>
+                  <a:pt x="1088789" y="0"/>
+                </a:cubicBezTo>
+                <a:cubicBezTo>
+                  <a:pt x="1332404" y="0"/>
+                  <a:pt x="1529887" y="197486"/>
+                  <a:pt x="1529887" y="441098"/>
+                </a:cubicBezTo>
+                <a:lnTo>
+                  <a:pt x="1529887" y="558725"/>
+                </a:lnTo>
+                <a:cubicBezTo>
+                  <a:pt x="1529887" y="559310"/>
+                  <a:pt x="1529875" y="559894"/>
+                  <a:pt x="1529863" y="560476"/>
+                </a:cubicBezTo>
+                <a:cubicBezTo>
+                  <a:pt x="1681284" y="565021"/>
+                  <a:pt x="1773938" y="581356"/>
+                  <a:pt x="1844667" y="640060"/>
+                </a:cubicBezTo>
+                <a:cubicBezTo>
+                  <a:pt x="1942673" y="721396"/>
+                  <a:pt x="1968480" y="859070"/>
+                  <a:pt x="2020118" y="1134423"/>
+                </a:cubicBezTo>
+                <a:lnTo>
+                  <a:pt x="2108337" y="1604927"/>
+                </a:lnTo>
+                <a:cubicBezTo>
+                  <a:pt x="2180936" y="1992118"/>
+                  <a:pt x="2217224" y="2185707"/>
+                  <a:pt x="2111396" y="2313225"/>
+                </a:cubicBezTo>
+                <a:cubicBezTo>
+                  <a:pt x="2005568" y="2440744"/>
+                  <a:pt x="1808602" y="2440744"/>
+                  <a:pt x="1414660" y="2440744"/>
+                </a:cubicBezTo>
+                <a:lnTo>
+                  <a:pt x="762910" y="2440744"/>
+                </a:lnTo>
+                <a:cubicBezTo>
+                  <a:pt x="368973" y="2440744"/>
+                  <a:pt x="172004" y="2440744"/>
+                  <a:pt x="66175" y="2313225"/>
+                </a:cubicBezTo>
+                <a:cubicBezTo>
+                  <a:pt x="-39656" y="2185707"/>
+                  <a:pt x="-3357" y="1992118"/>
+                  <a:pt x="69241" y="1604927"/>
+                </a:cubicBezTo>
+                <a:lnTo>
+                  <a:pt x="157461" y="1134423"/>
+                </a:lnTo>
+                <a:cubicBezTo>
+                  <a:pt x="209088" y="859070"/>
+                  <a:pt x="234902" y="721396"/>
+                  <a:pt x="332906" y="640060"/>
+                </a:cubicBezTo>
+                <a:cubicBezTo>
+                  <a:pt x="403641" y="581356"/>
+                  <a:pt x="496290" y="565021"/>
+                  <a:pt x="647706" y="560476"/>
+                </a:cubicBezTo>
+                <a:close/>
+                <a:moveTo>
+                  <a:pt x="824127" y="441098"/>
+                </a:moveTo>
+                <a:cubicBezTo>
+                  <a:pt x="824127" y="294931"/>
+                  <a:pt x="942615" y="176439"/>
+                  <a:pt x="1088789" y="176439"/>
+                </a:cubicBezTo>
+                <a:cubicBezTo>
+                  <a:pt x="1234951" y="176439"/>
+                  <a:pt x="1353448" y="294931"/>
+                  <a:pt x="1353448" y="441098"/>
+                </a:cubicBezTo>
+                <a:lnTo>
+                  <a:pt x="1353448" y="558725"/>
+                </a:lnTo>
+                <a:cubicBezTo>
+                  <a:pt x="1353448" y="558723"/>
+                  <a:pt x="1353448" y="558726"/>
+                  <a:pt x="1353448" y="558725"/>
+                </a:cubicBezTo>
+                <a:cubicBezTo>
+                  <a:pt x="1344590" y="558722"/>
+                  <a:pt x="1335592" y="558725"/>
+                  <a:pt x="1326441" y="558725"/>
+                </a:cubicBezTo>
+                <a:lnTo>
+                  <a:pt x="851130" y="558725"/>
+                </a:lnTo>
+                <a:cubicBezTo>
+                  <a:pt x="841981" y="558725"/>
+                  <a:pt x="832981" y="558725"/>
+                  <a:pt x="824127" y="558727"/>
+                </a:cubicBezTo>
+                <a:cubicBezTo>
+                  <a:pt x="824127" y="558727"/>
+                  <a:pt x="824127" y="558728"/>
+                  <a:pt x="824127" y="558727"/>
+                </a:cubicBezTo>
+                <a:lnTo>
+                  <a:pt x="824127" y="441098"/>
+                </a:lnTo>
+                <a:close/>
+              </a:path>
+            </a:pathLst>
+          </a:custGeom>
+          <a:solidFill>
+            <a:srgbClr val="FF0000"/>
+          </a:solidFill>
+          <a:ln w="117475" cap="flat">
+            <a:noFill/>
+            <a:prstDash val="solid"/>
+            <a:miter/>
+          </a:ln>
+          <a:effectLst/>
+          <a:scene3d>
+            <a:camera prst="orthographicFront">
+              <a:rot lat="0" lon="0" rev="0"/>
+            </a:camera>
+            <a:lightRig rig="contrasting" dir="t">
+              <a:rot lat="0" lon="0" rev="1500000"/>
+            </a:lightRig>
+          </a:scene3d>
+          <a:sp3d prstMaterial="metal">
+            <a:bevelT w="88900" h="88900"/>
+          </a:sp3d>
+        </p:spPr>
+        <p:txBody>
+          <a:bodyPr rtlCol="0" anchor="ctr"/>
+          <a:lstStyle/>
+          <a:p>
+            <a:endParaRPr lang="en-US" dirty="0"/>
+          </a:p>
+        </p:txBody>
+      </p:sp>
+      <p:sp>
+        <p:nvSpPr>
+          <p:cNvPr id="231" name="Freeform: Shape 230">
+            <a:extLst>
+              <a:ext uri="{FF2B5EF4-FFF2-40B4-BE49-F238E27FC236}">
+                <a16:creationId xmlns:a16="http://schemas.microsoft.com/office/drawing/2014/main" id="{A58FE5D1-BB8E-8DBA-962E-EAD11234BFE2}"/>
+              </a:ext>
+            </a:extLst>
+          </p:cNvPr>
+          <p:cNvSpPr/>
+          <p:nvPr/>
+        </p:nvSpPr>
+        <p:spPr>
+          <a:xfrm>
+            <a:off x="3207237" y="3292575"/>
+            <a:ext cx="407168" cy="494834"/>
+          </a:xfrm>
+          <a:custGeom>
+            <a:avLst/>
+            <a:gdLst>
+              <a:gd name="connsiteX0" fmla="*/ 294440 w 372609"/>
+              <a:gd name="connsiteY0" fmla="*/ 292535 h 452834"/>
+              <a:gd name="connsiteX1" fmla="*/ 363790 w 372609"/>
+              <a:gd name="connsiteY1" fmla="*/ 422667 h 452834"/>
+              <a:gd name="connsiteX2" fmla="*/ 369253 w 372609"/>
+              <a:gd name="connsiteY2" fmla="*/ 432739 h 452834"/>
+              <a:gd name="connsiteX3" fmla="*/ 372609 w 372609"/>
+              <a:gd name="connsiteY3" fmla="*/ 442811 h 452834"/>
+              <a:gd name="connsiteX4" fmla="*/ 369502 w 372609"/>
+              <a:gd name="connsiteY4" fmla="*/ 450377 h 452834"/>
+              <a:gd name="connsiteX5" fmla="*/ 360734 w 372609"/>
+              <a:gd name="connsiteY5" fmla="*/ 452732 h 452834"/>
+              <a:gd name="connsiteX6" fmla="*/ 256006 w 372609"/>
+              <a:gd name="connsiteY6" fmla="*/ 452732 h 452834"/>
+              <a:gd name="connsiteX7" fmla="*/ 246586 w 372609"/>
+              <a:gd name="connsiteY7" fmla="*/ 449827 h 452834"/>
+              <a:gd name="connsiteX8" fmla="*/ 241224 w 372609"/>
+              <a:gd name="connsiteY8" fmla="*/ 441558 h 452834"/>
+              <a:gd name="connsiteX9" fmla="*/ 179791 w 372609"/>
+              <a:gd name="connsiteY9" fmla="*/ 325556 h 452834"/>
+              <a:gd name="connsiteX10" fmla="*/ 197279 w 372609"/>
+              <a:gd name="connsiteY10" fmla="*/ 323752 h 452834"/>
+              <a:gd name="connsiteX11" fmla="*/ 294440 w 372609"/>
+              <a:gd name="connsiteY11" fmla="*/ 292535 h 452834"/>
+              <a:gd name="connsiteX12" fmla="*/ 178488 w 372609"/>
+              <a:gd name="connsiteY12" fmla="*/ 38484 h 452834"/>
+              <a:gd name="connsiteX13" fmla="*/ 149024 w 372609"/>
+              <a:gd name="connsiteY13" fmla="*/ 42493 h 452834"/>
+              <a:gd name="connsiteX14" fmla="*/ 122466 w 372609"/>
+              <a:gd name="connsiteY14" fmla="*/ 53667 h 452834"/>
+              <a:gd name="connsiteX15" fmla="*/ 99867 w 372609"/>
+              <a:gd name="connsiteY15" fmla="*/ 70853 h 452834"/>
+              <a:gd name="connsiteX16" fmla="*/ 82479 w 372609"/>
+              <a:gd name="connsiteY16" fmla="*/ 93654 h 452834"/>
+              <a:gd name="connsiteX17" fmla="*/ 71254 w 372609"/>
+              <a:gd name="connsiteY17" fmla="*/ 120261 h 452834"/>
+              <a:gd name="connsiteX18" fmla="*/ 67246 w 372609"/>
+              <a:gd name="connsiteY18" fmla="*/ 149725 h 452834"/>
+              <a:gd name="connsiteX19" fmla="*/ 71254 w 372609"/>
+              <a:gd name="connsiteY19" fmla="*/ 179239 h 452834"/>
+              <a:gd name="connsiteX20" fmla="*/ 82479 w 372609"/>
+              <a:gd name="connsiteY20" fmla="*/ 205846 h 452834"/>
+              <a:gd name="connsiteX21" fmla="*/ 99867 w 372609"/>
+              <a:gd name="connsiteY21" fmla="*/ 228196 h 452834"/>
+              <a:gd name="connsiteX22" fmla="*/ 122466 w 372609"/>
+              <a:gd name="connsiteY22" fmla="*/ 245684 h 452834"/>
+              <a:gd name="connsiteX23" fmla="*/ 149024 w 372609"/>
+              <a:gd name="connsiteY23" fmla="*/ 256857 h 452834"/>
+              <a:gd name="connsiteX24" fmla="*/ 178488 w 372609"/>
+              <a:gd name="connsiteY24" fmla="*/ 260616 h 452834"/>
+              <a:gd name="connsiteX25" fmla="*/ 211560 w 372609"/>
+              <a:gd name="connsiteY25" fmla="*/ 255705 h 452834"/>
+              <a:gd name="connsiteX26" fmla="*/ 241074 w 372609"/>
+              <a:gd name="connsiteY26" fmla="*/ 241375 h 452834"/>
+              <a:gd name="connsiteX27" fmla="*/ 244632 w 372609"/>
+              <a:gd name="connsiteY27" fmla="*/ 237867 h 452834"/>
+              <a:gd name="connsiteX28" fmla="*/ 244230 w 372609"/>
+              <a:gd name="connsiteY28" fmla="*/ 232505 h 452834"/>
+              <a:gd name="connsiteX29" fmla="*/ 219378 w 372609"/>
+              <a:gd name="connsiteY29" fmla="*/ 196777 h 452834"/>
+              <a:gd name="connsiteX30" fmla="*/ 215819 w 372609"/>
+              <a:gd name="connsiteY30" fmla="*/ 194072 h 452834"/>
+              <a:gd name="connsiteX31" fmla="*/ 211560 w 372609"/>
+              <a:gd name="connsiteY31" fmla="*/ 195375 h 452834"/>
+              <a:gd name="connsiteX32" fmla="*/ 195675 w 372609"/>
+              <a:gd name="connsiteY32" fmla="*/ 203642 h 452834"/>
+              <a:gd name="connsiteX33" fmla="*/ 177436 w 372609"/>
+              <a:gd name="connsiteY33" fmla="*/ 206599 h 452834"/>
+              <a:gd name="connsiteX34" fmla="*/ 155488 w 372609"/>
+              <a:gd name="connsiteY34" fmla="*/ 202138 h 452834"/>
+              <a:gd name="connsiteX35" fmla="*/ 138301 w 372609"/>
+              <a:gd name="connsiteY35" fmla="*/ 189811 h 452834"/>
+              <a:gd name="connsiteX36" fmla="*/ 126927 w 372609"/>
+              <a:gd name="connsiteY36" fmla="*/ 171672 h 452834"/>
+              <a:gd name="connsiteX37" fmla="*/ 122866 w 372609"/>
+              <a:gd name="connsiteY37" fmla="*/ 149375 h 452834"/>
+              <a:gd name="connsiteX38" fmla="*/ 126927 w 372609"/>
+              <a:gd name="connsiteY38" fmla="*/ 127026 h 452834"/>
+              <a:gd name="connsiteX39" fmla="*/ 138301 w 372609"/>
+              <a:gd name="connsiteY39" fmla="*/ 108686 h 452834"/>
+              <a:gd name="connsiteX40" fmla="*/ 155488 w 372609"/>
+              <a:gd name="connsiteY40" fmla="*/ 96410 h 452834"/>
+              <a:gd name="connsiteX41" fmla="*/ 177436 w 372609"/>
+              <a:gd name="connsiteY41" fmla="*/ 91951 h 452834"/>
+              <a:gd name="connsiteX42" fmla="*/ 195525 w 372609"/>
+              <a:gd name="connsiteY42" fmla="*/ 94856 h 452834"/>
+              <a:gd name="connsiteX43" fmla="*/ 211360 w 372609"/>
+              <a:gd name="connsiteY43" fmla="*/ 103124 h 452834"/>
+              <a:gd name="connsiteX44" fmla="*/ 215769 w 372609"/>
+              <a:gd name="connsiteY44" fmla="*/ 104227 h 452834"/>
+              <a:gd name="connsiteX45" fmla="*/ 219127 w 372609"/>
+              <a:gd name="connsiteY45" fmla="*/ 101571 h 452834"/>
+              <a:gd name="connsiteX46" fmla="*/ 243730 w 372609"/>
+              <a:gd name="connsiteY46" fmla="*/ 66694 h 452834"/>
+              <a:gd name="connsiteX47" fmla="*/ 244181 w 372609"/>
+              <a:gd name="connsiteY47" fmla="*/ 61082 h 452834"/>
+              <a:gd name="connsiteX48" fmla="*/ 240372 w 372609"/>
+              <a:gd name="connsiteY48" fmla="*/ 57275 h 452834"/>
+              <a:gd name="connsiteX49" fmla="*/ 211360 w 372609"/>
+              <a:gd name="connsiteY49" fmla="*/ 43194 h 452834"/>
+              <a:gd name="connsiteX50" fmla="*/ 178488 w 372609"/>
+              <a:gd name="connsiteY50" fmla="*/ 38484 h 452834"/>
+              <a:gd name="connsiteX51" fmla="*/ 13379 w 372609"/>
+              <a:gd name="connsiteY51" fmla="*/ 0 h 452834"/>
+              <a:gd name="connsiteX52" fmla="*/ 210207 w 372609"/>
+              <a:gd name="connsiteY52" fmla="*/ 0 h 452834"/>
+              <a:gd name="connsiteX53" fmla="*/ 268934 w 372609"/>
+              <a:gd name="connsiteY53" fmla="*/ 11876 h 452834"/>
+              <a:gd name="connsiteX54" fmla="*/ 316739 w 372609"/>
+              <a:gd name="connsiteY54" fmla="*/ 43594 h 452834"/>
+              <a:gd name="connsiteX55" fmla="*/ 348908 w 372609"/>
+              <a:gd name="connsiteY55" fmla="*/ 90747 h 452834"/>
+              <a:gd name="connsiteX56" fmla="*/ 360734 w 372609"/>
+              <a:gd name="connsiteY56" fmla="*/ 148272 h 452834"/>
+              <a:gd name="connsiteX57" fmla="*/ 355122 w 372609"/>
+              <a:gd name="connsiteY57" fmla="*/ 187808 h 452834"/>
+              <a:gd name="connsiteX58" fmla="*/ 339287 w 372609"/>
+              <a:gd name="connsiteY58" fmla="*/ 222884 h 452834"/>
+              <a:gd name="connsiteX59" fmla="*/ 315436 w 372609"/>
+              <a:gd name="connsiteY59" fmla="*/ 252398 h 452834"/>
+              <a:gd name="connsiteX60" fmla="*/ 156841 w 372609"/>
+              <a:gd name="connsiteY60" fmla="*/ 302457 h 452834"/>
+              <a:gd name="connsiteX61" fmla="*/ 118157 w 372609"/>
+              <a:gd name="connsiteY61" fmla="*/ 302457 h 452834"/>
+              <a:gd name="connsiteX62" fmla="*/ 118157 w 372609"/>
+              <a:gd name="connsiteY62" fmla="*/ 439955 h 452834"/>
+              <a:gd name="connsiteX63" fmla="*/ 104076 w 372609"/>
+              <a:gd name="connsiteY63" fmla="*/ 452834 h 452834"/>
+              <a:gd name="connsiteX64" fmla="*/ 13379 w 372609"/>
+              <a:gd name="connsiteY64" fmla="*/ 452834 h 452834"/>
+              <a:gd name="connsiteX65" fmla="*/ 3508 w 372609"/>
+              <a:gd name="connsiteY65" fmla="*/ 449726 h 452834"/>
+              <a:gd name="connsiteX66" fmla="*/ 0 w 372609"/>
+              <a:gd name="connsiteY66" fmla="*/ 439955 h 452834"/>
+              <a:gd name="connsiteX67" fmla="*/ 0 w 372609"/>
+              <a:gd name="connsiteY67" fmla="*/ 14131 h 452834"/>
+              <a:gd name="connsiteX68" fmla="*/ 3358 w 372609"/>
+              <a:gd name="connsiteY68" fmla="*/ 3809 h 452834"/>
+              <a:gd name="connsiteX69" fmla="*/ 13379 w 372609"/>
+              <a:gd name="connsiteY69" fmla="*/ 0 h 452834"/>
+            </a:gdLst>
+            <a:ahLst/>
+            <a:cxnLst>
+              <a:cxn ang="0">
+                <a:pos x="connsiteX0" y="connsiteY0"/>
+              </a:cxn>
+              <a:cxn ang="0">
+                <a:pos x="connsiteX1" y="connsiteY1"/>
+              </a:cxn>
+              <a:cxn ang="0">
+                <a:pos x="connsiteX2" y="connsiteY2"/>
+              </a:cxn>
+              <a:cxn ang="0">
+                <a:pos x="connsiteX3" y="connsiteY3"/>
+              </a:cxn>
+              <a:cxn ang="0">
+                <a:pos x="connsiteX4" y="connsiteY4"/>
+              </a:cxn>
+              <a:cxn ang="0">
+                <a:pos x="connsiteX5" y="connsiteY5"/>
+              </a:cxn>
+              <a:cxn ang="0">
+                <a:pos x="connsiteX6" y="connsiteY6"/>
+              </a:cxn>
+              <a:cxn ang="0">
+                <a:pos x="connsiteX7" y="connsiteY7"/>
+              </a:cxn>
+              <a:cxn ang="0">
+                <a:pos x="connsiteX8" y="connsiteY8"/>
+              </a:cxn>
+              <a:cxn ang="0">
+                <a:pos x="connsiteX9" y="connsiteY9"/>
+              </a:cxn>
+              <a:cxn ang="0">
+                <a:pos x="connsiteX10" y="connsiteY10"/>
+              </a:cxn>
+              <a:cxn ang="0">
+                <a:pos x="connsiteX11" y="connsiteY11"/>
+              </a:cxn>
+              <a:cxn ang="0">
+                <a:pos x="connsiteX12" y="connsiteY12"/>
+              </a:cxn>
+              <a:cxn ang="0">
+                <a:pos x="connsiteX13" y="connsiteY13"/>
+              </a:cxn>
+              <a:cxn ang="0">
+                <a:pos x="connsiteX14" y="connsiteY14"/>
+              </a:cxn>
+              <a:cxn ang="0">
+                <a:pos x="connsiteX15" y="connsiteY15"/>
+              </a:cxn>
+              <a:cxn ang="0">
+                <a:pos x="connsiteX16" y="connsiteY16"/>
+              </a:cxn>
+              <a:cxn ang="0">
+                <a:pos x="connsiteX17" y="connsiteY17"/>
+              </a:cxn>
+              <a:cxn ang="0">
+                <a:pos x="connsiteX18" y="connsiteY18"/>
+              </a:cxn>
+              <a:cxn ang="0">
+                <a:pos x="connsiteX19" y="connsiteY19"/>
+              </a:cxn>
+              <a:cxn ang="0">
+                <a:pos x="connsiteX20" y="connsiteY20"/>
+              </a:cxn>
+              <a:cxn ang="0">
+                <a:pos x="connsiteX21" y="connsiteY21"/>
+              </a:cxn>
+              <a:cxn ang="0">
+                <a:pos x="connsiteX22" y="connsiteY22"/>
+              </a:cxn>
+              <a:cxn ang="0">
+                <a:pos x="connsiteX23" y="connsiteY23"/>
+              </a:cxn>
+              <a:cxn ang="0">
+                <a:pos x="connsiteX24" y="connsiteY24"/>
+              </a:cxn>
+              <a:cxn ang="0">
+                <a:pos x="connsiteX25" y="connsiteY25"/>
+              </a:cxn>
+              <a:cxn ang="0">
+                <a:pos x="connsiteX26" y="connsiteY26"/>
+              </a:cxn>
+              <a:cxn ang="0">
+                <a:pos x="connsiteX27" y="connsiteY27"/>
+              </a:cxn>
+              <a:cxn ang="0">
+                <a:pos x="connsiteX28" y="connsiteY28"/>
+              </a:cxn>
+              <a:cxn ang="0">
+                <a:pos x="connsiteX29" y="connsiteY29"/>
+              </a:cxn>
+              <a:cxn ang="0">
+                <a:pos x="connsiteX30" y="connsiteY30"/>
+              </a:cxn>
+              <a:cxn ang="0">
+                <a:pos x="connsiteX31" y="connsiteY31"/>
+              </a:cxn>
+              <a:cxn ang="0">
+                <a:pos x="connsiteX32" y="connsiteY32"/>
+              </a:cxn>
+              <a:cxn ang="0">
+                <a:pos x="connsiteX33" y="connsiteY33"/>
+              </a:cxn>
+              <a:cxn ang="0">
+                <a:pos x="connsiteX34" y="connsiteY34"/>
+              </a:cxn>
+              <a:cxn ang="0">
+                <a:pos x="connsiteX35" y="connsiteY35"/>
+              </a:cxn>
+              <a:cxn ang="0">
+                <a:pos x="connsiteX36" y="connsiteY36"/>
+              </a:cxn>
+              <a:cxn ang="0">
+                <a:pos x="connsiteX37" y="connsiteY37"/>
+              </a:cxn>
+              <a:cxn ang="0">
+                <a:pos x="connsiteX38" y="connsiteY38"/>
+              </a:cxn>
+              <a:cxn ang="0">
+                <a:pos x="connsiteX39" y="connsiteY39"/>
+              </a:cxn>
+              <a:cxn ang="0">
+                <a:pos x="connsiteX40" y="connsiteY40"/>
+              </a:cxn>
+              <a:cxn ang="0">
+                <a:pos x="connsiteX41" y="connsiteY41"/>
+              </a:cxn>
+              <a:cxn ang="0">
+                <a:pos x="connsiteX42" y="connsiteY42"/>
+              </a:cxn>
+              <a:cxn ang="0">
+                <a:pos x="connsiteX43" y="connsiteY43"/>
+              </a:cxn>
+              <a:cxn ang="0">
+                <a:pos x="connsiteX44" y="connsiteY44"/>
+              </a:cxn>
+              <a:cxn ang="0">
+                <a:pos x="connsiteX45" y="connsiteY45"/>
+              </a:cxn>
+              <a:cxn ang="0">
+                <a:pos x="connsiteX46" y="connsiteY46"/>
+              </a:cxn>
+              <a:cxn ang="0">
+                <a:pos x="connsiteX47" y="connsiteY47"/>
+              </a:cxn>
+              <a:cxn ang="0">
+                <a:pos x="connsiteX48" y="connsiteY48"/>
+              </a:cxn>
+              <a:cxn ang="0">
+                <a:pos x="connsiteX49" y="connsiteY49"/>
+              </a:cxn>
+              <a:cxn ang="0">
+                <a:pos x="connsiteX50" y="connsiteY50"/>
+              </a:cxn>
+              <a:cxn ang="0">
+                <a:pos x="connsiteX51" y="connsiteY51"/>
+              </a:cxn>
+              <a:cxn ang="0">
+                <a:pos x="connsiteX52" y="connsiteY52"/>
+              </a:cxn>
+              <a:cxn ang="0">
+                <a:pos x="connsiteX53" y="connsiteY53"/>
+              </a:cxn>
+              <a:cxn ang="0">
+                <a:pos x="connsiteX54" y="connsiteY54"/>
+              </a:cxn>
+              <a:cxn ang="0">
+                <a:pos x="connsiteX55" y="connsiteY55"/>
+              </a:cxn>
+              <a:cxn ang="0">
+                <a:pos x="connsiteX56" y="connsiteY56"/>
+              </a:cxn>
+              <a:cxn ang="0">
+                <a:pos x="connsiteX57" y="connsiteY57"/>
+              </a:cxn>
+              <a:cxn ang="0">
+                <a:pos x="connsiteX58" y="connsiteY58"/>
+              </a:cxn>
+              <a:cxn ang="0">
+                <a:pos x="connsiteX59" y="connsiteY59"/>
+              </a:cxn>
+              <a:cxn ang="0">
+                <a:pos x="connsiteX60" y="connsiteY60"/>
+              </a:cxn>
+              <a:cxn ang="0">
+                <a:pos x="connsiteX61" y="connsiteY61"/>
+              </a:cxn>
+              <a:cxn ang="0">
+                <a:pos x="connsiteX62" y="connsiteY62"/>
+              </a:cxn>
+              <a:cxn ang="0">
+                <a:pos x="connsiteX63" y="connsiteY63"/>
+              </a:cxn>
+              <a:cxn ang="0">
+                <a:pos x="connsiteX64" y="connsiteY64"/>
+              </a:cxn>
+              <a:cxn ang="0">
+                <a:pos x="connsiteX65" y="connsiteY65"/>
+              </a:cxn>
+              <a:cxn ang="0">
+                <a:pos x="connsiteX66" y="connsiteY66"/>
+              </a:cxn>
+              <a:cxn ang="0">
+                <a:pos x="connsiteX67" y="connsiteY67"/>
+              </a:cxn>
+              <a:cxn ang="0">
+                <a:pos x="connsiteX68" y="connsiteY68"/>
+              </a:cxn>
+              <a:cxn ang="0">
+                <a:pos x="connsiteX69" y="connsiteY69"/>
+              </a:cxn>
+            </a:cxnLst>
+            <a:rect l="l" t="t" r="r" b="b"/>
+            <a:pathLst>
+              <a:path w="372609" h="452834">
+                <a:moveTo>
+                  <a:pt x="294440" y="292535"/>
+                </a:moveTo>
+                <a:lnTo>
+                  <a:pt x="363790" y="422667"/>
+                </a:lnTo>
+                <a:cubicBezTo>
+                  <a:pt x="365243" y="425574"/>
+                  <a:pt x="366997" y="428981"/>
+                  <a:pt x="369253" y="432739"/>
+                </a:cubicBezTo>
+                <a:cubicBezTo>
+                  <a:pt x="371507" y="436697"/>
+                  <a:pt x="372609" y="440106"/>
+                  <a:pt x="372609" y="442811"/>
+                </a:cubicBezTo>
+                <a:cubicBezTo>
+                  <a:pt x="372609" y="446068"/>
+                  <a:pt x="371507" y="448573"/>
+                  <a:pt x="369502" y="450377"/>
+                </a:cubicBezTo>
+                <a:cubicBezTo>
+                  <a:pt x="367248" y="451880"/>
+                  <a:pt x="364292" y="452732"/>
+                  <a:pt x="360734" y="452732"/>
+                </a:cubicBezTo>
+                <a:lnTo>
+                  <a:pt x="256006" y="452732"/>
+                </a:lnTo>
+                <a:cubicBezTo>
+                  <a:pt x="252399" y="452732"/>
+                  <a:pt x="249241" y="451880"/>
+                  <a:pt x="246586" y="449827"/>
+                </a:cubicBezTo>
+                <a:cubicBezTo>
+                  <a:pt x="243880" y="447921"/>
+                  <a:pt x="242126" y="445016"/>
+                  <a:pt x="241224" y="441558"/>
+                </a:cubicBezTo>
+                <a:lnTo>
+                  <a:pt x="179791" y="325556"/>
+                </a:lnTo>
+                <a:cubicBezTo>
+                  <a:pt x="185003" y="325105"/>
+                  <a:pt x="190714" y="324654"/>
+                  <a:pt x="197279" y="323752"/>
+                </a:cubicBezTo>
+                <a:cubicBezTo>
+                  <a:pt x="239269" y="318492"/>
+                  <a:pt x="271641" y="305313"/>
+                  <a:pt x="294440" y="292535"/>
+                </a:cubicBezTo>
+                <a:close/>
+                <a:moveTo>
+                  <a:pt x="178488" y="38484"/>
+                </a:moveTo>
+                <a:cubicBezTo>
+                  <a:pt x="168215" y="38484"/>
+                  <a:pt x="158394" y="39787"/>
+                  <a:pt x="149024" y="42493"/>
+                </a:cubicBezTo>
+                <a:cubicBezTo>
+                  <a:pt x="139403" y="45148"/>
+                  <a:pt x="130684" y="48757"/>
+                  <a:pt x="122466" y="53667"/>
+                </a:cubicBezTo>
+                <a:cubicBezTo>
+                  <a:pt x="114199" y="58327"/>
+                  <a:pt x="106582" y="64139"/>
+                  <a:pt x="99867" y="70853"/>
+                </a:cubicBezTo>
+                <a:cubicBezTo>
+                  <a:pt x="93203" y="77819"/>
+                  <a:pt x="87390" y="85135"/>
+                  <a:pt x="82479" y="93654"/>
+                </a:cubicBezTo>
+                <a:cubicBezTo>
+                  <a:pt x="77718" y="101921"/>
+                  <a:pt x="73961" y="110640"/>
+                  <a:pt x="71254" y="120261"/>
+                </a:cubicBezTo>
+                <a:cubicBezTo>
+                  <a:pt x="68600" y="129631"/>
+                  <a:pt x="67246" y="139453"/>
+                  <a:pt x="67246" y="149725"/>
+                </a:cubicBezTo>
+                <a:cubicBezTo>
+                  <a:pt x="67246" y="160047"/>
+                  <a:pt x="68600" y="169869"/>
+                  <a:pt x="71254" y="179239"/>
+                </a:cubicBezTo>
+                <a:cubicBezTo>
+                  <a:pt x="73961" y="188861"/>
+                  <a:pt x="77718" y="197580"/>
+                  <a:pt x="82479" y="205846"/>
+                </a:cubicBezTo>
+                <a:cubicBezTo>
+                  <a:pt x="87390" y="213864"/>
+                  <a:pt x="93203" y="221481"/>
+                  <a:pt x="99867" y="228196"/>
+                </a:cubicBezTo>
+                <a:cubicBezTo>
+                  <a:pt x="106582" y="234959"/>
+                  <a:pt x="114199" y="240723"/>
+                  <a:pt x="122466" y="245684"/>
+                </a:cubicBezTo>
+                <a:cubicBezTo>
+                  <a:pt x="130684" y="250394"/>
+                  <a:pt x="139403" y="254202"/>
+                  <a:pt x="149024" y="256857"/>
+                </a:cubicBezTo>
+                <a:cubicBezTo>
+                  <a:pt x="158394" y="259313"/>
+                  <a:pt x="168215" y="260616"/>
+                  <a:pt x="178488" y="260616"/>
+                </a:cubicBezTo>
+                <a:cubicBezTo>
+                  <a:pt x="190063" y="260616"/>
+                  <a:pt x="201037" y="259063"/>
+                  <a:pt x="211560" y="255705"/>
+                </a:cubicBezTo>
+                <a:cubicBezTo>
+                  <a:pt x="222083" y="252348"/>
+                  <a:pt x="231905" y="247638"/>
+                  <a:pt x="241074" y="241375"/>
+                </a:cubicBezTo>
+                <a:cubicBezTo>
+                  <a:pt x="242628" y="240472"/>
+                  <a:pt x="243930" y="239370"/>
+                  <a:pt x="244632" y="237867"/>
+                </a:cubicBezTo>
+                <a:cubicBezTo>
+                  <a:pt x="245484" y="236513"/>
+                  <a:pt x="245333" y="234710"/>
+                  <a:pt x="244230" y="232505"/>
+                </a:cubicBezTo>
+                <a:lnTo>
+                  <a:pt x="219378" y="196777"/>
+                </a:lnTo>
+                <a:cubicBezTo>
+                  <a:pt x="218275" y="195175"/>
+                  <a:pt x="217172" y="194272"/>
+                  <a:pt x="215819" y="194072"/>
+                </a:cubicBezTo>
+                <a:cubicBezTo>
+                  <a:pt x="214717" y="193871"/>
+                  <a:pt x="213314" y="194272"/>
+                  <a:pt x="211560" y="195375"/>
+                </a:cubicBezTo>
+                <a:cubicBezTo>
+                  <a:pt x="206900" y="198982"/>
+                  <a:pt x="201538" y="201687"/>
+                  <a:pt x="195675" y="203642"/>
+                </a:cubicBezTo>
+                <a:cubicBezTo>
+                  <a:pt x="189964" y="205697"/>
+                  <a:pt x="183850" y="206599"/>
+                  <a:pt x="177436" y="206599"/>
+                </a:cubicBezTo>
+                <a:cubicBezTo>
+                  <a:pt x="169568" y="206599"/>
+                  <a:pt x="162202" y="205246"/>
+                  <a:pt x="155488" y="202138"/>
+                </a:cubicBezTo>
+                <a:cubicBezTo>
+                  <a:pt x="148823" y="199233"/>
+                  <a:pt x="142960" y="194974"/>
+                  <a:pt x="138301" y="189811"/>
+                </a:cubicBezTo>
+                <a:cubicBezTo>
+                  <a:pt x="133390" y="184651"/>
+                  <a:pt x="129581" y="178638"/>
+                  <a:pt x="126927" y="171672"/>
+                </a:cubicBezTo>
+                <a:cubicBezTo>
+                  <a:pt x="124220" y="164808"/>
+                  <a:pt x="122866" y="157393"/>
+                  <a:pt x="122866" y="149375"/>
+                </a:cubicBezTo>
+                <a:cubicBezTo>
+                  <a:pt x="122866" y="141558"/>
+                  <a:pt x="124220" y="133941"/>
+                  <a:pt x="126927" y="127026"/>
+                </a:cubicBezTo>
+                <a:cubicBezTo>
+                  <a:pt x="129581" y="120060"/>
+                  <a:pt x="133390" y="114047"/>
+                  <a:pt x="138301" y="108686"/>
+                </a:cubicBezTo>
+                <a:cubicBezTo>
+                  <a:pt x="143011" y="103525"/>
+                  <a:pt x="148823" y="99566"/>
+                  <a:pt x="155488" y="96410"/>
+                </a:cubicBezTo>
+                <a:cubicBezTo>
+                  <a:pt x="162202" y="93553"/>
+                  <a:pt x="169568" y="91951"/>
+                  <a:pt x="177436" y="91951"/>
+                </a:cubicBezTo>
+                <a:cubicBezTo>
+                  <a:pt x="183850" y="91951"/>
+                  <a:pt x="189964" y="92851"/>
+                  <a:pt x="195525" y="94856"/>
+                </a:cubicBezTo>
+                <a:cubicBezTo>
+                  <a:pt x="201287" y="96861"/>
+                  <a:pt x="206399" y="99566"/>
+                  <a:pt x="211360" y="103124"/>
+                </a:cubicBezTo>
+                <a:cubicBezTo>
+                  <a:pt x="212863" y="104227"/>
+                  <a:pt x="214417" y="104678"/>
+                  <a:pt x="215769" y="104227"/>
+                </a:cubicBezTo>
+                <a:cubicBezTo>
+                  <a:pt x="216871" y="104026"/>
+                  <a:pt x="217974" y="103124"/>
+                  <a:pt x="219127" y="101571"/>
+                </a:cubicBezTo>
+                <a:lnTo>
+                  <a:pt x="243730" y="66694"/>
+                </a:lnTo>
+                <a:cubicBezTo>
+                  <a:pt x="244582" y="64440"/>
+                  <a:pt x="244833" y="62636"/>
+                  <a:pt x="244181" y="61082"/>
+                </a:cubicBezTo>
+                <a:cubicBezTo>
+                  <a:pt x="243279" y="59530"/>
+                  <a:pt x="242126" y="58377"/>
+                  <a:pt x="240372" y="57275"/>
+                </a:cubicBezTo>
+                <a:cubicBezTo>
+                  <a:pt x="231403" y="51211"/>
+                  <a:pt x="221632" y="46501"/>
+                  <a:pt x="211360" y="43194"/>
+                </a:cubicBezTo>
+                <a:cubicBezTo>
+                  <a:pt x="201087" y="40038"/>
+                  <a:pt x="190114" y="38484"/>
+                  <a:pt x="178488" y="38484"/>
+                </a:cubicBezTo>
+                <a:close/>
+                <a:moveTo>
+                  <a:pt x="13379" y="0"/>
+                </a:moveTo>
+                <a:lnTo>
+                  <a:pt x="210207" y="0"/>
+                </a:lnTo>
+                <a:cubicBezTo>
+                  <a:pt x="231152" y="0"/>
+                  <a:pt x="250645" y="4009"/>
+                  <a:pt x="268934" y="11876"/>
+                </a:cubicBezTo>
+                <a:cubicBezTo>
+                  <a:pt x="287274" y="19643"/>
+                  <a:pt x="303109" y="30167"/>
+                  <a:pt x="316739" y="43594"/>
+                </a:cubicBezTo>
+                <a:cubicBezTo>
+                  <a:pt x="330417" y="56975"/>
+                  <a:pt x="341142" y="72859"/>
+                  <a:pt x="348908" y="90747"/>
+                </a:cubicBezTo>
+                <a:cubicBezTo>
+                  <a:pt x="356774" y="108635"/>
+                  <a:pt x="360784" y="127827"/>
+                  <a:pt x="360734" y="148272"/>
+                </a:cubicBezTo>
+                <a:cubicBezTo>
+                  <a:pt x="360734" y="162102"/>
+                  <a:pt x="358729" y="175331"/>
+                  <a:pt x="355122" y="187808"/>
+                </a:cubicBezTo>
+                <a:cubicBezTo>
+                  <a:pt x="351413" y="200285"/>
+                  <a:pt x="346001" y="211910"/>
+                  <a:pt x="339287" y="222884"/>
+                </a:cubicBezTo>
+                <a:cubicBezTo>
+                  <a:pt x="332673" y="233859"/>
+                  <a:pt x="324805" y="243628"/>
+                  <a:pt x="315436" y="252398"/>
+                </a:cubicBezTo>
+                <a:cubicBezTo>
+                  <a:pt x="279908" y="286622"/>
+                  <a:pt x="203041" y="300903"/>
+                  <a:pt x="156841" y="302457"/>
+                </a:cubicBezTo>
+                <a:lnTo>
+                  <a:pt x="118157" y="302457"/>
+                </a:lnTo>
+                <a:lnTo>
+                  <a:pt x="118157" y="439955"/>
+                </a:lnTo>
+                <a:cubicBezTo>
+                  <a:pt x="118157" y="448674"/>
+                  <a:pt x="113497" y="452834"/>
+                  <a:pt x="104076" y="452834"/>
+                </a:cubicBezTo>
+                <a:lnTo>
+                  <a:pt x="13379" y="452834"/>
+                </a:lnTo>
+                <a:cubicBezTo>
+                  <a:pt x="9320" y="452834"/>
+                  <a:pt x="6013" y="451830"/>
+                  <a:pt x="3508" y="449726"/>
+                </a:cubicBezTo>
+                <a:cubicBezTo>
+                  <a:pt x="1353" y="447472"/>
+                  <a:pt x="0" y="444365"/>
+                  <a:pt x="0" y="439955"/>
+                </a:cubicBezTo>
+                <a:lnTo>
+                  <a:pt x="0" y="14131"/>
+                </a:lnTo>
+                <a:cubicBezTo>
+                  <a:pt x="0" y="9872"/>
+                  <a:pt x="1102" y="6514"/>
+                  <a:pt x="3358" y="3809"/>
+                </a:cubicBezTo>
+                <a:cubicBezTo>
+                  <a:pt x="5612" y="1353"/>
+                  <a:pt x="8919" y="0"/>
+                  <a:pt x="13379" y="0"/>
+                </a:cubicBezTo>
+                <a:close/>
+              </a:path>
+            </a:pathLst>
+          </a:custGeom>
+          <a:solidFill>
+            <a:schemeClr val="bg1"/>
+          </a:solidFill>
+          <a:ln w="97291" cap="flat">
+            <a:noFill/>
+            <a:prstDash val="solid"/>
+            <a:miter/>
+          </a:ln>
+          <a:effectLst>
+            <a:outerShdw blurRad="190500" dist="50800" dir="2700000" algn="ctr">
+              <a:srgbClr val="000000">
+                <a:alpha val="30000"/>
+              </a:srgbClr>
+            </a:outerShdw>
+          </a:effectLst>
+          <a:scene3d>
+            <a:camera prst="orthographicFront">
+              <a:rot lat="0" lon="0" rev="0"/>
+            </a:camera>
+            <a:lightRig rig="glow" dir="t">
+              <a:rot lat="0" lon="0" rev="4800000"/>
+            </a:lightRig>
+          </a:scene3d>
+          <a:sp3d prstMaterial="matte">
+            <a:bevelT w="127000" h="63500"/>
+          </a:sp3d>
+        </p:spPr>
+        <p:txBody>
+          <a:bodyPr rtlCol="0" anchor="ctr"/>
+          <a:lstStyle/>
+          <a:p>
+            <a:endParaRPr lang="en-US"/>
+          </a:p>
+        </p:txBody>
+      </p:sp>
+    </p:spTree>
+    <p:extLst>
+      <p:ext uri="{BB962C8B-B14F-4D97-AF65-F5344CB8AC3E}">
+        <p14:creationId xmlns:p14="http://schemas.microsoft.com/office/powerpoint/2010/main" val="2250741661"/>
+      </p:ext>
+    </p:extLst>
+  </p:cSld>
+  <p:clrMapOvr>
+    <a:masterClrMapping/>
+  </p:clrMapOvr>
+</p:sld>
+</file>
+
+<file path=ppt/slides/slide2.xml><?xml version="1.0" encoding="utf-8"?>
+<p:sld xmlns:a="http://schemas.openxmlformats.org/drawingml/2006/main" xmlns:r="http://schemas.openxmlformats.org/officeDocument/2006/relationships" xmlns:p="http://schemas.openxmlformats.org/presentationml/2006/main">
+  <p:cSld>
+    <p:spTree>
+      <p:nvGrpSpPr>
+        <p:cNvPr id="1" name=""/>
+        <p:cNvGrpSpPr/>
+        <p:nvPr/>
+      </p:nvGrpSpPr>
+      <p:grpSpPr>
+        <a:xfrm>
+          <a:off x="0" y="0"/>
+          <a:ext cx="0" cy="0"/>
+          <a:chOff x="0" y="0"/>
+          <a:chExt cx="0" cy="0"/>
+        </a:xfrm>
+      </p:grpSpPr>
       <p:grpSp>
         <p:nvGrpSpPr>
-          <p:cNvPr id="232" name="Group 231">
+          <p:cNvPr id="5" name="Group 4">
             <a:extLst>
               <a:ext uri="{FF2B5EF4-FFF2-40B4-BE49-F238E27FC236}">
-                <a16:creationId xmlns:a16="http://schemas.microsoft.com/office/drawing/2014/main" id="{664F4A6E-3364-0741-E427-22A086ACDD17}"/>
+                <a16:creationId xmlns:a16="http://schemas.microsoft.com/office/drawing/2014/main" id="{358899FC-FCFB-FFDF-F60B-9519A909BFA2}"/>
               </a:ext>
             </a:extLst>
           </p:cNvPr>
@@ -3335,18 +7780,18 @@
         </p:nvGrpSpPr>
         <p:grpSpPr>
           <a:xfrm>
-            <a:off x="2929875" y="2897142"/>
-            <a:ext cx="6332251" cy="1063716"/>
-            <a:chOff x="2266690" y="1249551"/>
-            <a:chExt cx="4685438" cy="787078"/>
+            <a:off x="4965845" y="2162260"/>
+            <a:ext cx="2260311" cy="2533481"/>
+            <a:chOff x="2929875" y="2897142"/>
+            <a:chExt cx="949022" cy="1063716"/>
           </a:xfrm>
         </p:grpSpPr>
         <p:sp>
           <p:nvSpPr>
-            <p:cNvPr id="109" name="Freeform: Shape 108">
+            <p:cNvPr id="3" name="Graphic 139">
               <a:extLst>
                 <a:ext uri="{FF2B5EF4-FFF2-40B4-BE49-F238E27FC236}">
-                  <a16:creationId xmlns:a16="http://schemas.microsoft.com/office/drawing/2014/main" id="{BC0F0E10-9F0E-A1CE-3571-0186A0CA9779}"/>
+                  <a16:creationId xmlns:a16="http://schemas.microsoft.com/office/drawing/2014/main" id="{33916F54-5729-7756-765A-D65E2EE59CA1}"/>
                 </a:ext>
               </a:extLst>
             </p:cNvPr>
@@ -3355,3354 +7800,8 @@
           </p:nvSpPr>
           <p:spPr>
             <a:xfrm>
-              <a:off x="5106067" y="1338890"/>
-              <a:ext cx="1846061" cy="608400"/>
-            </a:xfrm>
-            <a:custGeom>
-              <a:avLst/>
-              <a:gdLst>
-                <a:gd name="connsiteX0" fmla="*/ 1827213 w 2932150"/>
-                <a:gd name="connsiteY0" fmla="*/ 63200 h 701180"/>
-                <a:gd name="connsiteX1" fmla="*/ 1717315 w 2932150"/>
-                <a:gd name="connsiteY1" fmla="*/ 92297 h 701180"/>
-                <a:gd name="connsiteX2" fmla="*/ 1634699 w 2932150"/>
-                <a:gd name="connsiteY2" fmla="*/ 177495 h 701180"/>
-                <a:gd name="connsiteX3" fmla="*/ 1603343 w 2932150"/>
-                <a:gd name="connsiteY3" fmla="*/ 308788 h 701180"/>
-                <a:gd name="connsiteX4" fmla="*/ 1642140 w 2932150"/>
-                <a:gd name="connsiteY4" fmla="*/ 465845 h 701180"/>
-                <a:gd name="connsiteX5" fmla="*/ 1745903 w 2932150"/>
-                <a:gd name="connsiteY5" fmla="*/ 583557 h 701180"/>
-                <a:gd name="connsiteX6" fmla="*/ 1882872 w 2932150"/>
-                <a:gd name="connsiteY6" fmla="*/ 627529 h 701180"/>
-                <a:gd name="connsiteX7" fmla="*/ 1984655 w 2932150"/>
-                <a:gd name="connsiteY7" fmla="*/ 601251 h 701180"/>
-                <a:gd name="connsiteX8" fmla="*/ 2064659 w 2932150"/>
-                <a:gd name="connsiteY8" fmla="*/ 519812 h 701180"/>
-                <a:gd name="connsiteX9" fmla="*/ 2096011 w 2932150"/>
-                <a:gd name="connsiteY9" fmla="*/ 382913 h 701180"/>
-                <a:gd name="connsiteX10" fmla="*/ 2074807 w 2932150"/>
-                <a:gd name="connsiteY10" fmla="*/ 258712 h 701180"/>
-                <a:gd name="connsiteX11" fmla="*/ 2016135 w 2932150"/>
-                <a:gd name="connsiteY11" fmla="*/ 155669 h 701180"/>
-                <a:gd name="connsiteX12" fmla="*/ 1929697 w 2932150"/>
-                <a:gd name="connsiteY12" fmla="*/ 87426 h 701180"/>
-                <a:gd name="connsiteX13" fmla="*/ 1827213 w 2932150"/>
-                <a:gd name="connsiteY13" fmla="*/ 63200 h 701180"/>
-                <a:gd name="connsiteX14" fmla="*/ 998538 w 2932150"/>
-                <a:gd name="connsiteY14" fmla="*/ 63200 h 701180"/>
-                <a:gd name="connsiteX15" fmla="*/ 888640 w 2932150"/>
-                <a:gd name="connsiteY15" fmla="*/ 92297 h 701180"/>
-                <a:gd name="connsiteX16" fmla="*/ 806024 w 2932150"/>
-                <a:gd name="connsiteY16" fmla="*/ 177495 h 701180"/>
-                <a:gd name="connsiteX17" fmla="*/ 774668 w 2932150"/>
-                <a:gd name="connsiteY17" fmla="*/ 308788 h 701180"/>
-                <a:gd name="connsiteX18" fmla="*/ 813465 w 2932150"/>
-                <a:gd name="connsiteY18" fmla="*/ 465845 h 701180"/>
-                <a:gd name="connsiteX19" fmla="*/ 917228 w 2932150"/>
-                <a:gd name="connsiteY19" fmla="*/ 583557 h 701180"/>
-                <a:gd name="connsiteX20" fmla="*/ 1054197 w 2932150"/>
-                <a:gd name="connsiteY20" fmla="*/ 627529 h 701180"/>
-                <a:gd name="connsiteX21" fmla="*/ 1155980 w 2932150"/>
-                <a:gd name="connsiteY21" fmla="*/ 601251 h 701180"/>
-                <a:gd name="connsiteX22" fmla="*/ 1235984 w 2932150"/>
-                <a:gd name="connsiteY22" fmla="*/ 519812 h 701180"/>
-                <a:gd name="connsiteX23" fmla="*/ 1267336 w 2932150"/>
-                <a:gd name="connsiteY23" fmla="*/ 382913 h 701180"/>
-                <a:gd name="connsiteX24" fmla="*/ 1246132 w 2932150"/>
-                <a:gd name="connsiteY24" fmla="*/ 258712 h 701180"/>
-                <a:gd name="connsiteX25" fmla="*/ 1187460 w 2932150"/>
-                <a:gd name="connsiteY25" fmla="*/ 155669 h 701180"/>
-                <a:gd name="connsiteX26" fmla="*/ 1101022 w 2932150"/>
-                <a:gd name="connsiteY26" fmla="*/ 87426 h 701180"/>
-                <a:gd name="connsiteX27" fmla="*/ 998538 w 2932150"/>
-                <a:gd name="connsiteY27" fmla="*/ 63200 h 701180"/>
-                <a:gd name="connsiteX28" fmla="*/ 240532 w 2932150"/>
-                <a:gd name="connsiteY28" fmla="*/ 55238 h 701180"/>
-                <a:gd name="connsiteX29" fmla="*/ 196561 w 2932150"/>
-                <a:gd name="connsiteY29" fmla="*/ 60145 h 701180"/>
-                <a:gd name="connsiteX30" fmla="*/ 170489 w 2932150"/>
-                <a:gd name="connsiteY30" fmla="*/ 71606 h 701180"/>
-                <a:gd name="connsiteX31" fmla="*/ 159743 w 2932150"/>
-                <a:gd name="connsiteY31" fmla="*/ 320257 h 701180"/>
-                <a:gd name="connsiteX32" fmla="*/ 228340 w 2932150"/>
-                <a:gd name="connsiteY32" fmla="*/ 325957 h 701180"/>
-                <a:gd name="connsiteX33" fmla="*/ 276480 w 2932150"/>
-                <a:gd name="connsiteY33" fmla="*/ 322695 h 701180"/>
-                <a:gd name="connsiteX34" fmla="*/ 327014 w 2932150"/>
-                <a:gd name="connsiteY34" fmla="*/ 308562 h 701180"/>
-                <a:gd name="connsiteX35" fmla="*/ 370888 w 2932150"/>
-                <a:gd name="connsiteY35" fmla="*/ 272308 h 701180"/>
-                <a:gd name="connsiteX36" fmla="*/ 389157 w 2932150"/>
-                <a:gd name="connsiteY36" fmla="*/ 203272 h 701180"/>
-                <a:gd name="connsiteX37" fmla="*/ 372844 w 2932150"/>
-                <a:gd name="connsiteY37" fmla="*/ 138298 h 701180"/>
-                <a:gd name="connsiteX38" fmla="*/ 322729 w 2932150"/>
-                <a:gd name="connsiteY38" fmla="*/ 79662 h 701180"/>
-                <a:gd name="connsiteX39" fmla="*/ 240532 w 2932150"/>
-                <a:gd name="connsiteY39" fmla="*/ 55238 h 701180"/>
-                <a:gd name="connsiteX40" fmla="*/ 256737 w 2932150"/>
-                <a:gd name="connsiteY40" fmla="*/ 14431 h 701180"/>
-                <a:gd name="connsiteX41" fmla="*/ 352304 w 2932150"/>
-                <a:gd name="connsiteY41" fmla="*/ 29252 h 701180"/>
-                <a:gd name="connsiteX42" fmla="*/ 424334 w 2932150"/>
-                <a:gd name="connsiteY42" fmla="*/ 68838 h 701180"/>
-                <a:gd name="connsiteX43" fmla="*/ 468586 w 2932150"/>
-                <a:gd name="connsiteY43" fmla="*/ 125705 h 701180"/>
-                <a:gd name="connsiteX44" fmla="*/ 483709 w 2932150"/>
-                <a:gd name="connsiteY44" fmla="*/ 191297 h 701180"/>
-                <a:gd name="connsiteX45" fmla="*/ 468061 w 2932150"/>
-                <a:gd name="connsiteY45" fmla="*/ 258786 h 701180"/>
-                <a:gd name="connsiteX46" fmla="*/ 421143 w 2932150"/>
-                <a:gd name="connsiteY46" fmla="*/ 317990 h 701180"/>
-                <a:gd name="connsiteX47" fmla="*/ 347907 w 2932150"/>
-                <a:gd name="connsiteY47" fmla="*/ 358187 h 701180"/>
-                <a:gd name="connsiteX48" fmla="*/ 368225 w 2932150"/>
-                <a:gd name="connsiteY48" fmla="*/ 381094 h 701180"/>
-                <a:gd name="connsiteX49" fmla="*/ 444318 w 2932150"/>
-                <a:gd name="connsiteY49" fmla="*/ 492290 h 701180"/>
-                <a:gd name="connsiteX50" fmla="*/ 509248 w 2932150"/>
-                <a:gd name="connsiteY50" fmla="*/ 574448 h 701180"/>
-                <a:gd name="connsiteX51" fmla="*/ 577713 w 2932150"/>
-                <a:gd name="connsiteY51" fmla="*/ 636895 h 701180"/>
-                <a:gd name="connsiteX52" fmla="*/ 644915 w 2932150"/>
-                <a:gd name="connsiteY52" fmla="*/ 663134 h 701180"/>
-                <a:gd name="connsiteX53" fmla="*/ 662364 w 2932150"/>
-                <a:gd name="connsiteY53" fmla="*/ 682503 h 701180"/>
-                <a:gd name="connsiteX54" fmla="*/ 654110 w 2932150"/>
-                <a:gd name="connsiteY54" fmla="*/ 697071 h 701180"/>
-                <a:gd name="connsiteX55" fmla="*/ 626588 w 2932150"/>
-                <a:gd name="connsiteY55" fmla="*/ 701180 h 701180"/>
-                <a:gd name="connsiteX56" fmla="*/ 531510 w 2932150"/>
-                <a:gd name="connsiteY56" fmla="*/ 679665 h 701180"/>
-                <a:gd name="connsiteX57" fmla="*/ 445636 w 2932150"/>
-                <a:gd name="connsiteY57" fmla="*/ 622117 h 701180"/>
-                <a:gd name="connsiteX58" fmla="*/ 374356 w 2932150"/>
-                <a:gd name="connsiteY58" fmla="*/ 547412 h 701180"/>
-                <a:gd name="connsiteX59" fmla="*/ 301059 w 2932150"/>
-                <a:gd name="connsiteY59" fmla="*/ 448548 h 701180"/>
-                <a:gd name="connsiteX60" fmla="*/ 247880 w 2932150"/>
-                <a:gd name="connsiteY60" fmla="*/ 372735 h 701180"/>
-                <a:gd name="connsiteX61" fmla="*/ 156493 w 2932150"/>
-                <a:gd name="connsiteY61" fmla="*/ 366382 h 701180"/>
-                <a:gd name="connsiteX62" fmla="*/ 155762 w 2932150"/>
-                <a:gd name="connsiteY62" fmla="*/ 463695 h 701180"/>
-                <a:gd name="connsiteX63" fmla="*/ 157830 w 2932150"/>
-                <a:gd name="connsiteY63" fmla="*/ 556968 h 701180"/>
-                <a:gd name="connsiteX64" fmla="*/ 166912 w 2932150"/>
-                <a:gd name="connsiteY64" fmla="*/ 617304 h 701180"/>
-                <a:gd name="connsiteX65" fmla="*/ 177184 w 2932150"/>
-                <a:gd name="connsiteY65" fmla="*/ 630293 h 701180"/>
-                <a:gd name="connsiteX66" fmla="*/ 214189 w 2932150"/>
-                <a:gd name="connsiteY66" fmla="*/ 641960 h 701180"/>
-                <a:gd name="connsiteX67" fmla="*/ 234887 w 2932150"/>
-                <a:gd name="connsiteY67" fmla="*/ 659666 h 701180"/>
-                <a:gd name="connsiteX68" fmla="*/ 217610 w 2932150"/>
-                <a:gd name="connsiteY68" fmla="*/ 680279 h 701180"/>
-                <a:gd name="connsiteX69" fmla="*/ 174307 w 2932150"/>
-                <a:gd name="connsiteY69" fmla="*/ 675178 h 701180"/>
-                <a:gd name="connsiteX70" fmla="*/ 125484 w 2932150"/>
-                <a:gd name="connsiteY70" fmla="*/ 671321 h 701180"/>
-                <a:gd name="connsiteX71" fmla="*/ 29283 w 2932150"/>
-                <a:gd name="connsiteY71" fmla="*/ 678288 h 701180"/>
-                <a:gd name="connsiteX72" fmla="*/ 20885 w 2932150"/>
-                <a:gd name="connsiteY72" fmla="*/ 679284 h 701180"/>
-                <a:gd name="connsiteX73" fmla="*/ 0 w 2932150"/>
-                <a:gd name="connsiteY73" fmla="*/ 660607 h 701180"/>
-                <a:gd name="connsiteX74" fmla="*/ 6399 w 2932150"/>
-                <a:gd name="connsiteY74" fmla="*/ 646163 h 701180"/>
-                <a:gd name="connsiteX75" fmla="*/ 27292 w 2932150"/>
-                <a:gd name="connsiteY75" fmla="*/ 638010 h 701180"/>
-                <a:gd name="connsiteX76" fmla="*/ 53916 w 2932150"/>
-                <a:gd name="connsiteY76" fmla="*/ 623357 h 701180"/>
-                <a:gd name="connsiteX77" fmla="*/ 65976 w 2932150"/>
-                <a:gd name="connsiteY77" fmla="*/ 580214 h 701180"/>
-                <a:gd name="connsiteX78" fmla="*/ 70665 w 2932150"/>
-                <a:gd name="connsiteY78" fmla="*/ 470732 h 701180"/>
-                <a:gd name="connsiteX79" fmla="*/ 70665 w 2932150"/>
-                <a:gd name="connsiteY79" fmla="*/ 254894 h 701180"/>
-                <a:gd name="connsiteX80" fmla="*/ 69953 w 2932150"/>
-                <a:gd name="connsiteY80" fmla="*/ 140040 h 701180"/>
-                <a:gd name="connsiteX81" fmla="*/ 62866 w 2932150"/>
-                <a:gd name="connsiteY81" fmla="*/ 89167 h 701180"/>
-                <a:gd name="connsiteX82" fmla="*/ 46871 w 2932150"/>
-                <a:gd name="connsiteY82" fmla="*/ 69650 h 701180"/>
-                <a:gd name="connsiteX83" fmla="*/ 995 w 2932150"/>
-                <a:gd name="connsiteY83" fmla="*/ 60502 h 701180"/>
-                <a:gd name="connsiteX84" fmla="*/ 4051 w 2932150"/>
-                <a:gd name="connsiteY84" fmla="*/ 25900 h 701180"/>
-                <a:gd name="connsiteX85" fmla="*/ 78736 w 2932150"/>
-                <a:gd name="connsiteY85" fmla="*/ 26872 h 701180"/>
-                <a:gd name="connsiteX86" fmla="*/ 164743 w 2932150"/>
-                <a:gd name="connsiteY86" fmla="*/ 20652 h 701180"/>
-                <a:gd name="connsiteX87" fmla="*/ 256737 w 2932150"/>
-                <a:gd name="connsiteY87" fmla="*/ 14431 h 701180"/>
-                <a:gd name="connsiteX88" fmla="*/ 1857982 w 2932150"/>
-                <a:gd name="connsiteY88" fmla="*/ 8957 h 701180"/>
-                <a:gd name="connsiteX89" fmla="*/ 1979500 w 2932150"/>
-                <a:gd name="connsiteY89" fmla="*/ 33213 h 701180"/>
-                <a:gd name="connsiteX90" fmla="*/ 2086898 w 2932150"/>
-                <a:gd name="connsiteY90" fmla="*/ 100944 h 701180"/>
-                <a:gd name="connsiteX91" fmla="*/ 2162357 w 2932150"/>
-                <a:gd name="connsiteY91" fmla="*/ 207369 h 701180"/>
-                <a:gd name="connsiteX92" fmla="*/ 2190564 w 2932150"/>
-                <a:gd name="connsiteY92" fmla="*/ 343911 h 701180"/>
-                <a:gd name="connsiteX93" fmla="*/ 2145721 w 2932150"/>
-                <a:gd name="connsiteY93" fmla="*/ 511998 h 701180"/>
-                <a:gd name="connsiteX94" fmla="*/ 2021236 w 2932150"/>
-                <a:gd name="connsiteY94" fmla="*/ 636545 h 701180"/>
-                <a:gd name="connsiteX95" fmla="*/ 1840898 w 2932150"/>
-                <a:gd name="connsiteY95" fmla="*/ 682767 h 701180"/>
-                <a:gd name="connsiteX96" fmla="*/ 1701787 w 2932150"/>
-                <a:gd name="connsiteY96" fmla="*/ 652605 h 701180"/>
-                <a:gd name="connsiteX97" fmla="*/ 1596380 w 2932150"/>
-                <a:gd name="connsiteY97" fmla="*/ 571081 h 701180"/>
-                <a:gd name="connsiteX98" fmla="*/ 1531550 w 2932150"/>
-                <a:gd name="connsiteY98" fmla="*/ 461440 h 701180"/>
-                <a:gd name="connsiteX99" fmla="*/ 1510284 w 2932150"/>
-                <a:gd name="connsiteY99" fmla="*/ 345862 h 701180"/>
-                <a:gd name="connsiteX100" fmla="*/ 1558765 w 2932150"/>
-                <a:gd name="connsiteY100" fmla="*/ 176792 h 701180"/>
-                <a:gd name="connsiteX101" fmla="*/ 1687690 w 2932150"/>
-                <a:gd name="connsiteY101" fmla="*/ 54196 h 701180"/>
-                <a:gd name="connsiteX102" fmla="*/ 1857982 w 2932150"/>
-                <a:gd name="connsiteY102" fmla="*/ 8957 h 701180"/>
-                <a:gd name="connsiteX103" fmla="*/ 1029307 w 2932150"/>
-                <a:gd name="connsiteY103" fmla="*/ 8957 h 701180"/>
-                <a:gd name="connsiteX104" fmla="*/ 1150825 w 2932150"/>
-                <a:gd name="connsiteY104" fmla="*/ 33213 h 701180"/>
-                <a:gd name="connsiteX105" fmla="*/ 1258223 w 2932150"/>
-                <a:gd name="connsiteY105" fmla="*/ 100944 h 701180"/>
-                <a:gd name="connsiteX106" fmla="*/ 1333682 w 2932150"/>
-                <a:gd name="connsiteY106" fmla="*/ 207369 h 701180"/>
-                <a:gd name="connsiteX107" fmla="*/ 1361888 w 2932150"/>
-                <a:gd name="connsiteY107" fmla="*/ 343911 h 701180"/>
-                <a:gd name="connsiteX108" fmla="*/ 1317046 w 2932150"/>
-                <a:gd name="connsiteY108" fmla="*/ 511998 h 701180"/>
-                <a:gd name="connsiteX109" fmla="*/ 1192561 w 2932150"/>
-                <a:gd name="connsiteY109" fmla="*/ 636545 h 701180"/>
-                <a:gd name="connsiteX110" fmla="*/ 1012223 w 2932150"/>
-                <a:gd name="connsiteY110" fmla="*/ 682767 h 701180"/>
-                <a:gd name="connsiteX111" fmla="*/ 873112 w 2932150"/>
-                <a:gd name="connsiteY111" fmla="*/ 652605 h 701180"/>
-                <a:gd name="connsiteX112" fmla="*/ 767705 w 2932150"/>
-                <a:gd name="connsiteY112" fmla="*/ 571081 h 701180"/>
-                <a:gd name="connsiteX113" fmla="*/ 702875 w 2932150"/>
-                <a:gd name="connsiteY113" fmla="*/ 461440 h 701180"/>
-                <a:gd name="connsiteX114" fmla="*/ 681609 w 2932150"/>
-                <a:gd name="connsiteY114" fmla="*/ 345862 h 701180"/>
-                <a:gd name="connsiteX115" fmla="*/ 730090 w 2932150"/>
-                <a:gd name="connsiteY115" fmla="*/ 176792 h 701180"/>
-                <a:gd name="connsiteX116" fmla="*/ 859015 w 2932150"/>
-                <a:gd name="connsiteY116" fmla="*/ 54196 h 701180"/>
-                <a:gd name="connsiteX117" fmla="*/ 1029307 w 2932150"/>
-                <a:gd name="connsiteY117" fmla="*/ 8957 h 701180"/>
-                <a:gd name="connsiteX118" fmla="*/ 2353632 w 2932150"/>
-                <a:gd name="connsiteY118" fmla="*/ 0 h 701180"/>
-                <a:gd name="connsiteX119" fmla="*/ 2369766 w 2932150"/>
-                <a:gd name="connsiteY119" fmla="*/ 9828 h 701180"/>
-                <a:gd name="connsiteX120" fmla="*/ 2398093 w 2932150"/>
-                <a:gd name="connsiteY120" fmla="*/ 23700 h 701180"/>
-                <a:gd name="connsiteX121" fmla="*/ 2428811 w 2932150"/>
-                <a:gd name="connsiteY121" fmla="*/ 26666 h 701180"/>
-                <a:gd name="connsiteX122" fmla="*/ 2461733 w 2932150"/>
-                <a:gd name="connsiteY122" fmla="*/ 27553 h 701180"/>
-                <a:gd name="connsiteX123" fmla="*/ 2536602 w 2932150"/>
-                <a:gd name="connsiteY123" fmla="*/ 27868 h 701180"/>
-                <a:gd name="connsiteX124" fmla="*/ 2910752 w 2932150"/>
-                <a:gd name="connsiteY124" fmla="*/ 22985 h 701180"/>
-                <a:gd name="connsiteX125" fmla="*/ 2910752 w 2932150"/>
-                <a:gd name="connsiteY125" fmla="*/ 44966 h 701180"/>
-                <a:gd name="connsiteX126" fmla="*/ 2853380 w 2932150"/>
-                <a:gd name="connsiteY126" fmla="*/ 116526 h 701180"/>
-                <a:gd name="connsiteX127" fmla="*/ 2798078 w 2932150"/>
-                <a:gd name="connsiteY127" fmla="*/ 184011 h 701180"/>
-                <a:gd name="connsiteX128" fmla="*/ 2749305 w 2932150"/>
-                <a:gd name="connsiteY128" fmla="*/ 248168 h 701180"/>
-                <a:gd name="connsiteX129" fmla="*/ 2731934 w 2932150"/>
-                <a:gd name="connsiteY129" fmla="*/ 271558 h 701180"/>
-                <a:gd name="connsiteX130" fmla="*/ 2622570 w 2932150"/>
-                <a:gd name="connsiteY130" fmla="*/ 410369 h 701180"/>
-                <a:gd name="connsiteX131" fmla="*/ 2584865 w 2932150"/>
-                <a:gd name="connsiteY131" fmla="*/ 458734 h 701180"/>
-                <a:gd name="connsiteX132" fmla="*/ 2555978 w 2932150"/>
-                <a:gd name="connsiteY132" fmla="*/ 493410 h 701180"/>
-                <a:gd name="connsiteX133" fmla="*/ 2520739 w 2932150"/>
-                <a:gd name="connsiteY133" fmla="*/ 537739 h 701180"/>
-                <a:gd name="connsiteX134" fmla="*/ 2483190 w 2932150"/>
-                <a:gd name="connsiteY134" fmla="*/ 585361 h 701180"/>
-                <a:gd name="connsiteX135" fmla="*/ 2445502 w 2932150"/>
-                <a:gd name="connsiteY135" fmla="*/ 621783 h 701180"/>
-                <a:gd name="connsiteX136" fmla="*/ 2563972 w 2932150"/>
-                <a:gd name="connsiteY136" fmla="*/ 627529 h 701180"/>
-                <a:gd name="connsiteX137" fmla="*/ 2733132 w 2932150"/>
-                <a:gd name="connsiteY137" fmla="*/ 620857 h 701180"/>
-                <a:gd name="connsiteX138" fmla="*/ 2823089 w 2932150"/>
-                <a:gd name="connsiteY138" fmla="*/ 601690 h 701180"/>
-                <a:gd name="connsiteX139" fmla="*/ 2872558 w 2932150"/>
-                <a:gd name="connsiteY139" fmla="*/ 569845 h 701180"/>
-                <a:gd name="connsiteX140" fmla="*/ 2901997 w 2932150"/>
-                <a:gd name="connsiteY140" fmla="*/ 517549 h 701180"/>
-                <a:gd name="connsiteX141" fmla="*/ 2932150 w 2932150"/>
-                <a:gd name="connsiteY141" fmla="*/ 532455 h 701180"/>
-                <a:gd name="connsiteX142" fmla="*/ 2901161 w 2932150"/>
-                <a:gd name="connsiteY142" fmla="*/ 614279 h 701180"/>
-                <a:gd name="connsiteX143" fmla="*/ 2870832 w 2932150"/>
-                <a:gd name="connsiteY143" fmla="*/ 687246 h 701180"/>
-                <a:gd name="connsiteX144" fmla="*/ 2845460 w 2932150"/>
-                <a:gd name="connsiteY144" fmla="*/ 683840 h 701180"/>
-                <a:gd name="connsiteX145" fmla="*/ 2826848 w 2932150"/>
-                <a:gd name="connsiteY145" fmla="*/ 673328 h 701180"/>
-                <a:gd name="connsiteX146" fmla="*/ 2718078 w 2932150"/>
-                <a:gd name="connsiteY146" fmla="*/ 670326 h 701180"/>
-                <a:gd name="connsiteX147" fmla="*/ 2466294 w 2932150"/>
-                <a:gd name="connsiteY147" fmla="*/ 670326 h 701180"/>
-                <a:gd name="connsiteX148" fmla="*/ 2302149 w 2932150"/>
-                <a:gd name="connsiteY148" fmla="*/ 676181 h 701180"/>
-                <a:gd name="connsiteX149" fmla="*/ 2302958 w 2932150"/>
-                <a:gd name="connsiteY149" fmla="*/ 659281 h 701180"/>
-                <a:gd name="connsiteX150" fmla="*/ 2303036 w 2932150"/>
-                <a:gd name="connsiteY150" fmla="*/ 650677 h 701180"/>
-                <a:gd name="connsiteX151" fmla="*/ 2432847 w 2932150"/>
-                <a:gd name="connsiteY151" fmla="*/ 509455 h 701180"/>
-                <a:gd name="connsiteX152" fmla="*/ 2549155 w 2932150"/>
-                <a:gd name="connsiteY152" fmla="*/ 370857 h 701180"/>
-                <a:gd name="connsiteX153" fmla="*/ 2663104 w 2932150"/>
-                <a:gd name="connsiteY153" fmla="*/ 221541 h 701180"/>
-                <a:gd name="connsiteX154" fmla="*/ 2775222 w 2932150"/>
-                <a:gd name="connsiteY154" fmla="*/ 75657 h 701180"/>
-                <a:gd name="connsiteX155" fmla="*/ 2701516 w 2932150"/>
-                <a:gd name="connsiteY155" fmla="*/ 73647 h 701180"/>
-                <a:gd name="connsiteX156" fmla="*/ 2598519 w 2932150"/>
-                <a:gd name="connsiteY156" fmla="*/ 72656 h 701180"/>
-                <a:gd name="connsiteX157" fmla="*/ 2446567 w 2932150"/>
-                <a:gd name="connsiteY157" fmla="*/ 78557 h 701180"/>
-                <a:gd name="connsiteX158" fmla="*/ 2379070 w 2932150"/>
-                <a:gd name="connsiteY158" fmla="*/ 101262 h 701180"/>
-                <a:gd name="connsiteX159" fmla="*/ 2334014 w 2932150"/>
-                <a:gd name="connsiteY159" fmla="*/ 164720 h 701180"/>
-                <a:gd name="connsiteX160" fmla="*/ 2305120 w 2932150"/>
-                <a:gd name="connsiteY160" fmla="*/ 152403 h 701180"/>
-                <a:gd name="connsiteX161" fmla="*/ 2316243 w 2932150"/>
-                <a:gd name="connsiteY161" fmla="*/ 107378 h 701180"/>
-                <a:gd name="connsiteX162" fmla="*/ 2323070 w 2932150"/>
-                <a:gd name="connsiteY162" fmla="*/ 79281 h 701180"/>
-                <a:gd name="connsiteX163" fmla="*/ 2326503 w 2932150"/>
-                <a:gd name="connsiteY163" fmla="*/ 64616 h 701180"/>
-                <a:gd name="connsiteX164" fmla="*/ 2336650 w 2932150"/>
-                <a:gd name="connsiteY164" fmla="*/ 17215 h 701180"/>
-                <a:gd name="connsiteX165" fmla="*/ 2340895 w 2932150"/>
-                <a:gd name="connsiteY165" fmla="*/ 6298 h 701180"/>
-                <a:gd name="connsiteX166" fmla="*/ 2353632 w 2932150"/>
-                <a:gd name="connsiteY166" fmla="*/ 0 h 701180"/>
-              </a:gdLst>
-              <a:ahLst/>
-              <a:cxnLst>
-                <a:cxn ang="0">
-                  <a:pos x="connsiteX0" y="connsiteY0"/>
-                </a:cxn>
-                <a:cxn ang="0">
-                  <a:pos x="connsiteX1" y="connsiteY1"/>
-                </a:cxn>
-                <a:cxn ang="0">
-                  <a:pos x="connsiteX2" y="connsiteY2"/>
-                </a:cxn>
-                <a:cxn ang="0">
-                  <a:pos x="connsiteX3" y="connsiteY3"/>
-                </a:cxn>
-                <a:cxn ang="0">
-                  <a:pos x="connsiteX4" y="connsiteY4"/>
-                </a:cxn>
-                <a:cxn ang="0">
-                  <a:pos x="connsiteX5" y="connsiteY5"/>
-                </a:cxn>
-                <a:cxn ang="0">
-                  <a:pos x="connsiteX6" y="connsiteY6"/>
-                </a:cxn>
-                <a:cxn ang="0">
-                  <a:pos x="connsiteX7" y="connsiteY7"/>
-                </a:cxn>
-                <a:cxn ang="0">
-                  <a:pos x="connsiteX8" y="connsiteY8"/>
-                </a:cxn>
-                <a:cxn ang="0">
-                  <a:pos x="connsiteX9" y="connsiteY9"/>
-                </a:cxn>
-                <a:cxn ang="0">
-                  <a:pos x="connsiteX10" y="connsiteY10"/>
-                </a:cxn>
-                <a:cxn ang="0">
-                  <a:pos x="connsiteX11" y="connsiteY11"/>
-                </a:cxn>
-                <a:cxn ang="0">
-                  <a:pos x="connsiteX12" y="connsiteY12"/>
-                </a:cxn>
-                <a:cxn ang="0">
-                  <a:pos x="connsiteX13" y="connsiteY13"/>
-                </a:cxn>
-                <a:cxn ang="0">
-                  <a:pos x="connsiteX14" y="connsiteY14"/>
-                </a:cxn>
-                <a:cxn ang="0">
-                  <a:pos x="connsiteX15" y="connsiteY15"/>
-                </a:cxn>
-                <a:cxn ang="0">
-                  <a:pos x="connsiteX16" y="connsiteY16"/>
-                </a:cxn>
-                <a:cxn ang="0">
-                  <a:pos x="connsiteX17" y="connsiteY17"/>
-                </a:cxn>
-                <a:cxn ang="0">
-                  <a:pos x="connsiteX18" y="connsiteY18"/>
-                </a:cxn>
-                <a:cxn ang="0">
-                  <a:pos x="connsiteX19" y="connsiteY19"/>
-                </a:cxn>
-                <a:cxn ang="0">
-                  <a:pos x="connsiteX20" y="connsiteY20"/>
-                </a:cxn>
-                <a:cxn ang="0">
-                  <a:pos x="connsiteX21" y="connsiteY21"/>
-                </a:cxn>
-                <a:cxn ang="0">
-                  <a:pos x="connsiteX22" y="connsiteY22"/>
-                </a:cxn>
-                <a:cxn ang="0">
-                  <a:pos x="connsiteX23" y="connsiteY23"/>
-                </a:cxn>
-                <a:cxn ang="0">
-                  <a:pos x="connsiteX24" y="connsiteY24"/>
-                </a:cxn>
-                <a:cxn ang="0">
-                  <a:pos x="connsiteX25" y="connsiteY25"/>
-                </a:cxn>
-                <a:cxn ang="0">
-                  <a:pos x="connsiteX26" y="connsiteY26"/>
-                </a:cxn>
-                <a:cxn ang="0">
-                  <a:pos x="connsiteX27" y="connsiteY27"/>
-                </a:cxn>
-                <a:cxn ang="0">
-                  <a:pos x="connsiteX28" y="connsiteY28"/>
-                </a:cxn>
-                <a:cxn ang="0">
-                  <a:pos x="connsiteX29" y="connsiteY29"/>
-                </a:cxn>
-                <a:cxn ang="0">
-                  <a:pos x="connsiteX30" y="connsiteY30"/>
-                </a:cxn>
-                <a:cxn ang="0">
-                  <a:pos x="connsiteX31" y="connsiteY31"/>
-                </a:cxn>
-                <a:cxn ang="0">
-                  <a:pos x="connsiteX32" y="connsiteY32"/>
-                </a:cxn>
-                <a:cxn ang="0">
-                  <a:pos x="connsiteX33" y="connsiteY33"/>
-                </a:cxn>
-                <a:cxn ang="0">
-                  <a:pos x="connsiteX34" y="connsiteY34"/>
-                </a:cxn>
-                <a:cxn ang="0">
-                  <a:pos x="connsiteX35" y="connsiteY35"/>
-                </a:cxn>
-                <a:cxn ang="0">
-                  <a:pos x="connsiteX36" y="connsiteY36"/>
-                </a:cxn>
-                <a:cxn ang="0">
-                  <a:pos x="connsiteX37" y="connsiteY37"/>
-                </a:cxn>
-                <a:cxn ang="0">
-                  <a:pos x="connsiteX38" y="connsiteY38"/>
-                </a:cxn>
-                <a:cxn ang="0">
-                  <a:pos x="connsiteX39" y="connsiteY39"/>
-                </a:cxn>
-                <a:cxn ang="0">
-                  <a:pos x="connsiteX40" y="connsiteY40"/>
-                </a:cxn>
-                <a:cxn ang="0">
-                  <a:pos x="connsiteX41" y="connsiteY41"/>
-                </a:cxn>
-                <a:cxn ang="0">
-                  <a:pos x="connsiteX42" y="connsiteY42"/>
-                </a:cxn>
-                <a:cxn ang="0">
-                  <a:pos x="connsiteX43" y="connsiteY43"/>
-                </a:cxn>
-                <a:cxn ang="0">
-                  <a:pos x="connsiteX44" y="connsiteY44"/>
-                </a:cxn>
-                <a:cxn ang="0">
-                  <a:pos x="connsiteX45" y="connsiteY45"/>
-                </a:cxn>
-                <a:cxn ang="0">
-                  <a:pos x="connsiteX46" y="connsiteY46"/>
-                </a:cxn>
-                <a:cxn ang="0">
-                  <a:pos x="connsiteX47" y="connsiteY47"/>
-                </a:cxn>
-                <a:cxn ang="0">
-                  <a:pos x="connsiteX48" y="connsiteY48"/>
-                </a:cxn>
-                <a:cxn ang="0">
-                  <a:pos x="connsiteX49" y="connsiteY49"/>
-                </a:cxn>
-                <a:cxn ang="0">
-                  <a:pos x="connsiteX50" y="connsiteY50"/>
-                </a:cxn>
-                <a:cxn ang="0">
-                  <a:pos x="connsiteX51" y="connsiteY51"/>
-                </a:cxn>
-                <a:cxn ang="0">
-                  <a:pos x="connsiteX52" y="connsiteY52"/>
-                </a:cxn>
-                <a:cxn ang="0">
-                  <a:pos x="connsiteX53" y="connsiteY53"/>
-                </a:cxn>
-                <a:cxn ang="0">
-                  <a:pos x="connsiteX54" y="connsiteY54"/>
-                </a:cxn>
-                <a:cxn ang="0">
-                  <a:pos x="connsiteX55" y="connsiteY55"/>
-                </a:cxn>
-                <a:cxn ang="0">
-                  <a:pos x="connsiteX56" y="connsiteY56"/>
-                </a:cxn>
-                <a:cxn ang="0">
-                  <a:pos x="connsiteX57" y="connsiteY57"/>
-                </a:cxn>
-                <a:cxn ang="0">
-                  <a:pos x="connsiteX58" y="connsiteY58"/>
-                </a:cxn>
-                <a:cxn ang="0">
-                  <a:pos x="connsiteX59" y="connsiteY59"/>
-                </a:cxn>
-                <a:cxn ang="0">
-                  <a:pos x="connsiteX60" y="connsiteY60"/>
-                </a:cxn>
-                <a:cxn ang="0">
-                  <a:pos x="connsiteX61" y="connsiteY61"/>
-                </a:cxn>
-                <a:cxn ang="0">
-                  <a:pos x="connsiteX62" y="connsiteY62"/>
-                </a:cxn>
-                <a:cxn ang="0">
-                  <a:pos x="connsiteX63" y="connsiteY63"/>
-                </a:cxn>
-                <a:cxn ang="0">
-                  <a:pos x="connsiteX64" y="connsiteY64"/>
-                </a:cxn>
-                <a:cxn ang="0">
-                  <a:pos x="connsiteX65" y="connsiteY65"/>
-                </a:cxn>
-                <a:cxn ang="0">
-                  <a:pos x="connsiteX66" y="connsiteY66"/>
-                </a:cxn>
-                <a:cxn ang="0">
-                  <a:pos x="connsiteX67" y="connsiteY67"/>
-                </a:cxn>
-                <a:cxn ang="0">
-                  <a:pos x="connsiteX68" y="connsiteY68"/>
-                </a:cxn>
-                <a:cxn ang="0">
-                  <a:pos x="connsiteX69" y="connsiteY69"/>
-                </a:cxn>
-                <a:cxn ang="0">
-                  <a:pos x="connsiteX70" y="connsiteY70"/>
-                </a:cxn>
-                <a:cxn ang="0">
-                  <a:pos x="connsiteX71" y="connsiteY71"/>
-                </a:cxn>
-                <a:cxn ang="0">
-                  <a:pos x="connsiteX72" y="connsiteY72"/>
-                </a:cxn>
-                <a:cxn ang="0">
-                  <a:pos x="connsiteX73" y="connsiteY73"/>
-                </a:cxn>
-                <a:cxn ang="0">
-                  <a:pos x="connsiteX74" y="connsiteY74"/>
-                </a:cxn>
-                <a:cxn ang="0">
-                  <a:pos x="connsiteX75" y="connsiteY75"/>
-                </a:cxn>
-                <a:cxn ang="0">
-                  <a:pos x="connsiteX76" y="connsiteY76"/>
-                </a:cxn>
-                <a:cxn ang="0">
-                  <a:pos x="connsiteX77" y="connsiteY77"/>
-                </a:cxn>
-                <a:cxn ang="0">
-                  <a:pos x="connsiteX78" y="connsiteY78"/>
-                </a:cxn>
-                <a:cxn ang="0">
-                  <a:pos x="connsiteX79" y="connsiteY79"/>
-                </a:cxn>
-                <a:cxn ang="0">
-                  <a:pos x="connsiteX80" y="connsiteY80"/>
-                </a:cxn>
-                <a:cxn ang="0">
-                  <a:pos x="connsiteX81" y="connsiteY81"/>
-                </a:cxn>
-                <a:cxn ang="0">
-                  <a:pos x="connsiteX82" y="connsiteY82"/>
-                </a:cxn>
-                <a:cxn ang="0">
-                  <a:pos x="connsiteX83" y="connsiteY83"/>
-                </a:cxn>
-                <a:cxn ang="0">
-                  <a:pos x="connsiteX84" y="connsiteY84"/>
-                </a:cxn>
-                <a:cxn ang="0">
-                  <a:pos x="connsiteX85" y="connsiteY85"/>
-                </a:cxn>
-                <a:cxn ang="0">
-                  <a:pos x="connsiteX86" y="connsiteY86"/>
-                </a:cxn>
-                <a:cxn ang="0">
-                  <a:pos x="connsiteX87" y="connsiteY87"/>
-                </a:cxn>
-                <a:cxn ang="0">
-                  <a:pos x="connsiteX88" y="connsiteY88"/>
-                </a:cxn>
-                <a:cxn ang="0">
-                  <a:pos x="connsiteX89" y="connsiteY89"/>
-                </a:cxn>
-                <a:cxn ang="0">
-                  <a:pos x="connsiteX90" y="connsiteY90"/>
-                </a:cxn>
-                <a:cxn ang="0">
-                  <a:pos x="connsiteX91" y="connsiteY91"/>
-                </a:cxn>
-                <a:cxn ang="0">
-                  <a:pos x="connsiteX92" y="connsiteY92"/>
-                </a:cxn>
-                <a:cxn ang="0">
-                  <a:pos x="connsiteX93" y="connsiteY93"/>
-                </a:cxn>
-                <a:cxn ang="0">
-                  <a:pos x="connsiteX94" y="connsiteY94"/>
-                </a:cxn>
-                <a:cxn ang="0">
-                  <a:pos x="connsiteX95" y="connsiteY95"/>
-                </a:cxn>
-                <a:cxn ang="0">
-                  <a:pos x="connsiteX96" y="connsiteY96"/>
-                </a:cxn>
-                <a:cxn ang="0">
-                  <a:pos x="connsiteX97" y="connsiteY97"/>
-                </a:cxn>
-                <a:cxn ang="0">
-                  <a:pos x="connsiteX98" y="connsiteY98"/>
-                </a:cxn>
-                <a:cxn ang="0">
-                  <a:pos x="connsiteX99" y="connsiteY99"/>
-                </a:cxn>
-                <a:cxn ang="0">
-                  <a:pos x="connsiteX100" y="connsiteY100"/>
-                </a:cxn>
-                <a:cxn ang="0">
-                  <a:pos x="connsiteX101" y="connsiteY101"/>
-                </a:cxn>
-                <a:cxn ang="0">
-                  <a:pos x="connsiteX102" y="connsiteY102"/>
-                </a:cxn>
-                <a:cxn ang="0">
-                  <a:pos x="connsiteX103" y="connsiteY103"/>
-                </a:cxn>
-                <a:cxn ang="0">
-                  <a:pos x="connsiteX104" y="connsiteY104"/>
-                </a:cxn>
-                <a:cxn ang="0">
-                  <a:pos x="connsiteX105" y="connsiteY105"/>
-                </a:cxn>
-                <a:cxn ang="0">
-                  <a:pos x="connsiteX106" y="connsiteY106"/>
-                </a:cxn>
-                <a:cxn ang="0">
-                  <a:pos x="connsiteX107" y="connsiteY107"/>
-                </a:cxn>
-                <a:cxn ang="0">
-                  <a:pos x="connsiteX108" y="connsiteY108"/>
-                </a:cxn>
-                <a:cxn ang="0">
-                  <a:pos x="connsiteX109" y="connsiteY109"/>
-                </a:cxn>
-                <a:cxn ang="0">
-                  <a:pos x="connsiteX110" y="connsiteY110"/>
-                </a:cxn>
-                <a:cxn ang="0">
-                  <a:pos x="connsiteX111" y="connsiteY111"/>
-                </a:cxn>
-                <a:cxn ang="0">
-                  <a:pos x="connsiteX112" y="connsiteY112"/>
-                </a:cxn>
-                <a:cxn ang="0">
-                  <a:pos x="connsiteX113" y="connsiteY113"/>
-                </a:cxn>
-                <a:cxn ang="0">
-                  <a:pos x="connsiteX114" y="connsiteY114"/>
-                </a:cxn>
-                <a:cxn ang="0">
-                  <a:pos x="connsiteX115" y="connsiteY115"/>
-                </a:cxn>
-                <a:cxn ang="0">
-                  <a:pos x="connsiteX116" y="connsiteY116"/>
-                </a:cxn>
-                <a:cxn ang="0">
-                  <a:pos x="connsiteX117" y="connsiteY117"/>
-                </a:cxn>
-                <a:cxn ang="0">
-                  <a:pos x="connsiteX118" y="connsiteY118"/>
-                </a:cxn>
-                <a:cxn ang="0">
-                  <a:pos x="connsiteX119" y="connsiteY119"/>
-                </a:cxn>
-                <a:cxn ang="0">
-                  <a:pos x="connsiteX120" y="connsiteY120"/>
-                </a:cxn>
-                <a:cxn ang="0">
-                  <a:pos x="connsiteX121" y="connsiteY121"/>
-                </a:cxn>
-                <a:cxn ang="0">
-                  <a:pos x="connsiteX122" y="connsiteY122"/>
-                </a:cxn>
-                <a:cxn ang="0">
-                  <a:pos x="connsiteX123" y="connsiteY123"/>
-                </a:cxn>
-                <a:cxn ang="0">
-                  <a:pos x="connsiteX124" y="connsiteY124"/>
-                </a:cxn>
-                <a:cxn ang="0">
-                  <a:pos x="connsiteX125" y="connsiteY125"/>
-                </a:cxn>
-                <a:cxn ang="0">
-                  <a:pos x="connsiteX126" y="connsiteY126"/>
-                </a:cxn>
-                <a:cxn ang="0">
-                  <a:pos x="connsiteX127" y="connsiteY127"/>
-                </a:cxn>
-                <a:cxn ang="0">
-                  <a:pos x="connsiteX128" y="connsiteY128"/>
-                </a:cxn>
-                <a:cxn ang="0">
-                  <a:pos x="connsiteX129" y="connsiteY129"/>
-                </a:cxn>
-                <a:cxn ang="0">
-                  <a:pos x="connsiteX130" y="connsiteY130"/>
-                </a:cxn>
-                <a:cxn ang="0">
-                  <a:pos x="connsiteX131" y="connsiteY131"/>
-                </a:cxn>
-                <a:cxn ang="0">
-                  <a:pos x="connsiteX132" y="connsiteY132"/>
-                </a:cxn>
-                <a:cxn ang="0">
-                  <a:pos x="connsiteX133" y="connsiteY133"/>
-                </a:cxn>
-                <a:cxn ang="0">
-                  <a:pos x="connsiteX134" y="connsiteY134"/>
-                </a:cxn>
-                <a:cxn ang="0">
-                  <a:pos x="connsiteX135" y="connsiteY135"/>
-                </a:cxn>
-                <a:cxn ang="0">
-                  <a:pos x="connsiteX136" y="connsiteY136"/>
-                </a:cxn>
-                <a:cxn ang="0">
-                  <a:pos x="connsiteX137" y="connsiteY137"/>
-                </a:cxn>
-                <a:cxn ang="0">
-                  <a:pos x="connsiteX138" y="connsiteY138"/>
-                </a:cxn>
-                <a:cxn ang="0">
-                  <a:pos x="connsiteX139" y="connsiteY139"/>
-                </a:cxn>
-                <a:cxn ang="0">
-                  <a:pos x="connsiteX140" y="connsiteY140"/>
-                </a:cxn>
-                <a:cxn ang="0">
-                  <a:pos x="connsiteX141" y="connsiteY141"/>
-                </a:cxn>
-                <a:cxn ang="0">
-                  <a:pos x="connsiteX142" y="connsiteY142"/>
-                </a:cxn>
-                <a:cxn ang="0">
-                  <a:pos x="connsiteX143" y="connsiteY143"/>
-                </a:cxn>
-                <a:cxn ang="0">
-                  <a:pos x="connsiteX144" y="connsiteY144"/>
-                </a:cxn>
-                <a:cxn ang="0">
-                  <a:pos x="connsiteX145" y="connsiteY145"/>
-                </a:cxn>
-                <a:cxn ang="0">
-                  <a:pos x="connsiteX146" y="connsiteY146"/>
-                </a:cxn>
-                <a:cxn ang="0">
-                  <a:pos x="connsiteX147" y="connsiteY147"/>
-                </a:cxn>
-                <a:cxn ang="0">
-                  <a:pos x="connsiteX148" y="connsiteY148"/>
-                </a:cxn>
-                <a:cxn ang="0">
-                  <a:pos x="connsiteX149" y="connsiteY149"/>
-                </a:cxn>
-                <a:cxn ang="0">
-                  <a:pos x="connsiteX150" y="connsiteY150"/>
-                </a:cxn>
-                <a:cxn ang="0">
-                  <a:pos x="connsiteX151" y="connsiteY151"/>
-                </a:cxn>
-                <a:cxn ang="0">
-                  <a:pos x="connsiteX152" y="connsiteY152"/>
-                </a:cxn>
-                <a:cxn ang="0">
-                  <a:pos x="connsiteX153" y="connsiteY153"/>
-                </a:cxn>
-                <a:cxn ang="0">
-                  <a:pos x="connsiteX154" y="connsiteY154"/>
-                </a:cxn>
-                <a:cxn ang="0">
-                  <a:pos x="connsiteX155" y="connsiteY155"/>
-                </a:cxn>
-                <a:cxn ang="0">
-                  <a:pos x="connsiteX156" y="connsiteY156"/>
-                </a:cxn>
-                <a:cxn ang="0">
-                  <a:pos x="connsiteX157" y="connsiteY157"/>
-                </a:cxn>
-                <a:cxn ang="0">
-                  <a:pos x="connsiteX158" y="connsiteY158"/>
-                </a:cxn>
-                <a:cxn ang="0">
-                  <a:pos x="connsiteX159" y="connsiteY159"/>
-                </a:cxn>
-                <a:cxn ang="0">
-                  <a:pos x="connsiteX160" y="connsiteY160"/>
-                </a:cxn>
-                <a:cxn ang="0">
-                  <a:pos x="connsiteX161" y="connsiteY161"/>
-                </a:cxn>
-                <a:cxn ang="0">
-                  <a:pos x="connsiteX162" y="connsiteY162"/>
-                </a:cxn>
-                <a:cxn ang="0">
-                  <a:pos x="connsiteX163" y="connsiteY163"/>
-                </a:cxn>
-                <a:cxn ang="0">
-                  <a:pos x="connsiteX164" y="connsiteY164"/>
-                </a:cxn>
-                <a:cxn ang="0">
-                  <a:pos x="connsiteX165" y="connsiteY165"/>
-                </a:cxn>
-                <a:cxn ang="0">
-                  <a:pos x="connsiteX166" y="connsiteY166"/>
-                </a:cxn>
-              </a:cxnLst>
-              <a:rect l="l" t="t" r="r" b="b"/>
-              <a:pathLst>
-                <a:path w="2932150" h="701180">
-                  <a:moveTo>
-                    <a:pt x="1827213" y="63200"/>
-                  </a:moveTo>
-                  <a:cubicBezTo>
-                    <a:pt x="1788122" y="63200"/>
-                    <a:pt x="1751490" y="72899"/>
-                    <a:pt x="1717315" y="92297"/>
-                  </a:cubicBezTo>
-                  <a:cubicBezTo>
-                    <a:pt x="1683141" y="111695"/>
-                    <a:pt x="1655602" y="140094"/>
-                    <a:pt x="1634699" y="177495"/>
-                  </a:cubicBezTo>
-                  <a:cubicBezTo>
-                    <a:pt x="1613795" y="214896"/>
-                    <a:pt x="1603343" y="258660"/>
-                    <a:pt x="1603343" y="308788"/>
-                  </a:cubicBezTo>
-                  <a:cubicBezTo>
-                    <a:pt x="1603343" y="364332"/>
-                    <a:pt x="1616276" y="416684"/>
-                    <a:pt x="1642140" y="465845"/>
-                  </a:cubicBezTo>
-                  <a:cubicBezTo>
-                    <a:pt x="1668005" y="515006"/>
-                    <a:pt x="1702592" y="554243"/>
-                    <a:pt x="1745903" y="583557"/>
-                  </a:cubicBezTo>
-                  <a:cubicBezTo>
-                    <a:pt x="1789213" y="612872"/>
-                    <a:pt x="1834870" y="627529"/>
-                    <a:pt x="1882872" y="627529"/>
-                  </a:cubicBezTo>
-                  <a:cubicBezTo>
-                    <a:pt x="1918292" y="627529"/>
-                    <a:pt x="1952220" y="618769"/>
-                    <a:pt x="1984655" y="601251"/>
-                  </a:cubicBezTo>
-                  <a:cubicBezTo>
-                    <a:pt x="2017090" y="583732"/>
-                    <a:pt x="2043758" y="556586"/>
-                    <a:pt x="2064659" y="519812"/>
-                  </a:cubicBezTo>
-                  <a:cubicBezTo>
-                    <a:pt x="2085560" y="483038"/>
-                    <a:pt x="2096011" y="437405"/>
-                    <a:pt x="2096011" y="382913"/>
-                  </a:cubicBezTo>
-                  <a:cubicBezTo>
-                    <a:pt x="2096011" y="339463"/>
-                    <a:pt x="2088943" y="298062"/>
-                    <a:pt x="2074807" y="258712"/>
-                  </a:cubicBezTo>
-                  <a:cubicBezTo>
-                    <a:pt x="2060670" y="219362"/>
-                    <a:pt x="2041113" y="185014"/>
-                    <a:pt x="2016135" y="155669"/>
-                  </a:cubicBezTo>
-                  <a:cubicBezTo>
-                    <a:pt x="1991157" y="126323"/>
-                    <a:pt x="1962344" y="103576"/>
-                    <a:pt x="1929697" y="87426"/>
-                  </a:cubicBezTo>
-                  <a:cubicBezTo>
-                    <a:pt x="1897049" y="71275"/>
-                    <a:pt x="1862888" y="63200"/>
-                    <a:pt x="1827213" y="63200"/>
-                  </a:cubicBezTo>
-                  <a:close/>
-                  <a:moveTo>
-                    <a:pt x="998538" y="63200"/>
-                  </a:moveTo>
-                  <a:cubicBezTo>
-                    <a:pt x="959447" y="63200"/>
-                    <a:pt x="922815" y="72899"/>
-                    <a:pt x="888640" y="92297"/>
-                  </a:cubicBezTo>
-                  <a:cubicBezTo>
-                    <a:pt x="854466" y="111695"/>
-                    <a:pt x="826927" y="140094"/>
-                    <a:pt x="806024" y="177495"/>
-                  </a:cubicBezTo>
-                  <a:cubicBezTo>
-                    <a:pt x="785120" y="214896"/>
-                    <a:pt x="774668" y="258660"/>
-                    <a:pt x="774668" y="308788"/>
-                  </a:cubicBezTo>
-                  <a:cubicBezTo>
-                    <a:pt x="774668" y="364332"/>
-                    <a:pt x="787601" y="416684"/>
-                    <a:pt x="813465" y="465845"/>
-                  </a:cubicBezTo>
-                  <a:cubicBezTo>
-                    <a:pt x="839330" y="515006"/>
-                    <a:pt x="873917" y="554243"/>
-                    <a:pt x="917228" y="583557"/>
-                  </a:cubicBezTo>
-                  <a:cubicBezTo>
-                    <a:pt x="960538" y="612872"/>
-                    <a:pt x="1006195" y="627529"/>
-                    <a:pt x="1054197" y="627529"/>
-                  </a:cubicBezTo>
-                  <a:cubicBezTo>
-                    <a:pt x="1089617" y="627529"/>
-                    <a:pt x="1123545" y="618769"/>
-                    <a:pt x="1155980" y="601251"/>
-                  </a:cubicBezTo>
-                  <a:cubicBezTo>
-                    <a:pt x="1188415" y="583732"/>
-                    <a:pt x="1215083" y="556586"/>
-                    <a:pt x="1235984" y="519812"/>
-                  </a:cubicBezTo>
-                  <a:cubicBezTo>
-                    <a:pt x="1256885" y="483038"/>
-                    <a:pt x="1267336" y="437405"/>
-                    <a:pt x="1267336" y="382913"/>
-                  </a:cubicBezTo>
-                  <a:cubicBezTo>
-                    <a:pt x="1267336" y="339463"/>
-                    <a:pt x="1260268" y="298062"/>
-                    <a:pt x="1246132" y="258712"/>
-                  </a:cubicBezTo>
-                  <a:cubicBezTo>
-                    <a:pt x="1231995" y="219362"/>
-                    <a:pt x="1212438" y="185014"/>
-                    <a:pt x="1187460" y="155669"/>
-                  </a:cubicBezTo>
-                  <a:cubicBezTo>
-                    <a:pt x="1162482" y="126323"/>
-                    <a:pt x="1133669" y="103576"/>
-                    <a:pt x="1101022" y="87426"/>
-                  </a:cubicBezTo>
-                  <a:cubicBezTo>
-                    <a:pt x="1068374" y="71275"/>
-                    <a:pt x="1034213" y="63200"/>
-                    <a:pt x="998538" y="63200"/>
-                  </a:cubicBezTo>
-                  <a:close/>
-                  <a:moveTo>
-                    <a:pt x="240532" y="55238"/>
-                  </a:moveTo>
-                  <a:cubicBezTo>
-                    <a:pt x="227023" y="55238"/>
-                    <a:pt x="212366" y="56874"/>
-                    <a:pt x="196561" y="60145"/>
-                  </a:cubicBezTo>
-                  <a:cubicBezTo>
-                    <a:pt x="180756" y="63416"/>
-                    <a:pt x="172065" y="67236"/>
-                    <a:pt x="170489" y="71606"/>
-                  </a:cubicBezTo>
-                  <a:cubicBezTo>
-                    <a:pt x="163325" y="86857"/>
-                    <a:pt x="159743" y="169740"/>
-                    <a:pt x="159743" y="320257"/>
-                  </a:cubicBezTo>
-                  <a:cubicBezTo>
-                    <a:pt x="175357" y="324057"/>
-                    <a:pt x="198223" y="325957"/>
-                    <a:pt x="228340" y="325957"/>
-                  </a:cubicBezTo>
-                  <a:cubicBezTo>
-                    <a:pt x="243814" y="325957"/>
-                    <a:pt x="259860" y="324869"/>
-                    <a:pt x="276480" y="322695"/>
-                  </a:cubicBezTo>
-                  <a:cubicBezTo>
-                    <a:pt x="293099" y="320520"/>
-                    <a:pt x="309943" y="315809"/>
-                    <a:pt x="327014" y="308562"/>
-                  </a:cubicBezTo>
-                  <a:cubicBezTo>
-                    <a:pt x="344084" y="301315"/>
-                    <a:pt x="358709" y="289231"/>
-                    <a:pt x="370888" y="272308"/>
-                  </a:cubicBezTo>
-                  <a:cubicBezTo>
-                    <a:pt x="383068" y="255386"/>
-                    <a:pt x="389157" y="232373"/>
-                    <a:pt x="389157" y="203272"/>
-                  </a:cubicBezTo>
-                  <a:cubicBezTo>
-                    <a:pt x="389157" y="182765"/>
-                    <a:pt x="383720" y="161107"/>
-                    <a:pt x="372844" y="138298"/>
-                  </a:cubicBezTo>
-                  <a:cubicBezTo>
-                    <a:pt x="361968" y="115489"/>
-                    <a:pt x="345263" y="95944"/>
-                    <a:pt x="322729" y="79662"/>
-                  </a:cubicBezTo>
-                  <a:cubicBezTo>
-                    <a:pt x="300195" y="63379"/>
-                    <a:pt x="272796" y="55238"/>
-                    <a:pt x="240532" y="55238"/>
-                  </a:cubicBezTo>
-                  <a:close/>
-                  <a:moveTo>
-                    <a:pt x="256737" y="14431"/>
-                  </a:moveTo>
-                  <a:cubicBezTo>
-                    <a:pt x="291847" y="14431"/>
-                    <a:pt x="323703" y="19371"/>
-                    <a:pt x="352304" y="29252"/>
-                  </a:cubicBezTo>
-                  <a:cubicBezTo>
-                    <a:pt x="380906" y="39132"/>
-                    <a:pt x="404916" y="52327"/>
-                    <a:pt x="424334" y="68838"/>
-                  </a:cubicBezTo>
-                  <a:cubicBezTo>
-                    <a:pt x="443753" y="85348"/>
-                    <a:pt x="458503" y="104304"/>
-                    <a:pt x="468586" y="125705"/>
-                  </a:cubicBezTo>
-                  <a:cubicBezTo>
-                    <a:pt x="478668" y="147107"/>
-                    <a:pt x="483709" y="168971"/>
-                    <a:pt x="483709" y="191297"/>
-                  </a:cubicBezTo>
-                  <a:cubicBezTo>
-                    <a:pt x="483709" y="214401"/>
-                    <a:pt x="478493" y="236898"/>
-                    <a:pt x="468061" y="258786"/>
-                  </a:cubicBezTo>
-                  <a:cubicBezTo>
-                    <a:pt x="457629" y="280675"/>
-                    <a:pt x="441989" y="300409"/>
-                    <a:pt x="421143" y="317990"/>
-                  </a:cubicBezTo>
-                  <a:cubicBezTo>
-                    <a:pt x="400296" y="335571"/>
-                    <a:pt x="375884" y="348970"/>
-                    <a:pt x="347907" y="358187"/>
-                  </a:cubicBezTo>
-                  <a:lnTo>
-                    <a:pt x="368225" y="381094"/>
-                  </a:lnTo>
-                  <a:cubicBezTo>
-                    <a:pt x="398441" y="426457"/>
-                    <a:pt x="423805" y="463523"/>
-                    <a:pt x="444318" y="492290"/>
-                  </a:cubicBezTo>
-                  <a:cubicBezTo>
-                    <a:pt x="464830" y="521058"/>
-                    <a:pt x="486473" y="548444"/>
-                    <a:pt x="509248" y="574448"/>
-                  </a:cubicBezTo>
-                  <a:cubicBezTo>
-                    <a:pt x="532024" y="600453"/>
-                    <a:pt x="554845" y="621268"/>
-                    <a:pt x="577713" y="636895"/>
-                  </a:cubicBezTo>
-                  <a:cubicBezTo>
-                    <a:pt x="600582" y="652521"/>
-                    <a:pt x="622982" y="661268"/>
-                    <a:pt x="644915" y="663134"/>
-                  </a:cubicBezTo>
-                  <a:cubicBezTo>
-                    <a:pt x="656547" y="664969"/>
-                    <a:pt x="662364" y="671425"/>
-                    <a:pt x="662364" y="682503"/>
-                  </a:cubicBezTo>
-                  <a:cubicBezTo>
-                    <a:pt x="662364" y="689475"/>
-                    <a:pt x="659612" y="694331"/>
-                    <a:pt x="654110" y="697071"/>
-                  </a:cubicBezTo>
-                  <a:cubicBezTo>
-                    <a:pt x="648607" y="699810"/>
-                    <a:pt x="639433" y="701180"/>
-                    <a:pt x="626588" y="701180"/>
-                  </a:cubicBezTo>
-                  <a:cubicBezTo>
-                    <a:pt x="593499" y="701180"/>
-                    <a:pt x="561807" y="694008"/>
-                    <a:pt x="531510" y="679665"/>
-                  </a:cubicBezTo>
-                  <a:cubicBezTo>
-                    <a:pt x="501213" y="665321"/>
-                    <a:pt x="472589" y="646139"/>
-                    <a:pt x="445636" y="622117"/>
-                  </a:cubicBezTo>
-                  <a:cubicBezTo>
-                    <a:pt x="418683" y="598095"/>
-                    <a:pt x="394923" y="573194"/>
-                    <a:pt x="374356" y="547412"/>
-                  </a:cubicBezTo>
-                  <a:cubicBezTo>
-                    <a:pt x="353789" y="521630"/>
-                    <a:pt x="329357" y="488676"/>
-                    <a:pt x="301059" y="448548"/>
-                  </a:cubicBezTo>
-                  <a:lnTo>
-                    <a:pt x="247880" y="372735"/>
-                  </a:lnTo>
-                  <a:cubicBezTo>
-                    <a:pt x="207431" y="372735"/>
-                    <a:pt x="176969" y="370617"/>
-                    <a:pt x="156493" y="366382"/>
-                  </a:cubicBezTo>
-                  <a:lnTo>
-                    <a:pt x="155762" y="463695"/>
-                  </a:lnTo>
-                  <a:cubicBezTo>
-                    <a:pt x="155762" y="497037"/>
-                    <a:pt x="156451" y="528128"/>
-                    <a:pt x="157830" y="556968"/>
-                  </a:cubicBezTo>
-                  <a:cubicBezTo>
-                    <a:pt x="159209" y="585808"/>
-                    <a:pt x="162237" y="605920"/>
-                    <a:pt x="166912" y="617304"/>
-                  </a:cubicBezTo>
-                  <a:cubicBezTo>
-                    <a:pt x="168986" y="623514"/>
-                    <a:pt x="172410" y="627844"/>
-                    <a:pt x="177184" y="630293"/>
-                  </a:cubicBezTo>
-                  <a:cubicBezTo>
-                    <a:pt x="181958" y="632742"/>
-                    <a:pt x="194293" y="636632"/>
-                    <a:pt x="214189" y="641960"/>
-                  </a:cubicBezTo>
-                  <a:cubicBezTo>
-                    <a:pt x="227988" y="645014"/>
-                    <a:pt x="234887" y="650915"/>
-                    <a:pt x="234887" y="659666"/>
-                  </a:cubicBezTo>
-                  <a:cubicBezTo>
-                    <a:pt x="234887" y="673408"/>
-                    <a:pt x="229128" y="680279"/>
-                    <a:pt x="217610" y="680279"/>
-                  </a:cubicBezTo>
-                  <a:cubicBezTo>
-                    <a:pt x="211374" y="680279"/>
-                    <a:pt x="196940" y="678579"/>
-                    <a:pt x="174307" y="675178"/>
-                  </a:cubicBezTo>
-                  <a:cubicBezTo>
-                    <a:pt x="147221" y="672607"/>
-                    <a:pt x="130947" y="671321"/>
-                    <a:pt x="125484" y="671321"/>
-                  </a:cubicBezTo>
-                  <a:cubicBezTo>
-                    <a:pt x="94832" y="671321"/>
-                    <a:pt x="62765" y="673644"/>
-                    <a:pt x="29283" y="678288"/>
-                  </a:cubicBezTo>
-                  <a:cubicBezTo>
-                    <a:pt x="26945" y="678288"/>
-                    <a:pt x="24146" y="678620"/>
-                    <a:pt x="20885" y="679284"/>
-                  </a:cubicBezTo>
-                  <a:cubicBezTo>
-                    <a:pt x="6961" y="679284"/>
-                    <a:pt x="0" y="673058"/>
-                    <a:pt x="0" y="660607"/>
-                  </a:cubicBezTo>
-                  <a:cubicBezTo>
-                    <a:pt x="0" y="653805"/>
-                    <a:pt x="2133" y="648991"/>
-                    <a:pt x="6399" y="646163"/>
-                  </a:cubicBezTo>
-                  <a:cubicBezTo>
-                    <a:pt x="10665" y="643335"/>
-                    <a:pt x="17630" y="640618"/>
-                    <a:pt x="27292" y="638010"/>
-                  </a:cubicBezTo>
-                  <a:cubicBezTo>
-                    <a:pt x="39806" y="634667"/>
-                    <a:pt x="48680" y="629782"/>
-                    <a:pt x="53916" y="623357"/>
-                  </a:cubicBezTo>
-                  <a:cubicBezTo>
-                    <a:pt x="59152" y="616932"/>
-                    <a:pt x="63172" y="602551"/>
-                    <a:pt x="65976" y="580214"/>
-                  </a:cubicBezTo>
-                  <a:cubicBezTo>
-                    <a:pt x="68780" y="557877"/>
-                    <a:pt x="70344" y="521383"/>
-                    <a:pt x="70665" y="470732"/>
-                  </a:cubicBezTo>
-                  <a:lnTo>
-                    <a:pt x="70665" y="254894"/>
-                  </a:lnTo>
-                  <a:cubicBezTo>
-                    <a:pt x="71313" y="202377"/>
-                    <a:pt x="71076" y="164093"/>
-                    <a:pt x="69953" y="140040"/>
-                  </a:cubicBezTo>
-                  <a:cubicBezTo>
-                    <a:pt x="68831" y="115987"/>
-                    <a:pt x="66469" y="99030"/>
-                    <a:pt x="62866" y="89167"/>
-                  </a:cubicBezTo>
-                  <a:cubicBezTo>
-                    <a:pt x="59263" y="79305"/>
-                    <a:pt x="53931" y="72799"/>
-                    <a:pt x="46871" y="69650"/>
-                  </a:cubicBezTo>
-                  <a:cubicBezTo>
-                    <a:pt x="39811" y="66501"/>
-                    <a:pt x="24519" y="63452"/>
-                    <a:pt x="995" y="60502"/>
-                  </a:cubicBezTo>
-                  <a:lnTo>
-                    <a:pt x="4051" y="25900"/>
-                  </a:lnTo>
-                  <a:cubicBezTo>
-                    <a:pt x="24692" y="26548"/>
-                    <a:pt x="49588" y="26872"/>
-                    <a:pt x="78736" y="26872"/>
-                  </a:cubicBezTo>
-                  <a:cubicBezTo>
-                    <a:pt x="87139" y="26872"/>
-                    <a:pt x="115808" y="24799"/>
-                    <a:pt x="164743" y="20652"/>
-                  </a:cubicBezTo>
-                  <a:cubicBezTo>
-                    <a:pt x="213678" y="16505"/>
-                    <a:pt x="244343" y="14431"/>
-                    <a:pt x="256737" y="14431"/>
-                  </a:cubicBezTo>
-                  <a:close/>
-                  <a:moveTo>
-                    <a:pt x="1857982" y="8957"/>
-                  </a:moveTo>
-                  <a:cubicBezTo>
-                    <a:pt x="1898897" y="8957"/>
-                    <a:pt x="1939403" y="17043"/>
-                    <a:pt x="1979500" y="33213"/>
-                  </a:cubicBezTo>
-                  <a:cubicBezTo>
-                    <a:pt x="2019596" y="49384"/>
-                    <a:pt x="2055396" y="71961"/>
-                    <a:pt x="2086898" y="100944"/>
-                  </a:cubicBezTo>
-                  <a:cubicBezTo>
-                    <a:pt x="2118400" y="129926"/>
-                    <a:pt x="2143553" y="165401"/>
-                    <a:pt x="2162357" y="207369"/>
-                  </a:cubicBezTo>
-                  <a:cubicBezTo>
-                    <a:pt x="2181161" y="249337"/>
-                    <a:pt x="2190564" y="294851"/>
-                    <a:pt x="2190564" y="343911"/>
-                  </a:cubicBezTo>
-                  <a:cubicBezTo>
-                    <a:pt x="2190564" y="403752"/>
-                    <a:pt x="2175616" y="459781"/>
-                    <a:pt x="2145721" y="511998"/>
-                  </a:cubicBezTo>
-                  <a:cubicBezTo>
-                    <a:pt x="2115826" y="564214"/>
-                    <a:pt x="2074331" y="605730"/>
-                    <a:pt x="2021236" y="636545"/>
-                  </a:cubicBezTo>
-                  <a:cubicBezTo>
-                    <a:pt x="1968141" y="667360"/>
-                    <a:pt x="1908029" y="682767"/>
-                    <a:pt x="1840898" y="682767"/>
-                  </a:cubicBezTo>
-                  <a:cubicBezTo>
-                    <a:pt x="1789387" y="682767"/>
-                    <a:pt x="1743017" y="672713"/>
-                    <a:pt x="1701787" y="652605"/>
-                  </a:cubicBezTo>
-                  <a:cubicBezTo>
-                    <a:pt x="1660558" y="632497"/>
-                    <a:pt x="1625422" y="605323"/>
-                    <a:pt x="1596380" y="571081"/>
-                  </a:cubicBezTo>
-                  <a:cubicBezTo>
-                    <a:pt x="1567338" y="536840"/>
-                    <a:pt x="1545728" y="500293"/>
-                    <a:pt x="1531550" y="461440"/>
-                  </a:cubicBezTo>
-                  <a:cubicBezTo>
-                    <a:pt x="1517373" y="422588"/>
-                    <a:pt x="1510284" y="384062"/>
-                    <a:pt x="1510284" y="345862"/>
-                  </a:cubicBezTo>
-                  <a:cubicBezTo>
-                    <a:pt x="1510284" y="284719"/>
-                    <a:pt x="1526445" y="228362"/>
-                    <a:pt x="1558765" y="176792"/>
-                  </a:cubicBezTo>
-                  <a:cubicBezTo>
-                    <a:pt x="1591086" y="125221"/>
-                    <a:pt x="1634061" y="84355"/>
-                    <a:pt x="1687690" y="54196"/>
-                  </a:cubicBezTo>
-                  <a:cubicBezTo>
-                    <a:pt x="1741319" y="24037"/>
-                    <a:pt x="1798083" y="8957"/>
-                    <a:pt x="1857982" y="8957"/>
-                  </a:cubicBezTo>
-                  <a:close/>
-                  <a:moveTo>
-                    <a:pt x="1029307" y="8957"/>
-                  </a:moveTo>
-                  <a:cubicBezTo>
-                    <a:pt x="1070222" y="8957"/>
-                    <a:pt x="1110728" y="17043"/>
-                    <a:pt x="1150825" y="33213"/>
-                  </a:cubicBezTo>
-                  <a:cubicBezTo>
-                    <a:pt x="1190922" y="49384"/>
-                    <a:pt x="1226721" y="71961"/>
-                    <a:pt x="1258223" y="100944"/>
-                  </a:cubicBezTo>
-                  <a:cubicBezTo>
-                    <a:pt x="1289725" y="129926"/>
-                    <a:pt x="1314878" y="165401"/>
-                    <a:pt x="1333682" y="207369"/>
-                  </a:cubicBezTo>
-                  <a:cubicBezTo>
-                    <a:pt x="1352486" y="249337"/>
-                    <a:pt x="1361888" y="294851"/>
-                    <a:pt x="1361888" y="343911"/>
-                  </a:cubicBezTo>
-                  <a:cubicBezTo>
-                    <a:pt x="1361888" y="403752"/>
-                    <a:pt x="1346941" y="459781"/>
-                    <a:pt x="1317046" y="511998"/>
-                  </a:cubicBezTo>
-                  <a:cubicBezTo>
-                    <a:pt x="1287151" y="564214"/>
-                    <a:pt x="1245656" y="605730"/>
-                    <a:pt x="1192561" y="636545"/>
-                  </a:cubicBezTo>
-                  <a:cubicBezTo>
-                    <a:pt x="1139466" y="667360"/>
-                    <a:pt x="1079354" y="682767"/>
-                    <a:pt x="1012223" y="682767"/>
-                  </a:cubicBezTo>
-                  <a:cubicBezTo>
-                    <a:pt x="960712" y="682767"/>
-                    <a:pt x="914342" y="672713"/>
-                    <a:pt x="873112" y="652605"/>
-                  </a:cubicBezTo>
-                  <a:cubicBezTo>
-                    <a:pt x="831883" y="632497"/>
-                    <a:pt x="796747" y="605323"/>
-                    <a:pt x="767705" y="571081"/>
-                  </a:cubicBezTo>
-                  <a:cubicBezTo>
-                    <a:pt x="738663" y="536840"/>
-                    <a:pt x="717053" y="500293"/>
-                    <a:pt x="702875" y="461440"/>
-                  </a:cubicBezTo>
-                  <a:cubicBezTo>
-                    <a:pt x="688698" y="422588"/>
-                    <a:pt x="681609" y="384062"/>
-                    <a:pt x="681609" y="345862"/>
-                  </a:cubicBezTo>
-                  <a:cubicBezTo>
-                    <a:pt x="681609" y="284719"/>
-                    <a:pt x="697769" y="228362"/>
-                    <a:pt x="730090" y="176792"/>
-                  </a:cubicBezTo>
-                  <a:cubicBezTo>
-                    <a:pt x="762411" y="125221"/>
-                    <a:pt x="805386" y="84355"/>
-                    <a:pt x="859015" y="54196"/>
-                  </a:cubicBezTo>
-                  <a:cubicBezTo>
-                    <a:pt x="912644" y="24037"/>
-                    <a:pt x="969408" y="8957"/>
-                    <a:pt x="1029307" y="8957"/>
-                  </a:cubicBezTo>
-                  <a:close/>
-                  <a:moveTo>
-                    <a:pt x="2353632" y="0"/>
-                  </a:moveTo>
-                  <a:cubicBezTo>
-                    <a:pt x="2359319" y="0"/>
-                    <a:pt x="2364697" y="3276"/>
-                    <a:pt x="2369766" y="9828"/>
-                  </a:cubicBezTo>
-                  <a:cubicBezTo>
-                    <a:pt x="2374333" y="17671"/>
-                    <a:pt x="2383775" y="22295"/>
-                    <a:pt x="2398093" y="23700"/>
-                  </a:cubicBezTo>
-                  <a:cubicBezTo>
-                    <a:pt x="2407808" y="25297"/>
-                    <a:pt x="2418047" y="26285"/>
-                    <a:pt x="2428811" y="26666"/>
-                  </a:cubicBezTo>
-                  <a:cubicBezTo>
-                    <a:pt x="2439575" y="27047"/>
-                    <a:pt x="2450549" y="27343"/>
-                    <a:pt x="2461733" y="27553"/>
-                  </a:cubicBezTo>
-                  <a:cubicBezTo>
-                    <a:pt x="2472917" y="27763"/>
-                    <a:pt x="2497873" y="27868"/>
-                    <a:pt x="2536602" y="27868"/>
-                  </a:cubicBezTo>
-                  <a:cubicBezTo>
-                    <a:pt x="2662277" y="27868"/>
-                    <a:pt x="2786994" y="26240"/>
-                    <a:pt x="2910752" y="22985"/>
-                  </a:cubicBezTo>
-                  <a:lnTo>
-                    <a:pt x="2910752" y="44966"/>
-                  </a:lnTo>
-                  <a:cubicBezTo>
-                    <a:pt x="2886274" y="77500"/>
-                    <a:pt x="2867150" y="101353"/>
-                    <a:pt x="2853380" y="116526"/>
-                  </a:cubicBezTo>
-                  <a:cubicBezTo>
-                    <a:pt x="2839608" y="131699"/>
-                    <a:pt x="2821175" y="154194"/>
-                    <a:pt x="2798078" y="184011"/>
-                  </a:cubicBezTo>
-                  <a:cubicBezTo>
-                    <a:pt x="2774982" y="213828"/>
-                    <a:pt x="2758724" y="235214"/>
-                    <a:pt x="2749305" y="248168"/>
-                  </a:cubicBezTo>
-                  <a:cubicBezTo>
-                    <a:pt x="2739886" y="261123"/>
-                    <a:pt x="2734096" y="268919"/>
-                    <a:pt x="2731934" y="271558"/>
-                  </a:cubicBezTo>
-                  <a:lnTo>
-                    <a:pt x="2622570" y="410369"/>
-                  </a:lnTo>
-                  <a:cubicBezTo>
-                    <a:pt x="2617780" y="415481"/>
-                    <a:pt x="2605211" y="431602"/>
-                    <a:pt x="2584865" y="458734"/>
-                  </a:cubicBezTo>
-                  <a:cubicBezTo>
-                    <a:pt x="2576110" y="468837"/>
-                    <a:pt x="2566480" y="480396"/>
-                    <a:pt x="2555978" y="493410"/>
-                  </a:cubicBezTo>
-                  <a:cubicBezTo>
-                    <a:pt x="2545476" y="506424"/>
-                    <a:pt x="2533729" y="521200"/>
-                    <a:pt x="2520739" y="537739"/>
-                  </a:cubicBezTo>
-                  <a:cubicBezTo>
-                    <a:pt x="2507748" y="554278"/>
-                    <a:pt x="2495232" y="570152"/>
-                    <a:pt x="2483190" y="585361"/>
-                  </a:cubicBezTo>
-                  <a:cubicBezTo>
-                    <a:pt x="2471148" y="600570"/>
-                    <a:pt x="2458585" y="612711"/>
-                    <a:pt x="2445502" y="621783"/>
-                  </a:cubicBezTo>
-                  <a:cubicBezTo>
-                    <a:pt x="2469741" y="625613"/>
-                    <a:pt x="2509231" y="627529"/>
-                    <a:pt x="2563972" y="627529"/>
-                  </a:cubicBezTo>
-                  <a:cubicBezTo>
-                    <a:pt x="2642615" y="627529"/>
-                    <a:pt x="2699002" y="625305"/>
-                    <a:pt x="2733132" y="620857"/>
-                  </a:cubicBezTo>
-                  <a:cubicBezTo>
-                    <a:pt x="2767262" y="616410"/>
-                    <a:pt x="2797248" y="610020"/>
-                    <a:pt x="2823089" y="601690"/>
-                  </a:cubicBezTo>
-                  <a:cubicBezTo>
-                    <a:pt x="2846940" y="590037"/>
-                    <a:pt x="2863430" y="579422"/>
-                    <a:pt x="2872558" y="569845"/>
-                  </a:cubicBezTo>
-                  <a:cubicBezTo>
-                    <a:pt x="2881686" y="560268"/>
-                    <a:pt x="2891500" y="542836"/>
-                    <a:pt x="2901997" y="517549"/>
-                  </a:cubicBezTo>
-                  <a:lnTo>
-                    <a:pt x="2932150" y="532455"/>
-                  </a:lnTo>
-                  <a:cubicBezTo>
-                    <a:pt x="2924784" y="554004"/>
-                    <a:pt x="2914454" y="581279"/>
-                    <a:pt x="2901161" y="614279"/>
-                  </a:cubicBezTo>
-                  <a:cubicBezTo>
-                    <a:pt x="2887867" y="647279"/>
-                    <a:pt x="2877757" y="671601"/>
-                    <a:pt x="2870832" y="687246"/>
-                  </a:cubicBezTo>
-                  <a:cubicBezTo>
-                    <a:pt x="2860796" y="687246"/>
-                    <a:pt x="2852338" y="686111"/>
-                    <a:pt x="2845460" y="683840"/>
-                  </a:cubicBezTo>
-                  <a:cubicBezTo>
-                    <a:pt x="2844894" y="678833"/>
-                    <a:pt x="2838691" y="675328"/>
-                    <a:pt x="2826848" y="673328"/>
-                  </a:cubicBezTo>
-                  <a:cubicBezTo>
-                    <a:pt x="2815006" y="671327"/>
-                    <a:pt x="2778749" y="670326"/>
-                    <a:pt x="2718078" y="670326"/>
-                  </a:cubicBezTo>
-                  <a:lnTo>
-                    <a:pt x="2466294" y="670326"/>
-                  </a:lnTo>
-                  <a:cubicBezTo>
-                    <a:pt x="2415332" y="670326"/>
-                    <a:pt x="2360617" y="672278"/>
-                    <a:pt x="2302149" y="676181"/>
-                  </a:cubicBezTo>
-                  <a:cubicBezTo>
-                    <a:pt x="2302574" y="665980"/>
-                    <a:pt x="2302843" y="660346"/>
-                    <a:pt x="2302958" y="659281"/>
-                  </a:cubicBezTo>
-                  <a:cubicBezTo>
-                    <a:pt x="2303071" y="658216"/>
-                    <a:pt x="2303098" y="655348"/>
-                    <a:pt x="2303036" y="650677"/>
-                  </a:cubicBezTo>
-                  <a:cubicBezTo>
-                    <a:pt x="2345791" y="606485"/>
-                    <a:pt x="2389062" y="559411"/>
-                    <a:pt x="2432847" y="509455"/>
-                  </a:cubicBezTo>
-                  <a:cubicBezTo>
-                    <a:pt x="2476632" y="459499"/>
-                    <a:pt x="2515401" y="413300"/>
-                    <a:pt x="2549155" y="370857"/>
-                  </a:cubicBezTo>
-                  <a:cubicBezTo>
-                    <a:pt x="2582910" y="328415"/>
-                    <a:pt x="2620892" y="278643"/>
-                    <a:pt x="2663104" y="221541"/>
-                  </a:cubicBezTo>
-                  <a:cubicBezTo>
-                    <a:pt x="2705316" y="164439"/>
-                    <a:pt x="2742688" y="115811"/>
-                    <a:pt x="2775222" y="75657"/>
-                  </a:cubicBezTo>
-                  <a:cubicBezTo>
-                    <a:pt x="2757638" y="74978"/>
-                    <a:pt x="2733070" y="74308"/>
-                    <a:pt x="2701516" y="73647"/>
-                  </a:cubicBezTo>
-                  <a:cubicBezTo>
-                    <a:pt x="2669962" y="72986"/>
-                    <a:pt x="2635630" y="72656"/>
-                    <a:pt x="2598519" y="72656"/>
-                  </a:cubicBezTo>
-                  <a:cubicBezTo>
-                    <a:pt x="2527910" y="72656"/>
-                    <a:pt x="2477260" y="74623"/>
-                    <a:pt x="2446567" y="78557"/>
-                  </a:cubicBezTo>
-                  <a:cubicBezTo>
-                    <a:pt x="2415873" y="82492"/>
-                    <a:pt x="2393375" y="90060"/>
-                    <a:pt x="2379070" y="101262"/>
-                  </a:cubicBezTo>
-                  <a:cubicBezTo>
-                    <a:pt x="2364765" y="112465"/>
-                    <a:pt x="2349746" y="133617"/>
-                    <a:pt x="2334014" y="164720"/>
-                  </a:cubicBezTo>
-                  <a:lnTo>
-                    <a:pt x="2305120" y="152403"/>
-                  </a:lnTo>
-                  <a:cubicBezTo>
-                    <a:pt x="2309297" y="135328"/>
-                    <a:pt x="2313005" y="120319"/>
-                    <a:pt x="2316243" y="107378"/>
-                  </a:cubicBezTo>
-                  <a:cubicBezTo>
-                    <a:pt x="2319480" y="94437"/>
-                    <a:pt x="2321755" y="85071"/>
-                    <a:pt x="2323070" y="79281"/>
-                  </a:cubicBezTo>
-                  <a:cubicBezTo>
-                    <a:pt x="2324384" y="73490"/>
-                    <a:pt x="2325528" y="68602"/>
-                    <a:pt x="2326503" y="64616"/>
-                  </a:cubicBezTo>
-                  <a:lnTo>
-                    <a:pt x="2336650" y="17215"/>
-                  </a:lnTo>
-                  <a:cubicBezTo>
-                    <a:pt x="2337412" y="14136"/>
-                    <a:pt x="2338827" y="10497"/>
-                    <a:pt x="2340895" y="6298"/>
-                  </a:cubicBezTo>
-                  <a:cubicBezTo>
-                    <a:pt x="2342964" y="2099"/>
-                    <a:pt x="2347209" y="0"/>
-                    <a:pt x="2353632" y="0"/>
-                  </a:cubicBezTo>
-                  <a:close/>
-                </a:path>
-              </a:pathLst>
-            </a:custGeom>
-            <a:solidFill>
-              <a:srgbClr val="FF0000"/>
-            </a:solidFill>
-            <a:ln w="3175">
-              <a:noFill/>
-            </a:ln>
-            <a:effectLst/>
-            <a:scene3d>
-              <a:camera prst="orthographicFront">
-                <a:rot lat="0" lon="0" rev="0"/>
-              </a:camera>
-              <a:lightRig rig="contrasting" dir="t">
-                <a:rot lat="0" lon="0" rev="1500000"/>
-              </a:lightRig>
-            </a:scene3d>
-            <a:sp3d prstMaterial="metal">
-              <a:bevelT w="88900" h="88900"/>
-            </a:sp3d>
-          </p:spPr>
-          <p:txBody>
-            <a:bodyPr rot="0" spcFirstLastPara="0" vertOverflow="overflow" horzOverflow="overflow" vert="horz" wrap="square" lIns="91440" tIns="45720" rIns="91440" bIns="45720" numCol="1" spcCol="0" rtlCol="0" fromWordArt="0" anchor="t" anchorCtr="0" forceAA="0" compatLnSpc="1">
-              <a:prstTxWarp prst="textNoShape">
-                <a:avLst/>
-              </a:prstTxWarp>
-              <a:noAutofit/>
-            </a:bodyPr>
-            <a:lstStyle/>
-            <a:p>
-              <a:pPr algn="ctr"/>
-              <a:endParaRPr lang="en-US" sz="8000" b="1" cap="none" spc="600" dirty="0">
-                <a:ln w="0"/>
-                <a:solidFill>
-                  <a:schemeClr val="tx1"/>
-                </a:solidFill>
-                <a:latin typeface="Centaur" panose="02030504050205020304" pitchFamily="18" charset="0"/>
-              </a:endParaRPr>
-            </a:p>
-          </p:txBody>
-        </p:sp>
-        <p:sp>
-          <p:nvSpPr>
-            <p:cNvPr id="111" name="Freeform: Shape 110">
-              <a:extLst>
-                <a:ext uri="{FF2B5EF4-FFF2-40B4-BE49-F238E27FC236}">
-                  <a16:creationId xmlns:a16="http://schemas.microsoft.com/office/drawing/2014/main" id="{2EF6F3B0-3FD8-9B1C-8982-D9E3615988EF}"/>
-                </a:ext>
-              </a:extLst>
-            </p:cNvPr>
-            <p:cNvSpPr/>
-            <p:nvPr/>
-          </p:nvSpPr>
-          <p:spPr>
-            <a:xfrm>
-              <a:off x="3161115" y="1339647"/>
-              <a:ext cx="1696451" cy="606887"/>
-            </a:xfrm>
-            <a:custGeom>
-              <a:avLst/>
-              <a:gdLst>
-                <a:gd name="connsiteX0" fmla="*/ 813584 w 1870852"/>
-                <a:gd name="connsiteY0" fmla="*/ 150094 h 669277"/>
-                <a:gd name="connsiteX1" fmla="*/ 805902 w 1870852"/>
-                <a:gd name="connsiteY1" fmla="*/ 182853 h 669277"/>
-                <a:gd name="connsiteX2" fmla="*/ 791789 w 1870852"/>
-                <a:gd name="connsiteY2" fmla="*/ 217735 h 669277"/>
-                <a:gd name="connsiteX3" fmla="*/ 736100 w 1870852"/>
-                <a:gd name="connsiteY3" fmla="*/ 360815 h 669277"/>
-                <a:gd name="connsiteX4" fmla="*/ 727698 w 1870852"/>
-                <a:gd name="connsiteY4" fmla="*/ 380486 h 669277"/>
-                <a:gd name="connsiteX5" fmla="*/ 724986 w 1870852"/>
-                <a:gd name="connsiteY5" fmla="*/ 384205 h 669277"/>
-                <a:gd name="connsiteX6" fmla="*/ 757145 w 1870852"/>
-                <a:gd name="connsiteY6" fmla="*/ 386751 h 669277"/>
-                <a:gd name="connsiteX7" fmla="*/ 804728 w 1870852"/>
-                <a:gd name="connsiteY7" fmla="*/ 387649 h 669277"/>
-                <a:gd name="connsiteX8" fmla="*/ 849485 w 1870852"/>
-                <a:gd name="connsiteY8" fmla="*/ 386669 h 669277"/>
-                <a:gd name="connsiteX9" fmla="*/ 905384 w 1870852"/>
-                <a:gd name="connsiteY9" fmla="*/ 385643 h 669277"/>
-                <a:gd name="connsiteX10" fmla="*/ 884211 w 1870852"/>
-                <a:gd name="connsiteY10" fmla="*/ 339541 h 669277"/>
-                <a:gd name="connsiteX11" fmla="*/ 849150 w 1870852"/>
-                <a:gd name="connsiteY11" fmla="*/ 249669 h 669277"/>
-                <a:gd name="connsiteX12" fmla="*/ 827005 w 1870852"/>
-                <a:gd name="connsiteY12" fmla="*/ 195205 h 669277"/>
-                <a:gd name="connsiteX13" fmla="*/ 813584 w 1870852"/>
-                <a:gd name="connsiteY13" fmla="*/ 150094 h 669277"/>
-                <a:gd name="connsiteX14" fmla="*/ 225661 w 1870852"/>
-                <a:gd name="connsiteY14" fmla="*/ 47276 h 669277"/>
-                <a:gd name="connsiteX15" fmla="*/ 169248 w 1870852"/>
-                <a:gd name="connsiteY15" fmla="*/ 54095 h 669277"/>
-                <a:gd name="connsiteX16" fmla="*/ 167923 w 1870852"/>
-                <a:gd name="connsiteY16" fmla="*/ 94560 h 669277"/>
-                <a:gd name="connsiteX17" fmla="*/ 165850 w 1870852"/>
-                <a:gd name="connsiteY17" fmla="*/ 174284 h 669277"/>
-                <a:gd name="connsiteX18" fmla="*/ 164202 w 1870852"/>
-                <a:gd name="connsiteY18" fmla="*/ 236731 h 669277"/>
-                <a:gd name="connsiteX19" fmla="*/ 163300 w 1870852"/>
-                <a:gd name="connsiteY19" fmla="*/ 280173 h 669277"/>
-                <a:gd name="connsiteX20" fmla="*/ 163976 w 1870852"/>
-                <a:gd name="connsiteY20" fmla="*/ 376724 h 669277"/>
-                <a:gd name="connsiteX21" fmla="*/ 232916 w 1870852"/>
-                <a:gd name="connsiteY21" fmla="*/ 385674 h 669277"/>
-                <a:gd name="connsiteX22" fmla="*/ 310669 w 1870852"/>
-                <a:gd name="connsiteY22" fmla="*/ 370741 h 669277"/>
-                <a:gd name="connsiteX23" fmla="*/ 376047 w 1870852"/>
-                <a:gd name="connsiteY23" fmla="*/ 319767 h 669277"/>
-                <a:gd name="connsiteX24" fmla="*/ 402644 w 1870852"/>
-                <a:gd name="connsiteY24" fmla="*/ 224538 h 669277"/>
-                <a:gd name="connsiteX25" fmla="*/ 383022 w 1870852"/>
-                <a:gd name="connsiteY25" fmla="*/ 138119 h 669277"/>
-                <a:gd name="connsiteX26" fmla="*/ 322787 w 1870852"/>
-                <a:gd name="connsiteY26" fmla="*/ 72465 h 669277"/>
-                <a:gd name="connsiteX27" fmla="*/ 225661 w 1870852"/>
-                <a:gd name="connsiteY27" fmla="*/ 47276 h 669277"/>
-                <a:gd name="connsiteX28" fmla="*/ 1494158 w 1870852"/>
-                <a:gd name="connsiteY28" fmla="*/ 5972 h 669277"/>
-                <a:gd name="connsiteX29" fmla="*/ 1494158 w 1870852"/>
-                <a:gd name="connsiteY29" fmla="*/ 40192 h 669277"/>
-                <a:gd name="connsiteX30" fmla="*/ 1424154 w 1870852"/>
-                <a:gd name="connsiteY30" fmla="*/ 64297 h 669277"/>
-                <a:gd name="connsiteX31" fmla="*/ 1417774 w 1870852"/>
-                <a:gd name="connsiteY31" fmla="*/ 113101 h 669277"/>
-                <a:gd name="connsiteX32" fmla="*/ 1412696 w 1870852"/>
-                <a:gd name="connsiteY32" fmla="*/ 203408 h 669277"/>
-                <a:gd name="connsiteX33" fmla="*/ 1411052 w 1870852"/>
-                <a:gd name="connsiteY33" fmla="*/ 279341 h 669277"/>
-                <a:gd name="connsiteX34" fmla="*/ 1411052 w 1870852"/>
-                <a:gd name="connsiteY34" fmla="*/ 327481 h 669277"/>
-                <a:gd name="connsiteX35" fmla="*/ 1450708 w 1870852"/>
-                <a:gd name="connsiteY35" fmla="*/ 281651 h 669277"/>
-                <a:gd name="connsiteX36" fmla="*/ 1570344 w 1870852"/>
-                <a:gd name="connsiteY36" fmla="*/ 163872 h 669277"/>
-                <a:gd name="connsiteX37" fmla="*/ 1636694 w 1870852"/>
-                <a:gd name="connsiteY37" fmla="*/ 86730 h 669277"/>
-                <a:gd name="connsiteX38" fmla="*/ 1646515 w 1870852"/>
-                <a:gd name="connsiteY38" fmla="*/ 63605 h 669277"/>
-                <a:gd name="connsiteX39" fmla="*/ 1599122 w 1870852"/>
-                <a:gd name="connsiteY39" fmla="*/ 48823 h 669277"/>
-                <a:gd name="connsiteX40" fmla="*/ 1597668 w 1870852"/>
-                <a:gd name="connsiteY40" fmla="*/ 10971 h 669277"/>
-                <a:gd name="connsiteX41" fmla="*/ 1688869 w 1870852"/>
-                <a:gd name="connsiteY41" fmla="*/ 12099 h 669277"/>
-                <a:gd name="connsiteX42" fmla="*/ 1802472 w 1870852"/>
-                <a:gd name="connsiteY42" fmla="*/ 6967 h 669277"/>
-                <a:gd name="connsiteX43" fmla="*/ 1804167 w 1870852"/>
-                <a:gd name="connsiteY43" fmla="*/ 44228 h 669277"/>
-                <a:gd name="connsiteX44" fmla="*/ 1694911 w 1870852"/>
-                <a:gd name="connsiteY44" fmla="*/ 101854 h 669277"/>
-                <a:gd name="connsiteX45" fmla="*/ 1580966 w 1870852"/>
-                <a:gd name="connsiteY45" fmla="*/ 203552 h 669277"/>
-                <a:gd name="connsiteX46" fmla="*/ 1502704 w 1870852"/>
-                <a:gd name="connsiteY46" fmla="*/ 278183 h 669277"/>
-                <a:gd name="connsiteX47" fmla="*/ 1465723 w 1870852"/>
-                <a:gd name="connsiteY47" fmla="*/ 314620 h 669277"/>
-                <a:gd name="connsiteX48" fmla="*/ 1642884 w 1870852"/>
-                <a:gd name="connsiteY48" fmla="*/ 458828 h 669277"/>
-                <a:gd name="connsiteX49" fmla="*/ 1798374 w 1870852"/>
-                <a:gd name="connsiteY49" fmla="*/ 585342 h 669277"/>
-                <a:gd name="connsiteX50" fmla="*/ 1869390 w 1870852"/>
-                <a:gd name="connsiteY50" fmla="*/ 634185 h 669277"/>
-                <a:gd name="connsiteX51" fmla="*/ 1870852 w 1870852"/>
-                <a:gd name="connsiteY51" fmla="*/ 665350 h 669277"/>
-                <a:gd name="connsiteX52" fmla="*/ 1845576 w 1870852"/>
-                <a:gd name="connsiteY52" fmla="*/ 663433 h 669277"/>
-                <a:gd name="connsiteX53" fmla="*/ 1829197 w 1870852"/>
-                <a:gd name="connsiteY53" fmla="*/ 661369 h 669277"/>
-                <a:gd name="connsiteX54" fmla="*/ 1784230 w 1870852"/>
-                <a:gd name="connsiteY54" fmla="*/ 659378 h 669277"/>
-                <a:gd name="connsiteX55" fmla="*/ 1668077 w 1870852"/>
-                <a:gd name="connsiteY55" fmla="*/ 665350 h 669277"/>
-                <a:gd name="connsiteX56" fmla="*/ 1666359 w 1870852"/>
-                <a:gd name="connsiteY56" fmla="*/ 635351 h 669277"/>
-                <a:gd name="connsiteX57" fmla="*/ 1681082 w 1870852"/>
-                <a:gd name="connsiteY57" fmla="*/ 630033 h 669277"/>
-                <a:gd name="connsiteX58" fmla="*/ 1697003 w 1870852"/>
-                <a:gd name="connsiteY58" fmla="*/ 626674 h 669277"/>
-                <a:gd name="connsiteX59" fmla="*/ 1707383 w 1870852"/>
-                <a:gd name="connsiteY59" fmla="*/ 625951 h 669277"/>
-                <a:gd name="connsiteX60" fmla="*/ 1603228 w 1870852"/>
-                <a:gd name="connsiteY60" fmla="*/ 533428 h 669277"/>
-                <a:gd name="connsiteX61" fmla="*/ 1512766 w 1870852"/>
-                <a:gd name="connsiteY61" fmla="*/ 459838 h 669277"/>
-                <a:gd name="connsiteX62" fmla="*/ 1485741 w 1870852"/>
-                <a:gd name="connsiteY62" fmla="*/ 438199 h 669277"/>
-                <a:gd name="connsiteX63" fmla="*/ 1451287 w 1870852"/>
-                <a:gd name="connsiteY63" fmla="*/ 410245 h 669277"/>
-                <a:gd name="connsiteX64" fmla="*/ 1427782 w 1870852"/>
-                <a:gd name="connsiteY64" fmla="*/ 392293 h 669277"/>
-                <a:gd name="connsiteX65" fmla="*/ 1411114 w 1870852"/>
-                <a:gd name="connsiteY65" fmla="*/ 381159 h 669277"/>
-                <a:gd name="connsiteX66" fmla="*/ 1411189 w 1870852"/>
-                <a:gd name="connsiteY66" fmla="*/ 394796 h 669277"/>
-                <a:gd name="connsiteX67" fmla="*/ 1413186 w 1870852"/>
-                <a:gd name="connsiteY67" fmla="*/ 501260 h 669277"/>
-                <a:gd name="connsiteX68" fmla="*/ 1419340 w 1870852"/>
-                <a:gd name="connsiteY68" fmla="*/ 603137 h 669277"/>
-                <a:gd name="connsiteX69" fmla="*/ 1449157 w 1870852"/>
-                <a:gd name="connsiteY69" fmla="*/ 623898 h 669277"/>
-                <a:gd name="connsiteX70" fmla="*/ 1495153 w 1870852"/>
-                <a:gd name="connsiteY70" fmla="*/ 633003 h 669277"/>
-                <a:gd name="connsiteX71" fmla="*/ 1495153 w 1870852"/>
-                <a:gd name="connsiteY71" fmla="*/ 667340 h 669277"/>
-                <a:gd name="connsiteX72" fmla="*/ 1420336 w 1870852"/>
-                <a:gd name="connsiteY72" fmla="*/ 662364 h 669277"/>
-                <a:gd name="connsiteX73" fmla="*/ 1343730 w 1870852"/>
-                <a:gd name="connsiteY73" fmla="*/ 661369 h 669277"/>
-                <a:gd name="connsiteX74" fmla="*/ 1252801 w 1870852"/>
-                <a:gd name="connsiteY74" fmla="*/ 663359 h 669277"/>
-                <a:gd name="connsiteX75" fmla="*/ 1252801 w 1870852"/>
-                <a:gd name="connsiteY75" fmla="*/ 627436 h 669277"/>
-                <a:gd name="connsiteX76" fmla="*/ 1299381 w 1870852"/>
-                <a:gd name="connsiteY76" fmla="*/ 618871 h 669277"/>
-                <a:gd name="connsiteX77" fmla="*/ 1313840 w 1870852"/>
-                <a:gd name="connsiteY77" fmla="*/ 594801 h 669277"/>
-                <a:gd name="connsiteX78" fmla="*/ 1320756 w 1870852"/>
-                <a:gd name="connsiteY78" fmla="*/ 527312 h 669277"/>
-                <a:gd name="connsiteX79" fmla="*/ 1325515 w 1870852"/>
-                <a:gd name="connsiteY79" fmla="*/ 410412 h 669277"/>
-                <a:gd name="connsiteX80" fmla="*/ 1326950 w 1870852"/>
-                <a:gd name="connsiteY80" fmla="*/ 334697 h 669277"/>
-                <a:gd name="connsiteX81" fmla="*/ 1323964 w 1870852"/>
-                <a:gd name="connsiteY81" fmla="*/ 159985 h 669277"/>
-                <a:gd name="connsiteX82" fmla="*/ 1321818 w 1870852"/>
-                <a:gd name="connsiteY82" fmla="*/ 95963 h 669277"/>
-                <a:gd name="connsiteX83" fmla="*/ 1314979 w 1870852"/>
-                <a:gd name="connsiteY83" fmla="*/ 65090 h 669277"/>
-                <a:gd name="connsiteX84" fmla="*/ 1300353 w 1870852"/>
-                <a:gd name="connsiteY84" fmla="*/ 52641 h 669277"/>
-                <a:gd name="connsiteX85" fmla="*/ 1258228 w 1870852"/>
-                <a:gd name="connsiteY85" fmla="*/ 44687 h 669277"/>
-                <a:gd name="connsiteX86" fmla="*/ 1256782 w 1870852"/>
-                <a:gd name="connsiteY86" fmla="*/ 8957 h 669277"/>
-                <a:gd name="connsiteX87" fmla="*/ 1382779 w 1870852"/>
-                <a:gd name="connsiteY87" fmla="*/ 12939 h 669277"/>
-                <a:gd name="connsiteX88" fmla="*/ 1440362 w 1870852"/>
-                <a:gd name="connsiteY88" fmla="*/ 10816 h 669277"/>
-                <a:gd name="connsiteX89" fmla="*/ 1494158 w 1870852"/>
-                <a:gd name="connsiteY89" fmla="*/ 5972 h 669277"/>
-                <a:gd name="connsiteX90" fmla="*/ 216952 w 1870852"/>
-                <a:gd name="connsiteY90" fmla="*/ 1990 h 669277"/>
-                <a:gd name="connsiteX91" fmla="*/ 341126 w 1870852"/>
-                <a:gd name="connsiteY91" fmla="*/ 21686 h 669277"/>
-                <a:gd name="connsiteX92" fmla="*/ 431102 w 1870852"/>
-                <a:gd name="connsiteY92" fmla="*/ 74374 h 669277"/>
-                <a:gd name="connsiteX93" fmla="*/ 485396 w 1870852"/>
-                <a:gd name="connsiteY93" fmla="*/ 145285 h 669277"/>
-                <a:gd name="connsiteX94" fmla="*/ 503168 w 1870852"/>
-                <a:gd name="connsiteY94" fmla="*/ 219173 h 669277"/>
-                <a:gd name="connsiteX95" fmla="*/ 469207 w 1870852"/>
-                <a:gd name="connsiteY95" fmla="*/ 323818 h 669277"/>
-                <a:gd name="connsiteX96" fmla="*/ 370036 w 1870852"/>
-                <a:gd name="connsiteY96" fmla="*/ 402598 h 669277"/>
-                <a:gd name="connsiteX97" fmla="*/ 216812 w 1870852"/>
-                <a:gd name="connsiteY97" fmla="*/ 432453 h 669277"/>
-                <a:gd name="connsiteX98" fmla="*/ 164272 w 1870852"/>
-                <a:gd name="connsiteY98" fmla="*/ 427476 h 669277"/>
-                <a:gd name="connsiteX99" fmla="*/ 165240 w 1870852"/>
-                <a:gd name="connsiteY99" fmla="*/ 506399 h 669277"/>
-                <a:gd name="connsiteX100" fmla="*/ 166387 w 1870852"/>
-                <a:gd name="connsiteY100" fmla="*/ 568084 h 669277"/>
-                <a:gd name="connsiteX101" fmla="*/ 172502 w 1870852"/>
-                <a:gd name="connsiteY101" fmla="*/ 605267 h 669277"/>
-                <a:gd name="connsiteX102" fmla="*/ 192505 w 1870852"/>
-                <a:gd name="connsiteY102" fmla="*/ 619769 h 669277"/>
-                <a:gd name="connsiteX103" fmla="*/ 258824 w 1870852"/>
-                <a:gd name="connsiteY103" fmla="*/ 627272 h 669277"/>
-                <a:gd name="connsiteX104" fmla="*/ 257176 w 1870852"/>
-                <a:gd name="connsiteY104" fmla="*/ 668336 h 669277"/>
-                <a:gd name="connsiteX105" fmla="*/ 197093 w 1870852"/>
-                <a:gd name="connsiteY105" fmla="*/ 663359 h 669277"/>
-                <a:gd name="connsiteX106" fmla="*/ 145603 w 1870852"/>
-                <a:gd name="connsiteY106" fmla="*/ 661369 h 669277"/>
-                <a:gd name="connsiteX107" fmla="*/ 64627 w 1870852"/>
-                <a:gd name="connsiteY107" fmla="*/ 666151 h 669277"/>
-                <a:gd name="connsiteX108" fmla="*/ 38104 w 1870852"/>
-                <a:gd name="connsiteY108" fmla="*/ 669277 h 669277"/>
-                <a:gd name="connsiteX109" fmla="*/ 9007 w 1870852"/>
-                <a:gd name="connsiteY109" fmla="*/ 663569 h 669277"/>
-                <a:gd name="connsiteX110" fmla="*/ 9007 w 1870852"/>
-                <a:gd name="connsiteY110" fmla="*/ 634550 h 669277"/>
-                <a:gd name="connsiteX111" fmla="*/ 61143 w 1870852"/>
-                <a:gd name="connsiteY111" fmla="*/ 617541 h 669277"/>
-                <a:gd name="connsiteX112" fmla="*/ 70715 w 1870852"/>
-                <a:gd name="connsiteY112" fmla="*/ 607382 h 669277"/>
-                <a:gd name="connsiteX113" fmla="*/ 78180 w 1870852"/>
-                <a:gd name="connsiteY113" fmla="*/ 382354 h 669277"/>
-                <a:gd name="connsiteX114" fmla="*/ 77931 w 1870852"/>
-                <a:gd name="connsiteY114" fmla="*/ 315720 h 669277"/>
-                <a:gd name="connsiteX115" fmla="*/ 77192 w 1870852"/>
-                <a:gd name="connsiteY115" fmla="*/ 260237 h 669277"/>
-                <a:gd name="connsiteX116" fmla="*/ 74719 w 1870852"/>
-                <a:gd name="connsiteY116" fmla="*/ 199407 h 669277"/>
-                <a:gd name="connsiteX117" fmla="*/ 71247 w 1870852"/>
-                <a:gd name="connsiteY117" fmla="*/ 129030 h 669277"/>
-                <a:gd name="connsiteX118" fmla="*/ 66780 w 1870852"/>
-                <a:gd name="connsiteY118" fmla="*/ 76625 h 669277"/>
-                <a:gd name="connsiteX119" fmla="*/ 62745 w 1870852"/>
-                <a:gd name="connsiteY119" fmla="*/ 62765 h 669277"/>
-                <a:gd name="connsiteX120" fmla="*/ 45257 w 1870852"/>
-                <a:gd name="connsiteY120" fmla="*/ 50413 h 669277"/>
-                <a:gd name="connsiteX121" fmla="*/ 811 w 1870852"/>
-                <a:gd name="connsiteY121" fmla="*/ 43388 h 669277"/>
-                <a:gd name="connsiteX122" fmla="*/ 1068 w 1870852"/>
-                <a:gd name="connsiteY122" fmla="*/ 4976 h 669277"/>
-                <a:gd name="connsiteX123" fmla="*/ 101763 w 1870852"/>
-                <a:gd name="connsiteY123" fmla="*/ 7962 h 669277"/>
-                <a:gd name="connsiteX124" fmla="*/ 153534 w 1870852"/>
-                <a:gd name="connsiteY124" fmla="*/ 5995 h 669277"/>
-                <a:gd name="connsiteX125" fmla="*/ 184699 w 1870852"/>
-                <a:gd name="connsiteY125" fmla="*/ 3234 h 669277"/>
-                <a:gd name="connsiteX126" fmla="*/ 216952 w 1870852"/>
-                <a:gd name="connsiteY126" fmla="*/ 1990 h 669277"/>
-                <a:gd name="connsiteX127" fmla="*/ 855721 w 1870852"/>
-                <a:gd name="connsiteY127" fmla="*/ 0 h 669277"/>
-                <a:gd name="connsiteX128" fmla="*/ 891660 w 1870852"/>
-                <a:gd name="connsiteY128" fmla="*/ 121098 h 669277"/>
-                <a:gd name="connsiteX129" fmla="*/ 991741 w 1870852"/>
-                <a:gd name="connsiteY129" fmla="*/ 379912 h 669277"/>
-                <a:gd name="connsiteX130" fmla="*/ 1052974 w 1870852"/>
-                <a:gd name="connsiteY130" fmla="*/ 535088 h 669277"/>
-                <a:gd name="connsiteX131" fmla="*/ 1083603 w 1870852"/>
-                <a:gd name="connsiteY131" fmla="*/ 600516 h 669277"/>
-                <a:gd name="connsiteX132" fmla="*/ 1141501 w 1870852"/>
-                <a:gd name="connsiteY132" fmla="*/ 623657 h 669277"/>
-                <a:gd name="connsiteX133" fmla="*/ 1141501 w 1870852"/>
-                <a:gd name="connsiteY133" fmla="*/ 659378 h 669277"/>
-                <a:gd name="connsiteX134" fmla="*/ 1054009 w 1870852"/>
-                <a:gd name="connsiteY134" fmla="*/ 655397 h 669277"/>
-                <a:gd name="connsiteX135" fmla="*/ 1000601 w 1870852"/>
-                <a:gd name="connsiteY135" fmla="*/ 656863 h 669277"/>
-                <a:gd name="connsiteX136" fmla="*/ 960984 w 1870852"/>
-                <a:gd name="connsiteY136" fmla="*/ 659600 h 669277"/>
-                <a:gd name="connsiteX137" fmla="*/ 928011 w 1870852"/>
-                <a:gd name="connsiteY137" fmla="*/ 661369 h 669277"/>
-                <a:gd name="connsiteX138" fmla="*/ 928011 w 1870852"/>
-                <a:gd name="connsiteY138" fmla="*/ 627109 h 669277"/>
-                <a:gd name="connsiteX139" fmla="*/ 967473 w 1870852"/>
-                <a:gd name="connsiteY139" fmla="*/ 617273 h 669277"/>
-                <a:gd name="connsiteX140" fmla="*/ 977255 w 1870852"/>
-                <a:gd name="connsiteY140" fmla="*/ 603627 h 669277"/>
-                <a:gd name="connsiteX141" fmla="*/ 968667 w 1870852"/>
-                <a:gd name="connsiteY141" fmla="*/ 565269 h 669277"/>
-                <a:gd name="connsiteX142" fmla="*/ 956004 w 1870852"/>
-                <a:gd name="connsiteY142" fmla="*/ 529859 h 669277"/>
-                <a:gd name="connsiteX143" fmla="*/ 921363 w 1870852"/>
-                <a:gd name="connsiteY143" fmla="*/ 436605 h 669277"/>
-                <a:gd name="connsiteX144" fmla="*/ 836352 w 1870852"/>
-                <a:gd name="connsiteY144" fmla="*/ 433448 h 669277"/>
-                <a:gd name="connsiteX145" fmla="*/ 797310 w 1870852"/>
-                <a:gd name="connsiteY145" fmla="*/ 433448 h 669277"/>
-                <a:gd name="connsiteX146" fmla="*/ 703387 w 1870852"/>
-                <a:gd name="connsiteY146" fmla="*/ 438207 h 669277"/>
-                <a:gd name="connsiteX147" fmla="*/ 668475 w 1870852"/>
-                <a:gd name="connsiteY147" fmla="*/ 526367 h 669277"/>
-                <a:gd name="connsiteX148" fmla="*/ 646811 w 1870852"/>
-                <a:gd name="connsiteY148" fmla="*/ 590439 h 669277"/>
-                <a:gd name="connsiteX149" fmla="*/ 659101 w 1870852"/>
-                <a:gd name="connsiteY149" fmla="*/ 612036 h 669277"/>
-                <a:gd name="connsiteX150" fmla="*/ 724973 w 1870852"/>
-                <a:gd name="connsiteY150" fmla="*/ 628983 h 669277"/>
-                <a:gd name="connsiteX151" fmla="*/ 724973 w 1870852"/>
-                <a:gd name="connsiteY151" fmla="*/ 663359 h 669277"/>
-                <a:gd name="connsiteX152" fmla="*/ 617311 w 1870852"/>
-                <a:gd name="connsiteY152" fmla="*/ 656392 h 669277"/>
-                <a:gd name="connsiteX153" fmla="*/ 518450 w 1870852"/>
-                <a:gd name="connsiteY153" fmla="*/ 660373 h 669277"/>
-                <a:gd name="connsiteX154" fmla="*/ 518450 w 1870852"/>
-                <a:gd name="connsiteY154" fmla="*/ 628719 h 669277"/>
-                <a:gd name="connsiteX155" fmla="*/ 566660 w 1870852"/>
-                <a:gd name="connsiteY155" fmla="*/ 605928 h 669277"/>
-                <a:gd name="connsiteX156" fmla="*/ 595978 w 1870852"/>
-                <a:gd name="connsiteY156" fmla="*/ 559122 h 669277"/>
-                <a:gd name="connsiteX157" fmla="*/ 634339 w 1870852"/>
-                <a:gd name="connsiteY157" fmla="*/ 477116 h 669277"/>
-                <a:gd name="connsiteX158" fmla="*/ 662915 w 1870852"/>
-                <a:gd name="connsiteY158" fmla="*/ 406295 h 669277"/>
-                <a:gd name="connsiteX159" fmla="*/ 739956 w 1870852"/>
-                <a:gd name="connsiteY159" fmla="*/ 225666 h 669277"/>
-                <a:gd name="connsiteX160" fmla="*/ 770095 w 1870852"/>
-                <a:gd name="connsiteY160" fmla="*/ 152691 h 669277"/>
-                <a:gd name="connsiteX161" fmla="*/ 799483 w 1870852"/>
-                <a:gd name="connsiteY161" fmla="*/ 76155 h 669277"/>
-                <a:gd name="connsiteX162" fmla="*/ 818965 w 1870852"/>
-                <a:gd name="connsiteY162" fmla="*/ 18677 h 669277"/>
-                <a:gd name="connsiteX163" fmla="*/ 827239 w 1870852"/>
-                <a:gd name="connsiteY163" fmla="*/ 1399 h 669277"/>
-              </a:gdLst>
-              <a:ahLst/>
-              <a:cxnLst>
-                <a:cxn ang="0">
-                  <a:pos x="connsiteX0" y="connsiteY0"/>
-                </a:cxn>
-                <a:cxn ang="0">
-                  <a:pos x="connsiteX1" y="connsiteY1"/>
-                </a:cxn>
-                <a:cxn ang="0">
-                  <a:pos x="connsiteX2" y="connsiteY2"/>
-                </a:cxn>
-                <a:cxn ang="0">
-                  <a:pos x="connsiteX3" y="connsiteY3"/>
-                </a:cxn>
-                <a:cxn ang="0">
-                  <a:pos x="connsiteX4" y="connsiteY4"/>
-                </a:cxn>
-                <a:cxn ang="0">
-                  <a:pos x="connsiteX5" y="connsiteY5"/>
-                </a:cxn>
-                <a:cxn ang="0">
-                  <a:pos x="connsiteX6" y="connsiteY6"/>
-                </a:cxn>
-                <a:cxn ang="0">
-                  <a:pos x="connsiteX7" y="connsiteY7"/>
-                </a:cxn>
-                <a:cxn ang="0">
-                  <a:pos x="connsiteX8" y="connsiteY8"/>
-                </a:cxn>
-                <a:cxn ang="0">
-                  <a:pos x="connsiteX9" y="connsiteY9"/>
-                </a:cxn>
-                <a:cxn ang="0">
-                  <a:pos x="connsiteX10" y="connsiteY10"/>
-                </a:cxn>
-                <a:cxn ang="0">
-                  <a:pos x="connsiteX11" y="connsiteY11"/>
-                </a:cxn>
-                <a:cxn ang="0">
-                  <a:pos x="connsiteX12" y="connsiteY12"/>
-                </a:cxn>
-                <a:cxn ang="0">
-                  <a:pos x="connsiteX13" y="connsiteY13"/>
-                </a:cxn>
-                <a:cxn ang="0">
-                  <a:pos x="connsiteX14" y="connsiteY14"/>
-                </a:cxn>
-                <a:cxn ang="0">
-                  <a:pos x="connsiteX15" y="connsiteY15"/>
-                </a:cxn>
-                <a:cxn ang="0">
-                  <a:pos x="connsiteX16" y="connsiteY16"/>
-                </a:cxn>
-                <a:cxn ang="0">
-                  <a:pos x="connsiteX17" y="connsiteY17"/>
-                </a:cxn>
-                <a:cxn ang="0">
-                  <a:pos x="connsiteX18" y="connsiteY18"/>
-                </a:cxn>
-                <a:cxn ang="0">
-                  <a:pos x="connsiteX19" y="connsiteY19"/>
-                </a:cxn>
-                <a:cxn ang="0">
-                  <a:pos x="connsiteX20" y="connsiteY20"/>
-                </a:cxn>
-                <a:cxn ang="0">
-                  <a:pos x="connsiteX21" y="connsiteY21"/>
-                </a:cxn>
-                <a:cxn ang="0">
-                  <a:pos x="connsiteX22" y="connsiteY22"/>
-                </a:cxn>
-                <a:cxn ang="0">
-                  <a:pos x="connsiteX23" y="connsiteY23"/>
-                </a:cxn>
-                <a:cxn ang="0">
-                  <a:pos x="connsiteX24" y="connsiteY24"/>
-                </a:cxn>
-                <a:cxn ang="0">
-                  <a:pos x="connsiteX25" y="connsiteY25"/>
-                </a:cxn>
-                <a:cxn ang="0">
-                  <a:pos x="connsiteX26" y="connsiteY26"/>
-                </a:cxn>
-                <a:cxn ang="0">
-                  <a:pos x="connsiteX27" y="connsiteY27"/>
-                </a:cxn>
-                <a:cxn ang="0">
-                  <a:pos x="connsiteX28" y="connsiteY28"/>
-                </a:cxn>
-                <a:cxn ang="0">
-                  <a:pos x="connsiteX29" y="connsiteY29"/>
-                </a:cxn>
-                <a:cxn ang="0">
-                  <a:pos x="connsiteX30" y="connsiteY30"/>
-                </a:cxn>
-                <a:cxn ang="0">
-                  <a:pos x="connsiteX31" y="connsiteY31"/>
-                </a:cxn>
-                <a:cxn ang="0">
-                  <a:pos x="connsiteX32" y="connsiteY32"/>
-                </a:cxn>
-                <a:cxn ang="0">
-                  <a:pos x="connsiteX33" y="connsiteY33"/>
-                </a:cxn>
-                <a:cxn ang="0">
-                  <a:pos x="connsiteX34" y="connsiteY34"/>
-                </a:cxn>
-                <a:cxn ang="0">
-                  <a:pos x="connsiteX35" y="connsiteY35"/>
-                </a:cxn>
-                <a:cxn ang="0">
-                  <a:pos x="connsiteX36" y="connsiteY36"/>
-                </a:cxn>
-                <a:cxn ang="0">
-                  <a:pos x="connsiteX37" y="connsiteY37"/>
-                </a:cxn>
-                <a:cxn ang="0">
-                  <a:pos x="connsiteX38" y="connsiteY38"/>
-                </a:cxn>
-                <a:cxn ang="0">
-                  <a:pos x="connsiteX39" y="connsiteY39"/>
-                </a:cxn>
-                <a:cxn ang="0">
-                  <a:pos x="connsiteX40" y="connsiteY40"/>
-                </a:cxn>
-                <a:cxn ang="0">
-                  <a:pos x="connsiteX41" y="connsiteY41"/>
-                </a:cxn>
-                <a:cxn ang="0">
-                  <a:pos x="connsiteX42" y="connsiteY42"/>
-                </a:cxn>
-                <a:cxn ang="0">
-                  <a:pos x="connsiteX43" y="connsiteY43"/>
-                </a:cxn>
-                <a:cxn ang="0">
-                  <a:pos x="connsiteX44" y="connsiteY44"/>
-                </a:cxn>
-                <a:cxn ang="0">
-                  <a:pos x="connsiteX45" y="connsiteY45"/>
-                </a:cxn>
-                <a:cxn ang="0">
-                  <a:pos x="connsiteX46" y="connsiteY46"/>
-                </a:cxn>
-                <a:cxn ang="0">
-                  <a:pos x="connsiteX47" y="connsiteY47"/>
-                </a:cxn>
-                <a:cxn ang="0">
-                  <a:pos x="connsiteX48" y="connsiteY48"/>
-                </a:cxn>
-                <a:cxn ang="0">
-                  <a:pos x="connsiteX49" y="connsiteY49"/>
-                </a:cxn>
-                <a:cxn ang="0">
-                  <a:pos x="connsiteX50" y="connsiteY50"/>
-                </a:cxn>
-                <a:cxn ang="0">
-                  <a:pos x="connsiteX51" y="connsiteY51"/>
-                </a:cxn>
-                <a:cxn ang="0">
-                  <a:pos x="connsiteX52" y="connsiteY52"/>
-                </a:cxn>
-                <a:cxn ang="0">
-                  <a:pos x="connsiteX53" y="connsiteY53"/>
-                </a:cxn>
-                <a:cxn ang="0">
-                  <a:pos x="connsiteX54" y="connsiteY54"/>
-                </a:cxn>
-                <a:cxn ang="0">
-                  <a:pos x="connsiteX55" y="connsiteY55"/>
-                </a:cxn>
-                <a:cxn ang="0">
-                  <a:pos x="connsiteX56" y="connsiteY56"/>
-                </a:cxn>
-                <a:cxn ang="0">
-                  <a:pos x="connsiteX57" y="connsiteY57"/>
-                </a:cxn>
-                <a:cxn ang="0">
-                  <a:pos x="connsiteX58" y="connsiteY58"/>
-                </a:cxn>
-                <a:cxn ang="0">
-                  <a:pos x="connsiteX59" y="connsiteY59"/>
-                </a:cxn>
-                <a:cxn ang="0">
-                  <a:pos x="connsiteX60" y="connsiteY60"/>
-                </a:cxn>
-                <a:cxn ang="0">
-                  <a:pos x="connsiteX61" y="connsiteY61"/>
-                </a:cxn>
-                <a:cxn ang="0">
-                  <a:pos x="connsiteX62" y="connsiteY62"/>
-                </a:cxn>
-                <a:cxn ang="0">
-                  <a:pos x="connsiteX63" y="connsiteY63"/>
-                </a:cxn>
-                <a:cxn ang="0">
-                  <a:pos x="connsiteX64" y="connsiteY64"/>
-                </a:cxn>
-                <a:cxn ang="0">
-                  <a:pos x="connsiteX65" y="connsiteY65"/>
-                </a:cxn>
-                <a:cxn ang="0">
-                  <a:pos x="connsiteX66" y="connsiteY66"/>
-                </a:cxn>
-                <a:cxn ang="0">
-                  <a:pos x="connsiteX67" y="connsiteY67"/>
-                </a:cxn>
-                <a:cxn ang="0">
-                  <a:pos x="connsiteX68" y="connsiteY68"/>
-                </a:cxn>
-                <a:cxn ang="0">
-                  <a:pos x="connsiteX69" y="connsiteY69"/>
-                </a:cxn>
-                <a:cxn ang="0">
-                  <a:pos x="connsiteX70" y="connsiteY70"/>
-                </a:cxn>
-                <a:cxn ang="0">
-                  <a:pos x="connsiteX71" y="connsiteY71"/>
-                </a:cxn>
-                <a:cxn ang="0">
-                  <a:pos x="connsiteX72" y="connsiteY72"/>
-                </a:cxn>
-                <a:cxn ang="0">
-                  <a:pos x="connsiteX73" y="connsiteY73"/>
-                </a:cxn>
-                <a:cxn ang="0">
-                  <a:pos x="connsiteX74" y="connsiteY74"/>
-                </a:cxn>
-                <a:cxn ang="0">
-                  <a:pos x="connsiteX75" y="connsiteY75"/>
-                </a:cxn>
-                <a:cxn ang="0">
-                  <a:pos x="connsiteX76" y="connsiteY76"/>
-                </a:cxn>
-                <a:cxn ang="0">
-                  <a:pos x="connsiteX77" y="connsiteY77"/>
-                </a:cxn>
-                <a:cxn ang="0">
-                  <a:pos x="connsiteX78" y="connsiteY78"/>
-                </a:cxn>
-                <a:cxn ang="0">
-                  <a:pos x="connsiteX79" y="connsiteY79"/>
-                </a:cxn>
-                <a:cxn ang="0">
-                  <a:pos x="connsiteX80" y="connsiteY80"/>
-                </a:cxn>
-                <a:cxn ang="0">
-                  <a:pos x="connsiteX81" y="connsiteY81"/>
-                </a:cxn>
-                <a:cxn ang="0">
-                  <a:pos x="connsiteX82" y="connsiteY82"/>
-                </a:cxn>
-                <a:cxn ang="0">
-                  <a:pos x="connsiteX83" y="connsiteY83"/>
-                </a:cxn>
-                <a:cxn ang="0">
-                  <a:pos x="connsiteX84" y="connsiteY84"/>
-                </a:cxn>
-                <a:cxn ang="0">
-                  <a:pos x="connsiteX85" y="connsiteY85"/>
-                </a:cxn>
-                <a:cxn ang="0">
-                  <a:pos x="connsiteX86" y="connsiteY86"/>
-                </a:cxn>
-                <a:cxn ang="0">
-                  <a:pos x="connsiteX87" y="connsiteY87"/>
-                </a:cxn>
-                <a:cxn ang="0">
-                  <a:pos x="connsiteX88" y="connsiteY88"/>
-                </a:cxn>
-                <a:cxn ang="0">
-                  <a:pos x="connsiteX89" y="connsiteY89"/>
-                </a:cxn>
-                <a:cxn ang="0">
-                  <a:pos x="connsiteX90" y="connsiteY90"/>
-                </a:cxn>
-                <a:cxn ang="0">
-                  <a:pos x="connsiteX91" y="connsiteY91"/>
-                </a:cxn>
-                <a:cxn ang="0">
-                  <a:pos x="connsiteX92" y="connsiteY92"/>
-                </a:cxn>
-                <a:cxn ang="0">
-                  <a:pos x="connsiteX93" y="connsiteY93"/>
-                </a:cxn>
-                <a:cxn ang="0">
-                  <a:pos x="connsiteX94" y="connsiteY94"/>
-                </a:cxn>
-                <a:cxn ang="0">
-                  <a:pos x="connsiteX95" y="connsiteY95"/>
-                </a:cxn>
-                <a:cxn ang="0">
-                  <a:pos x="connsiteX96" y="connsiteY96"/>
-                </a:cxn>
-                <a:cxn ang="0">
-                  <a:pos x="connsiteX97" y="connsiteY97"/>
-                </a:cxn>
-                <a:cxn ang="0">
-                  <a:pos x="connsiteX98" y="connsiteY98"/>
-                </a:cxn>
-                <a:cxn ang="0">
-                  <a:pos x="connsiteX99" y="connsiteY99"/>
-                </a:cxn>
-                <a:cxn ang="0">
-                  <a:pos x="connsiteX100" y="connsiteY100"/>
-                </a:cxn>
-                <a:cxn ang="0">
-                  <a:pos x="connsiteX101" y="connsiteY101"/>
-                </a:cxn>
-                <a:cxn ang="0">
-                  <a:pos x="connsiteX102" y="connsiteY102"/>
-                </a:cxn>
-                <a:cxn ang="0">
-                  <a:pos x="connsiteX103" y="connsiteY103"/>
-                </a:cxn>
-                <a:cxn ang="0">
-                  <a:pos x="connsiteX104" y="connsiteY104"/>
-                </a:cxn>
-                <a:cxn ang="0">
-                  <a:pos x="connsiteX105" y="connsiteY105"/>
-                </a:cxn>
-                <a:cxn ang="0">
-                  <a:pos x="connsiteX106" y="connsiteY106"/>
-                </a:cxn>
-                <a:cxn ang="0">
-                  <a:pos x="connsiteX107" y="connsiteY107"/>
-                </a:cxn>
-                <a:cxn ang="0">
-                  <a:pos x="connsiteX108" y="connsiteY108"/>
-                </a:cxn>
-                <a:cxn ang="0">
-                  <a:pos x="connsiteX109" y="connsiteY109"/>
-                </a:cxn>
-                <a:cxn ang="0">
-                  <a:pos x="connsiteX110" y="connsiteY110"/>
-                </a:cxn>
-                <a:cxn ang="0">
-                  <a:pos x="connsiteX111" y="connsiteY111"/>
-                </a:cxn>
-                <a:cxn ang="0">
-                  <a:pos x="connsiteX112" y="connsiteY112"/>
-                </a:cxn>
-                <a:cxn ang="0">
-                  <a:pos x="connsiteX113" y="connsiteY113"/>
-                </a:cxn>
-                <a:cxn ang="0">
-                  <a:pos x="connsiteX114" y="connsiteY114"/>
-                </a:cxn>
-                <a:cxn ang="0">
-                  <a:pos x="connsiteX115" y="connsiteY115"/>
-                </a:cxn>
-                <a:cxn ang="0">
-                  <a:pos x="connsiteX116" y="connsiteY116"/>
-                </a:cxn>
-                <a:cxn ang="0">
-                  <a:pos x="connsiteX117" y="connsiteY117"/>
-                </a:cxn>
-                <a:cxn ang="0">
-                  <a:pos x="connsiteX118" y="connsiteY118"/>
-                </a:cxn>
-                <a:cxn ang="0">
-                  <a:pos x="connsiteX119" y="connsiteY119"/>
-                </a:cxn>
-                <a:cxn ang="0">
-                  <a:pos x="connsiteX120" y="connsiteY120"/>
-                </a:cxn>
-                <a:cxn ang="0">
-                  <a:pos x="connsiteX121" y="connsiteY121"/>
-                </a:cxn>
-                <a:cxn ang="0">
-                  <a:pos x="connsiteX122" y="connsiteY122"/>
-                </a:cxn>
-                <a:cxn ang="0">
-                  <a:pos x="connsiteX123" y="connsiteY123"/>
-                </a:cxn>
-                <a:cxn ang="0">
-                  <a:pos x="connsiteX124" y="connsiteY124"/>
-                </a:cxn>
-                <a:cxn ang="0">
-                  <a:pos x="connsiteX125" y="connsiteY125"/>
-                </a:cxn>
-                <a:cxn ang="0">
-                  <a:pos x="connsiteX126" y="connsiteY126"/>
-                </a:cxn>
-                <a:cxn ang="0">
-                  <a:pos x="connsiteX127" y="connsiteY127"/>
-                </a:cxn>
-                <a:cxn ang="0">
-                  <a:pos x="connsiteX128" y="connsiteY128"/>
-                </a:cxn>
-                <a:cxn ang="0">
-                  <a:pos x="connsiteX129" y="connsiteY129"/>
-                </a:cxn>
-                <a:cxn ang="0">
-                  <a:pos x="connsiteX130" y="connsiteY130"/>
-                </a:cxn>
-                <a:cxn ang="0">
-                  <a:pos x="connsiteX131" y="connsiteY131"/>
-                </a:cxn>
-                <a:cxn ang="0">
-                  <a:pos x="connsiteX132" y="connsiteY132"/>
-                </a:cxn>
-                <a:cxn ang="0">
-                  <a:pos x="connsiteX133" y="connsiteY133"/>
-                </a:cxn>
-                <a:cxn ang="0">
-                  <a:pos x="connsiteX134" y="connsiteY134"/>
-                </a:cxn>
-                <a:cxn ang="0">
-                  <a:pos x="connsiteX135" y="connsiteY135"/>
-                </a:cxn>
-                <a:cxn ang="0">
-                  <a:pos x="connsiteX136" y="connsiteY136"/>
-                </a:cxn>
-                <a:cxn ang="0">
-                  <a:pos x="connsiteX137" y="connsiteY137"/>
-                </a:cxn>
-                <a:cxn ang="0">
-                  <a:pos x="connsiteX138" y="connsiteY138"/>
-                </a:cxn>
-                <a:cxn ang="0">
-                  <a:pos x="connsiteX139" y="connsiteY139"/>
-                </a:cxn>
-                <a:cxn ang="0">
-                  <a:pos x="connsiteX140" y="connsiteY140"/>
-                </a:cxn>
-                <a:cxn ang="0">
-                  <a:pos x="connsiteX141" y="connsiteY141"/>
-                </a:cxn>
-                <a:cxn ang="0">
-                  <a:pos x="connsiteX142" y="connsiteY142"/>
-                </a:cxn>
-                <a:cxn ang="0">
-                  <a:pos x="connsiteX143" y="connsiteY143"/>
-                </a:cxn>
-                <a:cxn ang="0">
-                  <a:pos x="connsiteX144" y="connsiteY144"/>
-                </a:cxn>
-                <a:cxn ang="0">
-                  <a:pos x="connsiteX145" y="connsiteY145"/>
-                </a:cxn>
-                <a:cxn ang="0">
-                  <a:pos x="connsiteX146" y="connsiteY146"/>
-                </a:cxn>
-                <a:cxn ang="0">
-                  <a:pos x="connsiteX147" y="connsiteY147"/>
-                </a:cxn>
-                <a:cxn ang="0">
-                  <a:pos x="connsiteX148" y="connsiteY148"/>
-                </a:cxn>
-                <a:cxn ang="0">
-                  <a:pos x="connsiteX149" y="connsiteY149"/>
-                </a:cxn>
-                <a:cxn ang="0">
-                  <a:pos x="connsiteX150" y="connsiteY150"/>
-                </a:cxn>
-                <a:cxn ang="0">
-                  <a:pos x="connsiteX151" y="connsiteY151"/>
-                </a:cxn>
-                <a:cxn ang="0">
-                  <a:pos x="connsiteX152" y="connsiteY152"/>
-                </a:cxn>
-                <a:cxn ang="0">
-                  <a:pos x="connsiteX153" y="connsiteY153"/>
-                </a:cxn>
-                <a:cxn ang="0">
-                  <a:pos x="connsiteX154" y="connsiteY154"/>
-                </a:cxn>
-                <a:cxn ang="0">
-                  <a:pos x="connsiteX155" y="connsiteY155"/>
-                </a:cxn>
-                <a:cxn ang="0">
-                  <a:pos x="connsiteX156" y="connsiteY156"/>
-                </a:cxn>
-                <a:cxn ang="0">
-                  <a:pos x="connsiteX157" y="connsiteY157"/>
-                </a:cxn>
-                <a:cxn ang="0">
-                  <a:pos x="connsiteX158" y="connsiteY158"/>
-                </a:cxn>
-                <a:cxn ang="0">
-                  <a:pos x="connsiteX159" y="connsiteY159"/>
-                </a:cxn>
-                <a:cxn ang="0">
-                  <a:pos x="connsiteX160" y="connsiteY160"/>
-                </a:cxn>
-                <a:cxn ang="0">
-                  <a:pos x="connsiteX161" y="connsiteY161"/>
-                </a:cxn>
-                <a:cxn ang="0">
-                  <a:pos x="connsiteX162" y="connsiteY162"/>
-                </a:cxn>
-                <a:cxn ang="0">
-                  <a:pos x="connsiteX163" y="connsiteY163"/>
-                </a:cxn>
-              </a:cxnLst>
-              <a:rect l="l" t="t" r="r" b="b"/>
-              <a:pathLst>
-                <a:path w="1870852" h="669277">
-                  <a:moveTo>
-                    <a:pt x="813584" y="150094"/>
-                  </a:moveTo>
-                  <a:cubicBezTo>
-                    <a:pt x="813102" y="160104"/>
-                    <a:pt x="810542" y="171023"/>
-                    <a:pt x="805902" y="182853"/>
-                  </a:cubicBezTo>
-                  <a:cubicBezTo>
-                    <a:pt x="801263" y="194682"/>
-                    <a:pt x="796558" y="206310"/>
-                    <a:pt x="791789" y="217735"/>
-                  </a:cubicBezTo>
-                  <a:lnTo>
-                    <a:pt x="736100" y="360815"/>
-                  </a:lnTo>
-                  <a:cubicBezTo>
-                    <a:pt x="732663" y="370055"/>
-                    <a:pt x="729862" y="376612"/>
-                    <a:pt x="727698" y="380486"/>
-                  </a:cubicBezTo>
-                  <a:lnTo>
-                    <a:pt x="724986" y="384205"/>
-                  </a:lnTo>
-                  <a:lnTo>
-                    <a:pt x="757145" y="386751"/>
-                  </a:lnTo>
-                  <a:cubicBezTo>
-                    <a:pt x="770747" y="387350"/>
-                    <a:pt x="786608" y="387649"/>
-                    <a:pt x="804728" y="387649"/>
-                  </a:cubicBezTo>
-                  <a:lnTo>
-                    <a:pt x="849485" y="386669"/>
-                  </a:lnTo>
-                  <a:cubicBezTo>
-                    <a:pt x="873211" y="386669"/>
-                    <a:pt x="891844" y="386327"/>
-                    <a:pt x="905384" y="385643"/>
-                  </a:cubicBezTo>
-                  <a:cubicBezTo>
-                    <a:pt x="894503" y="361082"/>
-                    <a:pt x="887446" y="345715"/>
-                    <a:pt x="884211" y="339541"/>
-                  </a:cubicBezTo>
-                  <a:lnTo>
-                    <a:pt x="849150" y="249669"/>
-                  </a:lnTo>
-                  <a:cubicBezTo>
-                    <a:pt x="844848" y="237420"/>
-                    <a:pt x="837466" y="219265"/>
-                    <a:pt x="827005" y="195205"/>
-                  </a:cubicBezTo>
-                  <a:cubicBezTo>
-                    <a:pt x="816544" y="171144"/>
-                    <a:pt x="812071" y="156107"/>
-                    <a:pt x="813584" y="150094"/>
-                  </a:cubicBezTo>
-                  <a:close/>
-                  <a:moveTo>
-                    <a:pt x="225661" y="47276"/>
-                  </a:moveTo>
-                  <a:cubicBezTo>
-                    <a:pt x="206377" y="47276"/>
-                    <a:pt x="187573" y="49549"/>
-                    <a:pt x="169248" y="54095"/>
-                  </a:cubicBezTo>
-                  <a:cubicBezTo>
-                    <a:pt x="169248" y="47942"/>
-                    <a:pt x="168806" y="61430"/>
-                    <a:pt x="167923" y="94560"/>
-                  </a:cubicBezTo>
-                  <a:cubicBezTo>
-                    <a:pt x="167039" y="127690"/>
-                    <a:pt x="166348" y="154264"/>
-                    <a:pt x="165850" y="174284"/>
-                  </a:cubicBezTo>
-                  <a:cubicBezTo>
-                    <a:pt x="165353" y="194304"/>
-                    <a:pt x="164803" y="215119"/>
-                    <a:pt x="164202" y="236731"/>
-                  </a:cubicBezTo>
-                  <a:cubicBezTo>
-                    <a:pt x="163601" y="258342"/>
-                    <a:pt x="163300" y="272823"/>
-                    <a:pt x="163300" y="280173"/>
-                  </a:cubicBezTo>
-                  <a:cubicBezTo>
-                    <a:pt x="163300" y="317989"/>
-                    <a:pt x="163525" y="350173"/>
-                    <a:pt x="163976" y="376724"/>
-                  </a:cubicBezTo>
-                  <a:cubicBezTo>
-                    <a:pt x="186122" y="382691"/>
-                    <a:pt x="209101" y="385674"/>
-                    <a:pt x="232916" y="385674"/>
-                  </a:cubicBezTo>
-                  <a:cubicBezTo>
-                    <a:pt x="258897" y="385674"/>
-                    <a:pt x="284815" y="380696"/>
-                    <a:pt x="310669" y="370741"/>
-                  </a:cubicBezTo>
-                  <a:cubicBezTo>
-                    <a:pt x="336523" y="360785"/>
-                    <a:pt x="358316" y="343794"/>
-                    <a:pt x="376047" y="319767"/>
-                  </a:cubicBezTo>
-                  <a:cubicBezTo>
-                    <a:pt x="393778" y="295740"/>
-                    <a:pt x="402644" y="263997"/>
-                    <a:pt x="402644" y="224538"/>
-                  </a:cubicBezTo>
-                  <a:cubicBezTo>
-                    <a:pt x="402644" y="193902"/>
-                    <a:pt x="396103" y="165096"/>
-                    <a:pt x="383022" y="138119"/>
-                  </a:cubicBezTo>
-                  <a:cubicBezTo>
-                    <a:pt x="369940" y="111143"/>
-                    <a:pt x="349862" y="89258"/>
-                    <a:pt x="322787" y="72465"/>
-                  </a:cubicBezTo>
-                  <a:cubicBezTo>
-                    <a:pt x="295712" y="55672"/>
-                    <a:pt x="263337" y="47276"/>
-                    <a:pt x="225661" y="47276"/>
-                  </a:cubicBezTo>
-                  <a:close/>
-                  <a:moveTo>
-                    <a:pt x="1494158" y="5972"/>
-                  </a:moveTo>
-                  <a:lnTo>
-                    <a:pt x="1494158" y="40192"/>
-                  </a:lnTo>
-                  <a:cubicBezTo>
-                    <a:pt x="1453626" y="45049"/>
-                    <a:pt x="1430291" y="53084"/>
-                    <a:pt x="1424154" y="64297"/>
-                  </a:cubicBezTo>
-                  <a:cubicBezTo>
-                    <a:pt x="1422189" y="68449"/>
-                    <a:pt x="1420062" y="84717"/>
-                    <a:pt x="1417774" y="113101"/>
-                  </a:cubicBezTo>
-                  <a:cubicBezTo>
-                    <a:pt x="1415485" y="141485"/>
-                    <a:pt x="1413793" y="171587"/>
-                    <a:pt x="1412696" y="203408"/>
-                  </a:cubicBezTo>
-                  <a:cubicBezTo>
-                    <a:pt x="1411600" y="235229"/>
-                    <a:pt x="1411052" y="260540"/>
-                    <a:pt x="1411052" y="279341"/>
-                  </a:cubicBezTo>
-                  <a:lnTo>
-                    <a:pt x="1411052" y="327481"/>
-                  </a:lnTo>
-                  <a:cubicBezTo>
-                    <a:pt x="1410119" y="319938"/>
-                    <a:pt x="1423337" y="304662"/>
-                    <a:pt x="1450708" y="281651"/>
-                  </a:cubicBezTo>
-                  <a:lnTo>
-                    <a:pt x="1570344" y="163872"/>
-                  </a:lnTo>
-                  <a:cubicBezTo>
-                    <a:pt x="1606087" y="123677"/>
-                    <a:pt x="1628203" y="97963"/>
-                    <a:pt x="1636694" y="86730"/>
-                  </a:cubicBezTo>
-                  <a:cubicBezTo>
-                    <a:pt x="1643242" y="79317"/>
-                    <a:pt x="1646515" y="71609"/>
-                    <a:pt x="1646515" y="63605"/>
-                  </a:cubicBezTo>
-                  <a:cubicBezTo>
-                    <a:pt x="1646515" y="55321"/>
-                    <a:pt x="1630717" y="50394"/>
-                    <a:pt x="1599122" y="48823"/>
-                  </a:cubicBezTo>
-                  <a:lnTo>
-                    <a:pt x="1597668" y="10971"/>
-                  </a:lnTo>
-                  <a:lnTo>
-                    <a:pt x="1688869" y="12099"/>
-                  </a:lnTo>
-                  <a:cubicBezTo>
-                    <a:pt x="1720993" y="13058"/>
-                    <a:pt x="1758861" y="11347"/>
-                    <a:pt x="1802472" y="6967"/>
-                  </a:cubicBezTo>
-                  <a:lnTo>
-                    <a:pt x="1804167" y="44228"/>
-                  </a:lnTo>
-                  <a:cubicBezTo>
-                    <a:pt x="1773210" y="47587"/>
-                    <a:pt x="1736791" y="66796"/>
-                    <a:pt x="1694911" y="101854"/>
-                  </a:cubicBezTo>
-                  <a:cubicBezTo>
-                    <a:pt x="1653031" y="136911"/>
-                    <a:pt x="1615049" y="170811"/>
-                    <a:pt x="1580966" y="203552"/>
-                  </a:cubicBezTo>
-                  <a:lnTo>
-                    <a:pt x="1502704" y="278183"/>
-                  </a:lnTo>
-                  <a:cubicBezTo>
-                    <a:pt x="1487463" y="295517"/>
-                    <a:pt x="1475136" y="307663"/>
-                    <a:pt x="1465723" y="314620"/>
-                  </a:cubicBezTo>
-                  <a:lnTo>
-                    <a:pt x="1642884" y="458828"/>
-                  </a:lnTo>
-                  <a:cubicBezTo>
-                    <a:pt x="1721496" y="523625"/>
-                    <a:pt x="1773326" y="565796"/>
-                    <a:pt x="1798374" y="585342"/>
-                  </a:cubicBezTo>
-                  <a:cubicBezTo>
-                    <a:pt x="1823422" y="604887"/>
-                    <a:pt x="1847094" y="621168"/>
-                    <a:pt x="1869390" y="634185"/>
-                  </a:cubicBezTo>
-                  <a:lnTo>
-                    <a:pt x="1870852" y="665350"/>
-                  </a:lnTo>
-                  <a:cubicBezTo>
-                    <a:pt x="1858685" y="664894"/>
-                    <a:pt x="1850260" y="664255"/>
-                    <a:pt x="1845576" y="663433"/>
-                  </a:cubicBezTo>
-                  <a:cubicBezTo>
-                    <a:pt x="1840893" y="662612"/>
-                    <a:pt x="1835433" y="661923"/>
-                    <a:pt x="1829197" y="661369"/>
-                  </a:cubicBezTo>
-                  <a:cubicBezTo>
-                    <a:pt x="1813584" y="660042"/>
-                    <a:pt x="1798595" y="659378"/>
-                    <a:pt x="1784230" y="659378"/>
-                  </a:cubicBezTo>
-                  <a:cubicBezTo>
-                    <a:pt x="1757430" y="659378"/>
-                    <a:pt x="1718712" y="661369"/>
-                    <a:pt x="1668077" y="665350"/>
-                  </a:cubicBezTo>
-                  <a:lnTo>
-                    <a:pt x="1666359" y="635351"/>
-                  </a:lnTo>
-                  <a:cubicBezTo>
-                    <a:pt x="1674280" y="632277"/>
-                    <a:pt x="1679187" y="630504"/>
-                    <a:pt x="1681082" y="630033"/>
-                  </a:cubicBezTo>
-                  <a:cubicBezTo>
-                    <a:pt x="1682977" y="629561"/>
-                    <a:pt x="1688283" y="628441"/>
-                    <a:pt x="1697003" y="626674"/>
-                  </a:cubicBezTo>
-                  <a:cubicBezTo>
-                    <a:pt x="1703923" y="625445"/>
-                    <a:pt x="1707383" y="625204"/>
-                    <a:pt x="1707383" y="625951"/>
-                  </a:cubicBezTo>
-                  <a:cubicBezTo>
-                    <a:pt x="1707383" y="619243"/>
-                    <a:pt x="1672665" y="588402"/>
-                    <a:pt x="1603228" y="533428"/>
-                  </a:cubicBezTo>
-                  <a:lnTo>
-                    <a:pt x="1512766" y="459838"/>
-                  </a:lnTo>
-                  <a:cubicBezTo>
-                    <a:pt x="1501781" y="451150"/>
-                    <a:pt x="1492773" y="443937"/>
-                    <a:pt x="1485741" y="438199"/>
-                  </a:cubicBezTo>
-                  <a:cubicBezTo>
-                    <a:pt x="1478709" y="432460"/>
-                    <a:pt x="1467225" y="423142"/>
-                    <a:pt x="1451287" y="410245"/>
-                  </a:cubicBezTo>
-                  <a:cubicBezTo>
-                    <a:pt x="1443318" y="403796"/>
-                    <a:pt x="1435483" y="397812"/>
-                    <a:pt x="1427782" y="392293"/>
-                  </a:cubicBezTo>
-                  <a:lnTo>
-                    <a:pt x="1411114" y="381159"/>
-                  </a:lnTo>
-                  <a:lnTo>
-                    <a:pt x="1411189" y="394796"/>
-                  </a:lnTo>
-                  <a:cubicBezTo>
-                    <a:pt x="1411453" y="421217"/>
-                    <a:pt x="1412119" y="456705"/>
-                    <a:pt x="1413186" y="501260"/>
-                  </a:cubicBezTo>
-                  <a:cubicBezTo>
-                    <a:pt x="1414609" y="560666"/>
-                    <a:pt x="1416660" y="594625"/>
-                    <a:pt x="1419340" y="603137"/>
-                  </a:cubicBezTo>
-                  <a:cubicBezTo>
-                    <a:pt x="1422969" y="610907"/>
-                    <a:pt x="1432908" y="617827"/>
-                    <a:pt x="1449157" y="623898"/>
-                  </a:cubicBezTo>
-                  <a:cubicBezTo>
-                    <a:pt x="1465405" y="629968"/>
-                    <a:pt x="1480737" y="633003"/>
-                    <a:pt x="1495153" y="633003"/>
-                  </a:cubicBezTo>
-                  <a:lnTo>
-                    <a:pt x="1495153" y="667340"/>
-                  </a:lnTo>
-                  <a:cubicBezTo>
-                    <a:pt x="1475071" y="665303"/>
-                    <a:pt x="1450132" y="663644"/>
-                    <a:pt x="1420336" y="662364"/>
-                  </a:cubicBezTo>
-                  <a:cubicBezTo>
-                    <a:pt x="1403473" y="661700"/>
-                    <a:pt x="1377938" y="661369"/>
-                    <a:pt x="1343730" y="661369"/>
-                  </a:cubicBezTo>
-                  <a:cubicBezTo>
-                    <a:pt x="1315436" y="661369"/>
-                    <a:pt x="1285127" y="662032"/>
-                    <a:pt x="1252801" y="663359"/>
-                  </a:cubicBezTo>
-                  <a:lnTo>
-                    <a:pt x="1252801" y="627436"/>
-                  </a:lnTo>
-                  <a:cubicBezTo>
-                    <a:pt x="1276931" y="625435"/>
-                    <a:pt x="1292458" y="622580"/>
-                    <a:pt x="1299381" y="618871"/>
-                  </a:cubicBezTo>
-                  <a:cubicBezTo>
-                    <a:pt x="1306304" y="615162"/>
-                    <a:pt x="1311124" y="607138"/>
-                    <a:pt x="1313840" y="594801"/>
-                  </a:cubicBezTo>
-                  <a:cubicBezTo>
-                    <a:pt x="1316235" y="585076"/>
-                    <a:pt x="1318540" y="562580"/>
-                    <a:pt x="1320756" y="527312"/>
-                  </a:cubicBezTo>
-                  <a:cubicBezTo>
-                    <a:pt x="1322972" y="492044"/>
-                    <a:pt x="1324559" y="453077"/>
-                    <a:pt x="1325515" y="410412"/>
-                  </a:cubicBezTo>
-                  <a:cubicBezTo>
-                    <a:pt x="1326472" y="367747"/>
-                    <a:pt x="1326950" y="342509"/>
-                    <a:pt x="1326950" y="334697"/>
-                  </a:cubicBezTo>
-                  <a:cubicBezTo>
-                    <a:pt x="1326950" y="256976"/>
-                    <a:pt x="1325954" y="198739"/>
-                    <a:pt x="1323964" y="159985"/>
-                  </a:cubicBezTo>
-                  <a:cubicBezTo>
-                    <a:pt x="1323964" y="131982"/>
-                    <a:pt x="1323249" y="110641"/>
-                    <a:pt x="1321818" y="95963"/>
-                  </a:cubicBezTo>
-                  <a:cubicBezTo>
-                    <a:pt x="1320387" y="81286"/>
-                    <a:pt x="1318108" y="70994"/>
-                    <a:pt x="1314979" y="65090"/>
-                  </a:cubicBezTo>
-                  <a:cubicBezTo>
-                    <a:pt x="1311851" y="59186"/>
-                    <a:pt x="1306976" y="55036"/>
-                    <a:pt x="1300353" y="52641"/>
-                  </a:cubicBezTo>
-                  <a:cubicBezTo>
-                    <a:pt x="1293731" y="50246"/>
-                    <a:pt x="1279689" y="47595"/>
-                    <a:pt x="1258228" y="44687"/>
-                  </a:cubicBezTo>
-                  <a:lnTo>
-                    <a:pt x="1256782" y="8957"/>
-                  </a:lnTo>
-                  <a:cubicBezTo>
-                    <a:pt x="1314960" y="11611"/>
-                    <a:pt x="1356959" y="12939"/>
-                    <a:pt x="1382779" y="12939"/>
-                  </a:cubicBezTo>
-                  <a:cubicBezTo>
-                    <a:pt x="1406832" y="12939"/>
-                    <a:pt x="1426026" y="12231"/>
-                    <a:pt x="1440362" y="10816"/>
-                  </a:cubicBezTo>
-                  <a:cubicBezTo>
-                    <a:pt x="1454698" y="9401"/>
-                    <a:pt x="1472630" y="7786"/>
-                    <a:pt x="1494158" y="5972"/>
-                  </a:cubicBezTo>
-                  <a:close/>
-                  <a:moveTo>
-                    <a:pt x="216952" y="1990"/>
-                  </a:moveTo>
-                  <a:cubicBezTo>
-                    <a:pt x="264099" y="1990"/>
-                    <a:pt x="305490" y="8556"/>
-                    <a:pt x="341126" y="21686"/>
-                  </a:cubicBezTo>
-                  <a:cubicBezTo>
-                    <a:pt x="376762" y="34817"/>
-                    <a:pt x="406754" y="52379"/>
-                    <a:pt x="431102" y="74374"/>
-                  </a:cubicBezTo>
-                  <a:cubicBezTo>
-                    <a:pt x="455451" y="96369"/>
-                    <a:pt x="473549" y="120006"/>
-                    <a:pt x="485396" y="145285"/>
-                  </a:cubicBezTo>
-                  <a:cubicBezTo>
-                    <a:pt x="497244" y="170563"/>
-                    <a:pt x="503168" y="195193"/>
-                    <a:pt x="503168" y="219173"/>
-                  </a:cubicBezTo>
-                  <a:cubicBezTo>
-                    <a:pt x="503168" y="256320"/>
-                    <a:pt x="491848" y="291202"/>
-                    <a:pt x="469207" y="323818"/>
-                  </a:cubicBezTo>
-                  <a:cubicBezTo>
-                    <a:pt x="446567" y="356435"/>
-                    <a:pt x="413510" y="382695"/>
-                    <a:pt x="370036" y="402598"/>
-                  </a:cubicBezTo>
-                  <a:cubicBezTo>
-                    <a:pt x="326562" y="422501"/>
-                    <a:pt x="275488" y="432453"/>
-                    <a:pt x="216812" y="432453"/>
-                  </a:cubicBezTo>
-                  <a:cubicBezTo>
-                    <a:pt x="193864" y="432453"/>
-                    <a:pt x="176350" y="430794"/>
-                    <a:pt x="164272" y="427476"/>
-                  </a:cubicBezTo>
-                  <a:cubicBezTo>
-                    <a:pt x="164542" y="446257"/>
-                    <a:pt x="164864" y="472565"/>
-                    <a:pt x="165240" y="506399"/>
-                  </a:cubicBezTo>
-                  <a:cubicBezTo>
-                    <a:pt x="165616" y="540234"/>
-                    <a:pt x="165998" y="560795"/>
-                    <a:pt x="166387" y="568084"/>
-                  </a:cubicBezTo>
-                  <a:cubicBezTo>
-                    <a:pt x="167439" y="586258"/>
-                    <a:pt x="169478" y="598653"/>
-                    <a:pt x="172502" y="605267"/>
-                  </a:cubicBezTo>
-                  <a:cubicBezTo>
-                    <a:pt x="175527" y="611882"/>
-                    <a:pt x="182195" y="616716"/>
-                    <a:pt x="192505" y="619769"/>
-                  </a:cubicBezTo>
-                  <a:cubicBezTo>
-                    <a:pt x="202816" y="622822"/>
-                    <a:pt x="224922" y="625323"/>
-                    <a:pt x="258824" y="627272"/>
-                  </a:cubicBezTo>
-                  <a:lnTo>
-                    <a:pt x="257176" y="668336"/>
-                  </a:lnTo>
-                  <a:cubicBezTo>
-                    <a:pt x="237534" y="665998"/>
-                    <a:pt x="217507" y="664339"/>
-                    <a:pt x="197093" y="663359"/>
-                  </a:cubicBezTo>
-                  <a:cubicBezTo>
-                    <a:pt x="171786" y="662032"/>
-                    <a:pt x="154622" y="661369"/>
-                    <a:pt x="145603" y="661369"/>
-                  </a:cubicBezTo>
-                  <a:cubicBezTo>
-                    <a:pt x="110970" y="661369"/>
-                    <a:pt x="83978" y="662963"/>
-                    <a:pt x="64627" y="666151"/>
-                  </a:cubicBezTo>
-                  <a:lnTo>
-                    <a:pt x="38104" y="669277"/>
-                  </a:lnTo>
-                  <a:cubicBezTo>
-                    <a:pt x="29457" y="669277"/>
-                    <a:pt x="19758" y="667374"/>
-                    <a:pt x="9007" y="663569"/>
-                  </a:cubicBezTo>
-                  <a:lnTo>
-                    <a:pt x="9007" y="634550"/>
-                  </a:lnTo>
-                  <a:cubicBezTo>
-                    <a:pt x="38124" y="625914"/>
-                    <a:pt x="55503" y="620244"/>
-                    <a:pt x="61143" y="617541"/>
-                  </a:cubicBezTo>
-                  <a:cubicBezTo>
-                    <a:pt x="66783" y="614838"/>
-                    <a:pt x="69974" y="611451"/>
-                    <a:pt x="70715" y="607382"/>
-                  </a:cubicBezTo>
-                  <a:cubicBezTo>
-                    <a:pt x="75691" y="588591"/>
-                    <a:pt x="78180" y="513581"/>
-                    <a:pt x="78180" y="382354"/>
-                  </a:cubicBezTo>
-                  <a:cubicBezTo>
-                    <a:pt x="78180" y="361961"/>
-                    <a:pt x="78097" y="339749"/>
-                    <a:pt x="77931" y="315720"/>
-                  </a:cubicBezTo>
-                  <a:cubicBezTo>
-                    <a:pt x="77765" y="291690"/>
-                    <a:pt x="77519" y="273196"/>
-                    <a:pt x="77192" y="260237"/>
-                  </a:cubicBezTo>
-                  <a:cubicBezTo>
-                    <a:pt x="76865" y="247277"/>
-                    <a:pt x="76041" y="227001"/>
-                    <a:pt x="74719" y="199407"/>
-                  </a:cubicBezTo>
-                  <a:cubicBezTo>
-                    <a:pt x="74051" y="180455"/>
-                    <a:pt x="72893" y="156996"/>
-                    <a:pt x="71247" y="129030"/>
-                  </a:cubicBezTo>
-                  <a:cubicBezTo>
-                    <a:pt x="69602" y="101063"/>
-                    <a:pt x="68113" y="83595"/>
-                    <a:pt x="66780" y="76625"/>
-                  </a:cubicBezTo>
-                  <a:cubicBezTo>
-                    <a:pt x="65448" y="69656"/>
-                    <a:pt x="64103" y="65036"/>
-                    <a:pt x="62745" y="62765"/>
-                  </a:cubicBezTo>
-                  <a:cubicBezTo>
-                    <a:pt x="58717" y="56716"/>
-                    <a:pt x="52888" y="52598"/>
-                    <a:pt x="45257" y="50413"/>
-                  </a:cubicBezTo>
-                  <a:cubicBezTo>
-                    <a:pt x="37627" y="48228"/>
-                    <a:pt x="22811" y="45887"/>
-                    <a:pt x="811" y="43388"/>
-                  </a:cubicBezTo>
-                  <a:cubicBezTo>
-                    <a:pt x="-350" y="30584"/>
-                    <a:pt x="-264" y="17780"/>
-                    <a:pt x="1068" y="4976"/>
-                  </a:cubicBezTo>
-                  <a:cubicBezTo>
-                    <a:pt x="32109" y="6967"/>
-                    <a:pt x="65674" y="7962"/>
-                    <a:pt x="101763" y="7962"/>
-                  </a:cubicBezTo>
-                  <a:cubicBezTo>
-                    <a:pt x="113256" y="7962"/>
-                    <a:pt x="130512" y="7306"/>
-                    <a:pt x="153534" y="5995"/>
-                  </a:cubicBezTo>
-                  <a:lnTo>
-                    <a:pt x="184699" y="3234"/>
-                  </a:lnTo>
-                  <a:cubicBezTo>
-                    <a:pt x="193179" y="2405"/>
-                    <a:pt x="203931" y="1990"/>
-                    <a:pt x="216952" y="1990"/>
-                  </a:cubicBezTo>
-                  <a:close/>
-                  <a:moveTo>
-                    <a:pt x="855721" y="0"/>
-                  </a:moveTo>
-                  <a:cubicBezTo>
-                    <a:pt x="867146" y="40490"/>
-                    <a:pt x="879126" y="80857"/>
-                    <a:pt x="891660" y="121098"/>
-                  </a:cubicBezTo>
-                  <a:lnTo>
-                    <a:pt x="991741" y="379912"/>
-                  </a:lnTo>
-                  <a:cubicBezTo>
-                    <a:pt x="1018862" y="450303"/>
-                    <a:pt x="1039274" y="502028"/>
-                    <a:pt x="1052974" y="535088"/>
-                  </a:cubicBezTo>
-                  <a:cubicBezTo>
-                    <a:pt x="1066675" y="568147"/>
-                    <a:pt x="1076885" y="589957"/>
-                    <a:pt x="1083603" y="600516"/>
-                  </a:cubicBezTo>
-                  <a:cubicBezTo>
-                    <a:pt x="1093063" y="613030"/>
-                    <a:pt x="1112363" y="620743"/>
-                    <a:pt x="1141501" y="623657"/>
-                  </a:cubicBezTo>
-                  <a:lnTo>
-                    <a:pt x="1141501" y="659378"/>
-                  </a:lnTo>
-                  <a:cubicBezTo>
-                    <a:pt x="1107153" y="656724"/>
-                    <a:pt x="1077989" y="655397"/>
-                    <a:pt x="1054009" y="655397"/>
-                  </a:cubicBezTo>
-                  <a:cubicBezTo>
-                    <a:pt x="1034834" y="655397"/>
-                    <a:pt x="1017031" y="655886"/>
-                    <a:pt x="1000601" y="656863"/>
-                  </a:cubicBezTo>
-                  <a:cubicBezTo>
-                    <a:pt x="984171" y="657840"/>
-                    <a:pt x="970966" y="658752"/>
-                    <a:pt x="960984" y="659600"/>
-                  </a:cubicBezTo>
-                  <a:cubicBezTo>
-                    <a:pt x="951003" y="660447"/>
-                    <a:pt x="940012" y="661037"/>
-                    <a:pt x="928011" y="661369"/>
-                  </a:cubicBezTo>
-                  <a:lnTo>
-                    <a:pt x="928011" y="627109"/>
-                  </a:lnTo>
-                  <a:cubicBezTo>
-                    <a:pt x="947798" y="623651"/>
-                    <a:pt x="960952" y="620373"/>
-                    <a:pt x="967473" y="617273"/>
-                  </a:cubicBezTo>
-                  <a:cubicBezTo>
-                    <a:pt x="973994" y="614173"/>
-                    <a:pt x="977255" y="609624"/>
-                    <a:pt x="977255" y="603627"/>
-                  </a:cubicBezTo>
-                  <a:cubicBezTo>
-                    <a:pt x="977255" y="595384"/>
-                    <a:pt x="974392" y="582598"/>
-                    <a:pt x="968667" y="565269"/>
-                  </a:cubicBezTo>
-                  <a:cubicBezTo>
-                    <a:pt x="962941" y="547940"/>
-                    <a:pt x="958720" y="536136"/>
-                    <a:pt x="956004" y="529859"/>
-                  </a:cubicBezTo>
-                  <a:lnTo>
-                    <a:pt x="921363" y="436605"/>
-                  </a:lnTo>
-                  <a:cubicBezTo>
-                    <a:pt x="906403" y="434500"/>
-                    <a:pt x="878066" y="433448"/>
-                    <a:pt x="836352" y="433448"/>
-                  </a:cubicBezTo>
-                  <a:lnTo>
-                    <a:pt x="797310" y="433448"/>
-                  </a:lnTo>
-                  <a:cubicBezTo>
-                    <a:pt x="759359" y="432147"/>
-                    <a:pt x="728052" y="433733"/>
-                    <a:pt x="703387" y="438207"/>
-                  </a:cubicBezTo>
-                  <a:lnTo>
-                    <a:pt x="668475" y="526367"/>
-                  </a:lnTo>
-                  <a:cubicBezTo>
-                    <a:pt x="654032" y="560902"/>
-                    <a:pt x="646811" y="582259"/>
-                    <a:pt x="646811" y="590439"/>
-                  </a:cubicBezTo>
-                  <a:cubicBezTo>
-                    <a:pt x="646811" y="598707"/>
-                    <a:pt x="650908" y="605906"/>
-                    <a:pt x="659101" y="612036"/>
-                  </a:cubicBezTo>
-                  <a:cubicBezTo>
-                    <a:pt x="667294" y="618166"/>
-                    <a:pt x="689251" y="623815"/>
-                    <a:pt x="724973" y="628983"/>
-                  </a:cubicBezTo>
-                  <a:lnTo>
-                    <a:pt x="724973" y="663359"/>
-                  </a:lnTo>
-                  <a:cubicBezTo>
-                    <a:pt x="679055" y="658715"/>
-                    <a:pt x="643167" y="656392"/>
-                    <a:pt x="617311" y="656392"/>
-                  </a:cubicBezTo>
-                  <a:cubicBezTo>
-                    <a:pt x="590500" y="656392"/>
-                    <a:pt x="557547" y="657719"/>
-                    <a:pt x="518450" y="660373"/>
-                  </a:cubicBezTo>
-                  <a:lnTo>
-                    <a:pt x="518450" y="628719"/>
-                  </a:lnTo>
-                  <a:cubicBezTo>
-                    <a:pt x="541155" y="623011"/>
-                    <a:pt x="557225" y="615414"/>
-                    <a:pt x="566660" y="605928"/>
-                  </a:cubicBezTo>
-                  <a:cubicBezTo>
-                    <a:pt x="573559" y="599858"/>
-                    <a:pt x="583332" y="584256"/>
-                    <a:pt x="595978" y="559122"/>
-                  </a:cubicBezTo>
-                  <a:cubicBezTo>
-                    <a:pt x="608624" y="533989"/>
-                    <a:pt x="621411" y="506653"/>
-                    <a:pt x="634339" y="477116"/>
-                  </a:cubicBezTo>
-                  <a:cubicBezTo>
-                    <a:pt x="647268" y="447579"/>
-                    <a:pt x="656793" y="423972"/>
-                    <a:pt x="662915" y="406295"/>
-                  </a:cubicBezTo>
-                  <a:lnTo>
-                    <a:pt x="739956" y="225666"/>
-                  </a:lnTo>
-                  <a:cubicBezTo>
-                    <a:pt x="749712" y="202909"/>
-                    <a:pt x="759759" y="178584"/>
-                    <a:pt x="770095" y="152691"/>
-                  </a:cubicBezTo>
-                  <a:cubicBezTo>
-                    <a:pt x="780431" y="126798"/>
-                    <a:pt x="790228" y="101286"/>
-                    <a:pt x="799483" y="76155"/>
-                  </a:cubicBezTo>
-                  <a:cubicBezTo>
-                    <a:pt x="808739" y="51024"/>
-                    <a:pt x="815233" y="31865"/>
-                    <a:pt x="818965" y="18677"/>
-                  </a:cubicBezTo>
-                  <a:cubicBezTo>
-                    <a:pt x="818965" y="12674"/>
-                    <a:pt x="821723" y="6915"/>
-                    <a:pt x="827239" y="1399"/>
-                  </a:cubicBezTo>
-                  <a:close/>
-                </a:path>
-              </a:pathLst>
-            </a:custGeom>
-            <a:solidFill>
-              <a:schemeClr val="tx1"/>
-            </a:solidFill>
-            <a:ln w="3175">
-              <a:noFill/>
-            </a:ln>
-            <a:effectLst/>
-            <a:scene3d>
-              <a:camera prst="orthographicFront">
-                <a:rot lat="0" lon="0" rev="0"/>
-              </a:camera>
-              <a:lightRig rig="contrasting" dir="t">
-                <a:rot lat="0" lon="0" rev="1500000"/>
-              </a:lightRig>
-            </a:scene3d>
-            <a:sp3d prstMaterial="metal">
-              <a:bevelT w="88900" h="88900"/>
-            </a:sp3d>
-          </p:spPr>
-          <p:txBody>
-            <a:bodyPr rot="0" spcFirstLastPara="0" vertOverflow="overflow" horzOverflow="overflow" vert="horz" wrap="square" lIns="91440" tIns="45720" rIns="91440" bIns="45720" numCol="1" spcCol="0" rtlCol="0" fromWordArt="0" anchor="t" anchorCtr="0" forceAA="0" compatLnSpc="1">
-              <a:prstTxWarp prst="textNoShape">
-                <a:avLst/>
-              </a:prstTxWarp>
-              <a:noAutofit/>
-            </a:bodyPr>
-            <a:lstStyle/>
-            <a:p>
-              <a:pPr algn="ctr"/>
-              <a:endParaRPr lang="en-US" sz="8000" b="1" cap="none" spc="600" dirty="0">
-                <a:ln w="0"/>
-                <a:solidFill>
-                  <a:schemeClr val="tx1"/>
-                </a:solidFill>
-                <a:latin typeface="Centaur" panose="02030504050205020304" pitchFamily="18" charset="0"/>
-              </a:endParaRPr>
-            </a:p>
-          </p:txBody>
-        </p:sp>
-        <p:sp>
-          <p:nvSpPr>
-            <p:cNvPr id="141" name="Graphic 139">
-              <a:extLst>
-                <a:ext uri="{FF2B5EF4-FFF2-40B4-BE49-F238E27FC236}">
-                  <a16:creationId xmlns:a16="http://schemas.microsoft.com/office/drawing/2014/main" id="{08309A17-7067-2429-B8D6-32732320D971}"/>
-                </a:ext>
-              </a:extLst>
-            </p:cNvPr>
-            <p:cNvSpPr/>
-            <p:nvPr/>
-          </p:nvSpPr>
-          <p:spPr>
-            <a:xfrm>
-              <a:off x="2266690" y="1249551"/>
-              <a:ext cx="702212" cy="787078"/>
+              <a:off x="2929875" y="2897142"/>
+              <a:ext cx="949022" cy="1063716"/>
             </a:xfrm>
             <a:custGeom>
               <a:avLst/>
@@ -7010,10 +8109,10 @@
         </p:sp>
         <p:sp>
           <p:nvSpPr>
-            <p:cNvPr id="231" name="Freeform: Shape 230">
+            <p:cNvPr id="4" name="Freeform: Shape 3">
               <a:extLst>
                 <a:ext uri="{FF2B5EF4-FFF2-40B4-BE49-F238E27FC236}">
-                  <a16:creationId xmlns:a16="http://schemas.microsoft.com/office/drawing/2014/main" id="{A58FE5D1-BB8E-8DBA-962E-EAD11234BFE2}"/>
+                  <a16:creationId xmlns:a16="http://schemas.microsoft.com/office/drawing/2014/main" id="{23D18E61-89EF-D932-C598-0DF8592A24DD}"/>
                 </a:ext>
               </a:extLst>
             </p:cNvPr>
@@ -7022,8 +8121,8 @@
           </p:nvSpPr>
           <p:spPr>
             <a:xfrm>
-              <a:off x="2471919" y="1542145"/>
-              <a:ext cx="301277" cy="366144"/>
+              <a:off x="3207237" y="3292575"/>
+              <a:ext cx="407168" cy="494834"/>
             </a:xfrm>
             <a:custGeom>
               <a:avLst/>
@@ -7754,7 +8853,7 @@
     </p:spTree>
     <p:extLst>
       <p:ext uri="{BB962C8B-B14F-4D97-AF65-F5344CB8AC3E}">
-        <p14:creationId xmlns:p14="http://schemas.microsoft.com/office/powerpoint/2010/main" val="2250741661"/>
+        <p14:creationId xmlns:p14="http://schemas.microsoft.com/office/powerpoint/2010/main" val="4116715884"/>
       </p:ext>
     </p:extLst>
   </p:cSld>

--- a/SYS_DESIGN/logo.pptx
+++ b/SYS_DESIGN/logo.pptx
@@ -7,6 +7,8 @@
   <p:sldIdLst>
     <p:sldId id="256" r:id="rId2"/>
     <p:sldId id="257" r:id="rId3"/>
+    <p:sldId id="258" r:id="rId4"/>
+    <p:sldId id="259" r:id="rId5"/>
   </p:sldIdLst>
   <p:sldSz cx="12192000" cy="6858000"/>
   <p:notesSz cx="6858000" cy="9144000"/>
@@ -260,7 +262,7 @@
           <a:p>
             <a:fld id="{F0042B78-112A-4528-A74D-AFD8DACDDC9B}" type="datetimeFigureOut">
               <a:rPr lang="en-US" smtClean="0"/>
-              <a:t>11/12/2024</a:t>
+              <a:t>11/22/2024</a:t>
             </a:fld>
             <a:endParaRPr lang="en-US"/>
           </a:p>
@@ -458,7 +460,7 @@
           <a:p>
             <a:fld id="{F0042B78-112A-4528-A74D-AFD8DACDDC9B}" type="datetimeFigureOut">
               <a:rPr lang="en-US" smtClean="0"/>
-              <a:t>11/12/2024</a:t>
+              <a:t>11/22/2024</a:t>
             </a:fld>
             <a:endParaRPr lang="en-US"/>
           </a:p>
@@ -666,7 +668,7 @@
           <a:p>
             <a:fld id="{F0042B78-112A-4528-A74D-AFD8DACDDC9B}" type="datetimeFigureOut">
               <a:rPr lang="en-US" smtClean="0"/>
-              <a:t>11/12/2024</a:t>
+              <a:t>11/22/2024</a:t>
             </a:fld>
             <a:endParaRPr lang="en-US"/>
           </a:p>
@@ -864,7 +866,7 @@
           <a:p>
             <a:fld id="{F0042B78-112A-4528-A74D-AFD8DACDDC9B}" type="datetimeFigureOut">
               <a:rPr lang="en-US" smtClean="0"/>
-              <a:t>11/12/2024</a:t>
+              <a:t>11/22/2024</a:t>
             </a:fld>
             <a:endParaRPr lang="en-US"/>
           </a:p>
@@ -1139,7 +1141,7 @@
           <a:p>
             <a:fld id="{F0042B78-112A-4528-A74D-AFD8DACDDC9B}" type="datetimeFigureOut">
               <a:rPr lang="en-US" smtClean="0"/>
-              <a:t>11/12/2024</a:t>
+              <a:t>11/22/2024</a:t>
             </a:fld>
             <a:endParaRPr lang="en-US"/>
           </a:p>
@@ -1404,7 +1406,7 @@
           <a:p>
             <a:fld id="{F0042B78-112A-4528-A74D-AFD8DACDDC9B}" type="datetimeFigureOut">
               <a:rPr lang="en-US" smtClean="0"/>
-              <a:t>11/12/2024</a:t>
+              <a:t>11/22/2024</a:t>
             </a:fld>
             <a:endParaRPr lang="en-US"/>
           </a:p>
@@ -1816,7 +1818,7 @@
           <a:p>
             <a:fld id="{F0042B78-112A-4528-A74D-AFD8DACDDC9B}" type="datetimeFigureOut">
               <a:rPr lang="en-US" smtClean="0"/>
-              <a:t>11/12/2024</a:t>
+              <a:t>11/22/2024</a:t>
             </a:fld>
             <a:endParaRPr lang="en-US"/>
           </a:p>
@@ -1957,7 +1959,7 @@
           <a:p>
             <a:fld id="{F0042B78-112A-4528-A74D-AFD8DACDDC9B}" type="datetimeFigureOut">
               <a:rPr lang="en-US" smtClean="0"/>
-              <a:t>11/12/2024</a:t>
+              <a:t>11/22/2024</a:t>
             </a:fld>
             <a:endParaRPr lang="en-US"/>
           </a:p>
@@ -2070,7 +2072,7 @@
           <a:p>
             <a:fld id="{F0042B78-112A-4528-A74D-AFD8DACDDC9B}" type="datetimeFigureOut">
               <a:rPr lang="en-US" smtClean="0"/>
-              <a:t>11/12/2024</a:t>
+              <a:t>11/22/2024</a:t>
             </a:fld>
             <a:endParaRPr lang="en-US"/>
           </a:p>
@@ -2381,7 +2383,7 @@
           <a:p>
             <a:fld id="{F0042B78-112A-4528-A74D-AFD8DACDDC9B}" type="datetimeFigureOut">
               <a:rPr lang="en-US" smtClean="0"/>
-              <a:t>11/12/2024</a:t>
+              <a:t>11/22/2024</a:t>
             </a:fld>
             <a:endParaRPr lang="en-US"/>
           </a:p>
@@ -2669,7 +2671,7 @@
           <a:p>
             <a:fld id="{F0042B78-112A-4528-A74D-AFD8DACDDC9B}" type="datetimeFigureOut">
               <a:rPr lang="en-US" smtClean="0"/>
-              <a:t>11/12/2024</a:t>
+              <a:t>11/22/2024</a:t>
             </a:fld>
             <a:endParaRPr lang="en-US"/>
           </a:p>
@@ -2910,7 +2912,7 @@
           <a:p>
             <a:fld id="{F0042B78-112A-4528-A74D-AFD8DACDDC9B}" type="datetimeFigureOut">
               <a:rPr lang="en-US" smtClean="0"/>
-              <a:t>11/12/2024</a:t>
+              <a:t>11/22/2024</a:t>
             </a:fld>
             <a:endParaRPr lang="en-US"/>
           </a:p>
@@ -8863,6 +8865,5604 @@
 </p:sld>
 </file>
 
+<file path=ppt/slides/slide3.xml><?xml version="1.0" encoding="utf-8"?>
+<p:sld xmlns:a="http://schemas.openxmlformats.org/drawingml/2006/main" xmlns:r="http://schemas.openxmlformats.org/officeDocument/2006/relationships" xmlns:p="http://schemas.openxmlformats.org/presentationml/2006/main">
+  <p:cSld>
+    <p:bg>
+      <p:bgPr>
+        <a:solidFill>
+          <a:schemeClr val="tx1"/>
+        </a:solidFill>
+        <a:effectLst/>
+      </p:bgPr>
+    </p:bg>
+    <p:spTree>
+      <p:nvGrpSpPr>
+        <p:cNvPr id="1" name=""/>
+        <p:cNvGrpSpPr/>
+        <p:nvPr/>
+      </p:nvGrpSpPr>
+      <p:grpSpPr>
+        <a:xfrm>
+          <a:off x="0" y="0"/>
+          <a:ext cx="0" cy="0"/>
+          <a:chOff x="0" y="0"/>
+          <a:chExt cx="0" cy="0"/>
+        </a:xfrm>
+      </p:grpSpPr>
+      <p:grpSp>
+        <p:nvGrpSpPr>
+          <p:cNvPr id="6" name="Group 5">
+            <a:extLst>
+              <a:ext uri="{FF2B5EF4-FFF2-40B4-BE49-F238E27FC236}">
+                <a16:creationId xmlns:a16="http://schemas.microsoft.com/office/drawing/2014/main" id="{E743A837-ED57-32BA-F0DB-189BBDCFCCAB}"/>
+              </a:ext>
+            </a:extLst>
+          </p:cNvPr>
+          <p:cNvGrpSpPr/>
+          <p:nvPr/>
+        </p:nvGrpSpPr>
+        <p:grpSpPr>
+          <a:xfrm>
+            <a:off x="2929875" y="2897142"/>
+            <a:ext cx="6332251" cy="1063716"/>
+            <a:chOff x="3048034" y="2365284"/>
+            <a:chExt cx="6332251" cy="1063716"/>
+          </a:xfrm>
+        </p:grpSpPr>
+        <p:sp>
+          <p:nvSpPr>
+            <p:cNvPr id="2" name="Freeform: Shape 1">
+              <a:extLst>
+                <a:ext uri="{FF2B5EF4-FFF2-40B4-BE49-F238E27FC236}">
+                  <a16:creationId xmlns:a16="http://schemas.microsoft.com/office/drawing/2014/main" id="{E44C25AC-1E4B-CA1F-3501-13F18F3B6C8E}"/>
+                </a:ext>
+              </a:extLst>
+            </p:cNvPr>
+            <p:cNvSpPr/>
+            <p:nvPr/>
+          </p:nvSpPr>
+          <p:spPr>
+            <a:xfrm>
+              <a:off x="6885380" y="2486023"/>
+              <a:ext cx="2494905" cy="822237"/>
+            </a:xfrm>
+            <a:custGeom>
+              <a:avLst/>
+              <a:gdLst>
+                <a:gd name="connsiteX0" fmla="*/ 1827213 w 2932150"/>
+                <a:gd name="connsiteY0" fmla="*/ 63200 h 701180"/>
+                <a:gd name="connsiteX1" fmla="*/ 1717315 w 2932150"/>
+                <a:gd name="connsiteY1" fmla="*/ 92297 h 701180"/>
+                <a:gd name="connsiteX2" fmla="*/ 1634699 w 2932150"/>
+                <a:gd name="connsiteY2" fmla="*/ 177495 h 701180"/>
+                <a:gd name="connsiteX3" fmla="*/ 1603343 w 2932150"/>
+                <a:gd name="connsiteY3" fmla="*/ 308788 h 701180"/>
+                <a:gd name="connsiteX4" fmla="*/ 1642140 w 2932150"/>
+                <a:gd name="connsiteY4" fmla="*/ 465845 h 701180"/>
+                <a:gd name="connsiteX5" fmla="*/ 1745903 w 2932150"/>
+                <a:gd name="connsiteY5" fmla="*/ 583557 h 701180"/>
+                <a:gd name="connsiteX6" fmla="*/ 1882872 w 2932150"/>
+                <a:gd name="connsiteY6" fmla="*/ 627529 h 701180"/>
+                <a:gd name="connsiteX7" fmla="*/ 1984655 w 2932150"/>
+                <a:gd name="connsiteY7" fmla="*/ 601251 h 701180"/>
+                <a:gd name="connsiteX8" fmla="*/ 2064659 w 2932150"/>
+                <a:gd name="connsiteY8" fmla="*/ 519812 h 701180"/>
+                <a:gd name="connsiteX9" fmla="*/ 2096011 w 2932150"/>
+                <a:gd name="connsiteY9" fmla="*/ 382913 h 701180"/>
+                <a:gd name="connsiteX10" fmla="*/ 2074807 w 2932150"/>
+                <a:gd name="connsiteY10" fmla="*/ 258712 h 701180"/>
+                <a:gd name="connsiteX11" fmla="*/ 2016135 w 2932150"/>
+                <a:gd name="connsiteY11" fmla="*/ 155669 h 701180"/>
+                <a:gd name="connsiteX12" fmla="*/ 1929697 w 2932150"/>
+                <a:gd name="connsiteY12" fmla="*/ 87426 h 701180"/>
+                <a:gd name="connsiteX13" fmla="*/ 1827213 w 2932150"/>
+                <a:gd name="connsiteY13" fmla="*/ 63200 h 701180"/>
+                <a:gd name="connsiteX14" fmla="*/ 998538 w 2932150"/>
+                <a:gd name="connsiteY14" fmla="*/ 63200 h 701180"/>
+                <a:gd name="connsiteX15" fmla="*/ 888640 w 2932150"/>
+                <a:gd name="connsiteY15" fmla="*/ 92297 h 701180"/>
+                <a:gd name="connsiteX16" fmla="*/ 806024 w 2932150"/>
+                <a:gd name="connsiteY16" fmla="*/ 177495 h 701180"/>
+                <a:gd name="connsiteX17" fmla="*/ 774668 w 2932150"/>
+                <a:gd name="connsiteY17" fmla="*/ 308788 h 701180"/>
+                <a:gd name="connsiteX18" fmla="*/ 813465 w 2932150"/>
+                <a:gd name="connsiteY18" fmla="*/ 465845 h 701180"/>
+                <a:gd name="connsiteX19" fmla="*/ 917228 w 2932150"/>
+                <a:gd name="connsiteY19" fmla="*/ 583557 h 701180"/>
+                <a:gd name="connsiteX20" fmla="*/ 1054197 w 2932150"/>
+                <a:gd name="connsiteY20" fmla="*/ 627529 h 701180"/>
+                <a:gd name="connsiteX21" fmla="*/ 1155980 w 2932150"/>
+                <a:gd name="connsiteY21" fmla="*/ 601251 h 701180"/>
+                <a:gd name="connsiteX22" fmla="*/ 1235984 w 2932150"/>
+                <a:gd name="connsiteY22" fmla="*/ 519812 h 701180"/>
+                <a:gd name="connsiteX23" fmla="*/ 1267336 w 2932150"/>
+                <a:gd name="connsiteY23" fmla="*/ 382913 h 701180"/>
+                <a:gd name="connsiteX24" fmla="*/ 1246132 w 2932150"/>
+                <a:gd name="connsiteY24" fmla="*/ 258712 h 701180"/>
+                <a:gd name="connsiteX25" fmla="*/ 1187460 w 2932150"/>
+                <a:gd name="connsiteY25" fmla="*/ 155669 h 701180"/>
+                <a:gd name="connsiteX26" fmla="*/ 1101022 w 2932150"/>
+                <a:gd name="connsiteY26" fmla="*/ 87426 h 701180"/>
+                <a:gd name="connsiteX27" fmla="*/ 998538 w 2932150"/>
+                <a:gd name="connsiteY27" fmla="*/ 63200 h 701180"/>
+                <a:gd name="connsiteX28" fmla="*/ 240532 w 2932150"/>
+                <a:gd name="connsiteY28" fmla="*/ 55238 h 701180"/>
+                <a:gd name="connsiteX29" fmla="*/ 196561 w 2932150"/>
+                <a:gd name="connsiteY29" fmla="*/ 60145 h 701180"/>
+                <a:gd name="connsiteX30" fmla="*/ 170489 w 2932150"/>
+                <a:gd name="connsiteY30" fmla="*/ 71606 h 701180"/>
+                <a:gd name="connsiteX31" fmla="*/ 159743 w 2932150"/>
+                <a:gd name="connsiteY31" fmla="*/ 320257 h 701180"/>
+                <a:gd name="connsiteX32" fmla="*/ 228340 w 2932150"/>
+                <a:gd name="connsiteY32" fmla="*/ 325957 h 701180"/>
+                <a:gd name="connsiteX33" fmla="*/ 276480 w 2932150"/>
+                <a:gd name="connsiteY33" fmla="*/ 322695 h 701180"/>
+                <a:gd name="connsiteX34" fmla="*/ 327014 w 2932150"/>
+                <a:gd name="connsiteY34" fmla="*/ 308562 h 701180"/>
+                <a:gd name="connsiteX35" fmla="*/ 370888 w 2932150"/>
+                <a:gd name="connsiteY35" fmla="*/ 272308 h 701180"/>
+                <a:gd name="connsiteX36" fmla="*/ 389157 w 2932150"/>
+                <a:gd name="connsiteY36" fmla="*/ 203272 h 701180"/>
+                <a:gd name="connsiteX37" fmla="*/ 372844 w 2932150"/>
+                <a:gd name="connsiteY37" fmla="*/ 138298 h 701180"/>
+                <a:gd name="connsiteX38" fmla="*/ 322729 w 2932150"/>
+                <a:gd name="connsiteY38" fmla="*/ 79662 h 701180"/>
+                <a:gd name="connsiteX39" fmla="*/ 240532 w 2932150"/>
+                <a:gd name="connsiteY39" fmla="*/ 55238 h 701180"/>
+                <a:gd name="connsiteX40" fmla="*/ 256737 w 2932150"/>
+                <a:gd name="connsiteY40" fmla="*/ 14431 h 701180"/>
+                <a:gd name="connsiteX41" fmla="*/ 352304 w 2932150"/>
+                <a:gd name="connsiteY41" fmla="*/ 29252 h 701180"/>
+                <a:gd name="connsiteX42" fmla="*/ 424334 w 2932150"/>
+                <a:gd name="connsiteY42" fmla="*/ 68838 h 701180"/>
+                <a:gd name="connsiteX43" fmla="*/ 468586 w 2932150"/>
+                <a:gd name="connsiteY43" fmla="*/ 125705 h 701180"/>
+                <a:gd name="connsiteX44" fmla="*/ 483709 w 2932150"/>
+                <a:gd name="connsiteY44" fmla="*/ 191297 h 701180"/>
+                <a:gd name="connsiteX45" fmla="*/ 468061 w 2932150"/>
+                <a:gd name="connsiteY45" fmla="*/ 258786 h 701180"/>
+                <a:gd name="connsiteX46" fmla="*/ 421143 w 2932150"/>
+                <a:gd name="connsiteY46" fmla="*/ 317990 h 701180"/>
+                <a:gd name="connsiteX47" fmla="*/ 347907 w 2932150"/>
+                <a:gd name="connsiteY47" fmla="*/ 358187 h 701180"/>
+                <a:gd name="connsiteX48" fmla="*/ 368225 w 2932150"/>
+                <a:gd name="connsiteY48" fmla="*/ 381094 h 701180"/>
+                <a:gd name="connsiteX49" fmla="*/ 444318 w 2932150"/>
+                <a:gd name="connsiteY49" fmla="*/ 492290 h 701180"/>
+                <a:gd name="connsiteX50" fmla="*/ 509248 w 2932150"/>
+                <a:gd name="connsiteY50" fmla="*/ 574448 h 701180"/>
+                <a:gd name="connsiteX51" fmla="*/ 577713 w 2932150"/>
+                <a:gd name="connsiteY51" fmla="*/ 636895 h 701180"/>
+                <a:gd name="connsiteX52" fmla="*/ 644915 w 2932150"/>
+                <a:gd name="connsiteY52" fmla="*/ 663134 h 701180"/>
+                <a:gd name="connsiteX53" fmla="*/ 662364 w 2932150"/>
+                <a:gd name="connsiteY53" fmla="*/ 682503 h 701180"/>
+                <a:gd name="connsiteX54" fmla="*/ 654110 w 2932150"/>
+                <a:gd name="connsiteY54" fmla="*/ 697071 h 701180"/>
+                <a:gd name="connsiteX55" fmla="*/ 626588 w 2932150"/>
+                <a:gd name="connsiteY55" fmla="*/ 701180 h 701180"/>
+                <a:gd name="connsiteX56" fmla="*/ 531510 w 2932150"/>
+                <a:gd name="connsiteY56" fmla="*/ 679665 h 701180"/>
+                <a:gd name="connsiteX57" fmla="*/ 445636 w 2932150"/>
+                <a:gd name="connsiteY57" fmla="*/ 622117 h 701180"/>
+                <a:gd name="connsiteX58" fmla="*/ 374356 w 2932150"/>
+                <a:gd name="connsiteY58" fmla="*/ 547412 h 701180"/>
+                <a:gd name="connsiteX59" fmla="*/ 301059 w 2932150"/>
+                <a:gd name="connsiteY59" fmla="*/ 448548 h 701180"/>
+                <a:gd name="connsiteX60" fmla="*/ 247880 w 2932150"/>
+                <a:gd name="connsiteY60" fmla="*/ 372735 h 701180"/>
+                <a:gd name="connsiteX61" fmla="*/ 156493 w 2932150"/>
+                <a:gd name="connsiteY61" fmla="*/ 366382 h 701180"/>
+                <a:gd name="connsiteX62" fmla="*/ 155762 w 2932150"/>
+                <a:gd name="connsiteY62" fmla="*/ 463695 h 701180"/>
+                <a:gd name="connsiteX63" fmla="*/ 157830 w 2932150"/>
+                <a:gd name="connsiteY63" fmla="*/ 556968 h 701180"/>
+                <a:gd name="connsiteX64" fmla="*/ 166912 w 2932150"/>
+                <a:gd name="connsiteY64" fmla="*/ 617304 h 701180"/>
+                <a:gd name="connsiteX65" fmla="*/ 177184 w 2932150"/>
+                <a:gd name="connsiteY65" fmla="*/ 630293 h 701180"/>
+                <a:gd name="connsiteX66" fmla="*/ 214189 w 2932150"/>
+                <a:gd name="connsiteY66" fmla="*/ 641960 h 701180"/>
+                <a:gd name="connsiteX67" fmla="*/ 234887 w 2932150"/>
+                <a:gd name="connsiteY67" fmla="*/ 659666 h 701180"/>
+                <a:gd name="connsiteX68" fmla="*/ 217610 w 2932150"/>
+                <a:gd name="connsiteY68" fmla="*/ 680279 h 701180"/>
+                <a:gd name="connsiteX69" fmla="*/ 174307 w 2932150"/>
+                <a:gd name="connsiteY69" fmla="*/ 675178 h 701180"/>
+                <a:gd name="connsiteX70" fmla="*/ 125484 w 2932150"/>
+                <a:gd name="connsiteY70" fmla="*/ 671321 h 701180"/>
+                <a:gd name="connsiteX71" fmla="*/ 29283 w 2932150"/>
+                <a:gd name="connsiteY71" fmla="*/ 678288 h 701180"/>
+                <a:gd name="connsiteX72" fmla="*/ 20885 w 2932150"/>
+                <a:gd name="connsiteY72" fmla="*/ 679284 h 701180"/>
+                <a:gd name="connsiteX73" fmla="*/ 0 w 2932150"/>
+                <a:gd name="connsiteY73" fmla="*/ 660607 h 701180"/>
+                <a:gd name="connsiteX74" fmla="*/ 6399 w 2932150"/>
+                <a:gd name="connsiteY74" fmla="*/ 646163 h 701180"/>
+                <a:gd name="connsiteX75" fmla="*/ 27292 w 2932150"/>
+                <a:gd name="connsiteY75" fmla="*/ 638010 h 701180"/>
+                <a:gd name="connsiteX76" fmla="*/ 53916 w 2932150"/>
+                <a:gd name="connsiteY76" fmla="*/ 623357 h 701180"/>
+                <a:gd name="connsiteX77" fmla="*/ 65976 w 2932150"/>
+                <a:gd name="connsiteY77" fmla="*/ 580214 h 701180"/>
+                <a:gd name="connsiteX78" fmla="*/ 70665 w 2932150"/>
+                <a:gd name="connsiteY78" fmla="*/ 470732 h 701180"/>
+                <a:gd name="connsiteX79" fmla="*/ 70665 w 2932150"/>
+                <a:gd name="connsiteY79" fmla="*/ 254894 h 701180"/>
+                <a:gd name="connsiteX80" fmla="*/ 69953 w 2932150"/>
+                <a:gd name="connsiteY80" fmla="*/ 140040 h 701180"/>
+                <a:gd name="connsiteX81" fmla="*/ 62866 w 2932150"/>
+                <a:gd name="connsiteY81" fmla="*/ 89167 h 701180"/>
+                <a:gd name="connsiteX82" fmla="*/ 46871 w 2932150"/>
+                <a:gd name="connsiteY82" fmla="*/ 69650 h 701180"/>
+                <a:gd name="connsiteX83" fmla="*/ 995 w 2932150"/>
+                <a:gd name="connsiteY83" fmla="*/ 60502 h 701180"/>
+                <a:gd name="connsiteX84" fmla="*/ 4051 w 2932150"/>
+                <a:gd name="connsiteY84" fmla="*/ 25900 h 701180"/>
+                <a:gd name="connsiteX85" fmla="*/ 78736 w 2932150"/>
+                <a:gd name="connsiteY85" fmla="*/ 26872 h 701180"/>
+                <a:gd name="connsiteX86" fmla="*/ 164743 w 2932150"/>
+                <a:gd name="connsiteY86" fmla="*/ 20652 h 701180"/>
+                <a:gd name="connsiteX87" fmla="*/ 256737 w 2932150"/>
+                <a:gd name="connsiteY87" fmla="*/ 14431 h 701180"/>
+                <a:gd name="connsiteX88" fmla="*/ 1857982 w 2932150"/>
+                <a:gd name="connsiteY88" fmla="*/ 8957 h 701180"/>
+                <a:gd name="connsiteX89" fmla="*/ 1979500 w 2932150"/>
+                <a:gd name="connsiteY89" fmla="*/ 33213 h 701180"/>
+                <a:gd name="connsiteX90" fmla="*/ 2086898 w 2932150"/>
+                <a:gd name="connsiteY90" fmla="*/ 100944 h 701180"/>
+                <a:gd name="connsiteX91" fmla="*/ 2162357 w 2932150"/>
+                <a:gd name="connsiteY91" fmla="*/ 207369 h 701180"/>
+                <a:gd name="connsiteX92" fmla="*/ 2190564 w 2932150"/>
+                <a:gd name="connsiteY92" fmla="*/ 343911 h 701180"/>
+                <a:gd name="connsiteX93" fmla="*/ 2145721 w 2932150"/>
+                <a:gd name="connsiteY93" fmla="*/ 511998 h 701180"/>
+                <a:gd name="connsiteX94" fmla="*/ 2021236 w 2932150"/>
+                <a:gd name="connsiteY94" fmla="*/ 636545 h 701180"/>
+                <a:gd name="connsiteX95" fmla="*/ 1840898 w 2932150"/>
+                <a:gd name="connsiteY95" fmla="*/ 682767 h 701180"/>
+                <a:gd name="connsiteX96" fmla="*/ 1701787 w 2932150"/>
+                <a:gd name="connsiteY96" fmla="*/ 652605 h 701180"/>
+                <a:gd name="connsiteX97" fmla="*/ 1596380 w 2932150"/>
+                <a:gd name="connsiteY97" fmla="*/ 571081 h 701180"/>
+                <a:gd name="connsiteX98" fmla="*/ 1531550 w 2932150"/>
+                <a:gd name="connsiteY98" fmla="*/ 461440 h 701180"/>
+                <a:gd name="connsiteX99" fmla="*/ 1510284 w 2932150"/>
+                <a:gd name="connsiteY99" fmla="*/ 345862 h 701180"/>
+                <a:gd name="connsiteX100" fmla="*/ 1558765 w 2932150"/>
+                <a:gd name="connsiteY100" fmla="*/ 176792 h 701180"/>
+                <a:gd name="connsiteX101" fmla="*/ 1687690 w 2932150"/>
+                <a:gd name="connsiteY101" fmla="*/ 54196 h 701180"/>
+                <a:gd name="connsiteX102" fmla="*/ 1857982 w 2932150"/>
+                <a:gd name="connsiteY102" fmla="*/ 8957 h 701180"/>
+                <a:gd name="connsiteX103" fmla="*/ 1029307 w 2932150"/>
+                <a:gd name="connsiteY103" fmla="*/ 8957 h 701180"/>
+                <a:gd name="connsiteX104" fmla="*/ 1150825 w 2932150"/>
+                <a:gd name="connsiteY104" fmla="*/ 33213 h 701180"/>
+                <a:gd name="connsiteX105" fmla="*/ 1258223 w 2932150"/>
+                <a:gd name="connsiteY105" fmla="*/ 100944 h 701180"/>
+                <a:gd name="connsiteX106" fmla="*/ 1333682 w 2932150"/>
+                <a:gd name="connsiteY106" fmla="*/ 207369 h 701180"/>
+                <a:gd name="connsiteX107" fmla="*/ 1361888 w 2932150"/>
+                <a:gd name="connsiteY107" fmla="*/ 343911 h 701180"/>
+                <a:gd name="connsiteX108" fmla="*/ 1317046 w 2932150"/>
+                <a:gd name="connsiteY108" fmla="*/ 511998 h 701180"/>
+                <a:gd name="connsiteX109" fmla="*/ 1192561 w 2932150"/>
+                <a:gd name="connsiteY109" fmla="*/ 636545 h 701180"/>
+                <a:gd name="connsiteX110" fmla="*/ 1012223 w 2932150"/>
+                <a:gd name="connsiteY110" fmla="*/ 682767 h 701180"/>
+                <a:gd name="connsiteX111" fmla="*/ 873112 w 2932150"/>
+                <a:gd name="connsiteY111" fmla="*/ 652605 h 701180"/>
+                <a:gd name="connsiteX112" fmla="*/ 767705 w 2932150"/>
+                <a:gd name="connsiteY112" fmla="*/ 571081 h 701180"/>
+                <a:gd name="connsiteX113" fmla="*/ 702875 w 2932150"/>
+                <a:gd name="connsiteY113" fmla="*/ 461440 h 701180"/>
+                <a:gd name="connsiteX114" fmla="*/ 681609 w 2932150"/>
+                <a:gd name="connsiteY114" fmla="*/ 345862 h 701180"/>
+                <a:gd name="connsiteX115" fmla="*/ 730090 w 2932150"/>
+                <a:gd name="connsiteY115" fmla="*/ 176792 h 701180"/>
+                <a:gd name="connsiteX116" fmla="*/ 859015 w 2932150"/>
+                <a:gd name="connsiteY116" fmla="*/ 54196 h 701180"/>
+                <a:gd name="connsiteX117" fmla="*/ 1029307 w 2932150"/>
+                <a:gd name="connsiteY117" fmla="*/ 8957 h 701180"/>
+                <a:gd name="connsiteX118" fmla="*/ 2353632 w 2932150"/>
+                <a:gd name="connsiteY118" fmla="*/ 0 h 701180"/>
+                <a:gd name="connsiteX119" fmla="*/ 2369766 w 2932150"/>
+                <a:gd name="connsiteY119" fmla="*/ 9828 h 701180"/>
+                <a:gd name="connsiteX120" fmla="*/ 2398093 w 2932150"/>
+                <a:gd name="connsiteY120" fmla="*/ 23700 h 701180"/>
+                <a:gd name="connsiteX121" fmla="*/ 2428811 w 2932150"/>
+                <a:gd name="connsiteY121" fmla="*/ 26666 h 701180"/>
+                <a:gd name="connsiteX122" fmla="*/ 2461733 w 2932150"/>
+                <a:gd name="connsiteY122" fmla="*/ 27553 h 701180"/>
+                <a:gd name="connsiteX123" fmla="*/ 2536602 w 2932150"/>
+                <a:gd name="connsiteY123" fmla="*/ 27868 h 701180"/>
+                <a:gd name="connsiteX124" fmla="*/ 2910752 w 2932150"/>
+                <a:gd name="connsiteY124" fmla="*/ 22985 h 701180"/>
+                <a:gd name="connsiteX125" fmla="*/ 2910752 w 2932150"/>
+                <a:gd name="connsiteY125" fmla="*/ 44966 h 701180"/>
+                <a:gd name="connsiteX126" fmla="*/ 2853380 w 2932150"/>
+                <a:gd name="connsiteY126" fmla="*/ 116526 h 701180"/>
+                <a:gd name="connsiteX127" fmla="*/ 2798078 w 2932150"/>
+                <a:gd name="connsiteY127" fmla="*/ 184011 h 701180"/>
+                <a:gd name="connsiteX128" fmla="*/ 2749305 w 2932150"/>
+                <a:gd name="connsiteY128" fmla="*/ 248168 h 701180"/>
+                <a:gd name="connsiteX129" fmla="*/ 2731934 w 2932150"/>
+                <a:gd name="connsiteY129" fmla="*/ 271558 h 701180"/>
+                <a:gd name="connsiteX130" fmla="*/ 2622570 w 2932150"/>
+                <a:gd name="connsiteY130" fmla="*/ 410369 h 701180"/>
+                <a:gd name="connsiteX131" fmla="*/ 2584865 w 2932150"/>
+                <a:gd name="connsiteY131" fmla="*/ 458734 h 701180"/>
+                <a:gd name="connsiteX132" fmla="*/ 2555978 w 2932150"/>
+                <a:gd name="connsiteY132" fmla="*/ 493410 h 701180"/>
+                <a:gd name="connsiteX133" fmla="*/ 2520739 w 2932150"/>
+                <a:gd name="connsiteY133" fmla="*/ 537739 h 701180"/>
+                <a:gd name="connsiteX134" fmla="*/ 2483190 w 2932150"/>
+                <a:gd name="connsiteY134" fmla="*/ 585361 h 701180"/>
+                <a:gd name="connsiteX135" fmla="*/ 2445502 w 2932150"/>
+                <a:gd name="connsiteY135" fmla="*/ 621783 h 701180"/>
+                <a:gd name="connsiteX136" fmla="*/ 2563972 w 2932150"/>
+                <a:gd name="connsiteY136" fmla="*/ 627529 h 701180"/>
+                <a:gd name="connsiteX137" fmla="*/ 2733132 w 2932150"/>
+                <a:gd name="connsiteY137" fmla="*/ 620857 h 701180"/>
+                <a:gd name="connsiteX138" fmla="*/ 2823089 w 2932150"/>
+                <a:gd name="connsiteY138" fmla="*/ 601690 h 701180"/>
+                <a:gd name="connsiteX139" fmla="*/ 2872558 w 2932150"/>
+                <a:gd name="connsiteY139" fmla="*/ 569845 h 701180"/>
+                <a:gd name="connsiteX140" fmla="*/ 2901997 w 2932150"/>
+                <a:gd name="connsiteY140" fmla="*/ 517549 h 701180"/>
+                <a:gd name="connsiteX141" fmla="*/ 2932150 w 2932150"/>
+                <a:gd name="connsiteY141" fmla="*/ 532455 h 701180"/>
+                <a:gd name="connsiteX142" fmla="*/ 2901161 w 2932150"/>
+                <a:gd name="connsiteY142" fmla="*/ 614279 h 701180"/>
+                <a:gd name="connsiteX143" fmla="*/ 2870832 w 2932150"/>
+                <a:gd name="connsiteY143" fmla="*/ 687246 h 701180"/>
+                <a:gd name="connsiteX144" fmla="*/ 2845460 w 2932150"/>
+                <a:gd name="connsiteY144" fmla="*/ 683840 h 701180"/>
+                <a:gd name="connsiteX145" fmla="*/ 2826848 w 2932150"/>
+                <a:gd name="connsiteY145" fmla="*/ 673328 h 701180"/>
+                <a:gd name="connsiteX146" fmla="*/ 2718078 w 2932150"/>
+                <a:gd name="connsiteY146" fmla="*/ 670326 h 701180"/>
+                <a:gd name="connsiteX147" fmla="*/ 2466294 w 2932150"/>
+                <a:gd name="connsiteY147" fmla="*/ 670326 h 701180"/>
+                <a:gd name="connsiteX148" fmla="*/ 2302149 w 2932150"/>
+                <a:gd name="connsiteY148" fmla="*/ 676181 h 701180"/>
+                <a:gd name="connsiteX149" fmla="*/ 2302958 w 2932150"/>
+                <a:gd name="connsiteY149" fmla="*/ 659281 h 701180"/>
+                <a:gd name="connsiteX150" fmla="*/ 2303036 w 2932150"/>
+                <a:gd name="connsiteY150" fmla="*/ 650677 h 701180"/>
+                <a:gd name="connsiteX151" fmla="*/ 2432847 w 2932150"/>
+                <a:gd name="connsiteY151" fmla="*/ 509455 h 701180"/>
+                <a:gd name="connsiteX152" fmla="*/ 2549155 w 2932150"/>
+                <a:gd name="connsiteY152" fmla="*/ 370857 h 701180"/>
+                <a:gd name="connsiteX153" fmla="*/ 2663104 w 2932150"/>
+                <a:gd name="connsiteY153" fmla="*/ 221541 h 701180"/>
+                <a:gd name="connsiteX154" fmla="*/ 2775222 w 2932150"/>
+                <a:gd name="connsiteY154" fmla="*/ 75657 h 701180"/>
+                <a:gd name="connsiteX155" fmla="*/ 2701516 w 2932150"/>
+                <a:gd name="connsiteY155" fmla="*/ 73647 h 701180"/>
+                <a:gd name="connsiteX156" fmla="*/ 2598519 w 2932150"/>
+                <a:gd name="connsiteY156" fmla="*/ 72656 h 701180"/>
+                <a:gd name="connsiteX157" fmla="*/ 2446567 w 2932150"/>
+                <a:gd name="connsiteY157" fmla="*/ 78557 h 701180"/>
+                <a:gd name="connsiteX158" fmla="*/ 2379070 w 2932150"/>
+                <a:gd name="connsiteY158" fmla="*/ 101262 h 701180"/>
+                <a:gd name="connsiteX159" fmla="*/ 2334014 w 2932150"/>
+                <a:gd name="connsiteY159" fmla="*/ 164720 h 701180"/>
+                <a:gd name="connsiteX160" fmla="*/ 2305120 w 2932150"/>
+                <a:gd name="connsiteY160" fmla="*/ 152403 h 701180"/>
+                <a:gd name="connsiteX161" fmla="*/ 2316243 w 2932150"/>
+                <a:gd name="connsiteY161" fmla="*/ 107378 h 701180"/>
+                <a:gd name="connsiteX162" fmla="*/ 2323070 w 2932150"/>
+                <a:gd name="connsiteY162" fmla="*/ 79281 h 701180"/>
+                <a:gd name="connsiteX163" fmla="*/ 2326503 w 2932150"/>
+                <a:gd name="connsiteY163" fmla="*/ 64616 h 701180"/>
+                <a:gd name="connsiteX164" fmla="*/ 2336650 w 2932150"/>
+                <a:gd name="connsiteY164" fmla="*/ 17215 h 701180"/>
+                <a:gd name="connsiteX165" fmla="*/ 2340895 w 2932150"/>
+                <a:gd name="connsiteY165" fmla="*/ 6298 h 701180"/>
+                <a:gd name="connsiteX166" fmla="*/ 2353632 w 2932150"/>
+                <a:gd name="connsiteY166" fmla="*/ 0 h 701180"/>
+              </a:gdLst>
+              <a:ahLst/>
+              <a:cxnLst>
+                <a:cxn ang="0">
+                  <a:pos x="connsiteX0" y="connsiteY0"/>
+                </a:cxn>
+                <a:cxn ang="0">
+                  <a:pos x="connsiteX1" y="connsiteY1"/>
+                </a:cxn>
+                <a:cxn ang="0">
+                  <a:pos x="connsiteX2" y="connsiteY2"/>
+                </a:cxn>
+                <a:cxn ang="0">
+                  <a:pos x="connsiteX3" y="connsiteY3"/>
+                </a:cxn>
+                <a:cxn ang="0">
+                  <a:pos x="connsiteX4" y="connsiteY4"/>
+                </a:cxn>
+                <a:cxn ang="0">
+                  <a:pos x="connsiteX5" y="connsiteY5"/>
+                </a:cxn>
+                <a:cxn ang="0">
+                  <a:pos x="connsiteX6" y="connsiteY6"/>
+                </a:cxn>
+                <a:cxn ang="0">
+                  <a:pos x="connsiteX7" y="connsiteY7"/>
+                </a:cxn>
+                <a:cxn ang="0">
+                  <a:pos x="connsiteX8" y="connsiteY8"/>
+                </a:cxn>
+                <a:cxn ang="0">
+                  <a:pos x="connsiteX9" y="connsiteY9"/>
+                </a:cxn>
+                <a:cxn ang="0">
+                  <a:pos x="connsiteX10" y="connsiteY10"/>
+                </a:cxn>
+                <a:cxn ang="0">
+                  <a:pos x="connsiteX11" y="connsiteY11"/>
+                </a:cxn>
+                <a:cxn ang="0">
+                  <a:pos x="connsiteX12" y="connsiteY12"/>
+                </a:cxn>
+                <a:cxn ang="0">
+                  <a:pos x="connsiteX13" y="connsiteY13"/>
+                </a:cxn>
+                <a:cxn ang="0">
+                  <a:pos x="connsiteX14" y="connsiteY14"/>
+                </a:cxn>
+                <a:cxn ang="0">
+                  <a:pos x="connsiteX15" y="connsiteY15"/>
+                </a:cxn>
+                <a:cxn ang="0">
+                  <a:pos x="connsiteX16" y="connsiteY16"/>
+                </a:cxn>
+                <a:cxn ang="0">
+                  <a:pos x="connsiteX17" y="connsiteY17"/>
+                </a:cxn>
+                <a:cxn ang="0">
+                  <a:pos x="connsiteX18" y="connsiteY18"/>
+                </a:cxn>
+                <a:cxn ang="0">
+                  <a:pos x="connsiteX19" y="connsiteY19"/>
+                </a:cxn>
+                <a:cxn ang="0">
+                  <a:pos x="connsiteX20" y="connsiteY20"/>
+                </a:cxn>
+                <a:cxn ang="0">
+                  <a:pos x="connsiteX21" y="connsiteY21"/>
+                </a:cxn>
+                <a:cxn ang="0">
+                  <a:pos x="connsiteX22" y="connsiteY22"/>
+                </a:cxn>
+                <a:cxn ang="0">
+                  <a:pos x="connsiteX23" y="connsiteY23"/>
+                </a:cxn>
+                <a:cxn ang="0">
+                  <a:pos x="connsiteX24" y="connsiteY24"/>
+                </a:cxn>
+                <a:cxn ang="0">
+                  <a:pos x="connsiteX25" y="connsiteY25"/>
+                </a:cxn>
+                <a:cxn ang="0">
+                  <a:pos x="connsiteX26" y="connsiteY26"/>
+                </a:cxn>
+                <a:cxn ang="0">
+                  <a:pos x="connsiteX27" y="connsiteY27"/>
+                </a:cxn>
+                <a:cxn ang="0">
+                  <a:pos x="connsiteX28" y="connsiteY28"/>
+                </a:cxn>
+                <a:cxn ang="0">
+                  <a:pos x="connsiteX29" y="connsiteY29"/>
+                </a:cxn>
+                <a:cxn ang="0">
+                  <a:pos x="connsiteX30" y="connsiteY30"/>
+                </a:cxn>
+                <a:cxn ang="0">
+                  <a:pos x="connsiteX31" y="connsiteY31"/>
+                </a:cxn>
+                <a:cxn ang="0">
+                  <a:pos x="connsiteX32" y="connsiteY32"/>
+                </a:cxn>
+                <a:cxn ang="0">
+                  <a:pos x="connsiteX33" y="connsiteY33"/>
+                </a:cxn>
+                <a:cxn ang="0">
+                  <a:pos x="connsiteX34" y="connsiteY34"/>
+                </a:cxn>
+                <a:cxn ang="0">
+                  <a:pos x="connsiteX35" y="connsiteY35"/>
+                </a:cxn>
+                <a:cxn ang="0">
+                  <a:pos x="connsiteX36" y="connsiteY36"/>
+                </a:cxn>
+                <a:cxn ang="0">
+                  <a:pos x="connsiteX37" y="connsiteY37"/>
+                </a:cxn>
+                <a:cxn ang="0">
+                  <a:pos x="connsiteX38" y="connsiteY38"/>
+                </a:cxn>
+                <a:cxn ang="0">
+                  <a:pos x="connsiteX39" y="connsiteY39"/>
+                </a:cxn>
+                <a:cxn ang="0">
+                  <a:pos x="connsiteX40" y="connsiteY40"/>
+                </a:cxn>
+                <a:cxn ang="0">
+                  <a:pos x="connsiteX41" y="connsiteY41"/>
+                </a:cxn>
+                <a:cxn ang="0">
+                  <a:pos x="connsiteX42" y="connsiteY42"/>
+                </a:cxn>
+                <a:cxn ang="0">
+                  <a:pos x="connsiteX43" y="connsiteY43"/>
+                </a:cxn>
+                <a:cxn ang="0">
+                  <a:pos x="connsiteX44" y="connsiteY44"/>
+                </a:cxn>
+                <a:cxn ang="0">
+                  <a:pos x="connsiteX45" y="connsiteY45"/>
+                </a:cxn>
+                <a:cxn ang="0">
+                  <a:pos x="connsiteX46" y="connsiteY46"/>
+                </a:cxn>
+                <a:cxn ang="0">
+                  <a:pos x="connsiteX47" y="connsiteY47"/>
+                </a:cxn>
+                <a:cxn ang="0">
+                  <a:pos x="connsiteX48" y="connsiteY48"/>
+                </a:cxn>
+                <a:cxn ang="0">
+                  <a:pos x="connsiteX49" y="connsiteY49"/>
+                </a:cxn>
+                <a:cxn ang="0">
+                  <a:pos x="connsiteX50" y="connsiteY50"/>
+                </a:cxn>
+                <a:cxn ang="0">
+                  <a:pos x="connsiteX51" y="connsiteY51"/>
+                </a:cxn>
+                <a:cxn ang="0">
+                  <a:pos x="connsiteX52" y="connsiteY52"/>
+                </a:cxn>
+                <a:cxn ang="0">
+                  <a:pos x="connsiteX53" y="connsiteY53"/>
+                </a:cxn>
+                <a:cxn ang="0">
+                  <a:pos x="connsiteX54" y="connsiteY54"/>
+                </a:cxn>
+                <a:cxn ang="0">
+                  <a:pos x="connsiteX55" y="connsiteY55"/>
+                </a:cxn>
+                <a:cxn ang="0">
+                  <a:pos x="connsiteX56" y="connsiteY56"/>
+                </a:cxn>
+                <a:cxn ang="0">
+                  <a:pos x="connsiteX57" y="connsiteY57"/>
+                </a:cxn>
+                <a:cxn ang="0">
+                  <a:pos x="connsiteX58" y="connsiteY58"/>
+                </a:cxn>
+                <a:cxn ang="0">
+                  <a:pos x="connsiteX59" y="connsiteY59"/>
+                </a:cxn>
+                <a:cxn ang="0">
+                  <a:pos x="connsiteX60" y="connsiteY60"/>
+                </a:cxn>
+                <a:cxn ang="0">
+                  <a:pos x="connsiteX61" y="connsiteY61"/>
+                </a:cxn>
+                <a:cxn ang="0">
+                  <a:pos x="connsiteX62" y="connsiteY62"/>
+                </a:cxn>
+                <a:cxn ang="0">
+                  <a:pos x="connsiteX63" y="connsiteY63"/>
+                </a:cxn>
+                <a:cxn ang="0">
+                  <a:pos x="connsiteX64" y="connsiteY64"/>
+                </a:cxn>
+                <a:cxn ang="0">
+                  <a:pos x="connsiteX65" y="connsiteY65"/>
+                </a:cxn>
+                <a:cxn ang="0">
+                  <a:pos x="connsiteX66" y="connsiteY66"/>
+                </a:cxn>
+                <a:cxn ang="0">
+                  <a:pos x="connsiteX67" y="connsiteY67"/>
+                </a:cxn>
+                <a:cxn ang="0">
+                  <a:pos x="connsiteX68" y="connsiteY68"/>
+                </a:cxn>
+                <a:cxn ang="0">
+                  <a:pos x="connsiteX69" y="connsiteY69"/>
+                </a:cxn>
+                <a:cxn ang="0">
+                  <a:pos x="connsiteX70" y="connsiteY70"/>
+                </a:cxn>
+                <a:cxn ang="0">
+                  <a:pos x="connsiteX71" y="connsiteY71"/>
+                </a:cxn>
+                <a:cxn ang="0">
+                  <a:pos x="connsiteX72" y="connsiteY72"/>
+                </a:cxn>
+                <a:cxn ang="0">
+                  <a:pos x="connsiteX73" y="connsiteY73"/>
+                </a:cxn>
+                <a:cxn ang="0">
+                  <a:pos x="connsiteX74" y="connsiteY74"/>
+                </a:cxn>
+                <a:cxn ang="0">
+                  <a:pos x="connsiteX75" y="connsiteY75"/>
+                </a:cxn>
+                <a:cxn ang="0">
+                  <a:pos x="connsiteX76" y="connsiteY76"/>
+                </a:cxn>
+                <a:cxn ang="0">
+                  <a:pos x="connsiteX77" y="connsiteY77"/>
+                </a:cxn>
+                <a:cxn ang="0">
+                  <a:pos x="connsiteX78" y="connsiteY78"/>
+                </a:cxn>
+                <a:cxn ang="0">
+                  <a:pos x="connsiteX79" y="connsiteY79"/>
+                </a:cxn>
+                <a:cxn ang="0">
+                  <a:pos x="connsiteX80" y="connsiteY80"/>
+                </a:cxn>
+                <a:cxn ang="0">
+                  <a:pos x="connsiteX81" y="connsiteY81"/>
+                </a:cxn>
+                <a:cxn ang="0">
+                  <a:pos x="connsiteX82" y="connsiteY82"/>
+                </a:cxn>
+                <a:cxn ang="0">
+                  <a:pos x="connsiteX83" y="connsiteY83"/>
+                </a:cxn>
+                <a:cxn ang="0">
+                  <a:pos x="connsiteX84" y="connsiteY84"/>
+                </a:cxn>
+                <a:cxn ang="0">
+                  <a:pos x="connsiteX85" y="connsiteY85"/>
+                </a:cxn>
+                <a:cxn ang="0">
+                  <a:pos x="connsiteX86" y="connsiteY86"/>
+                </a:cxn>
+                <a:cxn ang="0">
+                  <a:pos x="connsiteX87" y="connsiteY87"/>
+                </a:cxn>
+                <a:cxn ang="0">
+                  <a:pos x="connsiteX88" y="connsiteY88"/>
+                </a:cxn>
+                <a:cxn ang="0">
+                  <a:pos x="connsiteX89" y="connsiteY89"/>
+                </a:cxn>
+                <a:cxn ang="0">
+                  <a:pos x="connsiteX90" y="connsiteY90"/>
+                </a:cxn>
+                <a:cxn ang="0">
+                  <a:pos x="connsiteX91" y="connsiteY91"/>
+                </a:cxn>
+                <a:cxn ang="0">
+                  <a:pos x="connsiteX92" y="connsiteY92"/>
+                </a:cxn>
+                <a:cxn ang="0">
+                  <a:pos x="connsiteX93" y="connsiteY93"/>
+                </a:cxn>
+                <a:cxn ang="0">
+                  <a:pos x="connsiteX94" y="connsiteY94"/>
+                </a:cxn>
+                <a:cxn ang="0">
+                  <a:pos x="connsiteX95" y="connsiteY95"/>
+                </a:cxn>
+                <a:cxn ang="0">
+                  <a:pos x="connsiteX96" y="connsiteY96"/>
+                </a:cxn>
+                <a:cxn ang="0">
+                  <a:pos x="connsiteX97" y="connsiteY97"/>
+                </a:cxn>
+                <a:cxn ang="0">
+                  <a:pos x="connsiteX98" y="connsiteY98"/>
+                </a:cxn>
+                <a:cxn ang="0">
+                  <a:pos x="connsiteX99" y="connsiteY99"/>
+                </a:cxn>
+                <a:cxn ang="0">
+                  <a:pos x="connsiteX100" y="connsiteY100"/>
+                </a:cxn>
+                <a:cxn ang="0">
+                  <a:pos x="connsiteX101" y="connsiteY101"/>
+                </a:cxn>
+                <a:cxn ang="0">
+                  <a:pos x="connsiteX102" y="connsiteY102"/>
+                </a:cxn>
+                <a:cxn ang="0">
+                  <a:pos x="connsiteX103" y="connsiteY103"/>
+                </a:cxn>
+                <a:cxn ang="0">
+                  <a:pos x="connsiteX104" y="connsiteY104"/>
+                </a:cxn>
+                <a:cxn ang="0">
+                  <a:pos x="connsiteX105" y="connsiteY105"/>
+                </a:cxn>
+                <a:cxn ang="0">
+                  <a:pos x="connsiteX106" y="connsiteY106"/>
+                </a:cxn>
+                <a:cxn ang="0">
+                  <a:pos x="connsiteX107" y="connsiteY107"/>
+                </a:cxn>
+                <a:cxn ang="0">
+                  <a:pos x="connsiteX108" y="connsiteY108"/>
+                </a:cxn>
+                <a:cxn ang="0">
+                  <a:pos x="connsiteX109" y="connsiteY109"/>
+                </a:cxn>
+                <a:cxn ang="0">
+                  <a:pos x="connsiteX110" y="connsiteY110"/>
+                </a:cxn>
+                <a:cxn ang="0">
+                  <a:pos x="connsiteX111" y="connsiteY111"/>
+                </a:cxn>
+                <a:cxn ang="0">
+                  <a:pos x="connsiteX112" y="connsiteY112"/>
+                </a:cxn>
+                <a:cxn ang="0">
+                  <a:pos x="connsiteX113" y="connsiteY113"/>
+                </a:cxn>
+                <a:cxn ang="0">
+                  <a:pos x="connsiteX114" y="connsiteY114"/>
+                </a:cxn>
+                <a:cxn ang="0">
+                  <a:pos x="connsiteX115" y="connsiteY115"/>
+                </a:cxn>
+                <a:cxn ang="0">
+                  <a:pos x="connsiteX116" y="connsiteY116"/>
+                </a:cxn>
+                <a:cxn ang="0">
+                  <a:pos x="connsiteX117" y="connsiteY117"/>
+                </a:cxn>
+                <a:cxn ang="0">
+                  <a:pos x="connsiteX118" y="connsiteY118"/>
+                </a:cxn>
+                <a:cxn ang="0">
+                  <a:pos x="connsiteX119" y="connsiteY119"/>
+                </a:cxn>
+                <a:cxn ang="0">
+                  <a:pos x="connsiteX120" y="connsiteY120"/>
+                </a:cxn>
+                <a:cxn ang="0">
+                  <a:pos x="connsiteX121" y="connsiteY121"/>
+                </a:cxn>
+                <a:cxn ang="0">
+                  <a:pos x="connsiteX122" y="connsiteY122"/>
+                </a:cxn>
+                <a:cxn ang="0">
+                  <a:pos x="connsiteX123" y="connsiteY123"/>
+                </a:cxn>
+                <a:cxn ang="0">
+                  <a:pos x="connsiteX124" y="connsiteY124"/>
+                </a:cxn>
+                <a:cxn ang="0">
+                  <a:pos x="connsiteX125" y="connsiteY125"/>
+                </a:cxn>
+                <a:cxn ang="0">
+                  <a:pos x="connsiteX126" y="connsiteY126"/>
+                </a:cxn>
+                <a:cxn ang="0">
+                  <a:pos x="connsiteX127" y="connsiteY127"/>
+                </a:cxn>
+                <a:cxn ang="0">
+                  <a:pos x="connsiteX128" y="connsiteY128"/>
+                </a:cxn>
+                <a:cxn ang="0">
+                  <a:pos x="connsiteX129" y="connsiteY129"/>
+                </a:cxn>
+                <a:cxn ang="0">
+                  <a:pos x="connsiteX130" y="connsiteY130"/>
+                </a:cxn>
+                <a:cxn ang="0">
+                  <a:pos x="connsiteX131" y="connsiteY131"/>
+                </a:cxn>
+                <a:cxn ang="0">
+                  <a:pos x="connsiteX132" y="connsiteY132"/>
+                </a:cxn>
+                <a:cxn ang="0">
+                  <a:pos x="connsiteX133" y="connsiteY133"/>
+                </a:cxn>
+                <a:cxn ang="0">
+                  <a:pos x="connsiteX134" y="connsiteY134"/>
+                </a:cxn>
+                <a:cxn ang="0">
+                  <a:pos x="connsiteX135" y="connsiteY135"/>
+                </a:cxn>
+                <a:cxn ang="0">
+                  <a:pos x="connsiteX136" y="connsiteY136"/>
+                </a:cxn>
+                <a:cxn ang="0">
+                  <a:pos x="connsiteX137" y="connsiteY137"/>
+                </a:cxn>
+                <a:cxn ang="0">
+                  <a:pos x="connsiteX138" y="connsiteY138"/>
+                </a:cxn>
+                <a:cxn ang="0">
+                  <a:pos x="connsiteX139" y="connsiteY139"/>
+                </a:cxn>
+                <a:cxn ang="0">
+                  <a:pos x="connsiteX140" y="connsiteY140"/>
+                </a:cxn>
+                <a:cxn ang="0">
+                  <a:pos x="connsiteX141" y="connsiteY141"/>
+                </a:cxn>
+                <a:cxn ang="0">
+                  <a:pos x="connsiteX142" y="connsiteY142"/>
+                </a:cxn>
+                <a:cxn ang="0">
+                  <a:pos x="connsiteX143" y="connsiteY143"/>
+                </a:cxn>
+                <a:cxn ang="0">
+                  <a:pos x="connsiteX144" y="connsiteY144"/>
+                </a:cxn>
+                <a:cxn ang="0">
+                  <a:pos x="connsiteX145" y="connsiteY145"/>
+                </a:cxn>
+                <a:cxn ang="0">
+                  <a:pos x="connsiteX146" y="connsiteY146"/>
+                </a:cxn>
+                <a:cxn ang="0">
+                  <a:pos x="connsiteX147" y="connsiteY147"/>
+                </a:cxn>
+                <a:cxn ang="0">
+                  <a:pos x="connsiteX148" y="connsiteY148"/>
+                </a:cxn>
+                <a:cxn ang="0">
+                  <a:pos x="connsiteX149" y="connsiteY149"/>
+                </a:cxn>
+                <a:cxn ang="0">
+                  <a:pos x="connsiteX150" y="connsiteY150"/>
+                </a:cxn>
+                <a:cxn ang="0">
+                  <a:pos x="connsiteX151" y="connsiteY151"/>
+                </a:cxn>
+                <a:cxn ang="0">
+                  <a:pos x="connsiteX152" y="connsiteY152"/>
+                </a:cxn>
+                <a:cxn ang="0">
+                  <a:pos x="connsiteX153" y="connsiteY153"/>
+                </a:cxn>
+                <a:cxn ang="0">
+                  <a:pos x="connsiteX154" y="connsiteY154"/>
+                </a:cxn>
+                <a:cxn ang="0">
+                  <a:pos x="connsiteX155" y="connsiteY155"/>
+                </a:cxn>
+                <a:cxn ang="0">
+                  <a:pos x="connsiteX156" y="connsiteY156"/>
+                </a:cxn>
+                <a:cxn ang="0">
+                  <a:pos x="connsiteX157" y="connsiteY157"/>
+                </a:cxn>
+                <a:cxn ang="0">
+                  <a:pos x="connsiteX158" y="connsiteY158"/>
+                </a:cxn>
+                <a:cxn ang="0">
+                  <a:pos x="connsiteX159" y="connsiteY159"/>
+                </a:cxn>
+                <a:cxn ang="0">
+                  <a:pos x="connsiteX160" y="connsiteY160"/>
+                </a:cxn>
+                <a:cxn ang="0">
+                  <a:pos x="connsiteX161" y="connsiteY161"/>
+                </a:cxn>
+                <a:cxn ang="0">
+                  <a:pos x="connsiteX162" y="connsiteY162"/>
+                </a:cxn>
+                <a:cxn ang="0">
+                  <a:pos x="connsiteX163" y="connsiteY163"/>
+                </a:cxn>
+                <a:cxn ang="0">
+                  <a:pos x="connsiteX164" y="connsiteY164"/>
+                </a:cxn>
+                <a:cxn ang="0">
+                  <a:pos x="connsiteX165" y="connsiteY165"/>
+                </a:cxn>
+                <a:cxn ang="0">
+                  <a:pos x="connsiteX166" y="connsiteY166"/>
+                </a:cxn>
+              </a:cxnLst>
+              <a:rect l="l" t="t" r="r" b="b"/>
+              <a:pathLst>
+                <a:path w="2932150" h="701180">
+                  <a:moveTo>
+                    <a:pt x="1827213" y="63200"/>
+                  </a:moveTo>
+                  <a:cubicBezTo>
+                    <a:pt x="1788122" y="63200"/>
+                    <a:pt x="1751490" y="72899"/>
+                    <a:pt x="1717315" y="92297"/>
+                  </a:cubicBezTo>
+                  <a:cubicBezTo>
+                    <a:pt x="1683141" y="111695"/>
+                    <a:pt x="1655602" y="140094"/>
+                    <a:pt x="1634699" y="177495"/>
+                  </a:cubicBezTo>
+                  <a:cubicBezTo>
+                    <a:pt x="1613795" y="214896"/>
+                    <a:pt x="1603343" y="258660"/>
+                    <a:pt x="1603343" y="308788"/>
+                  </a:cubicBezTo>
+                  <a:cubicBezTo>
+                    <a:pt x="1603343" y="364332"/>
+                    <a:pt x="1616276" y="416684"/>
+                    <a:pt x="1642140" y="465845"/>
+                  </a:cubicBezTo>
+                  <a:cubicBezTo>
+                    <a:pt x="1668005" y="515006"/>
+                    <a:pt x="1702592" y="554243"/>
+                    <a:pt x="1745903" y="583557"/>
+                  </a:cubicBezTo>
+                  <a:cubicBezTo>
+                    <a:pt x="1789213" y="612872"/>
+                    <a:pt x="1834870" y="627529"/>
+                    <a:pt x="1882872" y="627529"/>
+                  </a:cubicBezTo>
+                  <a:cubicBezTo>
+                    <a:pt x="1918292" y="627529"/>
+                    <a:pt x="1952220" y="618769"/>
+                    <a:pt x="1984655" y="601251"/>
+                  </a:cubicBezTo>
+                  <a:cubicBezTo>
+                    <a:pt x="2017090" y="583732"/>
+                    <a:pt x="2043758" y="556586"/>
+                    <a:pt x="2064659" y="519812"/>
+                  </a:cubicBezTo>
+                  <a:cubicBezTo>
+                    <a:pt x="2085560" y="483038"/>
+                    <a:pt x="2096011" y="437405"/>
+                    <a:pt x="2096011" y="382913"/>
+                  </a:cubicBezTo>
+                  <a:cubicBezTo>
+                    <a:pt x="2096011" y="339463"/>
+                    <a:pt x="2088943" y="298062"/>
+                    <a:pt x="2074807" y="258712"/>
+                  </a:cubicBezTo>
+                  <a:cubicBezTo>
+                    <a:pt x="2060670" y="219362"/>
+                    <a:pt x="2041113" y="185014"/>
+                    <a:pt x="2016135" y="155669"/>
+                  </a:cubicBezTo>
+                  <a:cubicBezTo>
+                    <a:pt x="1991157" y="126323"/>
+                    <a:pt x="1962344" y="103576"/>
+                    <a:pt x="1929697" y="87426"/>
+                  </a:cubicBezTo>
+                  <a:cubicBezTo>
+                    <a:pt x="1897049" y="71275"/>
+                    <a:pt x="1862888" y="63200"/>
+                    <a:pt x="1827213" y="63200"/>
+                  </a:cubicBezTo>
+                  <a:close/>
+                  <a:moveTo>
+                    <a:pt x="998538" y="63200"/>
+                  </a:moveTo>
+                  <a:cubicBezTo>
+                    <a:pt x="959447" y="63200"/>
+                    <a:pt x="922815" y="72899"/>
+                    <a:pt x="888640" y="92297"/>
+                  </a:cubicBezTo>
+                  <a:cubicBezTo>
+                    <a:pt x="854466" y="111695"/>
+                    <a:pt x="826927" y="140094"/>
+                    <a:pt x="806024" y="177495"/>
+                  </a:cubicBezTo>
+                  <a:cubicBezTo>
+                    <a:pt x="785120" y="214896"/>
+                    <a:pt x="774668" y="258660"/>
+                    <a:pt x="774668" y="308788"/>
+                  </a:cubicBezTo>
+                  <a:cubicBezTo>
+                    <a:pt x="774668" y="364332"/>
+                    <a:pt x="787601" y="416684"/>
+                    <a:pt x="813465" y="465845"/>
+                  </a:cubicBezTo>
+                  <a:cubicBezTo>
+                    <a:pt x="839330" y="515006"/>
+                    <a:pt x="873917" y="554243"/>
+                    <a:pt x="917228" y="583557"/>
+                  </a:cubicBezTo>
+                  <a:cubicBezTo>
+                    <a:pt x="960538" y="612872"/>
+                    <a:pt x="1006195" y="627529"/>
+                    <a:pt x="1054197" y="627529"/>
+                  </a:cubicBezTo>
+                  <a:cubicBezTo>
+                    <a:pt x="1089617" y="627529"/>
+                    <a:pt x="1123545" y="618769"/>
+                    <a:pt x="1155980" y="601251"/>
+                  </a:cubicBezTo>
+                  <a:cubicBezTo>
+                    <a:pt x="1188415" y="583732"/>
+                    <a:pt x="1215083" y="556586"/>
+                    <a:pt x="1235984" y="519812"/>
+                  </a:cubicBezTo>
+                  <a:cubicBezTo>
+                    <a:pt x="1256885" y="483038"/>
+                    <a:pt x="1267336" y="437405"/>
+                    <a:pt x="1267336" y="382913"/>
+                  </a:cubicBezTo>
+                  <a:cubicBezTo>
+                    <a:pt x="1267336" y="339463"/>
+                    <a:pt x="1260268" y="298062"/>
+                    <a:pt x="1246132" y="258712"/>
+                  </a:cubicBezTo>
+                  <a:cubicBezTo>
+                    <a:pt x="1231995" y="219362"/>
+                    <a:pt x="1212438" y="185014"/>
+                    <a:pt x="1187460" y="155669"/>
+                  </a:cubicBezTo>
+                  <a:cubicBezTo>
+                    <a:pt x="1162482" y="126323"/>
+                    <a:pt x="1133669" y="103576"/>
+                    <a:pt x="1101022" y="87426"/>
+                  </a:cubicBezTo>
+                  <a:cubicBezTo>
+                    <a:pt x="1068374" y="71275"/>
+                    <a:pt x="1034213" y="63200"/>
+                    <a:pt x="998538" y="63200"/>
+                  </a:cubicBezTo>
+                  <a:close/>
+                  <a:moveTo>
+                    <a:pt x="240532" y="55238"/>
+                  </a:moveTo>
+                  <a:cubicBezTo>
+                    <a:pt x="227023" y="55238"/>
+                    <a:pt x="212366" y="56874"/>
+                    <a:pt x="196561" y="60145"/>
+                  </a:cubicBezTo>
+                  <a:cubicBezTo>
+                    <a:pt x="180756" y="63416"/>
+                    <a:pt x="172065" y="67236"/>
+                    <a:pt x="170489" y="71606"/>
+                  </a:cubicBezTo>
+                  <a:cubicBezTo>
+                    <a:pt x="163325" y="86857"/>
+                    <a:pt x="159743" y="169740"/>
+                    <a:pt x="159743" y="320257"/>
+                  </a:cubicBezTo>
+                  <a:cubicBezTo>
+                    <a:pt x="175357" y="324057"/>
+                    <a:pt x="198223" y="325957"/>
+                    <a:pt x="228340" y="325957"/>
+                  </a:cubicBezTo>
+                  <a:cubicBezTo>
+                    <a:pt x="243814" y="325957"/>
+                    <a:pt x="259860" y="324869"/>
+                    <a:pt x="276480" y="322695"/>
+                  </a:cubicBezTo>
+                  <a:cubicBezTo>
+                    <a:pt x="293099" y="320520"/>
+                    <a:pt x="309943" y="315809"/>
+                    <a:pt x="327014" y="308562"/>
+                  </a:cubicBezTo>
+                  <a:cubicBezTo>
+                    <a:pt x="344084" y="301315"/>
+                    <a:pt x="358709" y="289231"/>
+                    <a:pt x="370888" y="272308"/>
+                  </a:cubicBezTo>
+                  <a:cubicBezTo>
+                    <a:pt x="383068" y="255386"/>
+                    <a:pt x="389157" y="232373"/>
+                    <a:pt x="389157" y="203272"/>
+                  </a:cubicBezTo>
+                  <a:cubicBezTo>
+                    <a:pt x="389157" y="182765"/>
+                    <a:pt x="383720" y="161107"/>
+                    <a:pt x="372844" y="138298"/>
+                  </a:cubicBezTo>
+                  <a:cubicBezTo>
+                    <a:pt x="361968" y="115489"/>
+                    <a:pt x="345263" y="95944"/>
+                    <a:pt x="322729" y="79662"/>
+                  </a:cubicBezTo>
+                  <a:cubicBezTo>
+                    <a:pt x="300195" y="63379"/>
+                    <a:pt x="272796" y="55238"/>
+                    <a:pt x="240532" y="55238"/>
+                  </a:cubicBezTo>
+                  <a:close/>
+                  <a:moveTo>
+                    <a:pt x="256737" y="14431"/>
+                  </a:moveTo>
+                  <a:cubicBezTo>
+                    <a:pt x="291847" y="14431"/>
+                    <a:pt x="323703" y="19371"/>
+                    <a:pt x="352304" y="29252"/>
+                  </a:cubicBezTo>
+                  <a:cubicBezTo>
+                    <a:pt x="380906" y="39132"/>
+                    <a:pt x="404916" y="52327"/>
+                    <a:pt x="424334" y="68838"/>
+                  </a:cubicBezTo>
+                  <a:cubicBezTo>
+                    <a:pt x="443753" y="85348"/>
+                    <a:pt x="458503" y="104304"/>
+                    <a:pt x="468586" y="125705"/>
+                  </a:cubicBezTo>
+                  <a:cubicBezTo>
+                    <a:pt x="478668" y="147107"/>
+                    <a:pt x="483709" y="168971"/>
+                    <a:pt x="483709" y="191297"/>
+                  </a:cubicBezTo>
+                  <a:cubicBezTo>
+                    <a:pt x="483709" y="214401"/>
+                    <a:pt x="478493" y="236898"/>
+                    <a:pt x="468061" y="258786"/>
+                  </a:cubicBezTo>
+                  <a:cubicBezTo>
+                    <a:pt x="457629" y="280675"/>
+                    <a:pt x="441989" y="300409"/>
+                    <a:pt x="421143" y="317990"/>
+                  </a:cubicBezTo>
+                  <a:cubicBezTo>
+                    <a:pt x="400296" y="335571"/>
+                    <a:pt x="375884" y="348970"/>
+                    <a:pt x="347907" y="358187"/>
+                  </a:cubicBezTo>
+                  <a:lnTo>
+                    <a:pt x="368225" y="381094"/>
+                  </a:lnTo>
+                  <a:cubicBezTo>
+                    <a:pt x="398441" y="426457"/>
+                    <a:pt x="423805" y="463523"/>
+                    <a:pt x="444318" y="492290"/>
+                  </a:cubicBezTo>
+                  <a:cubicBezTo>
+                    <a:pt x="464830" y="521058"/>
+                    <a:pt x="486473" y="548444"/>
+                    <a:pt x="509248" y="574448"/>
+                  </a:cubicBezTo>
+                  <a:cubicBezTo>
+                    <a:pt x="532024" y="600453"/>
+                    <a:pt x="554845" y="621268"/>
+                    <a:pt x="577713" y="636895"/>
+                  </a:cubicBezTo>
+                  <a:cubicBezTo>
+                    <a:pt x="600582" y="652521"/>
+                    <a:pt x="622982" y="661268"/>
+                    <a:pt x="644915" y="663134"/>
+                  </a:cubicBezTo>
+                  <a:cubicBezTo>
+                    <a:pt x="656547" y="664969"/>
+                    <a:pt x="662364" y="671425"/>
+                    <a:pt x="662364" y="682503"/>
+                  </a:cubicBezTo>
+                  <a:cubicBezTo>
+                    <a:pt x="662364" y="689475"/>
+                    <a:pt x="659612" y="694331"/>
+                    <a:pt x="654110" y="697071"/>
+                  </a:cubicBezTo>
+                  <a:cubicBezTo>
+                    <a:pt x="648607" y="699810"/>
+                    <a:pt x="639433" y="701180"/>
+                    <a:pt x="626588" y="701180"/>
+                  </a:cubicBezTo>
+                  <a:cubicBezTo>
+                    <a:pt x="593499" y="701180"/>
+                    <a:pt x="561807" y="694008"/>
+                    <a:pt x="531510" y="679665"/>
+                  </a:cubicBezTo>
+                  <a:cubicBezTo>
+                    <a:pt x="501213" y="665321"/>
+                    <a:pt x="472589" y="646139"/>
+                    <a:pt x="445636" y="622117"/>
+                  </a:cubicBezTo>
+                  <a:cubicBezTo>
+                    <a:pt x="418683" y="598095"/>
+                    <a:pt x="394923" y="573194"/>
+                    <a:pt x="374356" y="547412"/>
+                  </a:cubicBezTo>
+                  <a:cubicBezTo>
+                    <a:pt x="353789" y="521630"/>
+                    <a:pt x="329357" y="488676"/>
+                    <a:pt x="301059" y="448548"/>
+                  </a:cubicBezTo>
+                  <a:lnTo>
+                    <a:pt x="247880" y="372735"/>
+                  </a:lnTo>
+                  <a:cubicBezTo>
+                    <a:pt x="207431" y="372735"/>
+                    <a:pt x="176969" y="370617"/>
+                    <a:pt x="156493" y="366382"/>
+                  </a:cubicBezTo>
+                  <a:lnTo>
+                    <a:pt x="155762" y="463695"/>
+                  </a:lnTo>
+                  <a:cubicBezTo>
+                    <a:pt x="155762" y="497037"/>
+                    <a:pt x="156451" y="528128"/>
+                    <a:pt x="157830" y="556968"/>
+                  </a:cubicBezTo>
+                  <a:cubicBezTo>
+                    <a:pt x="159209" y="585808"/>
+                    <a:pt x="162237" y="605920"/>
+                    <a:pt x="166912" y="617304"/>
+                  </a:cubicBezTo>
+                  <a:cubicBezTo>
+                    <a:pt x="168986" y="623514"/>
+                    <a:pt x="172410" y="627844"/>
+                    <a:pt x="177184" y="630293"/>
+                  </a:cubicBezTo>
+                  <a:cubicBezTo>
+                    <a:pt x="181958" y="632742"/>
+                    <a:pt x="194293" y="636632"/>
+                    <a:pt x="214189" y="641960"/>
+                  </a:cubicBezTo>
+                  <a:cubicBezTo>
+                    <a:pt x="227988" y="645014"/>
+                    <a:pt x="234887" y="650915"/>
+                    <a:pt x="234887" y="659666"/>
+                  </a:cubicBezTo>
+                  <a:cubicBezTo>
+                    <a:pt x="234887" y="673408"/>
+                    <a:pt x="229128" y="680279"/>
+                    <a:pt x="217610" y="680279"/>
+                  </a:cubicBezTo>
+                  <a:cubicBezTo>
+                    <a:pt x="211374" y="680279"/>
+                    <a:pt x="196940" y="678579"/>
+                    <a:pt x="174307" y="675178"/>
+                  </a:cubicBezTo>
+                  <a:cubicBezTo>
+                    <a:pt x="147221" y="672607"/>
+                    <a:pt x="130947" y="671321"/>
+                    <a:pt x="125484" y="671321"/>
+                  </a:cubicBezTo>
+                  <a:cubicBezTo>
+                    <a:pt x="94832" y="671321"/>
+                    <a:pt x="62765" y="673644"/>
+                    <a:pt x="29283" y="678288"/>
+                  </a:cubicBezTo>
+                  <a:cubicBezTo>
+                    <a:pt x="26945" y="678288"/>
+                    <a:pt x="24146" y="678620"/>
+                    <a:pt x="20885" y="679284"/>
+                  </a:cubicBezTo>
+                  <a:cubicBezTo>
+                    <a:pt x="6961" y="679284"/>
+                    <a:pt x="0" y="673058"/>
+                    <a:pt x="0" y="660607"/>
+                  </a:cubicBezTo>
+                  <a:cubicBezTo>
+                    <a:pt x="0" y="653805"/>
+                    <a:pt x="2133" y="648991"/>
+                    <a:pt x="6399" y="646163"/>
+                  </a:cubicBezTo>
+                  <a:cubicBezTo>
+                    <a:pt x="10665" y="643335"/>
+                    <a:pt x="17630" y="640618"/>
+                    <a:pt x="27292" y="638010"/>
+                  </a:cubicBezTo>
+                  <a:cubicBezTo>
+                    <a:pt x="39806" y="634667"/>
+                    <a:pt x="48680" y="629782"/>
+                    <a:pt x="53916" y="623357"/>
+                  </a:cubicBezTo>
+                  <a:cubicBezTo>
+                    <a:pt x="59152" y="616932"/>
+                    <a:pt x="63172" y="602551"/>
+                    <a:pt x="65976" y="580214"/>
+                  </a:cubicBezTo>
+                  <a:cubicBezTo>
+                    <a:pt x="68780" y="557877"/>
+                    <a:pt x="70344" y="521383"/>
+                    <a:pt x="70665" y="470732"/>
+                  </a:cubicBezTo>
+                  <a:lnTo>
+                    <a:pt x="70665" y="254894"/>
+                  </a:lnTo>
+                  <a:cubicBezTo>
+                    <a:pt x="71313" y="202377"/>
+                    <a:pt x="71076" y="164093"/>
+                    <a:pt x="69953" y="140040"/>
+                  </a:cubicBezTo>
+                  <a:cubicBezTo>
+                    <a:pt x="68831" y="115987"/>
+                    <a:pt x="66469" y="99030"/>
+                    <a:pt x="62866" y="89167"/>
+                  </a:cubicBezTo>
+                  <a:cubicBezTo>
+                    <a:pt x="59263" y="79305"/>
+                    <a:pt x="53931" y="72799"/>
+                    <a:pt x="46871" y="69650"/>
+                  </a:cubicBezTo>
+                  <a:cubicBezTo>
+                    <a:pt x="39811" y="66501"/>
+                    <a:pt x="24519" y="63452"/>
+                    <a:pt x="995" y="60502"/>
+                  </a:cubicBezTo>
+                  <a:lnTo>
+                    <a:pt x="4051" y="25900"/>
+                  </a:lnTo>
+                  <a:cubicBezTo>
+                    <a:pt x="24692" y="26548"/>
+                    <a:pt x="49588" y="26872"/>
+                    <a:pt x="78736" y="26872"/>
+                  </a:cubicBezTo>
+                  <a:cubicBezTo>
+                    <a:pt x="87139" y="26872"/>
+                    <a:pt x="115808" y="24799"/>
+                    <a:pt x="164743" y="20652"/>
+                  </a:cubicBezTo>
+                  <a:cubicBezTo>
+                    <a:pt x="213678" y="16505"/>
+                    <a:pt x="244343" y="14431"/>
+                    <a:pt x="256737" y="14431"/>
+                  </a:cubicBezTo>
+                  <a:close/>
+                  <a:moveTo>
+                    <a:pt x="1857982" y="8957"/>
+                  </a:moveTo>
+                  <a:cubicBezTo>
+                    <a:pt x="1898897" y="8957"/>
+                    <a:pt x="1939403" y="17043"/>
+                    <a:pt x="1979500" y="33213"/>
+                  </a:cubicBezTo>
+                  <a:cubicBezTo>
+                    <a:pt x="2019596" y="49384"/>
+                    <a:pt x="2055396" y="71961"/>
+                    <a:pt x="2086898" y="100944"/>
+                  </a:cubicBezTo>
+                  <a:cubicBezTo>
+                    <a:pt x="2118400" y="129926"/>
+                    <a:pt x="2143553" y="165401"/>
+                    <a:pt x="2162357" y="207369"/>
+                  </a:cubicBezTo>
+                  <a:cubicBezTo>
+                    <a:pt x="2181161" y="249337"/>
+                    <a:pt x="2190564" y="294851"/>
+                    <a:pt x="2190564" y="343911"/>
+                  </a:cubicBezTo>
+                  <a:cubicBezTo>
+                    <a:pt x="2190564" y="403752"/>
+                    <a:pt x="2175616" y="459781"/>
+                    <a:pt x="2145721" y="511998"/>
+                  </a:cubicBezTo>
+                  <a:cubicBezTo>
+                    <a:pt x="2115826" y="564214"/>
+                    <a:pt x="2074331" y="605730"/>
+                    <a:pt x="2021236" y="636545"/>
+                  </a:cubicBezTo>
+                  <a:cubicBezTo>
+                    <a:pt x="1968141" y="667360"/>
+                    <a:pt x="1908029" y="682767"/>
+                    <a:pt x="1840898" y="682767"/>
+                  </a:cubicBezTo>
+                  <a:cubicBezTo>
+                    <a:pt x="1789387" y="682767"/>
+                    <a:pt x="1743017" y="672713"/>
+                    <a:pt x="1701787" y="652605"/>
+                  </a:cubicBezTo>
+                  <a:cubicBezTo>
+                    <a:pt x="1660558" y="632497"/>
+                    <a:pt x="1625422" y="605323"/>
+                    <a:pt x="1596380" y="571081"/>
+                  </a:cubicBezTo>
+                  <a:cubicBezTo>
+                    <a:pt x="1567338" y="536840"/>
+                    <a:pt x="1545728" y="500293"/>
+                    <a:pt x="1531550" y="461440"/>
+                  </a:cubicBezTo>
+                  <a:cubicBezTo>
+                    <a:pt x="1517373" y="422588"/>
+                    <a:pt x="1510284" y="384062"/>
+                    <a:pt x="1510284" y="345862"/>
+                  </a:cubicBezTo>
+                  <a:cubicBezTo>
+                    <a:pt x="1510284" y="284719"/>
+                    <a:pt x="1526445" y="228362"/>
+                    <a:pt x="1558765" y="176792"/>
+                  </a:cubicBezTo>
+                  <a:cubicBezTo>
+                    <a:pt x="1591086" y="125221"/>
+                    <a:pt x="1634061" y="84355"/>
+                    <a:pt x="1687690" y="54196"/>
+                  </a:cubicBezTo>
+                  <a:cubicBezTo>
+                    <a:pt x="1741319" y="24037"/>
+                    <a:pt x="1798083" y="8957"/>
+                    <a:pt x="1857982" y="8957"/>
+                  </a:cubicBezTo>
+                  <a:close/>
+                  <a:moveTo>
+                    <a:pt x="1029307" y="8957"/>
+                  </a:moveTo>
+                  <a:cubicBezTo>
+                    <a:pt x="1070222" y="8957"/>
+                    <a:pt x="1110728" y="17043"/>
+                    <a:pt x="1150825" y="33213"/>
+                  </a:cubicBezTo>
+                  <a:cubicBezTo>
+                    <a:pt x="1190922" y="49384"/>
+                    <a:pt x="1226721" y="71961"/>
+                    <a:pt x="1258223" y="100944"/>
+                  </a:cubicBezTo>
+                  <a:cubicBezTo>
+                    <a:pt x="1289725" y="129926"/>
+                    <a:pt x="1314878" y="165401"/>
+                    <a:pt x="1333682" y="207369"/>
+                  </a:cubicBezTo>
+                  <a:cubicBezTo>
+                    <a:pt x="1352486" y="249337"/>
+                    <a:pt x="1361888" y="294851"/>
+                    <a:pt x="1361888" y="343911"/>
+                  </a:cubicBezTo>
+                  <a:cubicBezTo>
+                    <a:pt x="1361888" y="403752"/>
+                    <a:pt x="1346941" y="459781"/>
+                    <a:pt x="1317046" y="511998"/>
+                  </a:cubicBezTo>
+                  <a:cubicBezTo>
+                    <a:pt x="1287151" y="564214"/>
+                    <a:pt x="1245656" y="605730"/>
+                    <a:pt x="1192561" y="636545"/>
+                  </a:cubicBezTo>
+                  <a:cubicBezTo>
+                    <a:pt x="1139466" y="667360"/>
+                    <a:pt x="1079354" y="682767"/>
+                    <a:pt x="1012223" y="682767"/>
+                  </a:cubicBezTo>
+                  <a:cubicBezTo>
+                    <a:pt x="960712" y="682767"/>
+                    <a:pt x="914342" y="672713"/>
+                    <a:pt x="873112" y="652605"/>
+                  </a:cubicBezTo>
+                  <a:cubicBezTo>
+                    <a:pt x="831883" y="632497"/>
+                    <a:pt x="796747" y="605323"/>
+                    <a:pt x="767705" y="571081"/>
+                  </a:cubicBezTo>
+                  <a:cubicBezTo>
+                    <a:pt x="738663" y="536840"/>
+                    <a:pt x="717053" y="500293"/>
+                    <a:pt x="702875" y="461440"/>
+                  </a:cubicBezTo>
+                  <a:cubicBezTo>
+                    <a:pt x="688698" y="422588"/>
+                    <a:pt x="681609" y="384062"/>
+                    <a:pt x="681609" y="345862"/>
+                  </a:cubicBezTo>
+                  <a:cubicBezTo>
+                    <a:pt x="681609" y="284719"/>
+                    <a:pt x="697769" y="228362"/>
+                    <a:pt x="730090" y="176792"/>
+                  </a:cubicBezTo>
+                  <a:cubicBezTo>
+                    <a:pt x="762411" y="125221"/>
+                    <a:pt x="805386" y="84355"/>
+                    <a:pt x="859015" y="54196"/>
+                  </a:cubicBezTo>
+                  <a:cubicBezTo>
+                    <a:pt x="912644" y="24037"/>
+                    <a:pt x="969408" y="8957"/>
+                    <a:pt x="1029307" y="8957"/>
+                  </a:cubicBezTo>
+                  <a:close/>
+                  <a:moveTo>
+                    <a:pt x="2353632" y="0"/>
+                  </a:moveTo>
+                  <a:cubicBezTo>
+                    <a:pt x="2359319" y="0"/>
+                    <a:pt x="2364697" y="3276"/>
+                    <a:pt x="2369766" y="9828"/>
+                  </a:cubicBezTo>
+                  <a:cubicBezTo>
+                    <a:pt x="2374333" y="17671"/>
+                    <a:pt x="2383775" y="22295"/>
+                    <a:pt x="2398093" y="23700"/>
+                  </a:cubicBezTo>
+                  <a:cubicBezTo>
+                    <a:pt x="2407808" y="25297"/>
+                    <a:pt x="2418047" y="26285"/>
+                    <a:pt x="2428811" y="26666"/>
+                  </a:cubicBezTo>
+                  <a:cubicBezTo>
+                    <a:pt x="2439575" y="27047"/>
+                    <a:pt x="2450549" y="27343"/>
+                    <a:pt x="2461733" y="27553"/>
+                  </a:cubicBezTo>
+                  <a:cubicBezTo>
+                    <a:pt x="2472917" y="27763"/>
+                    <a:pt x="2497873" y="27868"/>
+                    <a:pt x="2536602" y="27868"/>
+                  </a:cubicBezTo>
+                  <a:cubicBezTo>
+                    <a:pt x="2662277" y="27868"/>
+                    <a:pt x="2786994" y="26240"/>
+                    <a:pt x="2910752" y="22985"/>
+                  </a:cubicBezTo>
+                  <a:lnTo>
+                    <a:pt x="2910752" y="44966"/>
+                  </a:lnTo>
+                  <a:cubicBezTo>
+                    <a:pt x="2886274" y="77500"/>
+                    <a:pt x="2867150" y="101353"/>
+                    <a:pt x="2853380" y="116526"/>
+                  </a:cubicBezTo>
+                  <a:cubicBezTo>
+                    <a:pt x="2839608" y="131699"/>
+                    <a:pt x="2821175" y="154194"/>
+                    <a:pt x="2798078" y="184011"/>
+                  </a:cubicBezTo>
+                  <a:cubicBezTo>
+                    <a:pt x="2774982" y="213828"/>
+                    <a:pt x="2758724" y="235214"/>
+                    <a:pt x="2749305" y="248168"/>
+                  </a:cubicBezTo>
+                  <a:cubicBezTo>
+                    <a:pt x="2739886" y="261123"/>
+                    <a:pt x="2734096" y="268919"/>
+                    <a:pt x="2731934" y="271558"/>
+                  </a:cubicBezTo>
+                  <a:lnTo>
+                    <a:pt x="2622570" y="410369"/>
+                  </a:lnTo>
+                  <a:cubicBezTo>
+                    <a:pt x="2617780" y="415481"/>
+                    <a:pt x="2605211" y="431602"/>
+                    <a:pt x="2584865" y="458734"/>
+                  </a:cubicBezTo>
+                  <a:cubicBezTo>
+                    <a:pt x="2576110" y="468837"/>
+                    <a:pt x="2566480" y="480396"/>
+                    <a:pt x="2555978" y="493410"/>
+                  </a:cubicBezTo>
+                  <a:cubicBezTo>
+                    <a:pt x="2545476" y="506424"/>
+                    <a:pt x="2533729" y="521200"/>
+                    <a:pt x="2520739" y="537739"/>
+                  </a:cubicBezTo>
+                  <a:cubicBezTo>
+                    <a:pt x="2507748" y="554278"/>
+                    <a:pt x="2495232" y="570152"/>
+                    <a:pt x="2483190" y="585361"/>
+                  </a:cubicBezTo>
+                  <a:cubicBezTo>
+                    <a:pt x="2471148" y="600570"/>
+                    <a:pt x="2458585" y="612711"/>
+                    <a:pt x="2445502" y="621783"/>
+                  </a:cubicBezTo>
+                  <a:cubicBezTo>
+                    <a:pt x="2469741" y="625613"/>
+                    <a:pt x="2509231" y="627529"/>
+                    <a:pt x="2563972" y="627529"/>
+                  </a:cubicBezTo>
+                  <a:cubicBezTo>
+                    <a:pt x="2642615" y="627529"/>
+                    <a:pt x="2699002" y="625305"/>
+                    <a:pt x="2733132" y="620857"/>
+                  </a:cubicBezTo>
+                  <a:cubicBezTo>
+                    <a:pt x="2767262" y="616410"/>
+                    <a:pt x="2797248" y="610020"/>
+                    <a:pt x="2823089" y="601690"/>
+                  </a:cubicBezTo>
+                  <a:cubicBezTo>
+                    <a:pt x="2846940" y="590037"/>
+                    <a:pt x="2863430" y="579422"/>
+                    <a:pt x="2872558" y="569845"/>
+                  </a:cubicBezTo>
+                  <a:cubicBezTo>
+                    <a:pt x="2881686" y="560268"/>
+                    <a:pt x="2891500" y="542836"/>
+                    <a:pt x="2901997" y="517549"/>
+                  </a:cubicBezTo>
+                  <a:lnTo>
+                    <a:pt x="2932150" y="532455"/>
+                  </a:lnTo>
+                  <a:cubicBezTo>
+                    <a:pt x="2924784" y="554004"/>
+                    <a:pt x="2914454" y="581279"/>
+                    <a:pt x="2901161" y="614279"/>
+                  </a:cubicBezTo>
+                  <a:cubicBezTo>
+                    <a:pt x="2887867" y="647279"/>
+                    <a:pt x="2877757" y="671601"/>
+                    <a:pt x="2870832" y="687246"/>
+                  </a:cubicBezTo>
+                  <a:cubicBezTo>
+                    <a:pt x="2860796" y="687246"/>
+                    <a:pt x="2852338" y="686111"/>
+                    <a:pt x="2845460" y="683840"/>
+                  </a:cubicBezTo>
+                  <a:cubicBezTo>
+                    <a:pt x="2844894" y="678833"/>
+                    <a:pt x="2838691" y="675328"/>
+                    <a:pt x="2826848" y="673328"/>
+                  </a:cubicBezTo>
+                  <a:cubicBezTo>
+                    <a:pt x="2815006" y="671327"/>
+                    <a:pt x="2778749" y="670326"/>
+                    <a:pt x="2718078" y="670326"/>
+                  </a:cubicBezTo>
+                  <a:lnTo>
+                    <a:pt x="2466294" y="670326"/>
+                  </a:lnTo>
+                  <a:cubicBezTo>
+                    <a:pt x="2415332" y="670326"/>
+                    <a:pt x="2360617" y="672278"/>
+                    <a:pt x="2302149" y="676181"/>
+                  </a:cubicBezTo>
+                  <a:cubicBezTo>
+                    <a:pt x="2302574" y="665980"/>
+                    <a:pt x="2302843" y="660346"/>
+                    <a:pt x="2302958" y="659281"/>
+                  </a:cubicBezTo>
+                  <a:cubicBezTo>
+                    <a:pt x="2303071" y="658216"/>
+                    <a:pt x="2303098" y="655348"/>
+                    <a:pt x="2303036" y="650677"/>
+                  </a:cubicBezTo>
+                  <a:cubicBezTo>
+                    <a:pt x="2345791" y="606485"/>
+                    <a:pt x="2389062" y="559411"/>
+                    <a:pt x="2432847" y="509455"/>
+                  </a:cubicBezTo>
+                  <a:cubicBezTo>
+                    <a:pt x="2476632" y="459499"/>
+                    <a:pt x="2515401" y="413300"/>
+                    <a:pt x="2549155" y="370857"/>
+                  </a:cubicBezTo>
+                  <a:cubicBezTo>
+                    <a:pt x="2582910" y="328415"/>
+                    <a:pt x="2620892" y="278643"/>
+                    <a:pt x="2663104" y="221541"/>
+                  </a:cubicBezTo>
+                  <a:cubicBezTo>
+                    <a:pt x="2705316" y="164439"/>
+                    <a:pt x="2742688" y="115811"/>
+                    <a:pt x="2775222" y="75657"/>
+                  </a:cubicBezTo>
+                  <a:cubicBezTo>
+                    <a:pt x="2757638" y="74978"/>
+                    <a:pt x="2733070" y="74308"/>
+                    <a:pt x="2701516" y="73647"/>
+                  </a:cubicBezTo>
+                  <a:cubicBezTo>
+                    <a:pt x="2669962" y="72986"/>
+                    <a:pt x="2635630" y="72656"/>
+                    <a:pt x="2598519" y="72656"/>
+                  </a:cubicBezTo>
+                  <a:cubicBezTo>
+                    <a:pt x="2527910" y="72656"/>
+                    <a:pt x="2477260" y="74623"/>
+                    <a:pt x="2446567" y="78557"/>
+                  </a:cubicBezTo>
+                  <a:cubicBezTo>
+                    <a:pt x="2415873" y="82492"/>
+                    <a:pt x="2393375" y="90060"/>
+                    <a:pt x="2379070" y="101262"/>
+                  </a:cubicBezTo>
+                  <a:cubicBezTo>
+                    <a:pt x="2364765" y="112465"/>
+                    <a:pt x="2349746" y="133617"/>
+                    <a:pt x="2334014" y="164720"/>
+                  </a:cubicBezTo>
+                  <a:lnTo>
+                    <a:pt x="2305120" y="152403"/>
+                  </a:lnTo>
+                  <a:cubicBezTo>
+                    <a:pt x="2309297" y="135328"/>
+                    <a:pt x="2313005" y="120319"/>
+                    <a:pt x="2316243" y="107378"/>
+                  </a:cubicBezTo>
+                  <a:cubicBezTo>
+                    <a:pt x="2319480" y="94437"/>
+                    <a:pt x="2321755" y="85071"/>
+                    <a:pt x="2323070" y="79281"/>
+                  </a:cubicBezTo>
+                  <a:cubicBezTo>
+                    <a:pt x="2324384" y="73490"/>
+                    <a:pt x="2325528" y="68602"/>
+                    <a:pt x="2326503" y="64616"/>
+                  </a:cubicBezTo>
+                  <a:lnTo>
+                    <a:pt x="2336650" y="17215"/>
+                  </a:lnTo>
+                  <a:cubicBezTo>
+                    <a:pt x="2337412" y="14136"/>
+                    <a:pt x="2338827" y="10497"/>
+                    <a:pt x="2340895" y="6298"/>
+                  </a:cubicBezTo>
+                  <a:cubicBezTo>
+                    <a:pt x="2342964" y="2099"/>
+                    <a:pt x="2347209" y="0"/>
+                    <a:pt x="2353632" y="0"/>
+                  </a:cubicBezTo>
+                  <a:close/>
+                </a:path>
+              </a:pathLst>
+            </a:custGeom>
+            <a:solidFill>
+              <a:srgbClr val="FF0000"/>
+            </a:solidFill>
+            <a:ln w="3175">
+              <a:noFill/>
+            </a:ln>
+            <a:effectLst/>
+            <a:scene3d>
+              <a:camera prst="orthographicFront">
+                <a:rot lat="0" lon="0" rev="0"/>
+              </a:camera>
+              <a:lightRig rig="contrasting" dir="t">
+                <a:rot lat="0" lon="0" rev="1500000"/>
+              </a:lightRig>
+            </a:scene3d>
+            <a:sp3d prstMaterial="metal">
+              <a:bevelT w="88900" h="88900"/>
+            </a:sp3d>
+          </p:spPr>
+          <p:txBody>
+            <a:bodyPr rot="0" spcFirstLastPara="0" vertOverflow="overflow" horzOverflow="overflow" vert="horz" wrap="square" lIns="91440" tIns="45720" rIns="91440" bIns="45720" numCol="1" spcCol="0" rtlCol="0" fromWordArt="0" anchor="t" anchorCtr="0" forceAA="0" compatLnSpc="1">
+              <a:prstTxWarp prst="textNoShape">
+                <a:avLst/>
+              </a:prstTxWarp>
+              <a:noAutofit/>
+            </a:bodyPr>
+            <a:lstStyle/>
+            <a:p>
+              <a:pPr algn="ctr"/>
+              <a:endParaRPr lang="en-US" sz="8000" b="1" cap="none" spc="600" dirty="0">
+                <a:ln w="0"/>
+                <a:solidFill>
+                  <a:schemeClr val="tx1"/>
+                </a:solidFill>
+                <a:latin typeface="Centaur" panose="02030504050205020304" pitchFamily="18" charset="0"/>
+              </a:endParaRPr>
+            </a:p>
+          </p:txBody>
+        </p:sp>
+        <p:sp>
+          <p:nvSpPr>
+            <p:cNvPr id="3" name="Freeform: Shape 2">
+              <a:extLst>
+                <a:ext uri="{FF2B5EF4-FFF2-40B4-BE49-F238E27FC236}">
+                  <a16:creationId xmlns:a16="http://schemas.microsoft.com/office/drawing/2014/main" id="{05900188-5116-A655-00DA-C230B8208DB5}"/>
+                </a:ext>
+              </a:extLst>
+            </p:cNvPr>
+            <p:cNvSpPr/>
+            <p:nvPr/>
+          </p:nvSpPr>
+          <p:spPr>
+            <a:xfrm>
+              <a:off x="4256827" y="2487046"/>
+              <a:ext cx="2292711" cy="820192"/>
+            </a:xfrm>
+            <a:custGeom>
+              <a:avLst/>
+              <a:gdLst>
+                <a:gd name="connsiteX0" fmla="*/ 813584 w 1870852"/>
+                <a:gd name="connsiteY0" fmla="*/ 150094 h 669277"/>
+                <a:gd name="connsiteX1" fmla="*/ 805902 w 1870852"/>
+                <a:gd name="connsiteY1" fmla="*/ 182853 h 669277"/>
+                <a:gd name="connsiteX2" fmla="*/ 791789 w 1870852"/>
+                <a:gd name="connsiteY2" fmla="*/ 217735 h 669277"/>
+                <a:gd name="connsiteX3" fmla="*/ 736100 w 1870852"/>
+                <a:gd name="connsiteY3" fmla="*/ 360815 h 669277"/>
+                <a:gd name="connsiteX4" fmla="*/ 727698 w 1870852"/>
+                <a:gd name="connsiteY4" fmla="*/ 380486 h 669277"/>
+                <a:gd name="connsiteX5" fmla="*/ 724986 w 1870852"/>
+                <a:gd name="connsiteY5" fmla="*/ 384205 h 669277"/>
+                <a:gd name="connsiteX6" fmla="*/ 757145 w 1870852"/>
+                <a:gd name="connsiteY6" fmla="*/ 386751 h 669277"/>
+                <a:gd name="connsiteX7" fmla="*/ 804728 w 1870852"/>
+                <a:gd name="connsiteY7" fmla="*/ 387649 h 669277"/>
+                <a:gd name="connsiteX8" fmla="*/ 849485 w 1870852"/>
+                <a:gd name="connsiteY8" fmla="*/ 386669 h 669277"/>
+                <a:gd name="connsiteX9" fmla="*/ 905384 w 1870852"/>
+                <a:gd name="connsiteY9" fmla="*/ 385643 h 669277"/>
+                <a:gd name="connsiteX10" fmla="*/ 884211 w 1870852"/>
+                <a:gd name="connsiteY10" fmla="*/ 339541 h 669277"/>
+                <a:gd name="connsiteX11" fmla="*/ 849150 w 1870852"/>
+                <a:gd name="connsiteY11" fmla="*/ 249669 h 669277"/>
+                <a:gd name="connsiteX12" fmla="*/ 827005 w 1870852"/>
+                <a:gd name="connsiteY12" fmla="*/ 195205 h 669277"/>
+                <a:gd name="connsiteX13" fmla="*/ 813584 w 1870852"/>
+                <a:gd name="connsiteY13" fmla="*/ 150094 h 669277"/>
+                <a:gd name="connsiteX14" fmla="*/ 225661 w 1870852"/>
+                <a:gd name="connsiteY14" fmla="*/ 47276 h 669277"/>
+                <a:gd name="connsiteX15" fmla="*/ 169248 w 1870852"/>
+                <a:gd name="connsiteY15" fmla="*/ 54095 h 669277"/>
+                <a:gd name="connsiteX16" fmla="*/ 167923 w 1870852"/>
+                <a:gd name="connsiteY16" fmla="*/ 94560 h 669277"/>
+                <a:gd name="connsiteX17" fmla="*/ 165850 w 1870852"/>
+                <a:gd name="connsiteY17" fmla="*/ 174284 h 669277"/>
+                <a:gd name="connsiteX18" fmla="*/ 164202 w 1870852"/>
+                <a:gd name="connsiteY18" fmla="*/ 236731 h 669277"/>
+                <a:gd name="connsiteX19" fmla="*/ 163300 w 1870852"/>
+                <a:gd name="connsiteY19" fmla="*/ 280173 h 669277"/>
+                <a:gd name="connsiteX20" fmla="*/ 163976 w 1870852"/>
+                <a:gd name="connsiteY20" fmla="*/ 376724 h 669277"/>
+                <a:gd name="connsiteX21" fmla="*/ 232916 w 1870852"/>
+                <a:gd name="connsiteY21" fmla="*/ 385674 h 669277"/>
+                <a:gd name="connsiteX22" fmla="*/ 310669 w 1870852"/>
+                <a:gd name="connsiteY22" fmla="*/ 370741 h 669277"/>
+                <a:gd name="connsiteX23" fmla="*/ 376047 w 1870852"/>
+                <a:gd name="connsiteY23" fmla="*/ 319767 h 669277"/>
+                <a:gd name="connsiteX24" fmla="*/ 402644 w 1870852"/>
+                <a:gd name="connsiteY24" fmla="*/ 224538 h 669277"/>
+                <a:gd name="connsiteX25" fmla="*/ 383022 w 1870852"/>
+                <a:gd name="connsiteY25" fmla="*/ 138119 h 669277"/>
+                <a:gd name="connsiteX26" fmla="*/ 322787 w 1870852"/>
+                <a:gd name="connsiteY26" fmla="*/ 72465 h 669277"/>
+                <a:gd name="connsiteX27" fmla="*/ 225661 w 1870852"/>
+                <a:gd name="connsiteY27" fmla="*/ 47276 h 669277"/>
+                <a:gd name="connsiteX28" fmla="*/ 1494158 w 1870852"/>
+                <a:gd name="connsiteY28" fmla="*/ 5972 h 669277"/>
+                <a:gd name="connsiteX29" fmla="*/ 1494158 w 1870852"/>
+                <a:gd name="connsiteY29" fmla="*/ 40192 h 669277"/>
+                <a:gd name="connsiteX30" fmla="*/ 1424154 w 1870852"/>
+                <a:gd name="connsiteY30" fmla="*/ 64297 h 669277"/>
+                <a:gd name="connsiteX31" fmla="*/ 1417774 w 1870852"/>
+                <a:gd name="connsiteY31" fmla="*/ 113101 h 669277"/>
+                <a:gd name="connsiteX32" fmla="*/ 1412696 w 1870852"/>
+                <a:gd name="connsiteY32" fmla="*/ 203408 h 669277"/>
+                <a:gd name="connsiteX33" fmla="*/ 1411052 w 1870852"/>
+                <a:gd name="connsiteY33" fmla="*/ 279341 h 669277"/>
+                <a:gd name="connsiteX34" fmla="*/ 1411052 w 1870852"/>
+                <a:gd name="connsiteY34" fmla="*/ 327481 h 669277"/>
+                <a:gd name="connsiteX35" fmla="*/ 1450708 w 1870852"/>
+                <a:gd name="connsiteY35" fmla="*/ 281651 h 669277"/>
+                <a:gd name="connsiteX36" fmla="*/ 1570344 w 1870852"/>
+                <a:gd name="connsiteY36" fmla="*/ 163872 h 669277"/>
+                <a:gd name="connsiteX37" fmla="*/ 1636694 w 1870852"/>
+                <a:gd name="connsiteY37" fmla="*/ 86730 h 669277"/>
+                <a:gd name="connsiteX38" fmla="*/ 1646515 w 1870852"/>
+                <a:gd name="connsiteY38" fmla="*/ 63605 h 669277"/>
+                <a:gd name="connsiteX39" fmla="*/ 1599122 w 1870852"/>
+                <a:gd name="connsiteY39" fmla="*/ 48823 h 669277"/>
+                <a:gd name="connsiteX40" fmla="*/ 1597668 w 1870852"/>
+                <a:gd name="connsiteY40" fmla="*/ 10971 h 669277"/>
+                <a:gd name="connsiteX41" fmla="*/ 1688869 w 1870852"/>
+                <a:gd name="connsiteY41" fmla="*/ 12099 h 669277"/>
+                <a:gd name="connsiteX42" fmla="*/ 1802472 w 1870852"/>
+                <a:gd name="connsiteY42" fmla="*/ 6967 h 669277"/>
+                <a:gd name="connsiteX43" fmla="*/ 1804167 w 1870852"/>
+                <a:gd name="connsiteY43" fmla="*/ 44228 h 669277"/>
+                <a:gd name="connsiteX44" fmla="*/ 1694911 w 1870852"/>
+                <a:gd name="connsiteY44" fmla="*/ 101854 h 669277"/>
+                <a:gd name="connsiteX45" fmla="*/ 1580966 w 1870852"/>
+                <a:gd name="connsiteY45" fmla="*/ 203552 h 669277"/>
+                <a:gd name="connsiteX46" fmla="*/ 1502704 w 1870852"/>
+                <a:gd name="connsiteY46" fmla="*/ 278183 h 669277"/>
+                <a:gd name="connsiteX47" fmla="*/ 1465723 w 1870852"/>
+                <a:gd name="connsiteY47" fmla="*/ 314620 h 669277"/>
+                <a:gd name="connsiteX48" fmla="*/ 1642884 w 1870852"/>
+                <a:gd name="connsiteY48" fmla="*/ 458828 h 669277"/>
+                <a:gd name="connsiteX49" fmla="*/ 1798374 w 1870852"/>
+                <a:gd name="connsiteY49" fmla="*/ 585342 h 669277"/>
+                <a:gd name="connsiteX50" fmla="*/ 1869390 w 1870852"/>
+                <a:gd name="connsiteY50" fmla="*/ 634185 h 669277"/>
+                <a:gd name="connsiteX51" fmla="*/ 1870852 w 1870852"/>
+                <a:gd name="connsiteY51" fmla="*/ 665350 h 669277"/>
+                <a:gd name="connsiteX52" fmla="*/ 1845576 w 1870852"/>
+                <a:gd name="connsiteY52" fmla="*/ 663433 h 669277"/>
+                <a:gd name="connsiteX53" fmla="*/ 1829197 w 1870852"/>
+                <a:gd name="connsiteY53" fmla="*/ 661369 h 669277"/>
+                <a:gd name="connsiteX54" fmla="*/ 1784230 w 1870852"/>
+                <a:gd name="connsiteY54" fmla="*/ 659378 h 669277"/>
+                <a:gd name="connsiteX55" fmla="*/ 1668077 w 1870852"/>
+                <a:gd name="connsiteY55" fmla="*/ 665350 h 669277"/>
+                <a:gd name="connsiteX56" fmla="*/ 1666359 w 1870852"/>
+                <a:gd name="connsiteY56" fmla="*/ 635351 h 669277"/>
+                <a:gd name="connsiteX57" fmla="*/ 1681082 w 1870852"/>
+                <a:gd name="connsiteY57" fmla="*/ 630033 h 669277"/>
+                <a:gd name="connsiteX58" fmla="*/ 1697003 w 1870852"/>
+                <a:gd name="connsiteY58" fmla="*/ 626674 h 669277"/>
+                <a:gd name="connsiteX59" fmla="*/ 1707383 w 1870852"/>
+                <a:gd name="connsiteY59" fmla="*/ 625951 h 669277"/>
+                <a:gd name="connsiteX60" fmla="*/ 1603228 w 1870852"/>
+                <a:gd name="connsiteY60" fmla="*/ 533428 h 669277"/>
+                <a:gd name="connsiteX61" fmla="*/ 1512766 w 1870852"/>
+                <a:gd name="connsiteY61" fmla="*/ 459838 h 669277"/>
+                <a:gd name="connsiteX62" fmla="*/ 1485741 w 1870852"/>
+                <a:gd name="connsiteY62" fmla="*/ 438199 h 669277"/>
+                <a:gd name="connsiteX63" fmla="*/ 1451287 w 1870852"/>
+                <a:gd name="connsiteY63" fmla="*/ 410245 h 669277"/>
+                <a:gd name="connsiteX64" fmla="*/ 1427782 w 1870852"/>
+                <a:gd name="connsiteY64" fmla="*/ 392293 h 669277"/>
+                <a:gd name="connsiteX65" fmla="*/ 1411114 w 1870852"/>
+                <a:gd name="connsiteY65" fmla="*/ 381159 h 669277"/>
+                <a:gd name="connsiteX66" fmla="*/ 1411189 w 1870852"/>
+                <a:gd name="connsiteY66" fmla="*/ 394796 h 669277"/>
+                <a:gd name="connsiteX67" fmla="*/ 1413186 w 1870852"/>
+                <a:gd name="connsiteY67" fmla="*/ 501260 h 669277"/>
+                <a:gd name="connsiteX68" fmla="*/ 1419340 w 1870852"/>
+                <a:gd name="connsiteY68" fmla="*/ 603137 h 669277"/>
+                <a:gd name="connsiteX69" fmla="*/ 1449157 w 1870852"/>
+                <a:gd name="connsiteY69" fmla="*/ 623898 h 669277"/>
+                <a:gd name="connsiteX70" fmla="*/ 1495153 w 1870852"/>
+                <a:gd name="connsiteY70" fmla="*/ 633003 h 669277"/>
+                <a:gd name="connsiteX71" fmla="*/ 1495153 w 1870852"/>
+                <a:gd name="connsiteY71" fmla="*/ 667340 h 669277"/>
+                <a:gd name="connsiteX72" fmla="*/ 1420336 w 1870852"/>
+                <a:gd name="connsiteY72" fmla="*/ 662364 h 669277"/>
+                <a:gd name="connsiteX73" fmla="*/ 1343730 w 1870852"/>
+                <a:gd name="connsiteY73" fmla="*/ 661369 h 669277"/>
+                <a:gd name="connsiteX74" fmla="*/ 1252801 w 1870852"/>
+                <a:gd name="connsiteY74" fmla="*/ 663359 h 669277"/>
+                <a:gd name="connsiteX75" fmla="*/ 1252801 w 1870852"/>
+                <a:gd name="connsiteY75" fmla="*/ 627436 h 669277"/>
+                <a:gd name="connsiteX76" fmla="*/ 1299381 w 1870852"/>
+                <a:gd name="connsiteY76" fmla="*/ 618871 h 669277"/>
+                <a:gd name="connsiteX77" fmla="*/ 1313840 w 1870852"/>
+                <a:gd name="connsiteY77" fmla="*/ 594801 h 669277"/>
+                <a:gd name="connsiteX78" fmla="*/ 1320756 w 1870852"/>
+                <a:gd name="connsiteY78" fmla="*/ 527312 h 669277"/>
+                <a:gd name="connsiteX79" fmla="*/ 1325515 w 1870852"/>
+                <a:gd name="connsiteY79" fmla="*/ 410412 h 669277"/>
+                <a:gd name="connsiteX80" fmla="*/ 1326950 w 1870852"/>
+                <a:gd name="connsiteY80" fmla="*/ 334697 h 669277"/>
+                <a:gd name="connsiteX81" fmla="*/ 1323964 w 1870852"/>
+                <a:gd name="connsiteY81" fmla="*/ 159985 h 669277"/>
+                <a:gd name="connsiteX82" fmla="*/ 1321818 w 1870852"/>
+                <a:gd name="connsiteY82" fmla="*/ 95963 h 669277"/>
+                <a:gd name="connsiteX83" fmla="*/ 1314979 w 1870852"/>
+                <a:gd name="connsiteY83" fmla="*/ 65090 h 669277"/>
+                <a:gd name="connsiteX84" fmla="*/ 1300353 w 1870852"/>
+                <a:gd name="connsiteY84" fmla="*/ 52641 h 669277"/>
+                <a:gd name="connsiteX85" fmla="*/ 1258228 w 1870852"/>
+                <a:gd name="connsiteY85" fmla="*/ 44687 h 669277"/>
+                <a:gd name="connsiteX86" fmla="*/ 1256782 w 1870852"/>
+                <a:gd name="connsiteY86" fmla="*/ 8957 h 669277"/>
+                <a:gd name="connsiteX87" fmla="*/ 1382779 w 1870852"/>
+                <a:gd name="connsiteY87" fmla="*/ 12939 h 669277"/>
+                <a:gd name="connsiteX88" fmla="*/ 1440362 w 1870852"/>
+                <a:gd name="connsiteY88" fmla="*/ 10816 h 669277"/>
+                <a:gd name="connsiteX89" fmla="*/ 1494158 w 1870852"/>
+                <a:gd name="connsiteY89" fmla="*/ 5972 h 669277"/>
+                <a:gd name="connsiteX90" fmla="*/ 216952 w 1870852"/>
+                <a:gd name="connsiteY90" fmla="*/ 1990 h 669277"/>
+                <a:gd name="connsiteX91" fmla="*/ 341126 w 1870852"/>
+                <a:gd name="connsiteY91" fmla="*/ 21686 h 669277"/>
+                <a:gd name="connsiteX92" fmla="*/ 431102 w 1870852"/>
+                <a:gd name="connsiteY92" fmla="*/ 74374 h 669277"/>
+                <a:gd name="connsiteX93" fmla="*/ 485396 w 1870852"/>
+                <a:gd name="connsiteY93" fmla="*/ 145285 h 669277"/>
+                <a:gd name="connsiteX94" fmla="*/ 503168 w 1870852"/>
+                <a:gd name="connsiteY94" fmla="*/ 219173 h 669277"/>
+                <a:gd name="connsiteX95" fmla="*/ 469207 w 1870852"/>
+                <a:gd name="connsiteY95" fmla="*/ 323818 h 669277"/>
+                <a:gd name="connsiteX96" fmla="*/ 370036 w 1870852"/>
+                <a:gd name="connsiteY96" fmla="*/ 402598 h 669277"/>
+                <a:gd name="connsiteX97" fmla="*/ 216812 w 1870852"/>
+                <a:gd name="connsiteY97" fmla="*/ 432453 h 669277"/>
+                <a:gd name="connsiteX98" fmla="*/ 164272 w 1870852"/>
+                <a:gd name="connsiteY98" fmla="*/ 427476 h 669277"/>
+                <a:gd name="connsiteX99" fmla="*/ 165240 w 1870852"/>
+                <a:gd name="connsiteY99" fmla="*/ 506399 h 669277"/>
+                <a:gd name="connsiteX100" fmla="*/ 166387 w 1870852"/>
+                <a:gd name="connsiteY100" fmla="*/ 568084 h 669277"/>
+                <a:gd name="connsiteX101" fmla="*/ 172502 w 1870852"/>
+                <a:gd name="connsiteY101" fmla="*/ 605267 h 669277"/>
+                <a:gd name="connsiteX102" fmla="*/ 192505 w 1870852"/>
+                <a:gd name="connsiteY102" fmla="*/ 619769 h 669277"/>
+                <a:gd name="connsiteX103" fmla="*/ 258824 w 1870852"/>
+                <a:gd name="connsiteY103" fmla="*/ 627272 h 669277"/>
+                <a:gd name="connsiteX104" fmla="*/ 257176 w 1870852"/>
+                <a:gd name="connsiteY104" fmla="*/ 668336 h 669277"/>
+                <a:gd name="connsiteX105" fmla="*/ 197093 w 1870852"/>
+                <a:gd name="connsiteY105" fmla="*/ 663359 h 669277"/>
+                <a:gd name="connsiteX106" fmla="*/ 145603 w 1870852"/>
+                <a:gd name="connsiteY106" fmla="*/ 661369 h 669277"/>
+                <a:gd name="connsiteX107" fmla="*/ 64627 w 1870852"/>
+                <a:gd name="connsiteY107" fmla="*/ 666151 h 669277"/>
+                <a:gd name="connsiteX108" fmla="*/ 38104 w 1870852"/>
+                <a:gd name="connsiteY108" fmla="*/ 669277 h 669277"/>
+                <a:gd name="connsiteX109" fmla="*/ 9007 w 1870852"/>
+                <a:gd name="connsiteY109" fmla="*/ 663569 h 669277"/>
+                <a:gd name="connsiteX110" fmla="*/ 9007 w 1870852"/>
+                <a:gd name="connsiteY110" fmla="*/ 634550 h 669277"/>
+                <a:gd name="connsiteX111" fmla="*/ 61143 w 1870852"/>
+                <a:gd name="connsiteY111" fmla="*/ 617541 h 669277"/>
+                <a:gd name="connsiteX112" fmla="*/ 70715 w 1870852"/>
+                <a:gd name="connsiteY112" fmla="*/ 607382 h 669277"/>
+                <a:gd name="connsiteX113" fmla="*/ 78180 w 1870852"/>
+                <a:gd name="connsiteY113" fmla="*/ 382354 h 669277"/>
+                <a:gd name="connsiteX114" fmla="*/ 77931 w 1870852"/>
+                <a:gd name="connsiteY114" fmla="*/ 315720 h 669277"/>
+                <a:gd name="connsiteX115" fmla="*/ 77192 w 1870852"/>
+                <a:gd name="connsiteY115" fmla="*/ 260237 h 669277"/>
+                <a:gd name="connsiteX116" fmla="*/ 74719 w 1870852"/>
+                <a:gd name="connsiteY116" fmla="*/ 199407 h 669277"/>
+                <a:gd name="connsiteX117" fmla="*/ 71247 w 1870852"/>
+                <a:gd name="connsiteY117" fmla="*/ 129030 h 669277"/>
+                <a:gd name="connsiteX118" fmla="*/ 66780 w 1870852"/>
+                <a:gd name="connsiteY118" fmla="*/ 76625 h 669277"/>
+                <a:gd name="connsiteX119" fmla="*/ 62745 w 1870852"/>
+                <a:gd name="connsiteY119" fmla="*/ 62765 h 669277"/>
+                <a:gd name="connsiteX120" fmla="*/ 45257 w 1870852"/>
+                <a:gd name="connsiteY120" fmla="*/ 50413 h 669277"/>
+                <a:gd name="connsiteX121" fmla="*/ 811 w 1870852"/>
+                <a:gd name="connsiteY121" fmla="*/ 43388 h 669277"/>
+                <a:gd name="connsiteX122" fmla="*/ 1068 w 1870852"/>
+                <a:gd name="connsiteY122" fmla="*/ 4976 h 669277"/>
+                <a:gd name="connsiteX123" fmla="*/ 101763 w 1870852"/>
+                <a:gd name="connsiteY123" fmla="*/ 7962 h 669277"/>
+                <a:gd name="connsiteX124" fmla="*/ 153534 w 1870852"/>
+                <a:gd name="connsiteY124" fmla="*/ 5995 h 669277"/>
+                <a:gd name="connsiteX125" fmla="*/ 184699 w 1870852"/>
+                <a:gd name="connsiteY125" fmla="*/ 3234 h 669277"/>
+                <a:gd name="connsiteX126" fmla="*/ 216952 w 1870852"/>
+                <a:gd name="connsiteY126" fmla="*/ 1990 h 669277"/>
+                <a:gd name="connsiteX127" fmla="*/ 855721 w 1870852"/>
+                <a:gd name="connsiteY127" fmla="*/ 0 h 669277"/>
+                <a:gd name="connsiteX128" fmla="*/ 891660 w 1870852"/>
+                <a:gd name="connsiteY128" fmla="*/ 121098 h 669277"/>
+                <a:gd name="connsiteX129" fmla="*/ 991741 w 1870852"/>
+                <a:gd name="connsiteY129" fmla="*/ 379912 h 669277"/>
+                <a:gd name="connsiteX130" fmla="*/ 1052974 w 1870852"/>
+                <a:gd name="connsiteY130" fmla="*/ 535088 h 669277"/>
+                <a:gd name="connsiteX131" fmla="*/ 1083603 w 1870852"/>
+                <a:gd name="connsiteY131" fmla="*/ 600516 h 669277"/>
+                <a:gd name="connsiteX132" fmla="*/ 1141501 w 1870852"/>
+                <a:gd name="connsiteY132" fmla="*/ 623657 h 669277"/>
+                <a:gd name="connsiteX133" fmla="*/ 1141501 w 1870852"/>
+                <a:gd name="connsiteY133" fmla="*/ 659378 h 669277"/>
+                <a:gd name="connsiteX134" fmla="*/ 1054009 w 1870852"/>
+                <a:gd name="connsiteY134" fmla="*/ 655397 h 669277"/>
+                <a:gd name="connsiteX135" fmla="*/ 1000601 w 1870852"/>
+                <a:gd name="connsiteY135" fmla="*/ 656863 h 669277"/>
+                <a:gd name="connsiteX136" fmla="*/ 960984 w 1870852"/>
+                <a:gd name="connsiteY136" fmla="*/ 659600 h 669277"/>
+                <a:gd name="connsiteX137" fmla="*/ 928011 w 1870852"/>
+                <a:gd name="connsiteY137" fmla="*/ 661369 h 669277"/>
+                <a:gd name="connsiteX138" fmla="*/ 928011 w 1870852"/>
+                <a:gd name="connsiteY138" fmla="*/ 627109 h 669277"/>
+                <a:gd name="connsiteX139" fmla="*/ 967473 w 1870852"/>
+                <a:gd name="connsiteY139" fmla="*/ 617273 h 669277"/>
+                <a:gd name="connsiteX140" fmla="*/ 977255 w 1870852"/>
+                <a:gd name="connsiteY140" fmla="*/ 603627 h 669277"/>
+                <a:gd name="connsiteX141" fmla="*/ 968667 w 1870852"/>
+                <a:gd name="connsiteY141" fmla="*/ 565269 h 669277"/>
+                <a:gd name="connsiteX142" fmla="*/ 956004 w 1870852"/>
+                <a:gd name="connsiteY142" fmla="*/ 529859 h 669277"/>
+                <a:gd name="connsiteX143" fmla="*/ 921363 w 1870852"/>
+                <a:gd name="connsiteY143" fmla="*/ 436605 h 669277"/>
+                <a:gd name="connsiteX144" fmla="*/ 836352 w 1870852"/>
+                <a:gd name="connsiteY144" fmla="*/ 433448 h 669277"/>
+                <a:gd name="connsiteX145" fmla="*/ 797310 w 1870852"/>
+                <a:gd name="connsiteY145" fmla="*/ 433448 h 669277"/>
+                <a:gd name="connsiteX146" fmla="*/ 703387 w 1870852"/>
+                <a:gd name="connsiteY146" fmla="*/ 438207 h 669277"/>
+                <a:gd name="connsiteX147" fmla="*/ 668475 w 1870852"/>
+                <a:gd name="connsiteY147" fmla="*/ 526367 h 669277"/>
+                <a:gd name="connsiteX148" fmla="*/ 646811 w 1870852"/>
+                <a:gd name="connsiteY148" fmla="*/ 590439 h 669277"/>
+                <a:gd name="connsiteX149" fmla="*/ 659101 w 1870852"/>
+                <a:gd name="connsiteY149" fmla="*/ 612036 h 669277"/>
+                <a:gd name="connsiteX150" fmla="*/ 724973 w 1870852"/>
+                <a:gd name="connsiteY150" fmla="*/ 628983 h 669277"/>
+                <a:gd name="connsiteX151" fmla="*/ 724973 w 1870852"/>
+                <a:gd name="connsiteY151" fmla="*/ 663359 h 669277"/>
+                <a:gd name="connsiteX152" fmla="*/ 617311 w 1870852"/>
+                <a:gd name="connsiteY152" fmla="*/ 656392 h 669277"/>
+                <a:gd name="connsiteX153" fmla="*/ 518450 w 1870852"/>
+                <a:gd name="connsiteY153" fmla="*/ 660373 h 669277"/>
+                <a:gd name="connsiteX154" fmla="*/ 518450 w 1870852"/>
+                <a:gd name="connsiteY154" fmla="*/ 628719 h 669277"/>
+                <a:gd name="connsiteX155" fmla="*/ 566660 w 1870852"/>
+                <a:gd name="connsiteY155" fmla="*/ 605928 h 669277"/>
+                <a:gd name="connsiteX156" fmla="*/ 595978 w 1870852"/>
+                <a:gd name="connsiteY156" fmla="*/ 559122 h 669277"/>
+                <a:gd name="connsiteX157" fmla="*/ 634339 w 1870852"/>
+                <a:gd name="connsiteY157" fmla="*/ 477116 h 669277"/>
+                <a:gd name="connsiteX158" fmla="*/ 662915 w 1870852"/>
+                <a:gd name="connsiteY158" fmla="*/ 406295 h 669277"/>
+                <a:gd name="connsiteX159" fmla="*/ 739956 w 1870852"/>
+                <a:gd name="connsiteY159" fmla="*/ 225666 h 669277"/>
+                <a:gd name="connsiteX160" fmla="*/ 770095 w 1870852"/>
+                <a:gd name="connsiteY160" fmla="*/ 152691 h 669277"/>
+                <a:gd name="connsiteX161" fmla="*/ 799483 w 1870852"/>
+                <a:gd name="connsiteY161" fmla="*/ 76155 h 669277"/>
+                <a:gd name="connsiteX162" fmla="*/ 818965 w 1870852"/>
+                <a:gd name="connsiteY162" fmla="*/ 18677 h 669277"/>
+                <a:gd name="connsiteX163" fmla="*/ 827239 w 1870852"/>
+                <a:gd name="connsiteY163" fmla="*/ 1399 h 669277"/>
+              </a:gdLst>
+              <a:ahLst/>
+              <a:cxnLst>
+                <a:cxn ang="0">
+                  <a:pos x="connsiteX0" y="connsiteY0"/>
+                </a:cxn>
+                <a:cxn ang="0">
+                  <a:pos x="connsiteX1" y="connsiteY1"/>
+                </a:cxn>
+                <a:cxn ang="0">
+                  <a:pos x="connsiteX2" y="connsiteY2"/>
+                </a:cxn>
+                <a:cxn ang="0">
+                  <a:pos x="connsiteX3" y="connsiteY3"/>
+                </a:cxn>
+                <a:cxn ang="0">
+                  <a:pos x="connsiteX4" y="connsiteY4"/>
+                </a:cxn>
+                <a:cxn ang="0">
+                  <a:pos x="connsiteX5" y="connsiteY5"/>
+                </a:cxn>
+                <a:cxn ang="0">
+                  <a:pos x="connsiteX6" y="connsiteY6"/>
+                </a:cxn>
+                <a:cxn ang="0">
+                  <a:pos x="connsiteX7" y="connsiteY7"/>
+                </a:cxn>
+                <a:cxn ang="0">
+                  <a:pos x="connsiteX8" y="connsiteY8"/>
+                </a:cxn>
+                <a:cxn ang="0">
+                  <a:pos x="connsiteX9" y="connsiteY9"/>
+                </a:cxn>
+                <a:cxn ang="0">
+                  <a:pos x="connsiteX10" y="connsiteY10"/>
+                </a:cxn>
+                <a:cxn ang="0">
+                  <a:pos x="connsiteX11" y="connsiteY11"/>
+                </a:cxn>
+                <a:cxn ang="0">
+                  <a:pos x="connsiteX12" y="connsiteY12"/>
+                </a:cxn>
+                <a:cxn ang="0">
+                  <a:pos x="connsiteX13" y="connsiteY13"/>
+                </a:cxn>
+                <a:cxn ang="0">
+                  <a:pos x="connsiteX14" y="connsiteY14"/>
+                </a:cxn>
+                <a:cxn ang="0">
+                  <a:pos x="connsiteX15" y="connsiteY15"/>
+                </a:cxn>
+                <a:cxn ang="0">
+                  <a:pos x="connsiteX16" y="connsiteY16"/>
+                </a:cxn>
+                <a:cxn ang="0">
+                  <a:pos x="connsiteX17" y="connsiteY17"/>
+                </a:cxn>
+                <a:cxn ang="0">
+                  <a:pos x="connsiteX18" y="connsiteY18"/>
+                </a:cxn>
+                <a:cxn ang="0">
+                  <a:pos x="connsiteX19" y="connsiteY19"/>
+                </a:cxn>
+                <a:cxn ang="0">
+                  <a:pos x="connsiteX20" y="connsiteY20"/>
+                </a:cxn>
+                <a:cxn ang="0">
+                  <a:pos x="connsiteX21" y="connsiteY21"/>
+                </a:cxn>
+                <a:cxn ang="0">
+                  <a:pos x="connsiteX22" y="connsiteY22"/>
+                </a:cxn>
+                <a:cxn ang="0">
+                  <a:pos x="connsiteX23" y="connsiteY23"/>
+                </a:cxn>
+                <a:cxn ang="0">
+                  <a:pos x="connsiteX24" y="connsiteY24"/>
+                </a:cxn>
+                <a:cxn ang="0">
+                  <a:pos x="connsiteX25" y="connsiteY25"/>
+                </a:cxn>
+                <a:cxn ang="0">
+                  <a:pos x="connsiteX26" y="connsiteY26"/>
+                </a:cxn>
+                <a:cxn ang="0">
+                  <a:pos x="connsiteX27" y="connsiteY27"/>
+                </a:cxn>
+                <a:cxn ang="0">
+                  <a:pos x="connsiteX28" y="connsiteY28"/>
+                </a:cxn>
+                <a:cxn ang="0">
+                  <a:pos x="connsiteX29" y="connsiteY29"/>
+                </a:cxn>
+                <a:cxn ang="0">
+                  <a:pos x="connsiteX30" y="connsiteY30"/>
+                </a:cxn>
+                <a:cxn ang="0">
+                  <a:pos x="connsiteX31" y="connsiteY31"/>
+                </a:cxn>
+                <a:cxn ang="0">
+                  <a:pos x="connsiteX32" y="connsiteY32"/>
+                </a:cxn>
+                <a:cxn ang="0">
+                  <a:pos x="connsiteX33" y="connsiteY33"/>
+                </a:cxn>
+                <a:cxn ang="0">
+                  <a:pos x="connsiteX34" y="connsiteY34"/>
+                </a:cxn>
+                <a:cxn ang="0">
+                  <a:pos x="connsiteX35" y="connsiteY35"/>
+                </a:cxn>
+                <a:cxn ang="0">
+                  <a:pos x="connsiteX36" y="connsiteY36"/>
+                </a:cxn>
+                <a:cxn ang="0">
+                  <a:pos x="connsiteX37" y="connsiteY37"/>
+                </a:cxn>
+                <a:cxn ang="0">
+                  <a:pos x="connsiteX38" y="connsiteY38"/>
+                </a:cxn>
+                <a:cxn ang="0">
+                  <a:pos x="connsiteX39" y="connsiteY39"/>
+                </a:cxn>
+                <a:cxn ang="0">
+                  <a:pos x="connsiteX40" y="connsiteY40"/>
+                </a:cxn>
+                <a:cxn ang="0">
+                  <a:pos x="connsiteX41" y="connsiteY41"/>
+                </a:cxn>
+                <a:cxn ang="0">
+                  <a:pos x="connsiteX42" y="connsiteY42"/>
+                </a:cxn>
+                <a:cxn ang="0">
+                  <a:pos x="connsiteX43" y="connsiteY43"/>
+                </a:cxn>
+                <a:cxn ang="0">
+                  <a:pos x="connsiteX44" y="connsiteY44"/>
+                </a:cxn>
+                <a:cxn ang="0">
+                  <a:pos x="connsiteX45" y="connsiteY45"/>
+                </a:cxn>
+                <a:cxn ang="0">
+                  <a:pos x="connsiteX46" y="connsiteY46"/>
+                </a:cxn>
+                <a:cxn ang="0">
+                  <a:pos x="connsiteX47" y="connsiteY47"/>
+                </a:cxn>
+                <a:cxn ang="0">
+                  <a:pos x="connsiteX48" y="connsiteY48"/>
+                </a:cxn>
+                <a:cxn ang="0">
+                  <a:pos x="connsiteX49" y="connsiteY49"/>
+                </a:cxn>
+                <a:cxn ang="0">
+                  <a:pos x="connsiteX50" y="connsiteY50"/>
+                </a:cxn>
+                <a:cxn ang="0">
+                  <a:pos x="connsiteX51" y="connsiteY51"/>
+                </a:cxn>
+                <a:cxn ang="0">
+                  <a:pos x="connsiteX52" y="connsiteY52"/>
+                </a:cxn>
+                <a:cxn ang="0">
+                  <a:pos x="connsiteX53" y="connsiteY53"/>
+                </a:cxn>
+                <a:cxn ang="0">
+                  <a:pos x="connsiteX54" y="connsiteY54"/>
+                </a:cxn>
+                <a:cxn ang="0">
+                  <a:pos x="connsiteX55" y="connsiteY55"/>
+                </a:cxn>
+                <a:cxn ang="0">
+                  <a:pos x="connsiteX56" y="connsiteY56"/>
+                </a:cxn>
+                <a:cxn ang="0">
+                  <a:pos x="connsiteX57" y="connsiteY57"/>
+                </a:cxn>
+                <a:cxn ang="0">
+                  <a:pos x="connsiteX58" y="connsiteY58"/>
+                </a:cxn>
+                <a:cxn ang="0">
+                  <a:pos x="connsiteX59" y="connsiteY59"/>
+                </a:cxn>
+                <a:cxn ang="0">
+                  <a:pos x="connsiteX60" y="connsiteY60"/>
+                </a:cxn>
+                <a:cxn ang="0">
+                  <a:pos x="connsiteX61" y="connsiteY61"/>
+                </a:cxn>
+                <a:cxn ang="0">
+                  <a:pos x="connsiteX62" y="connsiteY62"/>
+                </a:cxn>
+                <a:cxn ang="0">
+                  <a:pos x="connsiteX63" y="connsiteY63"/>
+                </a:cxn>
+                <a:cxn ang="0">
+                  <a:pos x="connsiteX64" y="connsiteY64"/>
+                </a:cxn>
+                <a:cxn ang="0">
+                  <a:pos x="connsiteX65" y="connsiteY65"/>
+                </a:cxn>
+                <a:cxn ang="0">
+                  <a:pos x="connsiteX66" y="connsiteY66"/>
+                </a:cxn>
+                <a:cxn ang="0">
+                  <a:pos x="connsiteX67" y="connsiteY67"/>
+                </a:cxn>
+                <a:cxn ang="0">
+                  <a:pos x="connsiteX68" y="connsiteY68"/>
+                </a:cxn>
+                <a:cxn ang="0">
+                  <a:pos x="connsiteX69" y="connsiteY69"/>
+                </a:cxn>
+                <a:cxn ang="0">
+                  <a:pos x="connsiteX70" y="connsiteY70"/>
+                </a:cxn>
+                <a:cxn ang="0">
+                  <a:pos x="connsiteX71" y="connsiteY71"/>
+                </a:cxn>
+                <a:cxn ang="0">
+                  <a:pos x="connsiteX72" y="connsiteY72"/>
+                </a:cxn>
+                <a:cxn ang="0">
+                  <a:pos x="connsiteX73" y="connsiteY73"/>
+                </a:cxn>
+                <a:cxn ang="0">
+                  <a:pos x="connsiteX74" y="connsiteY74"/>
+                </a:cxn>
+                <a:cxn ang="0">
+                  <a:pos x="connsiteX75" y="connsiteY75"/>
+                </a:cxn>
+                <a:cxn ang="0">
+                  <a:pos x="connsiteX76" y="connsiteY76"/>
+                </a:cxn>
+                <a:cxn ang="0">
+                  <a:pos x="connsiteX77" y="connsiteY77"/>
+                </a:cxn>
+                <a:cxn ang="0">
+                  <a:pos x="connsiteX78" y="connsiteY78"/>
+                </a:cxn>
+                <a:cxn ang="0">
+                  <a:pos x="connsiteX79" y="connsiteY79"/>
+                </a:cxn>
+                <a:cxn ang="0">
+                  <a:pos x="connsiteX80" y="connsiteY80"/>
+                </a:cxn>
+                <a:cxn ang="0">
+                  <a:pos x="connsiteX81" y="connsiteY81"/>
+                </a:cxn>
+                <a:cxn ang="0">
+                  <a:pos x="connsiteX82" y="connsiteY82"/>
+                </a:cxn>
+                <a:cxn ang="0">
+                  <a:pos x="connsiteX83" y="connsiteY83"/>
+                </a:cxn>
+                <a:cxn ang="0">
+                  <a:pos x="connsiteX84" y="connsiteY84"/>
+                </a:cxn>
+                <a:cxn ang="0">
+                  <a:pos x="connsiteX85" y="connsiteY85"/>
+                </a:cxn>
+                <a:cxn ang="0">
+                  <a:pos x="connsiteX86" y="connsiteY86"/>
+                </a:cxn>
+                <a:cxn ang="0">
+                  <a:pos x="connsiteX87" y="connsiteY87"/>
+                </a:cxn>
+                <a:cxn ang="0">
+                  <a:pos x="connsiteX88" y="connsiteY88"/>
+                </a:cxn>
+                <a:cxn ang="0">
+                  <a:pos x="connsiteX89" y="connsiteY89"/>
+                </a:cxn>
+                <a:cxn ang="0">
+                  <a:pos x="connsiteX90" y="connsiteY90"/>
+                </a:cxn>
+                <a:cxn ang="0">
+                  <a:pos x="connsiteX91" y="connsiteY91"/>
+                </a:cxn>
+                <a:cxn ang="0">
+                  <a:pos x="connsiteX92" y="connsiteY92"/>
+                </a:cxn>
+                <a:cxn ang="0">
+                  <a:pos x="connsiteX93" y="connsiteY93"/>
+                </a:cxn>
+                <a:cxn ang="0">
+                  <a:pos x="connsiteX94" y="connsiteY94"/>
+                </a:cxn>
+                <a:cxn ang="0">
+                  <a:pos x="connsiteX95" y="connsiteY95"/>
+                </a:cxn>
+                <a:cxn ang="0">
+                  <a:pos x="connsiteX96" y="connsiteY96"/>
+                </a:cxn>
+                <a:cxn ang="0">
+                  <a:pos x="connsiteX97" y="connsiteY97"/>
+                </a:cxn>
+                <a:cxn ang="0">
+                  <a:pos x="connsiteX98" y="connsiteY98"/>
+                </a:cxn>
+                <a:cxn ang="0">
+                  <a:pos x="connsiteX99" y="connsiteY99"/>
+                </a:cxn>
+                <a:cxn ang="0">
+                  <a:pos x="connsiteX100" y="connsiteY100"/>
+                </a:cxn>
+                <a:cxn ang="0">
+                  <a:pos x="connsiteX101" y="connsiteY101"/>
+                </a:cxn>
+                <a:cxn ang="0">
+                  <a:pos x="connsiteX102" y="connsiteY102"/>
+                </a:cxn>
+                <a:cxn ang="0">
+                  <a:pos x="connsiteX103" y="connsiteY103"/>
+                </a:cxn>
+                <a:cxn ang="0">
+                  <a:pos x="connsiteX104" y="connsiteY104"/>
+                </a:cxn>
+                <a:cxn ang="0">
+                  <a:pos x="connsiteX105" y="connsiteY105"/>
+                </a:cxn>
+                <a:cxn ang="0">
+                  <a:pos x="connsiteX106" y="connsiteY106"/>
+                </a:cxn>
+                <a:cxn ang="0">
+                  <a:pos x="connsiteX107" y="connsiteY107"/>
+                </a:cxn>
+                <a:cxn ang="0">
+                  <a:pos x="connsiteX108" y="connsiteY108"/>
+                </a:cxn>
+                <a:cxn ang="0">
+                  <a:pos x="connsiteX109" y="connsiteY109"/>
+                </a:cxn>
+                <a:cxn ang="0">
+                  <a:pos x="connsiteX110" y="connsiteY110"/>
+                </a:cxn>
+                <a:cxn ang="0">
+                  <a:pos x="connsiteX111" y="connsiteY111"/>
+                </a:cxn>
+                <a:cxn ang="0">
+                  <a:pos x="connsiteX112" y="connsiteY112"/>
+                </a:cxn>
+                <a:cxn ang="0">
+                  <a:pos x="connsiteX113" y="connsiteY113"/>
+                </a:cxn>
+                <a:cxn ang="0">
+                  <a:pos x="connsiteX114" y="connsiteY114"/>
+                </a:cxn>
+                <a:cxn ang="0">
+                  <a:pos x="connsiteX115" y="connsiteY115"/>
+                </a:cxn>
+                <a:cxn ang="0">
+                  <a:pos x="connsiteX116" y="connsiteY116"/>
+                </a:cxn>
+                <a:cxn ang="0">
+                  <a:pos x="connsiteX117" y="connsiteY117"/>
+                </a:cxn>
+                <a:cxn ang="0">
+                  <a:pos x="connsiteX118" y="connsiteY118"/>
+                </a:cxn>
+                <a:cxn ang="0">
+                  <a:pos x="connsiteX119" y="connsiteY119"/>
+                </a:cxn>
+                <a:cxn ang="0">
+                  <a:pos x="connsiteX120" y="connsiteY120"/>
+                </a:cxn>
+                <a:cxn ang="0">
+                  <a:pos x="connsiteX121" y="connsiteY121"/>
+                </a:cxn>
+                <a:cxn ang="0">
+                  <a:pos x="connsiteX122" y="connsiteY122"/>
+                </a:cxn>
+                <a:cxn ang="0">
+                  <a:pos x="connsiteX123" y="connsiteY123"/>
+                </a:cxn>
+                <a:cxn ang="0">
+                  <a:pos x="connsiteX124" y="connsiteY124"/>
+                </a:cxn>
+                <a:cxn ang="0">
+                  <a:pos x="connsiteX125" y="connsiteY125"/>
+                </a:cxn>
+                <a:cxn ang="0">
+                  <a:pos x="connsiteX126" y="connsiteY126"/>
+                </a:cxn>
+                <a:cxn ang="0">
+                  <a:pos x="connsiteX127" y="connsiteY127"/>
+                </a:cxn>
+                <a:cxn ang="0">
+                  <a:pos x="connsiteX128" y="connsiteY128"/>
+                </a:cxn>
+                <a:cxn ang="0">
+                  <a:pos x="connsiteX129" y="connsiteY129"/>
+                </a:cxn>
+                <a:cxn ang="0">
+                  <a:pos x="connsiteX130" y="connsiteY130"/>
+                </a:cxn>
+                <a:cxn ang="0">
+                  <a:pos x="connsiteX131" y="connsiteY131"/>
+                </a:cxn>
+                <a:cxn ang="0">
+                  <a:pos x="connsiteX132" y="connsiteY132"/>
+                </a:cxn>
+                <a:cxn ang="0">
+                  <a:pos x="connsiteX133" y="connsiteY133"/>
+                </a:cxn>
+                <a:cxn ang="0">
+                  <a:pos x="connsiteX134" y="connsiteY134"/>
+                </a:cxn>
+                <a:cxn ang="0">
+                  <a:pos x="connsiteX135" y="connsiteY135"/>
+                </a:cxn>
+                <a:cxn ang="0">
+                  <a:pos x="connsiteX136" y="connsiteY136"/>
+                </a:cxn>
+                <a:cxn ang="0">
+                  <a:pos x="connsiteX137" y="connsiteY137"/>
+                </a:cxn>
+                <a:cxn ang="0">
+                  <a:pos x="connsiteX138" y="connsiteY138"/>
+                </a:cxn>
+                <a:cxn ang="0">
+                  <a:pos x="connsiteX139" y="connsiteY139"/>
+                </a:cxn>
+                <a:cxn ang="0">
+                  <a:pos x="connsiteX140" y="connsiteY140"/>
+                </a:cxn>
+                <a:cxn ang="0">
+                  <a:pos x="connsiteX141" y="connsiteY141"/>
+                </a:cxn>
+                <a:cxn ang="0">
+                  <a:pos x="connsiteX142" y="connsiteY142"/>
+                </a:cxn>
+                <a:cxn ang="0">
+                  <a:pos x="connsiteX143" y="connsiteY143"/>
+                </a:cxn>
+                <a:cxn ang="0">
+                  <a:pos x="connsiteX144" y="connsiteY144"/>
+                </a:cxn>
+                <a:cxn ang="0">
+                  <a:pos x="connsiteX145" y="connsiteY145"/>
+                </a:cxn>
+                <a:cxn ang="0">
+                  <a:pos x="connsiteX146" y="connsiteY146"/>
+                </a:cxn>
+                <a:cxn ang="0">
+                  <a:pos x="connsiteX147" y="connsiteY147"/>
+                </a:cxn>
+                <a:cxn ang="0">
+                  <a:pos x="connsiteX148" y="connsiteY148"/>
+                </a:cxn>
+                <a:cxn ang="0">
+                  <a:pos x="connsiteX149" y="connsiteY149"/>
+                </a:cxn>
+                <a:cxn ang="0">
+                  <a:pos x="connsiteX150" y="connsiteY150"/>
+                </a:cxn>
+                <a:cxn ang="0">
+                  <a:pos x="connsiteX151" y="connsiteY151"/>
+                </a:cxn>
+                <a:cxn ang="0">
+                  <a:pos x="connsiteX152" y="connsiteY152"/>
+                </a:cxn>
+                <a:cxn ang="0">
+                  <a:pos x="connsiteX153" y="connsiteY153"/>
+                </a:cxn>
+                <a:cxn ang="0">
+                  <a:pos x="connsiteX154" y="connsiteY154"/>
+                </a:cxn>
+                <a:cxn ang="0">
+                  <a:pos x="connsiteX155" y="connsiteY155"/>
+                </a:cxn>
+                <a:cxn ang="0">
+                  <a:pos x="connsiteX156" y="connsiteY156"/>
+                </a:cxn>
+                <a:cxn ang="0">
+                  <a:pos x="connsiteX157" y="connsiteY157"/>
+                </a:cxn>
+                <a:cxn ang="0">
+                  <a:pos x="connsiteX158" y="connsiteY158"/>
+                </a:cxn>
+                <a:cxn ang="0">
+                  <a:pos x="connsiteX159" y="connsiteY159"/>
+                </a:cxn>
+                <a:cxn ang="0">
+                  <a:pos x="connsiteX160" y="connsiteY160"/>
+                </a:cxn>
+                <a:cxn ang="0">
+                  <a:pos x="connsiteX161" y="connsiteY161"/>
+                </a:cxn>
+                <a:cxn ang="0">
+                  <a:pos x="connsiteX162" y="connsiteY162"/>
+                </a:cxn>
+                <a:cxn ang="0">
+                  <a:pos x="connsiteX163" y="connsiteY163"/>
+                </a:cxn>
+              </a:cxnLst>
+              <a:rect l="l" t="t" r="r" b="b"/>
+              <a:pathLst>
+                <a:path w="1870852" h="669277">
+                  <a:moveTo>
+                    <a:pt x="813584" y="150094"/>
+                  </a:moveTo>
+                  <a:cubicBezTo>
+                    <a:pt x="813102" y="160104"/>
+                    <a:pt x="810542" y="171023"/>
+                    <a:pt x="805902" y="182853"/>
+                  </a:cubicBezTo>
+                  <a:cubicBezTo>
+                    <a:pt x="801263" y="194682"/>
+                    <a:pt x="796558" y="206310"/>
+                    <a:pt x="791789" y="217735"/>
+                  </a:cubicBezTo>
+                  <a:lnTo>
+                    <a:pt x="736100" y="360815"/>
+                  </a:lnTo>
+                  <a:cubicBezTo>
+                    <a:pt x="732663" y="370055"/>
+                    <a:pt x="729862" y="376612"/>
+                    <a:pt x="727698" y="380486"/>
+                  </a:cubicBezTo>
+                  <a:lnTo>
+                    <a:pt x="724986" y="384205"/>
+                  </a:lnTo>
+                  <a:lnTo>
+                    <a:pt x="757145" y="386751"/>
+                  </a:lnTo>
+                  <a:cubicBezTo>
+                    <a:pt x="770747" y="387350"/>
+                    <a:pt x="786608" y="387649"/>
+                    <a:pt x="804728" y="387649"/>
+                  </a:cubicBezTo>
+                  <a:lnTo>
+                    <a:pt x="849485" y="386669"/>
+                  </a:lnTo>
+                  <a:cubicBezTo>
+                    <a:pt x="873211" y="386669"/>
+                    <a:pt x="891844" y="386327"/>
+                    <a:pt x="905384" y="385643"/>
+                  </a:cubicBezTo>
+                  <a:cubicBezTo>
+                    <a:pt x="894503" y="361082"/>
+                    <a:pt x="887446" y="345715"/>
+                    <a:pt x="884211" y="339541"/>
+                  </a:cubicBezTo>
+                  <a:lnTo>
+                    <a:pt x="849150" y="249669"/>
+                  </a:lnTo>
+                  <a:cubicBezTo>
+                    <a:pt x="844848" y="237420"/>
+                    <a:pt x="837466" y="219265"/>
+                    <a:pt x="827005" y="195205"/>
+                  </a:cubicBezTo>
+                  <a:cubicBezTo>
+                    <a:pt x="816544" y="171144"/>
+                    <a:pt x="812071" y="156107"/>
+                    <a:pt x="813584" y="150094"/>
+                  </a:cubicBezTo>
+                  <a:close/>
+                  <a:moveTo>
+                    <a:pt x="225661" y="47276"/>
+                  </a:moveTo>
+                  <a:cubicBezTo>
+                    <a:pt x="206377" y="47276"/>
+                    <a:pt x="187573" y="49549"/>
+                    <a:pt x="169248" y="54095"/>
+                  </a:cubicBezTo>
+                  <a:cubicBezTo>
+                    <a:pt x="169248" y="47942"/>
+                    <a:pt x="168806" y="61430"/>
+                    <a:pt x="167923" y="94560"/>
+                  </a:cubicBezTo>
+                  <a:cubicBezTo>
+                    <a:pt x="167039" y="127690"/>
+                    <a:pt x="166348" y="154264"/>
+                    <a:pt x="165850" y="174284"/>
+                  </a:cubicBezTo>
+                  <a:cubicBezTo>
+                    <a:pt x="165353" y="194304"/>
+                    <a:pt x="164803" y="215119"/>
+                    <a:pt x="164202" y="236731"/>
+                  </a:cubicBezTo>
+                  <a:cubicBezTo>
+                    <a:pt x="163601" y="258342"/>
+                    <a:pt x="163300" y="272823"/>
+                    <a:pt x="163300" y="280173"/>
+                  </a:cubicBezTo>
+                  <a:cubicBezTo>
+                    <a:pt x="163300" y="317989"/>
+                    <a:pt x="163525" y="350173"/>
+                    <a:pt x="163976" y="376724"/>
+                  </a:cubicBezTo>
+                  <a:cubicBezTo>
+                    <a:pt x="186122" y="382691"/>
+                    <a:pt x="209101" y="385674"/>
+                    <a:pt x="232916" y="385674"/>
+                  </a:cubicBezTo>
+                  <a:cubicBezTo>
+                    <a:pt x="258897" y="385674"/>
+                    <a:pt x="284815" y="380696"/>
+                    <a:pt x="310669" y="370741"/>
+                  </a:cubicBezTo>
+                  <a:cubicBezTo>
+                    <a:pt x="336523" y="360785"/>
+                    <a:pt x="358316" y="343794"/>
+                    <a:pt x="376047" y="319767"/>
+                  </a:cubicBezTo>
+                  <a:cubicBezTo>
+                    <a:pt x="393778" y="295740"/>
+                    <a:pt x="402644" y="263997"/>
+                    <a:pt x="402644" y="224538"/>
+                  </a:cubicBezTo>
+                  <a:cubicBezTo>
+                    <a:pt x="402644" y="193902"/>
+                    <a:pt x="396103" y="165096"/>
+                    <a:pt x="383022" y="138119"/>
+                  </a:cubicBezTo>
+                  <a:cubicBezTo>
+                    <a:pt x="369940" y="111143"/>
+                    <a:pt x="349862" y="89258"/>
+                    <a:pt x="322787" y="72465"/>
+                  </a:cubicBezTo>
+                  <a:cubicBezTo>
+                    <a:pt x="295712" y="55672"/>
+                    <a:pt x="263337" y="47276"/>
+                    <a:pt x="225661" y="47276"/>
+                  </a:cubicBezTo>
+                  <a:close/>
+                  <a:moveTo>
+                    <a:pt x="1494158" y="5972"/>
+                  </a:moveTo>
+                  <a:lnTo>
+                    <a:pt x="1494158" y="40192"/>
+                  </a:lnTo>
+                  <a:cubicBezTo>
+                    <a:pt x="1453626" y="45049"/>
+                    <a:pt x="1430291" y="53084"/>
+                    <a:pt x="1424154" y="64297"/>
+                  </a:cubicBezTo>
+                  <a:cubicBezTo>
+                    <a:pt x="1422189" y="68449"/>
+                    <a:pt x="1420062" y="84717"/>
+                    <a:pt x="1417774" y="113101"/>
+                  </a:cubicBezTo>
+                  <a:cubicBezTo>
+                    <a:pt x="1415485" y="141485"/>
+                    <a:pt x="1413793" y="171587"/>
+                    <a:pt x="1412696" y="203408"/>
+                  </a:cubicBezTo>
+                  <a:cubicBezTo>
+                    <a:pt x="1411600" y="235229"/>
+                    <a:pt x="1411052" y="260540"/>
+                    <a:pt x="1411052" y="279341"/>
+                  </a:cubicBezTo>
+                  <a:lnTo>
+                    <a:pt x="1411052" y="327481"/>
+                  </a:lnTo>
+                  <a:cubicBezTo>
+                    <a:pt x="1410119" y="319938"/>
+                    <a:pt x="1423337" y="304662"/>
+                    <a:pt x="1450708" y="281651"/>
+                  </a:cubicBezTo>
+                  <a:lnTo>
+                    <a:pt x="1570344" y="163872"/>
+                  </a:lnTo>
+                  <a:cubicBezTo>
+                    <a:pt x="1606087" y="123677"/>
+                    <a:pt x="1628203" y="97963"/>
+                    <a:pt x="1636694" y="86730"/>
+                  </a:cubicBezTo>
+                  <a:cubicBezTo>
+                    <a:pt x="1643242" y="79317"/>
+                    <a:pt x="1646515" y="71609"/>
+                    <a:pt x="1646515" y="63605"/>
+                  </a:cubicBezTo>
+                  <a:cubicBezTo>
+                    <a:pt x="1646515" y="55321"/>
+                    <a:pt x="1630717" y="50394"/>
+                    <a:pt x="1599122" y="48823"/>
+                  </a:cubicBezTo>
+                  <a:lnTo>
+                    <a:pt x="1597668" y="10971"/>
+                  </a:lnTo>
+                  <a:lnTo>
+                    <a:pt x="1688869" y="12099"/>
+                  </a:lnTo>
+                  <a:cubicBezTo>
+                    <a:pt x="1720993" y="13058"/>
+                    <a:pt x="1758861" y="11347"/>
+                    <a:pt x="1802472" y="6967"/>
+                  </a:cubicBezTo>
+                  <a:lnTo>
+                    <a:pt x="1804167" y="44228"/>
+                  </a:lnTo>
+                  <a:cubicBezTo>
+                    <a:pt x="1773210" y="47587"/>
+                    <a:pt x="1736791" y="66796"/>
+                    <a:pt x="1694911" y="101854"/>
+                  </a:cubicBezTo>
+                  <a:cubicBezTo>
+                    <a:pt x="1653031" y="136911"/>
+                    <a:pt x="1615049" y="170811"/>
+                    <a:pt x="1580966" y="203552"/>
+                  </a:cubicBezTo>
+                  <a:lnTo>
+                    <a:pt x="1502704" y="278183"/>
+                  </a:lnTo>
+                  <a:cubicBezTo>
+                    <a:pt x="1487463" y="295517"/>
+                    <a:pt x="1475136" y="307663"/>
+                    <a:pt x="1465723" y="314620"/>
+                  </a:cubicBezTo>
+                  <a:lnTo>
+                    <a:pt x="1642884" y="458828"/>
+                  </a:lnTo>
+                  <a:cubicBezTo>
+                    <a:pt x="1721496" y="523625"/>
+                    <a:pt x="1773326" y="565796"/>
+                    <a:pt x="1798374" y="585342"/>
+                  </a:cubicBezTo>
+                  <a:cubicBezTo>
+                    <a:pt x="1823422" y="604887"/>
+                    <a:pt x="1847094" y="621168"/>
+                    <a:pt x="1869390" y="634185"/>
+                  </a:cubicBezTo>
+                  <a:lnTo>
+                    <a:pt x="1870852" y="665350"/>
+                  </a:lnTo>
+                  <a:cubicBezTo>
+                    <a:pt x="1858685" y="664894"/>
+                    <a:pt x="1850260" y="664255"/>
+                    <a:pt x="1845576" y="663433"/>
+                  </a:cubicBezTo>
+                  <a:cubicBezTo>
+                    <a:pt x="1840893" y="662612"/>
+                    <a:pt x="1835433" y="661923"/>
+                    <a:pt x="1829197" y="661369"/>
+                  </a:cubicBezTo>
+                  <a:cubicBezTo>
+                    <a:pt x="1813584" y="660042"/>
+                    <a:pt x="1798595" y="659378"/>
+                    <a:pt x="1784230" y="659378"/>
+                  </a:cubicBezTo>
+                  <a:cubicBezTo>
+                    <a:pt x="1757430" y="659378"/>
+                    <a:pt x="1718712" y="661369"/>
+                    <a:pt x="1668077" y="665350"/>
+                  </a:cubicBezTo>
+                  <a:lnTo>
+                    <a:pt x="1666359" y="635351"/>
+                  </a:lnTo>
+                  <a:cubicBezTo>
+                    <a:pt x="1674280" y="632277"/>
+                    <a:pt x="1679187" y="630504"/>
+                    <a:pt x="1681082" y="630033"/>
+                  </a:cubicBezTo>
+                  <a:cubicBezTo>
+                    <a:pt x="1682977" y="629561"/>
+                    <a:pt x="1688283" y="628441"/>
+                    <a:pt x="1697003" y="626674"/>
+                  </a:cubicBezTo>
+                  <a:cubicBezTo>
+                    <a:pt x="1703923" y="625445"/>
+                    <a:pt x="1707383" y="625204"/>
+                    <a:pt x="1707383" y="625951"/>
+                  </a:cubicBezTo>
+                  <a:cubicBezTo>
+                    <a:pt x="1707383" y="619243"/>
+                    <a:pt x="1672665" y="588402"/>
+                    <a:pt x="1603228" y="533428"/>
+                  </a:cubicBezTo>
+                  <a:lnTo>
+                    <a:pt x="1512766" y="459838"/>
+                  </a:lnTo>
+                  <a:cubicBezTo>
+                    <a:pt x="1501781" y="451150"/>
+                    <a:pt x="1492773" y="443937"/>
+                    <a:pt x="1485741" y="438199"/>
+                  </a:cubicBezTo>
+                  <a:cubicBezTo>
+                    <a:pt x="1478709" y="432460"/>
+                    <a:pt x="1467225" y="423142"/>
+                    <a:pt x="1451287" y="410245"/>
+                  </a:cubicBezTo>
+                  <a:cubicBezTo>
+                    <a:pt x="1443318" y="403796"/>
+                    <a:pt x="1435483" y="397812"/>
+                    <a:pt x="1427782" y="392293"/>
+                  </a:cubicBezTo>
+                  <a:lnTo>
+                    <a:pt x="1411114" y="381159"/>
+                  </a:lnTo>
+                  <a:lnTo>
+                    <a:pt x="1411189" y="394796"/>
+                  </a:lnTo>
+                  <a:cubicBezTo>
+                    <a:pt x="1411453" y="421217"/>
+                    <a:pt x="1412119" y="456705"/>
+                    <a:pt x="1413186" y="501260"/>
+                  </a:cubicBezTo>
+                  <a:cubicBezTo>
+                    <a:pt x="1414609" y="560666"/>
+                    <a:pt x="1416660" y="594625"/>
+                    <a:pt x="1419340" y="603137"/>
+                  </a:cubicBezTo>
+                  <a:cubicBezTo>
+                    <a:pt x="1422969" y="610907"/>
+                    <a:pt x="1432908" y="617827"/>
+                    <a:pt x="1449157" y="623898"/>
+                  </a:cubicBezTo>
+                  <a:cubicBezTo>
+                    <a:pt x="1465405" y="629968"/>
+                    <a:pt x="1480737" y="633003"/>
+                    <a:pt x="1495153" y="633003"/>
+                  </a:cubicBezTo>
+                  <a:lnTo>
+                    <a:pt x="1495153" y="667340"/>
+                  </a:lnTo>
+                  <a:cubicBezTo>
+                    <a:pt x="1475071" y="665303"/>
+                    <a:pt x="1450132" y="663644"/>
+                    <a:pt x="1420336" y="662364"/>
+                  </a:cubicBezTo>
+                  <a:cubicBezTo>
+                    <a:pt x="1403473" y="661700"/>
+                    <a:pt x="1377938" y="661369"/>
+                    <a:pt x="1343730" y="661369"/>
+                  </a:cubicBezTo>
+                  <a:cubicBezTo>
+                    <a:pt x="1315436" y="661369"/>
+                    <a:pt x="1285127" y="662032"/>
+                    <a:pt x="1252801" y="663359"/>
+                  </a:cubicBezTo>
+                  <a:lnTo>
+                    <a:pt x="1252801" y="627436"/>
+                  </a:lnTo>
+                  <a:cubicBezTo>
+                    <a:pt x="1276931" y="625435"/>
+                    <a:pt x="1292458" y="622580"/>
+                    <a:pt x="1299381" y="618871"/>
+                  </a:cubicBezTo>
+                  <a:cubicBezTo>
+                    <a:pt x="1306304" y="615162"/>
+                    <a:pt x="1311124" y="607138"/>
+                    <a:pt x="1313840" y="594801"/>
+                  </a:cubicBezTo>
+                  <a:cubicBezTo>
+                    <a:pt x="1316235" y="585076"/>
+                    <a:pt x="1318540" y="562580"/>
+                    <a:pt x="1320756" y="527312"/>
+                  </a:cubicBezTo>
+                  <a:cubicBezTo>
+                    <a:pt x="1322972" y="492044"/>
+                    <a:pt x="1324559" y="453077"/>
+                    <a:pt x="1325515" y="410412"/>
+                  </a:cubicBezTo>
+                  <a:cubicBezTo>
+                    <a:pt x="1326472" y="367747"/>
+                    <a:pt x="1326950" y="342509"/>
+                    <a:pt x="1326950" y="334697"/>
+                  </a:cubicBezTo>
+                  <a:cubicBezTo>
+                    <a:pt x="1326950" y="256976"/>
+                    <a:pt x="1325954" y="198739"/>
+                    <a:pt x="1323964" y="159985"/>
+                  </a:cubicBezTo>
+                  <a:cubicBezTo>
+                    <a:pt x="1323964" y="131982"/>
+                    <a:pt x="1323249" y="110641"/>
+                    <a:pt x="1321818" y="95963"/>
+                  </a:cubicBezTo>
+                  <a:cubicBezTo>
+                    <a:pt x="1320387" y="81286"/>
+                    <a:pt x="1318108" y="70994"/>
+                    <a:pt x="1314979" y="65090"/>
+                  </a:cubicBezTo>
+                  <a:cubicBezTo>
+                    <a:pt x="1311851" y="59186"/>
+                    <a:pt x="1306976" y="55036"/>
+                    <a:pt x="1300353" y="52641"/>
+                  </a:cubicBezTo>
+                  <a:cubicBezTo>
+                    <a:pt x="1293731" y="50246"/>
+                    <a:pt x="1279689" y="47595"/>
+                    <a:pt x="1258228" y="44687"/>
+                  </a:cubicBezTo>
+                  <a:lnTo>
+                    <a:pt x="1256782" y="8957"/>
+                  </a:lnTo>
+                  <a:cubicBezTo>
+                    <a:pt x="1314960" y="11611"/>
+                    <a:pt x="1356959" y="12939"/>
+                    <a:pt x="1382779" y="12939"/>
+                  </a:cubicBezTo>
+                  <a:cubicBezTo>
+                    <a:pt x="1406832" y="12939"/>
+                    <a:pt x="1426026" y="12231"/>
+                    <a:pt x="1440362" y="10816"/>
+                  </a:cubicBezTo>
+                  <a:cubicBezTo>
+                    <a:pt x="1454698" y="9401"/>
+                    <a:pt x="1472630" y="7786"/>
+                    <a:pt x="1494158" y="5972"/>
+                  </a:cubicBezTo>
+                  <a:close/>
+                  <a:moveTo>
+                    <a:pt x="216952" y="1990"/>
+                  </a:moveTo>
+                  <a:cubicBezTo>
+                    <a:pt x="264099" y="1990"/>
+                    <a:pt x="305490" y="8556"/>
+                    <a:pt x="341126" y="21686"/>
+                  </a:cubicBezTo>
+                  <a:cubicBezTo>
+                    <a:pt x="376762" y="34817"/>
+                    <a:pt x="406754" y="52379"/>
+                    <a:pt x="431102" y="74374"/>
+                  </a:cubicBezTo>
+                  <a:cubicBezTo>
+                    <a:pt x="455451" y="96369"/>
+                    <a:pt x="473549" y="120006"/>
+                    <a:pt x="485396" y="145285"/>
+                  </a:cubicBezTo>
+                  <a:cubicBezTo>
+                    <a:pt x="497244" y="170563"/>
+                    <a:pt x="503168" y="195193"/>
+                    <a:pt x="503168" y="219173"/>
+                  </a:cubicBezTo>
+                  <a:cubicBezTo>
+                    <a:pt x="503168" y="256320"/>
+                    <a:pt x="491848" y="291202"/>
+                    <a:pt x="469207" y="323818"/>
+                  </a:cubicBezTo>
+                  <a:cubicBezTo>
+                    <a:pt x="446567" y="356435"/>
+                    <a:pt x="413510" y="382695"/>
+                    <a:pt x="370036" y="402598"/>
+                  </a:cubicBezTo>
+                  <a:cubicBezTo>
+                    <a:pt x="326562" y="422501"/>
+                    <a:pt x="275488" y="432453"/>
+                    <a:pt x="216812" y="432453"/>
+                  </a:cubicBezTo>
+                  <a:cubicBezTo>
+                    <a:pt x="193864" y="432453"/>
+                    <a:pt x="176350" y="430794"/>
+                    <a:pt x="164272" y="427476"/>
+                  </a:cubicBezTo>
+                  <a:cubicBezTo>
+                    <a:pt x="164542" y="446257"/>
+                    <a:pt x="164864" y="472565"/>
+                    <a:pt x="165240" y="506399"/>
+                  </a:cubicBezTo>
+                  <a:cubicBezTo>
+                    <a:pt x="165616" y="540234"/>
+                    <a:pt x="165998" y="560795"/>
+                    <a:pt x="166387" y="568084"/>
+                  </a:cubicBezTo>
+                  <a:cubicBezTo>
+                    <a:pt x="167439" y="586258"/>
+                    <a:pt x="169478" y="598653"/>
+                    <a:pt x="172502" y="605267"/>
+                  </a:cubicBezTo>
+                  <a:cubicBezTo>
+                    <a:pt x="175527" y="611882"/>
+                    <a:pt x="182195" y="616716"/>
+                    <a:pt x="192505" y="619769"/>
+                  </a:cubicBezTo>
+                  <a:cubicBezTo>
+                    <a:pt x="202816" y="622822"/>
+                    <a:pt x="224922" y="625323"/>
+                    <a:pt x="258824" y="627272"/>
+                  </a:cubicBezTo>
+                  <a:lnTo>
+                    <a:pt x="257176" y="668336"/>
+                  </a:lnTo>
+                  <a:cubicBezTo>
+                    <a:pt x="237534" y="665998"/>
+                    <a:pt x="217507" y="664339"/>
+                    <a:pt x="197093" y="663359"/>
+                  </a:cubicBezTo>
+                  <a:cubicBezTo>
+                    <a:pt x="171786" y="662032"/>
+                    <a:pt x="154622" y="661369"/>
+                    <a:pt x="145603" y="661369"/>
+                  </a:cubicBezTo>
+                  <a:cubicBezTo>
+                    <a:pt x="110970" y="661369"/>
+                    <a:pt x="83978" y="662963"/>
+                    <a:pt x="64627" y="666151"/>
+                  </a:cubicBezTo>
+                  <a:lnTo>
+                    <a:pt x="38104" y="669277"/>
+                  </a:lnTo>
+                  <a:cubicBezTo>
+                    <a:pt x="29457" y="669277"/>
+                    <a:pt x="19758" y="667374"/>
+                    <a:pt x="9007" y="663569"/>
+                  </a:cubicBezTo>
+                  <a:lnTo>
+                    <a:pt x="9007" y="634550"/>
+                  </a:lnTo>
+                  <a:cubicBezTo>
+                    <a:pt x="38124" y="625914"/>
+                    <a:pt x="55503" y="620244"/>
+                    <a:pt x="61143" y="617541"/>
+                  </a:cubicBezTo>
+                  <a:cubicBezTo>
+                    <a:pt x="66783" y="614838"/>
+                    <a:pt x="69974" y="611451"/>
+                    <a:pt x="70715" y="607382"/>
+                  </a:cubicBezTo>
+                  <a:cubicBezTo>
+                    <a:pt x="75691" y="588591"/>
+                    <a:pt x="78180" y="513581"/>
+                    <a:pt x="78180" y="382354"/>
+                  </a:cubicBezTo>
+                  <a:cubicBezTo>
+                    <a:pt x="78180" y="361961"/>
+                    <a:pt x="78097" y="339749"/>
+                    <a:pt x="77931" y="315720"/>
+                  </a:cubicBezTo>
+                  <a:cubicBezTo>
+                    <a:pt x="77765" y="291690"/>
+                    <a:pt x="77519" y="273196"/>
+                    <a:pt x="77192" y="260237"/>
+                  </a:cubicBezTo>
+                  <a:cubicBezTo>
+                    <a:pt x="76865" y="247277"/>
+                    <a:pt x="76041" y="227001"/>
+                    <a:pt x="74719" y="199407"/>
+                  </a:cubicBezTo>
+                  <a:cubicBezTo>
+                    <a:pt x="74051" y="180455"/>
+                    <a:pt x="72893" y="156996"/>
+                    <a:pt x="71247" y="129030"/>
+                  </a:cubicBezTo>
+                  <a:cubicBezTo>
+                    <a:pt x="69602" y="101063"/>
+                    <a:pt x="68113" y="83595"/>
+                    <a:pt x="66780" y="76625"/>
+                  </a:cubicBezTo>
+                  <a:cubicBezTo>
+                    <a:pt x="65448" y="69656"/>
+                    <a:pt x="64103" y="65036"/>
+                    <a:pt x="62745" y="62765"/>
+                  </a:cubicBezTo>
+                  <a:cubicBezTo>
+                    <a:pt x="58717" y="56716"/>
+                    <a:pt x="52888" y="52598"/>
+                    <a:pt x="45257" y="50413"/>
+                  </a:cubicBezTo>
+                  <a:cubicBezTo>
+                    <a:pt x="37627" y="48228"/>
+                    <a:pt x="22811" y="45887"/>
+                    <a:pt x="811" y="43388"/>
+                  </a:cubicBezTo>
+                  <a:cubicBezTo>
+                    <a:pt x="-350" y="30584"/>
+                    <a:pt x="-264" y="17780"/>
+                    <a:pt x="1068" y="4976"/>
+                  </a:cubicBezTo>
+                  <a:cubicBezTo>
+                    <a:pt x="32109" y="6967"/>
+                    <a:pt x="65674" y="7962"/>
+                    <a:pt x="101763" y="7962"/>
+                  </a:cubicBezTo>
+                  <a:cubicBezTo>
+                    <a:pt x="113256" y="7962"/>
+                    <a:pt x="130512" y="7306"/>
+                    <a:pt x="153534" y="5995"/>
+                  </a:cubicBezTo>
+                  <a:lnTo>
+                    <a:pt x="184699" y="3234"/>
+                  </a:lnTo>
+                  <a:cubicBezTo>
+                    <a:pt x="193179" y="2405"/>
+                    <a:pt x="203931" y="1990"/>
+                    <a:pt x="216952" y="1990"/>
+                  </a:cubicBezTo>
+                  <a:close/>
+                  <a:moveTo>
+                    <a:pt x="855721" y="0"/>
+                  </a:moveTo>
+                  <a:cubicBezTo>
+                    <a:pt x="867146" y="40490"/>
+                    <a:pt x="879126" y="80857"/>
+                    <a:pt x="891660" y="121098"/>
+                  </a:cubicBezTo>
+                  <a:lnTo>
+                    <a:pt x="991741" y="379912"/>
+                  </a:lnTo>
+                  <a:cubicBezTo>
+                    <a:pt x="1018862" y="450303"/>
+                    <a:pt x="1039274" y="502028"/>
+                    <a:pt x="1052974" y="535088"/>
+                  </a:cubicBezTo>
+                  <a:cubicBezTo>
+                    <a:pt x="1066675" y="568147"/>
+                    <a:pt x="1076885" y="589957"/>
+                    <a:pt x="1083603" y="600516"/>
+                  </a:cubicBezTo>
+                  <a:cubicBezTo>
+                    <a:pt x="1093063" y="613030"/>
+                    <a:pt x="1112363" y="620743"/>
+                    <a:pt x="1141501" y="623657"/>
+                  </a:cubicBezTo>
+                  <a:lnTo>
+                    <a:pt x="1141501" y="659378"/>
+                  </a:lnTo>
+                  <a:cubicBezTo>
+                    <a:pt x="1107153" y="656724"/>
+                    <a:pt x="1077989" y="655397"/>
+                    <a:pt x="1054009" y="655397"/>
+                  </a:cubicBezTo>
+                  <a:cubicBezTo>
+                    <a:pt x="1034834" y="655397"/>
+                    <a:pt x="1017031" y="655886"/>
+                    <a:pt x="1000601" y="656863"/>
+                  </a:cubicBezTo>
+                  <a:cubicBezTo>
+                    <a:pt x="984171" y="657840"/>
+                    <a:pt x="970966" y="658752"/>
+                    <a:pt x="960984" y="659600"/>
+                  </a:cubicBezTo>
+                  <a:cubicBezTo>
+                    <a:pt x="951003" y="660447"/>
+                    <a:pt x="940012" y="661037"/>
+                    <a:pt x="928011" y="661369"/>
+                  </a:cubicBezTo>
+                  <a:lnTo>
+                    <a:pt x="928011" y="627109"/>
+                  </a:lnTo>
+                  <a:cubicBezTo>
+                    <a:pt x="947798" y="623651"/>
+                    <a:pt x="960952" y="620373"/>
+                    <a:pt x="967473" y="617273"/>
+                  </a:cubicBezTo>
+                  <a:cubicBezTo>
+                    <a:pt x="973994" y="614173"/>
+                    <a:pt x="977255" y="609624"/>
+                    <a:pt x="977255" y="603627"/>
+                  </a:cubicBezTo>
+                  <a:cubicBezTo>
+                    <a:pt x="977255" y="595384"/>
+                    <a:pt x="974392" y="582598"/>
+                    <a:pt x="968667" y="565269"/>
+                  </a:cubicBezTo>
+                  <a:cubicBezTo>
+                    <a:pt x="962941" y="547940"/>
+                    <a:pt x="958720" y="536136"/>
+                    <a:pt x="956004" y="529859"/>
+                  </a:cubicBezTo>
+                  <a:lnTo>
+                    <a:pt x="921363" y="436605"/>
+                  </a:lnTo>
+                  <a:cubicBezTo>
+                    <a:pt x="906403" y="434500"/>
+                    <a:pt x="878066" y="433448"/>
+                    <a:pt x="836352" y="433448"/>
+                  </a:cubicBezTo>
+                  <a:lnTo>
+                    <a:pt x="797310" y="433448"/>
+                  </a:lnTo>
+                  <a:cubicBezTo>
+                    <a:pt x="759359" y="432147"/>
+                    <a:pt x="728052" y="433733"/>
+                    <a:pt x="703387" y="438207"/>
+                  </a:cubicBezTo>
+                  <a:lnTo>
+                    <a:pt x="668475" y="526367"/>
+                  </a:lnTo>
+                  <a:cubicBezTo>
+                    <a:pt x="654032" y="560902"/>
+                    <a:pt x="646811" y="582259"/>
+                    <a:pt x="646811" y="590439"/>
+                  </a:cubicBezTo>
+                  <a:cubicBezTo>
+                    <a:pt x="646811" y="598707"/>
+                    <a:pt x="650908" y="605906"/>
+                    <a:pt x="659101" y="612036"/>
+                  </a:cubicBezTo>
+                  <a:cubicBezTo>
+                    <a:pt x="667294" y="618166"/>
+                    <a:pt x="689251" y="623815"/>
+                    <a:pt x="724973" y="628983"/>
+                  </a:cubicBezTo>
+                  <a:lnTo>
+                    <a:pt x="724973" y="663359"/>
+                  </a:lnTo>
+                  <a:cubicBezTo>
+                    <a:pt x="679055" y="658715"/>
+                    <a:pt x="643167" y="656392"/>
+                    <a:pt x="617311" y="656392"/>
+                  </a:cubicBezTo>
+                  <a:cubicBezTo>
+                    <a:pt x="590500" y="656392"/>
+                    <a:pt x="557547" y="657719"/>
+                    <a:pt x="518450" y="660373"/>
+                  </a:cubicBezTo>
+                  <a:lnTo>
+                    <a:pt x="518450" y="628719"/>
+                  </a:lnTo>
+                  <a:cubicBezTo>
+                    <a:pt x="541155" y="623011"/>
+                    <a:pt x="557225" y="615414"/>
+                    <a:pt x="566660" y="605928"/>
+                  </a:cubicBezTo>
+                  <a:cubicBezTo>
+                    <a:pt x="573559" y="599858"/>
+                    <a:pt x="583332" y="584256"/>
+                    <a:pt x="595978" y="559122"/>
+                  </a:cubicBezTo>
+                  <a:cubicBezTo>
+                    <a:pt x="608624" y="533989"/>
+                    <a:pt x="621411" y="506653"/>
+                    <a:pt x="634339" y="477116"/>
+                  </a:cubicBezTo>
+                  <a:cubicBezTo>
+                    <a:pt x="647268" y="447579"/>
+                    <a:pt x="656793" y="423972"/>
+                    <a:pt x="662915" y="406295"/>
+                  </a:cubicBezTo>
+                  <a:lnTo>
+                    <a:pt x="739956" y="225666"/>
+                  </a:lnTo>
+                  <a:cubicBezTo>
+                    <a:pt x="749712" y="202909"/>
+                    <a:pt x="759759" y="178584"/>
+                    <a:pt x="770095" y="152691"/>
+                  </a:cubicBezTo>
+                  <a:cubicBezTo>
+                    <a:pt x="780431" y="126798"/>
+                    <a:pt x="790228" y="101286"/>
+                    <a:pt x="799483" y="76155"/>
+                  </a:cubicBezTo>
+                  <a:cubicBezTo>
+                    <a:pt x="808739" y="51024"/>
+                    <a:pt x="815233" y="31865"/>
+                    <a:pt x="818965" y="18677"/>
+                  </a:cubicBezTo>
+                  <a:cubicBezTo>
+                    <a:pt x="818965" y="12674"/>
+                    <a:pt x="821723" y="6915"/>
+                    <a:pt x="827239" y="1399"/>
+                  </a:cubicBezTo>
+                  <a:close/>
+                </a:path>
+              </a:pathLst>
+            </a:custGeom>
+            <a:solidFill>
+              <a:schemeClr val="bg1">
+                <a:lumMod val="75000"/>
+              </a:schemeClr>
+            </a:solidFill>
+            <a:ln w="3175">
+              <a:noFill/>
+            </a:ln>
+            <a:effectLst/>
+            <a:scene3d>
+              <a:camera prst="orthographicFront">
+                <a:rot lat="0" lon="0" rev="0"/>
+              </a:camera>
+              <a:lightRig rig="contrasting" dir="t">
+                <a:rot lat="0" lon="0" rev="1500000"/>
+              </a:lightRig>
+            </a:scene3d>
+            <a:sp3d prstMaterial="metal">
+              <a:bevelT w="88900" h="88900"/>
+            </a:sp3d>
+          </p:spPr>
+          <p:txBody>
+            <a:bodyPr rot="0" spcFirstLastPara="0" vertOverflow="overflow" horzOverflow="overflow" vert="horz" wrap="square" lIns="91440" tIns="45720" rIns="91440" bIns="45720" numCol="1" spcCol="0" rtlCol="0" fromWordArt="0" anchor="t" anchorCtr="0" forceAA="0" compatLnSpc="1">
+              <a:prstTxWarp prst="textNoShape">
+                <a:avLst/>
+              </a:prstTxWarp>
+              <a:noAutofit/>
+            </a:bodyPr>
+            <a:lstStyle/>
+            <a:p>
+              <a:pPr algn="ctr"/>
+              <a:endParaRPr lang="en-US" sz="8000" b="1" cap="none" spc="600" dirty="0">
+                <a:ln w="0"/>
+                <a:solidFill>
+                  <a:schemeClr val="tx1"/>
+                </a:solidFill>
+                <a:latin typeface="Centaur" panose="02030504050205020304" pitchFamily="18" charset="0"/>
+              </a:endParaRPr>
+            </a:p>
+          </p:txBody>
+        </p:sp>
+        <p:sp>
+          <p:nvSpPr>
+            <p:cNvPr id="4" name="Graphic 139">
+              <a:extLst>
+                <a:ext uri="{FF2B5EF4-FFF2-40B4-BE49-F238E27FC236}">
+                  <a16:creationId xmlns:a16="http://schemas.microsoft.com/office/drawing/2014/main" id="{6BCE914C-2E91-DC07-6360-B91176C5F472}"/>
+                </a:ext>
+              </a:extLst>
+            </p:cNvPr>
+            <p:cNvSpPr/>
+            <p:nvPr/>
+          </p:nvSpPr>
+          <p:spPr>
+            <a:xfrm>
+              <a:off x="3048034" y="2365284"/>
+              <a:ext cx="949022" cy="1063716"/>
+            </a:xfrm>
+            <a:custGeom>
+              <a:avLst/>
+              <a:gdLst>
+                <a:gd name="connsiteX0" fmla="*/ 647706 w 2177573"/>
+                <a:gd name="connsiteY0" fmla="*/ 560476 h 2440743"/>
+                <a:gd name="connsiteX1" fmla="*/ 647688 w 2177573"/>
+                <a:gd name="connsiteY1" fmla="*/ 558725 h 2440743"/>
+                <a:gd name="connsiteX2" fmla="*/ 647688 w 2177573"/>
+                <a:gd name="connsiteY2" fmla="*/ 441098 h 2440743"/>
+                <a:gd name="connsiteX3" fmla="*/ 1088789 w 2177573"/>
+                <a:gd name="connsiteY3" fmla="*/ 0 h 2440743"/>
+                <a:gd name="connsiteX4" fmla="*/ 1529887 w 2177573"/>
+                <a:gd name="connsiteY4" fmla="*/ 441098 h 2440743"/>
+                <a:gd name="connsiteX5" fmla="*/ 1529887 w 2177573"/>
+                <a:gd name="connsiteY5" fmla="*/ 558725 h 2440743"/>
+                <a:gd name="connsiteX6" fmla="*/ 1529863 w 2177573"/>
+                <a:gd name="connsiteY6" fmla="*/ 560476 h 2440743"/>
+                <a:gd name="connsiteX7" fmla="*/ 1844667 w 2177573"/>
+                <a:gd name="connsiteY7" fmla="*/ 640060 h 2440743"/>
+                <a:gd name="connsiteX8" fmla="*/ 2020118 w 2177573"/>
+                <a:gd name="connsiteY8" fmla="*/ 1134423 h 2440743"/>
+                <a:gd name="connsiteX9" fmla="*/ 2108337 w 2177573"/>
+                <a:gd name="connsiteY9" fmla="*/ 1604927 h 2440743"/>
+                <a:gd name="connsiteX10" fmla="*/ 2111396 w 2177573"/>
+                <a:gd name="connsiteY10" fmla="*/ 2313225 h 2440743"/>
+                <a:gd name="connsiteX11" fmla="*/ 1414660 w 2177573"/>
+                <a:gd name="connsiteY11" fmla="*/ 2440744 h 2440743"/>
+                <a:gd name="connsiteX12" fmla="*/ 762910 w 2177573"/>
+                <a:gd name="connsiteY12" fmla="*/ 2440744 h 2440743"/>
+                <a:gd name="connsiteX13" fmla="*/ 66175 w 2177573"/>
+                <a:gd name="connsiteY13" fmla="*/ 2313225 h 2440743"/>
+                <a:gd name="connsiteX14" fmla="*/ 69241 w 2177573"/>
+                <a:gd name="connsiteY14" fmla="*/ 1604927 h 2440743"/>
+                <a:gd name="connsiteX15" fmla="*/ 157461 w 2177573"/>
+                <a:gd name="connsiteY15" fmla="*/ 1134423 h 2440743"/>
+                <a:gd name="connsiteX16" fmla="*/ 332906 w 2177573"/>
+                <a:gd name="connsiteY16" fmla="*/ 640060 h 2440743"/>
+                <a:gd name="connsiteX17" fmla="*/ 647706 w 2177573"/>
+                <a:gd name="connsiteY17" fmla="*/ 560476 h 2440743"/>
+                <a:gd name="connsiteX18" fmla="*/ 824127 w 2177573"/>
+                <a:gd name="connsiteY18" fmla="*/ 441098 h 2440743"/>
+                <a:gd name="connsiteX19" fmla="*/ 1088789 w 2177573"/>
+                <a:gd name="connsiteY19" fmla="*/ 176439 h 2440743"/>
+                <a:gd name="connsiteX20" fmla="*/ 1353448 w 2177573"/>
+                <a:gd name="connsiteY20" fmla="*/ 441098 h 2440743"/>
+                <a:gd name="connsiteX21" fmla="*/ 1353448 w 2177573"/>
+                <a:gd name="connsiteY21" fmla="*/ 558725 h 2440743"/>
+                <a:gd name="connsiteX22" fmla="*/ 1353448 w 2177573"/>
+                <a:gd name="connsiteY22" fmla="*/ 558725 h 2440743"/>
+                <a:gd name="connsiteX23" fmla="*/ 1326441 w 2177573"/>
+                <a:gd name="connsiteY23" fmla="*/ 558725 h 2440743"/>
+                <a:gd name="connsiteX24" fmla="*/ 851130 w 2177573"/>
+                <a:gd name="connsiteY24" fmla="*/ 558725 h 2440743"/>
+                <a:gd name="connsiteX25" fmla="*/ 824127 w 2177573"/>
+                <a:gd name="connsiteY25" fmla="*/ 558727 h 2440743"/>
+                <a:gd name="connsiteX26" fmla="*/ 824127 w 2177573"/>
+                <a:gd name="connsiteY26" fmla="*/ 558727 h 2440743"/>
+                <a:gd name="connsiteX27" fmla="*/ 824127 w 2177573"/>
+                <a:gd name="connsiteY27" fmla="*/ 441098 h 2440743"/>
+              </a:gdLst>
+              <a:ahLst/>
+              <a:cxnLst>
+                <a:cxn ang="0">
+                  <a:pos x="connsiteX0" y="connsiteY0"/>
+                </a:cxn>
+                <a:cxn ang="0">
+                  <a:pos x="connsiteX1" y="connsiteY1"/>
+                </a:cxn>
+                <a:cxn ang="0">
+                  <a:pos x="connsiteX2" y="connsiteY2"/>
+                </a:cxn>
+                <a:cxn ang="0">
+                  <a:pos x="connsiteX3" y="connsiteY3"/>
+                </a:cxn>
+                <a:cxn ang="0">
+                  <a:pos x="connsiteX4" y="connsiteY4"/>
+                </a:cxn>
+                <a:cxn ang="0">
+                  <a:pos x="connsiteX5" y="connsiteY5"/>
+                </a:cxn>
+                <a:cxn ang="0">
+                  <a:pos x="connsiteX6" y="connsiteY6"/>
+                </a:cxn>
+                <a:cxn ang="0">
+                  <a:pos x="connsiteX7" y="connsiteY7"/>
+                </a:cxn>
+                <a:cxn ang="0">
+                  <a:pos x="connsiteX8" y="connsiteY8"/>
+                </a:cxn>
+                <a:cxn ang="0">
+                  <a:pos x="connsiteX9" y="connsiteY9"/>
+                </a:cxn>
+                <a:cxn ang="0">
+                  <a:pos x="connsiteX10" y="connsiteY10"/>
+                </a:cxn>
+                <a:cxn ang="0">
+                  <a:pos x="connsiteX11" y="connsiteY11"/>
+                </a:cxn>
+                <a:cxn ang="0">
+                  <a:pos x="connsiteX12" y="connsiteY12"/>
+                </a:cxn>
+                <a:cxn ang="0">
+                  <a:pos x="connsiteX13" y="connsiteY13"/>
+                </a:cxn>
+                <a:cxn ang="0">
+                  <a:pos x="connsiteX14" y="connsiteY14"/>
+                </a:cxn>
+                <a:cxn ang="0">
+                  <a:pos x="connsiteX15" y="connsiteY15"/>
+                </a:cxn>
+                <a:cxn ang="0">
+                  <a:pos x="connsiteX16" y="connsiteY16"/>
+                </a:cxn>
+                <a:cxn ang="0">
+                  <a:pos x="connsiteX17" y="connsiteY17"/>
+                </a:cxn>
+                <a:cxn ang="0">
+                  <a:pos x="connsiteX18" y="connsiteY18"/>
+                </a:cxn>
+                <a:cxn ang="0">
+                  <a:pos x="connsiteX19" y="connsiteY19"/>
+                </a:cxn>
+                <a:cxn ang="0">
+                  <a:pos x="connsiteX20" y="connsiteY20"/>
+                </a:cxn>
+                <a:cxn ang="0">
+                  <a:pos x="connsiteX21" y="connsiteY21"/>
+                </a:cxn>
+                <a:cxn ang="0">
+                  <a:pos x="connsiteX22" y="connsiteY22"/>
+                </a:cxn>
+                <a:cxn ang="0">
+                  <a:pos x="connsiteX23" y="connsiteY23"/>
+                </a:cxn>
+                <a:cxn ang="0">
+                  <a:pos x="connsiteX24" y="connsiteY24"/>
+                </a:cxn>
+                <a:cxn ang="0">
+                  <a:pos x="connsiteX25" y="connsiteY25"/>
+                </a:cxn>
+                <a:cxn ang="0">
+                  <a:pos x="connsiteX26" y="connsiteY26"/>
+                </a:cxn>
+                <a:cxn ang="0">
+                  <a:pos x="connsiteX27" y="connsiteY27"/>
+                </a:cxn>
+              </a:cxnLst>
+              <a:rect l="l" t="t" r="r" b="b"/>
+              <a:pathLst>
+                <a:path w="2177573" h="2440743">
+                  <a:moveTo>
+                    <a:pt x="647706" y="560476"/>
+                  </a:moveTo>
+                  <a:cubicBezTo>
+                    <a:pt x="647694" y="559894"/>
+                    <a:pt x="647688" y="559310"/>
+                    <a:pt x="647688" y="558725"/>
+                  </a:cubicBezTo>
+                  <a:lnTo>
+                    <a:pt x="647688" y="441098"/>
+                  </a:lnTo>
+                  <a:cubicBezTo>
+                    <a:pt x="647688" y="197486"/>
+                    <a:pt x="845175" y="0"/>
+                    <a:pt x="1088789" y="0"/>
+                  </a:cubicBezTo>
+                  <a:cubicBezTo>
+                    <a:pt x="1332404" y="0"/>
+                    <a:pt x="1529887" y="197486"/>
+                    <a:pt x="1529887" y="441098"/>
+                  </a:cubicBezTo>
+                  <a:lnTo>
+                    <a:pt x="1529887" y="558725"/>
+                  </a:lnTo>
+                  <a:cubicBezTo>
+                    <a:pt x="1529887" y="559310"/>
+                    <a:pt x="1529875" y="559894"/>
+                    <a:pt x="1529863" y="560476"/>
+                  </a:cubicBezTo>
+                  <a:cubicBezTo>
+                    <a:pt x="1681284" y="565021"/>
+                    <a:pt x="1773938" y="581356"/>
+                    <a:pt x="1844667" y="640060"/>
+                  </a:cubicBezTo>
+                  <a:cubicBezTo>
+                    <a:pt x="1942673" y="721396"/>
+                    <a:pt x="1968480" y="859070"/>
+                    <a:pt x="2020118" y="1134423"/>
+                  </a:cubicBezTo>
+                  <a:lnTo>
+                    <a:pt x="2108337" y="1604927"/>
+                  </a:lnTo>
+                  <a:cubicBezTo>
+                    <a:pt x="2180936" y="1992118"/>
+                    <a:pt x="2217224" y="2185707"/>
+                    <a:pt x="2111396" y="2313225"/>
+                  </a:cubicBezTo>
+                  <a:cubicBezTo>
+                    <a:pt x="2005568" y="2440744"/>
+                    <a:pt x="1808602" y="2440744"/>
+                    <a:pt x="1414660" y="2440744"/>
+                  </a:cubicBezTo>
+                  <a:lnTo>
+                    <a:pt x="762910" y="2440744"/>
+                  </a:lnTo>
+                  <a:cubicBezTo>
+                    <a:pt x="368973" y="2440744"/>
+                    <a:pt x="172004" y="2440744"/>
+                    <a:pt x="66175" y="2313225"/>
+                  </a:cubicBezTo>
+                  <a:cubicBezTo>
+                    <a:pt x="-39656" y="2185707"/>
+                    <a:pt x="-3357" y="1992118"/>
+                    <a:pt x="69241" y="1604927"/>
+                  </a:cubicBezTo>
+                  <a:lnTo>
+                    <a:pt x="157461" y="1134423"/>
+                  </a:lnTo>
+                  <a:cubicBezTo>
+                    <a:pt x="209088" y="859070"/>
+                    <a:pt x="234902" y="721396"/>
+                    <a:pt x="332906" y="640060"/>
+                  </a:cubicBezTo>
+                  <a:cubicBezTo>
+                    <a:pt x="403641" y="581356"/>
+                    <a:pt x="496290" y="565021"/>
+                    <a:pt x="647706" y="560476"/>
+                  </a:cubicBezTo>
+                  <a:close/>
+                  <a:moveTo>
+                    <a:pt x="824127" y="441098"/>
+                  </a:moveTo>
+                  <a:cubicBezTo>
+                    <a:pt x="824127" y="294931"/>
+                    <a:pt x="942615" y="176439"/>
+                    <a:pt x="1088789" y="176439"/>
+                  </a:cubicBezTo>
+                  <a:cubicBezTo>
+                    <a:pt x="1234951" y="176439"/>
+                    <a:pt x="1353448" y="294931"/>
+                    <a:pt x="1353448" y="441098"/>
+                  </a:cubicBezTo>
+                  <a:lnTo>
+                    <a:pt x="1353448" y="558725"/>
+                  </a:lnTo>
+                  <a:cubicBezTo>
+                    <a:pt x="1353448" y="558723"/>
+                    <a:pt x="1353448" y="558726"/>
+                    <a:pt x="1353448" y="558725"/>
+                  </a:cubicBezTo>
+                  <a:cubicBezTo>
+                    <a:pt x="1344590" y="558722"/>
+                    <a:pt x="1335592" y="558725"/>
+                    <a:pt x="1326441" y="558725"/>
+                  </a:cubicBezTo>
+                  <a:lnTo>
+                    <a:pt x="851130" y="558725"/>
+                  </a:lnTo>
+                  <a:cubicBezTo>
+                    <a:pt x="841981" y="558725"/>
+                    <a:pt x="832981" y="558725"/>
+                    <a:pt x="824127" y="558727"/>
+                  </a:cubicBezTo>
+                  <a:cubicBezTo>
+                    <a:pt x="824127" y="558727"/>
+                    <a:pt x="824127" y="558728"/>
+                    <a:pt x="824127" y="558727"/>
+                  </a:cubicBezTo>
+                  <a:lnTo>
+                    <a:pt x="824127" y="441098"/>
+                  </a:lnTo>
+                  <a:close/>
+                </a:path>
+              </a:pathLst>
+            </a:custGeom>
+            <a:solidFill>
+              <a:srgbClr val="FF0000"/>
+            </a:solidFill>
+            <a:ln w="117475" cap="flat">
+              <a:noFill/>
+              <a:prstDash val="solid"/>
+              <a:miter/>
+            </a:ln>
+            <a:effectLst/>
+            <a:scene3d>
+              <a:camera prst="orthographicFront">
+                <a:rot lat="0" lon="0" rev="0"/>
+              </a:camera>
+              <a:lightRig rig="contrasting" dir="t">
+                <a:rot lat="0" lon="0" rev="1500000"/>
+              </a:lightRig>
+            </a:scene3d>
+            <a:sp3d prstMaterial="metal">
+              <a:bevelT w="88900" h="88900"/>
+            </a:sp3d>
+          </p:spPr>
+          <p:txBody>
+            <a:bodyPr rtlCol="0" anchor="ctr"/>
+            <a:lstStyle/>
+            <a:p>
+              <a:endParaRPr lang="en-US" dirty="0"/>
+            </a:p>
+          </p:txBody>
+        </p:sp>
+        <p:sp>
+          <p:nvSpPr>
+            <p:cNvPr id="5" name="Freeform: Shape 4">
+              <a:extLst>
+                <a:ext uri="{FF2B5EF4-FFF2-40B4-BE49-F238E27FC236}">
+                  <a16:creationId xmlns:a16="http://schemas.microsoft.com/office/drawing/2014/main" id="{9D6C3504-C9F4-8960-E826-16AA8FB5782A}"/>
+                </a:ext>
+              </a:extLst>
+            </p:cNvPr>
+            <p:cNvSpPr/>
+            <p:nvPr/>
+          </p:nvSpPr>
+          <p:spPr>
+            <a:xfrm>
+              <a:off x="3325396" y="2760717"/>
+              <a:ext cx="407168" cy="494834"/>
+            </a:xfrm>
+            <a:custGeom>
+              <a:avLst/>
+              <a:gdLst>
+                <a:gd name="connsiteX0" fmla="*/ 294440 w 372609"/>
+                <a:gd name="connsiteY0" fmla="*/ 292535 h 452834"/>
+                <a:gd name="connsiteX1" fmla="*/ 363790 w 372609"/>
+                <a:gd name="connsiteY1" fmla="*/ 422667 h 452834"/>
+                <a:gd name="connsiteX2" fmla="*/ 369253 w 372609"/>
+                <a:gd name="connsiteY2" fmla="*/ 432739 h 452834"/>
+                <a:gd name="connsiteX3" fmla="*/ 372609 w 372609"/>
+                <a:gd name="connsiteY3" fmla="*/ 442811 h 452834"/>
+                <a:gd name="connsiteX4" fmla="*/ 369502 w 372609"/>
+                <a:gd name="connsiteY4" fmla="*/ 450377 h 452834"/>
+                <a:gd name="connsiteX5" fmla="*/ 360734 w 372609"/>
+                <a:gd name="connsiteY5" fmla="*/ 452732 h 452834"/>
+                <a:gd name="connsiteX6" fmla="*/ 256006 w 372609"/>
+                <a:gd name="connsiteY6" fmla="*/ 452732 h 452834"/>
+                <a:gd name="connsiteX7" fmla="*/ 246586 w 372609"/>
+                <a:gd name="connsiteY7" fmla="*/ 449827 h 452834"/>
+                <a:gd name="connsiteX8" fmla="*/ 241224 w 372609"/>
+                <a:gd name="connsiteY8" fmla="*/ 441558 h 452834"/>
+                <a:gd name="connsiteX9" fmla="*/ 179791 w 372609"/>
+                <a:gd name="connsiteY9" fmla="*/ 325556 h 452834"/>
+                <a:gd name="connsiteX10" fmla="*/ 197279 w 372609"/>
+                <a:gd name="connsiteY10" fmla="*/ 323752 h 452834"/>
+                <a:gd name="connsiteX11" fmla="*/ 294440 w 372609"/>
+                <a:gd name="connsiteY11" fmla="*/ 292535 h 452834"/>
+                <a:gd name="connsiteX12" fmla="*/ 178488 w 372609"/>
+                <a:gd name="connsiteY12" fmla="*/ 38484 h 452834"/>
+                <a:gd name="connsiteX13" fmla="*/ 149024 w 372609"/>
+                <a:gd name="connsiteY13" fmla="*/ 42493 h 452834"/>
+                <a:gd name="connsiteX14" fmla="*/ 122466 w 372609"/>
+                <a:gd name="connsiteY14" fmla="*/ 53667 h 452834"/>
+                <a:gd name="connsiteX15" fmla="*/ 99867 w 372609"/>
+                <a:gd name="connsiteY15" fmla="*/ 70853 h 452834"/>
+                <a:gd name="connsiteX16" fmla="*/ 82479 w 372609"/>
+                <a:gd name="connsiteY16" fmla="*/ 93654 h 452834"/>
+                <a:gd name="connsiteX17" fmla="*/ 71254 w 372609"/>
+                <a:gd name="connsiteY17" fmla="*/ 120261 h 452834"/>
+                <a:gd name="connsiteX18" fmla="*/ 67246 w 372609"/>
+                <a:gd name="connsiteY18" fmla="*/ 149725 h 452834"/>
+                <a:gd name="connsiteX19" fmla="*/ 71254 w 372609"/>
+                <a:gd name="connsiteY19" fmla="*/ 179239 h 452834"/>
+                <a:gd name="connsiteX20" fmla="*/ 82479 w 372609"/>
+                <a:gd name="connsiteY20" fmla="*/ 205846 h 452834"/>
+                <a:gd name="connsiteX21" fmla="*/ 99867 w 372609"/>
+                <a:gd name="connsiteY21" fmla="*/ 228196 h 452834"/>
+                <a:gd name="connsiteX22" fmla="*/ 122466 w 372609"/>
+                <a:gd name="connsiteY22" fmla="*/ 245684 h 452834"/>
+                <a:gd name="connsiteX23" fmla="*/ 149024 w 372609"/>
+                <a:gd name="connsiteY23" fmla="*/ 256857 h 452834"/>
+                <a:gd name="connsiteX24" fmla="*/ 178488 w 372609"/>
+                <a:gd name="connsiteY24" fmla="*/ 260616 h 452834"/>
+                <a:gd name="connsiteX25" fmla="*/ 211560 w 372609"/>
+                <a:gd name="connsiteY25" fmla="*/ 255705 h 452834"/>
+                <a:gd name="connsiteX26" fmla="*/ 241074 w 372609"/>
+                <a:gd name="connsiteY26" fmla="*/ 241375 h 452834"/>
+                <a:gd name="connsiteX27" fmla="*/ 244632 w 372609"/>
+                <a:gd name="connsiteY27" fmla="*/ 237867 h 452834"/>
+                <a:gd name="connsiteX28" fmla="*/ 244230 w 372609"/>
+                <a:gd name="connsiteY28" fmla="*/ 232505 h 452834"/>
+                <a:gd name="connsiteX29" fmla="*/ 219378 w 372609"/>
+                <a:gd name="connsiteY29" fmla="*/ 196777 h 452834"/>
+                <a:gd name="connsiteX30" fmla="*/ 215819 w 372609"/>
+                <a:gd name="connsiteY30" fmla="*/ 194072 h 452834"/>
+                <a:gd name="connsiteX31" fmla="*/ 211560 w 372609"/>
+                <a:gd name="connsiteY31" fmla="*/ 195375 h 452834"/>
+                <a:gd name="connsiteX32" fmla="*/ 195675 w 372609"/>
+                <a:gd name="connsiteY32" fmla="*/ 203642 h 452834"/>
+                <a:gd name="connsiteX33" fmla="*/ 177436 w 372609"/>
+                <a:gd name="connsiteY33" fmla="*/ 206599 h 452834"/>
+                <a:gd name="connsiteX34" fmla="*/ 155488 w 372609"/>
+                <a:gd name="connsiteY34" fmla="*/ 202138 h 452834"/>
+                <a:gd name="connsiteX35" fmla="*/ 138301 w 372609"/>
+                <a:gd name="connsiteY35" fmla="*/ 189811 h 452834"/>
+                <a:gd name="connsiteX36" fmla="*/ 126927 w 372609"/>
+                <a:gd name="connsiteY36" fmla="*/ 171672 h 452834"/>
+                <a:gd name="connsiteX37" fmla="*/ 122866 w 372609"/>
+                <a:gd name="connsiteY37" fmla="*/ 149375 h 452834"/>
+                <a:gd name="connsiteX38" fmla="*/ 126927 w 372609"/>
+                <a:gd name="connsiteY38" fmla="*/ 127026 h 452834"/>
+                <a:gd name="connsiteX39" fmla="*/ 138301 w 372609"/>
+                <a:gd name="connsiteY39" fmla="*/ 108686 h 452834"/>
+                <a:gd name="connsiteX40" fmla="*/ 155488 w 372609"/>
+                <a:gd name="connsiteY40" fmla="*/ 96410 h 452834"/>
+                <a:gd name="connsiteX41" fmla="*/ 177436 w 372609"/>
+                <a:gd name="connsiteY41" fmla="*/ 91951 h 452834"/>
+                <a:gd name="connsiteX42" fmla="*/ 195525 w 372609"/>
+                <a:gd name="connsiteY42" fmla="*/ 94856 h 452834"/>
+                <a:gd name="connsiteX43" fmla="*/ 211360 w 372609"/>
+                <a:gd name="connsiteY43" fmla="*/ 103124 h 452834"/>
+                <a:gd name="connsiteX44" fmla="*/ 215769 w 372609"/>
+                <a:gd name="connsiteY44" fmla="*/ 104227 h 452834"/>
+                <a:gd name="connsiteX45" fmla="*/ 219127 w 372609"/>
+                <a:gd name="connsiteY45" fmla="*/ 101571 h 452834"/>
+                <a:gd name="connsiteX46" fmla="*/ 243730 w 372609"/>
+                <a:gd name="connsiteY46" fmla="*/ 66694 h 452834"/>
+                <a:gd name="connsiteX47" fmla="*/ 244181 w 372609"/>
+                <a:gd name="connsiteY47" fmla="*/ 61082 h 452834"/>
+                <a:gd name="connsiteX48" fmla="*/ 240372 w 372609"/>
+                <a:gd name="connsiteY48" fmla="*/ 57275 h 452834"/>
+                <a:gd name="connsiteX49" fmla="*/ 211360 w 372609"/>
+                <a:gd name="connsiteY49" fmla="*/ 43194 h 452834"/>
+                <a:gd name="connsiteX50" fmla="*/ 178488 w 372609"/>
+                <a:gd name="connsiteY50" fmla="*/ 38484 h 452834"/>
+                <a:gd name="connsiteX51" fmla="*/ 13379 w 372609"/>
+                <a:gd name="connsiteY51" fmla="*/ 0 h 452834"/>
+                <a:gd name="connsiteX52" fmla="*/ 210207 w 372609"/>
+                <a:gd name="connsiteY52" fmla="*/ 0 h 452834"/>
+                <a:gd name="connsiteX53" fmla="*/ 268934 w 372609"/>
+                <a:gd name="connsiteY53" fmla="*/ 11876 h 452834"/>
+                <a:gd name="connsiteX54" fmla="*/ 316739 w 372609"/>
+                <a:gd name="connsiteY54" fmla="*/ 43594 h 452834"/>
+                <a:gd name="connsiteX55" fmla="*/ 348908 w 372609"/>
+                <a:gd name="connsiteY55" fmla="*/ 90747 h 452834"/>
+                <a:gd name="connsiteX56" fmla="*/ 360734 w 372609"/>
+                <a:gd name="connsiteY56" fmla="*/ 148272 h 452834"/>
+                <a:gd name="connsiteX57" fmla="*/ 355122 w 372609"/>
+                <a:gd name="connsiteY57" fmla="*/ 187808 h 452834"/>
+                <a:gd name="connsiteX58" fmla="*/ 339287 w 372609"/>
+                <a:gd name="connsiteY58" fmla="*/ 222884 h 452834"/>
+                <a:gd name="connsiteX59" fmla="*/ 315436 w 372609"/>
+                <a:gd name="connsiteY59" fmla="*/ 252398 h 452834"/>
+                <a:gd name="connsiteX60" fmla="*/ 156841 w 372609"/>
+                <a:gd name="connsiteY60" fmla="*/ 302457 h 452834"/>
+                <a:gd name="connsiteX61" fmla="*/ 118157 w 372609"/>
+                <a:gd name="connsiteY61" fmla="*/ 302457 h 452834"/>
+                <a:gd name="connsiteX62" fmla="*/ 118157 w 372609"/>
+                <a:gd name="connsiteY62" fmla="*/ 439955 h 452834"/>
+                <a:gd name="connsiteX63" fmla="*/ 104076 w 372609"/>
+                <a:gd name="connsiteY63" fmla="*/ 452834 h 452834"/>
+                <a:gd name="connsiteX64" fmla="*/ 13379 w 372609"/>
+                <a:gd name="connsiteY64" fmla="*/ 452834 h 452834"/>
+                <a:gd name="connsiteX65" fmla="*/ 3508 w 372609"/>
+                <a:gd name="connsiteY65" fmla="*/ 449726 h 452834"/>
+                <a:gd name="connsiteX66" fmla="*/ 0 w 372609"/>
+                <a:gd name="connsiteY66" fmla="*/ 439955 h 452834"/>
+                <a:gd name="connsiteX67" fmla="*/ 0 w 372609"/>
+                <a:gd name="connsiteY67" fmla="*/ 14131 h 452834"/>
+                <a:gd name="connsiteX68" fmla="*/ 3358 w 372609"/>
+                <a:gd name="connsiteY68" fmla="*/ 3809 h 452834"/>
+                <a:gd name="connsiteX69" fmla="*/ 13379 w 372609"/>
+                <a:gd name="connsiteY69" fmla="*/ 0 h 452834"/>
+              </a:gdLst>
+              <a:ahLst/>
+              <a:cxnLst>
+                <a:cxn ang="0">
+                  <a:pos x="connsiteX0" y="connsiteY0"/>
+                </a:cxn>
+                <a:cxn ang="0">
+                  <a:pos x="connsiteX1" y="connsiteY1"/>
+                </a:cxn>
+                <a:cxn ang="0">
+                  <a:pos x="connsiteX2" y="connsiteY2"/>
+                </a:cxn>
+                <a:cxn ang="0">
+                  <a:pos x="connsiteX3" y="connsiteY3"/>
+                </a:cxn>
+                <a:cxn ang="0">
+                  <a:pos x="connsiteX4" y="connsiteY4"/>
+                </a:cxn>
+                <a:cxn ang="0">
+                  <a:pos x="connsiteX5" y="connsiteY5"/>
+                </a:cxn>
+                <a:cxn ang="0">
+                  <a:pos x="connsiteX6" y="connsiteY6"/>
+                </a:cxn>
+                <a:cxn ang="0">
+                  <a:pos x="connsiteX7" y="connsiteY7"/>
+                </a:cxn>
+                <a:cxn ang="0">
+                  <a:pos x="connsiteX8" y="connsiteY8"/>
+                </a:cxn>
+                <a:cxn ang="0">
+                  <a:pos x="connsiteX9" y="connsiteY9"/>
+                </a:cxn>
+                <a:cxn ang="0">
+                  <a:pos x="connsiteX10" y="connsiteY10"/>
+                </a:cxn>
+                <a:cxn ang="0">
+                  <a:pos x="connsiteX11" y="connsiteY11"/>
+                </a:cxn>
+                <a:cxn ang="0">
+                  <a:pos x="connsiteX12" y="connsiteY12"/>
+                </a:cxn>
+                <a:cxn ang="0">
+                  <a:pos x="connsiteX13" y="connsiteY13"/>
+                </a:cxn>
+                <a:cxn ang="0">
+                  <a:pos x="connsiteX14" y="connsiteY14"/>
+                </a:cxn>
+                <a:cxn ang="0">
+                  <a:pos x="connsiteX15" y="connsiteY15"/>
+                </a:cxn>
+                <a:cxn ang="0">
+                  <a:pos x="connsiteX16" y="connsiteY16"/>
+                </a:cxn>
+                <a:cxn ang="0">
+                  <a:pos x="connsiteX17" y="connsiteY17"/>
+                </a:cxn>
+                <a:cxn ang="0">
+                  <a:pos x="connsiteX18" y="connsiteY18"/>
+                </a:cxn>
+                <a:cxn ang="0">
+                  <a:pos x="connsiteX19" y="connsiteY19"/>
+                </a:cxn>
+                <a:cxn ang="0">
+                  <a:pos x="connsiteX20" y="connsiteY20"/>
+                </a:cxn>
+                <a:cxn ang="0">
+                  <a:pos x="connsiteX21" y="connsiteY21"/>
+                </a:cxn>
+                <a:cxn ang="0">
+                  <a:pos x="connsiteX22" y="connsiteY22"/>
+                </a:cxn>
+                <a:cxn ang="0">
+                  <a:pos x="connsiteX23" y="connsiteY23"/>
+                </a:cxn>
+                <a:cxn ang="0">
+                  <a:pos x="connsiteX24" y="connsiteY24"/>
+                </a:cxn>
+                <a:cxn ang="0">
+                  <a:pos x="connsiteX25" y="connsiteY25"/>
+                </a:cxn>
+                <a:cxn ang="0">
+                  <a:pos x="connsiteX26" y="connsiteY26"/>
+                </a:cxn>
+                <a:cxn ang="0">
+                  <a:pos x="connsiteX27" y="connsiteY27"/>
+                </a:cxn>
+                <a:cxn ang="0">
+                  <a:pos x="connsiteX28" y="connsiteY28"/>
+                </a:cxn>
+                <a:cxn ang="0">
+                  <a:pos x="connsiteX29" y="connsiteY29"/>
+                </a:cxn>
+                <a:cxn ang="0">
+                  <a:pos x="connsiteX30" y="connsiteY30"/>
+                </a:cxn>
+                <a:cxn ang="0">
+                  <a:pos x="connsiteX31" y="connsiteY31"/>
+                </a:cxn>
+                <a:cxn ang="0">
+                  <a:pos x="connsiteX32" y="connsiteY32"/>
+                </a:cxn>
+                <a:cxn ang="0">
+                  <a:pos x="connsiteX33" y="connsiteY33"/>
+                </a:cxn>
+                <a:cxn ang="0">
+                  <a:pos x="connsiteX34" y="connsiteY34"/>
+                </a:cxn>
+                <a:cxn ang="0">
+                  <a:pos x="connsiteX35" y="connsiteY35"/>
+                </a:cxn>
+                <a:cxn ang="0">
+                  <a:pos x="connsiteX36" y="connsiteY36"/>
+                </a:cxn>
+                <a:cxn ang="0">
+                  <a:pos x="connsiteX37" y="connsiteY37"/>
+                </a:cxn>
+                <a:cxn ang="0">
+                  <a:pos x="connsiteX38" y="connsiteY38"/>
+                </a:cxn>
+                <a:cxn ang="0">
+                  <a:pos x="connsiteX39" y="connsiteY39"/>
+                </a:cxn>
+                <a:cxn ang="0">
+                  <a:pos x="connsiteX40" y="connsiteY40"/>
+                </a:cxn>
+                <a:cxn ang="0">
+                  <a:pos x="connsiteX41" y="connsiteY41"/>
+                </a:cxn>
+                <a:cxn ang="0">
+                  <a:pos x="connsiteX42" y="connsiteY42"/>
+                </a:cxn>
+                <a:cxn ang="0">
+                  <a:pos x="connsiteX43" y="connsiteY43"/>
+                </a:cxn>
+                <a:cxn ang="0">
+                  <a:pos x="connsiteX44" y="connsiteY44"/>
+                </a:cxn>
+                <a:cxn ang="0">
+                  <a:pos x="connsiteX45" y="connsiteY45"/>
+                </a:cxn>
+                <a:cxn ang="0">
+                  <a:pos x="connsiteX46" y="connsiteY46"/>
+                </a:cxn>
+                <a:cxn ang="0">
+                  <a:pos x="connsiteX47" y="connsiteY47"/>
+                </a:cxn>
+                <a:cxn ang="0">
+                  <a:pos x="connsiteX48" y="connsiteY48"/>
+                </a:cxn>
+                <a:cxn ang="0">
+                  <a:pos x="connsiteX49" y="connsiteY49"/>
+                </a:cxn>
+                <a:cxn ang="0">
+                  <a:pos x="connsiteX50" y="connsiteY50"/>
+                </a:cxn>
+                <a:cxn ang="0">
+                  <a:pos x="connsiteX51" y="connsiteY51"/>
+                </a:cxn>
+                <a:cxn ang="0">
+                  <a:pos x="connsiteX52" y="connsiteY52"/>
+                </a:cxn>
+                <a:cxn ang="0">
+                  <a:pos x="connsiteX53" y="connsiteY53"/>
+                </a:cxn>
+                <a:cxn ang="0">
+                  <a:pos x="connsiteX54" y="connsiteY54"/>
+                </a:cxn>
+                <a:cxn ang="0">
+                  <a:pos x="connsiteX55" y="connsiteY55"/>
+                </a:cxn>
+                <a:cxn ang="0">
+                  <a:pos x="connsiteX56" y="connsiteY56"/>
+                </a:cxn>
+                <a:cxn ang="0">
+                  <a:pos x="connsiteX57" y="connsiteY57"/>
+                </a:cxn>
+                <a:cxn ang="0">
+                  <a:pos x="connsiteX58" y="connsiteY58"/>
+                </a:cxn>
+                <a:cxn ang="0">
+                  <a:pos x="connsiteX59" y="connsiteY59"/>
+                </a:cxn>
+                <a:cxn ang="0">
+                  <a:pos x="connsiteX60" y="connsiteY60"/>
+                </a:cxn>
+                <a:cxn ang="0">
+                  <a:pos x="connsiteX61" y="connsiteY61"/>
+                </a:cxn>
+                <a:cxn ang="0">
+                  <a:pos x="connsiteX62" y="connsiteY62"/>
+                </a:cxn>
+                <a:cxn ang="0">
+                  <a:pos x="connsiteX63" y="connsiteY63"/>
+                </a:cxn>
+                <a:cxn ang="0">
+                  <a:pos x="connsiteX64" y="connsiteY64"/>
+                </a:cxn>
+                <a:cxn ang="0">
+                  <a:pos x="connsiteX65" y="connsiteY65"/>
+                </a:cxn>
+                <a:cxn ang="0">
+                  <a:pos x="connsiteX66" y="connsiteY66"/>
+                </a:cxn>
+                <a:cxn ang="0">
+                  <a:pos x="connsiteX67" y="connsiteY67"/>
+                </a:cxn>
+                <a:cxn ang="0">
+                  <a:pos x="connsiteX68" y="connsiteY68"/>
+                </a:cxn>
+                <a:cxn ang="0">
+                  <a:pos x="connsiteX69" y="connsiteY69"/>
+                </a:cxn>
+              </a:cxnLst>
+              <a:rect l="l" t="t" r="r" b="b"/>
+              <a:pathLst>
+                <a:path w="372609" h="452834">
+                  <a:moveTo>
+                    <a:pt x="294440" y="292535"/>
+                  </a:moveTo>
+                  <a:lnTo>
+                    <a:pt x="363790" y="422667"/>
+                  </a:lnTo>
+                  <a:cubicBezTo>
+                    <a:pt x="365243" y="425574"/>
+                    <a:pt x="366997" y="428981"/>
+                    <a:pt x="369253" y="432739"/>
+                  </a:cubicBezTo>
+                  <a:cubicBezTo>
+                    <a:pt x="371507" y="436697"/>
+                    <a:pt x="372609" y="440106"/>
+                    <a:pt x="372609" y="442811"/>
+                  </a:cubicBezTo>
+                  <a:cubicBezTo>
+                    <a:pt x="372609" y="446068"/>
+                    <a:pt x="371507" y="448573"/>
+                    <a:pt x="369502" y="450377"/>
+                  </a:cubicBezTo>
+                  <a:cubicBezTo>
+                    <a:pt x="367248" y="451880"/>
+                    <a:pt x="364292" y="452732"/>
+                    <a:pt x="360734" y="452732"/>
+                  </a:cubicBezTo>
+                  <a:lnTo>
+                    <a:pt x="256006" y="452732"/>
+                  </a:lnTo>
+                  <a:cubicBezTo>
+                    <a:pt x="252399" y="452732"/>
+                    <a:pt x="249241" y="451880"/>
+                    <a:pt x="246586" y="449827"/>
+                  </a:cubicBezTo>
+                  <a:cubicBezTo>
+                    <a:pt x="243880" y="447921"/>
+                    <a:pt x="242126" y="445016"/>
+                    <a:pt x="241224" y="441558"/>
+                  </a:cubicBezTo>
+                  <a:lnTo>
+                    <a:pt x="179791" y="325556"/>
+                  </a:lnTo>
+                  <a:cubicBezTo>
+                    <a:pt x="185003" y="325105"/>
+                    <a:pt x="190714" y="324654"/>
+                    <a:pt x="197279" y="323752"/>
+                  </a:cubicBezTo>
+                  <a:cubicBezTo>
+                    <a:pt x="239269" y="318492"/>
+                    <a:pt x="271641" y="305313"/>
+                    <a:pt x="294440" y="292535"/>
+                  </a:cubicBezTo>
+                  <a:close/>
+                  <a:moveTo>
+                    <a:pt x="178488" y="38484"/>
+                  </a:moveTo>
+                  <a:cubicBezTo>
+                    <a:pt x="168215" y="38484"/>
+                    <a:pt x="158394" y="39787"/>
+                    <a:pt x="149024" y="42493"/>
+                  </a:cubicBezTo>
+                  <a:cubicBezTo>
+                    <a:pt x="139403" y="45148"/>
+                    <a:pt x="130684" y="48757"/>
+                    <a:pt x="122466" y="53667"/>
+                  </a:cubicBezTo>
+                  <a:cubicBezTo>
+                    <a:pt x="114199" y="58327"/>
+                    <a:pt x="106582" y="64139"/>
+                    <a:pt x="99867" y="70853"/>
+                  </a:cubicBezTo>
+                  <a:cubicBezTo>
+                    <a:pt x="93203" y="77819"/>
+                    <a:pt x="87390" y="85135"/>
+                    <a:pt x="82479" y="93654"/>
+                  </a:cubicBezTo>
+                  <a:cubicBezTo>
+                    <a:pt x="77718" y="101921"/>
+                    <a:pt x="73961" y="110640"/>
+                    <a:pt x="71254" y="120261"/>
+                  </a:cubicBezTo>
+                  <a:cubicBezTo>
+                    <a:pt x="68600" y="129631"/>
+                    <a:pt x="67246" y="139453"/>
+                    <a:pt x="67246" y="149725"/>
+                  </a:cubicBezTo>
+                  <a:cubicBezTo>
+                    <a:pt x="67246" y="160047"/>
+                    <a:pt x="68600" y="169869"/>
+                    <a:pt x="71254" y="179239"/>
+                  </a:cubicBezTo>
+                  <a:cubicBezTo>
+                    <a:pt x="73961" y="188861"/>
+                    <a:pt x="77718" y="197580"/>
+                    <a:pt x="82479" y="205846"/>
+                  </a:cubicBezTo>
+                  <a:cubicBezTo>
+                    <a:pt x="87390" y="213864"/>
+                    <a:pt x="93203" y="221481"/>
+                    <a:pt x="99867" y="228196"/>
+                  </a:cubicBezTo>
+                  <a:cubicBezTo>
+                    <a:pt x="106582" y="234959"/>
+                    <a:pt x="114199" y="240723"/>
+                    <a:pt x="122466" y="245684"/>
+                  </a:cubicBezTo>
+                  <a:cubicBezTo>
+                    <a:pt x="130684" y="250394"/>
+                    <a:pt x="139403" y="254202"/>
+                    <a:pt x="149024" y="256857"/>
+                  </a:cubicBezTo>
+                  <a:cubicBezTo>
+                    <a:pt x="158394" y="259313"/>
+                    <a:pt x="168215" y="260616"/>
+                    <a:pt x="178488" y="260616"/>
+                  </a:cubicBezTo>
+                  <a:cubicBezTo>
+                    <a:pt x="190063" y="260616"/>
+                    <a:pt x="201037" y="259063"/>
+                    <a:pt x="211560" y="255705"/>
+                  </a:cubicBezTo>
+                  <a:cubicBezTo>
+                    <a:pt x="222083" y="252348"/>
+                    <a:pt x="231905" y="247638"/>
+                    <a:pt x="241074" y="241375"/>
+                  </a:cubicBezTo>
+                  <a:cubicBezTo>
+                    <a:pt x="242628" y="240472"/>
+                    <a:pt x="243930" y="239370"/>
+                    <a:pt x="244632" y="237867"/>
+                  </a:cubicBezTo>
+                  <a:cubicBezTo>
+                    <a:pt x="245484" y="236513"/>
+                    <a:pt x="245333" y="234710"/>
+                    <a:pt x="244230" y="232505"/>
+                  </a:cubicBezTo>
+                  <a:lnTo>
+                    <a:pt x="219378" y="196777"/>
+                  </a:lnTo>
+                  <a:cubicBezTo>
+                    <a:pt x="218275" y="195175"/>
+                    <a:pt x="217172" y="194272"/>
+                    <a:pt x="215819" y="194072"/>
+                  </a:cubicBezTo>
+                  <a:cubicBezTo>
+                    <a:pt x="214717" y="193871"/>
+                    <a:pt x="213314" y="194272"/>
+                    <a:pt x="211560" y="195375"/>
+                  </a:cubicBezTo>
+                  <a:cubicBezTo>
+                    <a:pt x="206900" y="198982"/>
+                    <a:pt x="201538" y="201687"/>
+                    <a:pt x="195675" y="203642"/>
+                  </a:cubicBezTo>
+                  <a:cubicBezTo>
+                    <a:pt x="189964" y="205697"/>
+                    <a:pt x="183850" y="206599"/>
+                    <a:pt x="177436" y="206599"/>
+                  </a:cubicBezTo>
+                  <a:cubicBezTo>
+                    <a:pt x="169568" y="206599"/>
+                    <a:pt x="162202" y="205246"/>
+                    <a:pt x="155488" y="202138"/>
+                  </a:cubicBezTo>
+                  <a:cubicBezTo>
+                    <a:pt x="148823" y="199233"/>
+                    <a:pt x="142960" y="194974"/>
+                    <a:pt x="138301" y="189811"/>
+                  </a:cubicBezTo>
+                  <a:cubicBezTo>
+                    <a:pt x="133390" y="184651"/>
+                    <a:pt x="129581" y="178638"/>
+                    <a:pt x="126927" y="171672"/>
+                  </a:cubicBezTo>
+                  <a:cubicBezTo>
+                    <a:pt x="124220" y="164808"/>
+                    <a:pt x="122866" y="157393"/>
+                    <a:pt x="122866" y="149375"/>
+                  </a:cubicBezTo>
+                  <a:cubicBezTo>
+                    <a:pt x="122866" y="141558"/>
+                    <a:pt x="124220" y="133941"/>
+                    <a:pt x="126927" y="127026"/>
+                  </a:cubicBezTo>
+                  <a:cubicBezTo>
+                    <a:pt x="129581" y="120060"/>
+                    <a:pt x="133390" y="114047"/>
+                    <a:pt x="138301" y="108686"/>
+                  </a:cubicBezTo>
+                  <a:cubicBezTo>
+                    <a:pt x="143011" y="103525"/>
+                    <a:pt x="148823" y="99566"/>
+                    <a:pt x="155488" y="96410"/>
+                  </a:cubicBezTo>
+                  <a:cubicBezTo>
+                    <a:pt x="162202" y="93553"/>
+                    <a:pt x="169568" y="91951"/>
+                    <a:pt x="177436" y="91951"/>
+                  </a:cubicBezTo>
+                  <a:cubicBezTo>
+                    <a:pt x="183850" y="91951"/>
+                    <a:pt x="189964" y="92851"/>
+                    <a:pt x="195525" y="94856"/>
+                  </a:cubicBezTo>
+                  <a:cubicBezTo>
+                    <a:pt x="201287" y="96861"/>
+                    <a:pt x="206399" y="99566"/>
+                    <a:pt x="211360" y="103124"/>
+                  </a:cubicBezTo>
+                  <a:cubicBezTo>
+                    <a:pt x="212863" y="104227"/>
+                    <a:pt x="214417" y="104678"/>
+                    <a:pt x="215769" y="104227"/>
+                  </a:cubicBezTo>
+                  <a:cubicBezTo>
+                    <a:pt x="216871" y="104026"/>
+                    <a:pt x="217974" y="103124"/>
+                    <a:pt x="219127" y="101571"/>
+                  </a:cubicBezTo>
+                  <a:lnTo>
+                    <a:pt x="243730" y="66694"/>
+                  </a:lnTo>
+                  <a:cubicBezTo>
+                    <a:pt x="244582" y="64440"/>
+                    <a:pt x="244833" y="62636"/>
+                    <a:pt x="244181" y="61082"/>
+                  </a:cubicBezTo>
+                  <a:cubicBezTo>
+                    <a:pt x="243279" y="59530"/>
+                    <a:pt x="242126" y="58377"/>
+                    <a:pt x="240372" y="57275"/>
+                  </a:cubicBezTo>
+                  <a:cubicBezTo>
+                    <a:pt x="231403" y="51211"/>
+                    <a:pt x="221632" y="46501"/>
+                    <a:pt x="211360" y="43194"/>
+                  </a:cubicBezTo>
+                  <a:cubicBezTo>
+                    <a:pt x="201087" y="40038"/>
+                    <a:pt x="190114" y="38484"/>
+                    <a:pt x="178488" y="38484"/>
+                  </a:cubicBezTo>
+                  <a:close/>
+                  <a:moveTo>
+                    <a:pt x="13379" y="0"/>
+                  </a:moveTo>
+                  <a:lnTo>
+                    <a:pt x="210207" y="0"/>
+                  </a:lnTo>
+                  <a:cubicBezTo>
+                    <a:pt x="231152" y="0"/>
+                    <a:pt x="250645" y="4009"/>
+                    <a:pt x="268934" y="11876"/>
+                  </a:cubicBezTo>
+                  <a:cubicBezTo>
+                    <a:pt x="287274" y="19643"/>
+                    <a:pt x="303109" y="30167"/>
+                    <a:pt x="316739" y="43594"/>
+                  </a:cubicBezTo>
+                  <a:cubicBezTo>
+                    <a:pt x="330417" y="56975"/>
+                    <a:pt x="341142" y="72859"/>
+                    <a:pt x="348908" y="90747"/>
+                  </a:cubicBezTo>
+                  <a:cubicBezTo>
+                    <a:pt x="356774" y="108635"/>
+                    <a:pt x="360784" y="127827"/>
+                    <a:pt x="360734" y="148272"/>
+                  </a:cubicBezTo>
+                  <a:cubicBezTo>
+                    <a:pt x="360734" y="162102"/>
+                    <a:pt x="358729" y="175331"/>
+                    <a:pt x="355122" y="187808"/>
+                  </a:cubicBezTo>
+                  <a:cubicBezTo>
+                    <a:pt x="351413" y="200285"/>
+                    <a:pt x="346001" y="211910"/>
+                    <a:pt x="339287" y="222884"/>
+                  </a:cubicBezTo>
+                  <a:cubicBezTo>
+                    <a:pt x="332673" y="233859"/>
+                    <a:pt x="324805" y="243628"/>
+                    <a:pt x="315436" y="252398"/>
+                  </a:cubicBezTo>
+                  <a:cubicBezTo>
+                    <a:pt x="279908" y="286622"/>
+                    <a:pt x="203041" y="300903"/>
+                    <a:pt x="156841" y="302457"/>
+                  </a:cubicBezTo>
+                  <a:lnTo>
+                    <a:pt x="118157" y="302457"/>
+                  </a:lnTo>
+                  <a:lnTo>
+                    <a:pt x="118157" y="439955"/>
+                  </a:lnTo>
+                  <a:cubicBezTo>
+                    <a:pt x="118157" y="448674"/>
+                    <a:pt x="113497" y="452834"/>
+                    <a:pt x="104076" y="452834"/>
+                  </a:cubicBezTo>
+                  <a:lnTo>
+                    <a:pt x="13379" y="452834"/>
+                  </a:lnTo>
+                  <a:cubicBezTo>
+                    <a:pt x="9320" y="452834"/>
+                    <a:pt x="6013" y="451830"/>
+                    <a:pt x="3508" y="449726"/>
+                  </a:cubicBezTo>
+                  <a:cubicBezTo>
+                    <a:pt x="1353" y="447472"/>
+                    <a:pt x="0" y="444365"/>
+                    <a:pt x="0" y="439955"/>
+                  </a:cubicBezTo>
+                  <a:lnTo>
+                    <a:pt x="0" y="14131"/>
+                  </a:lnTo>
+                  <a:cubicBezTo>
+                    <a:pt x="0" y="9872"/>
+                    <a:pt x="1102" y="6514"/>
+                    <a:pt x="3358" y="3809"/>
+                  </a:cubicBezTo>
+                  <a:cubicBezTo>
+                    <a:pt x="5612" y="1353"/>
+                    <a:pt x="8919" y="0"/>
+                    <a:pt x="13379" y="0"/>
+                  </a:cubicBezTo>
+                  <a:close/>
+                </a:path>
+              </a:pathLst>
+            </a:custGeom>
+            <a:solidFill>
+              <a:schemeClr val="bg1"/>
+            </a:solidFill>
+            <a:ln w="97291" cap="flat">
+              <a:noFill/>
+              <a:prstDash val="solid"/>
+              <a:miter/>
+            </a:ln>
+            <a:effectLst>
+              <a:outerShdw blurRad="190500" dist="50800" dir="2700000" algn="ctr">
+                <a:srgbClr val="000000">
+                  <a:alpha val="30000"/>
+                </a:srgbClr>
+              </a:outerShdw>
+            </a:effectLst>
+            <a:scene3d>
+              <a:camera prst="orthographicFront">
+                <a:rot lat="0" lon="0" rev="0"/>
+              </a:camera>
+              <a:lightRig rig="glow" dir="t">
+                <a:rot lat="0" lon="0" rev="4800000"/>
+              </a:lightRig>
+            </a:scene3d>
+            <a:sp3d prstMaterial="matte">
+              <a:bevelT w="127000" h="63500"/>
+            </a:sp3d>
+          </p:spPr>
+          <p:txBody>
+            <a:bodyPr rtlCol="0" anchor="ctr"/>
+            <a:lstStyle/>
+            <a:p>
+              <a:endParaRPr lang="en-US"/>
+            </a:p>
+          </p:txBody>
+        </p:sp>
+      </p:grpSp>
+    </p:spTree>
+    <p:extLst>
+      <p:ext uri="{BB962C8B-B14F-4D97-AF65-F5344CB8AC3E}">
+        <p14:creationId xmlns:p14="http://schemas.microsoft.com/office/powerpoint/2010/main" val="572848091"/>
+      </p:ext>
+    </p:extLst>
+  </p:cSld>
+  <p:clrMapOvr>
+    <a:masterClrMapping/>
+  </p:clrMapOvr>
+</p:sld>
+</file>
+
+<file path=ppt/slides/slide4.xml><?xml version="1.0" encoding="utf-8"?>
+<p:sld xmlns:a="http://schemas.openxmlformats.org/drawingml/2006/main" xmlns:r="http://schemas.openxmlformats.org/officeDocument/2006/relationships" xmlns:p="http://schemas.openxmlformats.org/presentationml/2006/main">
+  <p:cSld>
+    <p:bg>
+      <p:bgPr>
+        <a:solidFill>
+          <a:schemeClr val="tx1"/>
+        </a:solidFill>
+        <a:effectLst/>
+      </p:bgPr>
+    </p:bg>
+    <p:spTree>
+      <p:nvGrpSpPr>
+        <p:cNvPr id="1" name="">
+          <a:extLst>
+            <a:ext uri="{FF2B5EF4-FFF2-40B4-BE49-F238E27FC236}">
+              <a16:creationId xmlns:a16="http://schemas.microsoft.com/office/drawing/2014/main" id="{9A69F6E2-6D60-1143-7A64-0C50E7B8FB19}"/>
+            </a:ext>
+          </a:extLst>
+        </p:cNvPr>
+        <p:cNvGrpSpPr/>
+        <p:nvPr/>
+      </p:nvGrpSpPr>
+      <p:grpSpPr>
+        <a:xfrm>
+          <a:off x="0" y="0"/>
+          <a:ext cx="0" cy="0"/>
+          <a:chOff x="0" y="0"/>
+          <a:chExt cx="0" cy="0"/>
+        </a:xfrm>
+      </p:grpSpPr>
+      <p:grpSp>
+        <p:nvGrpSpPr>
+          <p:cNvPr id="5" name="Group 4">
+            <a:extLst>
+              <a:ext uri="{FF2B5EF4-FFF2-40B4-BE49-F238E27FC236}">
+                <a16:creationId xmlns:a16="http://schemas.microsoft.com/office/drawing/2014/main" id="{8F32144D-3671-1A3F-8C88-4F85E2737A41}"/>
+              </a:ext>
+            </a:extLst>
+          </p:cNvPr>
+          <p:cNvGrpSpPr/>
+          <p:nvPr/>
+        </p:nvGrpSpPr>
+        <p:grpSpPr>
+          <a:xfrm>
+            <a:off x="4965845" y="2162260"/>
+            <a:ext cx="2260311" cy="2533481"/>
+            <a:chOff x="2929875" y="2897142"/>
+            <a:chExt cx="949022" cy="1063716"/>
+          </a:xfrm>
+        </p:grpSpPr>
+        <p:sp>
+          <p:nvSpPr>
+            <p:cNvPr id="3" name="Graphic 139">
+              <a:extLst>
+                <a:ext uri="{FF2B5EF4-FFF2-40B4-BE49-F238E27FC236}">
+                  <a16:creationId xmlns:a16="http://schemas.microsoft.com/office/drawing/2014/main" id="{768B02AD-497A-F794-DCF1-393DE9F7FC1D}"/>
+                </a:ext>
+              </a:extLst>
+            </p:cNvPr>
+            <p:cNvSpPr/>
+            <p:nvPr/>
+          </p:nvSpPr>
+          <p:spPr>
+            <a:xfrm>
+              <a:off x="2929875" y="2897142"/>
+              <a:ext cx="949022" cy="1063716"/>
+            </a:xfrm>
+            <a:custGeom>
+              <a:avLst/>
+              <a:gdLst>
+                <a:gd name="connsiteX0" fmla="*/ 647706 w 2177573"/>
+                <a:gd name="connsiteY0" fmla="*/ 560476 h 2440743"/>
+                <a:gd name="connsiteX1" fmla="*/ 647688 w 2177573"/>
+                <a:gd name="connsiteY1" fmla="*/ 558725 h 2440743"/>
+                <a:gd name="connsiteX2" fmla="*/ 647688 w 2177573"/>
+                <a:gd name="connsiteY2" fmla="*/ 441098 h 2440743"/>
+                <a:gd name="connsiteX3" fmla="*/ 1088789 w 2177573"/>
+                <a:gd name="connsiteY3" fmla="*/ 0 h 2440743"/>
+                <a:gd name="connsiteX4" fmla="*/ 1529887 w 2177573"/>
+                <a:gd name="connsiteY4" fmla="*/ 441098 h 2440743"/>
+                <a:gd name="connsiteX5" fmla="*/ 1529887 w 2177573"/>
+                <a:gd name="connsiteY5" fmla="*/ 558725 h 2440743"/>
+                <a:gd name="connsiteX6" fmla="*/ 1529863 w 2177573"/>
+                <a:gd name="connsiteY6" fmla="*/ 560476 h 2440743"/>
+                <a:gd name="connsiteX7" fmla="*/ 1844667 w 2177573"/>
+                <a:gd name="connsiteY7" fmla="*/ 640060 h 2440743"/>
+                <a:gd name="connsiteX8" fmla="*/ 2020118 w 2177573"/>
+                <a:gd name="connsiteY8" fmla="*/ 1134423 h 2440743"/>
+                <a:gd name="connsiteX9" fmla="*/ 2108337 w 2177573"/>
+                <a:gd name="connsiteY9" fmla="*/ 1604927 h 2440743"/>
+                <a:gd name="connsiteX10" fmla="*/ 2111396 w 2177573"/>
+                <a:gd name="connsiteY10" fmla="*/ 2313225 h 2440743"/>
+                <a:gd name="connsiteX11" fmla="*/ 1414660 w 2177573"/>
+                <a:gd name="connsiteY11" fmla="*/ 2440744 h 2440743"/>
+                <a:gd name="connsiteX12" fmla="*/ 762910 w 2177573"/>
+                <a:gd name="connsiteY12" fmla="*/ 2440744 h 2440743"/>
+                <a:gd name="connsiteX13" fmla="*/ 66175 w 2177573"/>
+                <a:gd name="connsiteY13" fmla="*/ 2313225 h 2440743"/>
+                <a:gd name="connsiteX14" fmla="*/ 69241 w 2177573"/>
+                <a:gd name="connsiteY14" fmla="*/ 1604927 h 2440743"/>
+                <a:gd name="connsiteX15" fmla="*/ 157461 w 2177573"/>
+                <a:gd name="connsiteY15" fmla="*/ 1134423 h 2440743"/>
+                <a:gd name="connsiteX16" fmla="*/ 332906 w 2177573"/>
+                <a:gd name="connsiteY16" fmla="*/ 640060 h 2440743"/>
+                <a:gd name="connsiteX17" fmla="*/ 647706 w 2177573"/>
+                <a:gd name="connsiteY17" fmla="*/ 560476 h 2440743"/>
+                <a:gd name="connsiteX18" fmla="*/ 824127 w 2177573"/>
+                <a:gd name="connsiteY18" fmla="*/ 441098 h 2440743"/>
+                <a:gd name="connsiteX19" fmla="*/ 1088789 w 2177573"/>
+                <a:gd name="connsiteY19" fmla="*/ 176439 h 2440743"/>
+                <a:gd name="connsiteX20" fmla="*/ 1353448 w 2177573"/>
+                <a:gd name="connsiteY20" fmla="*/ 441098 h 2440743"/>
+                <a:gd name="connsiteX21" fmla="*/ 1353448 w 2177573"/>
+                <a:gd name="connsiteY21" fmla="*/ 558725 h 2440743"/>
+                <a:gd name="connsiteX22" fmla="*/ 1353448 w 2177573"/>
+                <a:gd name="connsiteY22" fmla="*/ 558725 h 2440743"/>
+                <a:gd name="connsiteX23" fmla="*/ 1326441 w 2177573"/>
+                <a:gd name="connsiteY23" fmla="*/ 558725 h 2440743"/>
+                <a:gd name="connsiteX24" fmla="*/ 851130 w 2177573"/>
+                <a:gd name="connsiteY24" fmla="*/ 558725 h 2440743"/>
+                <a:gd name="connsiteX25" fmla="*/ 824127 w 2177573"/>
+                <a:gd name="connsiteY25" fmla="*/ 558727 h 2440743"/>
+                <a:gd name="connsiteX26" fmla="*/ 824127 w 2177573"/>
+                <a:gd name="connsiteY26" fmla="*/ 558727 h 2440743"/>
+                <a:gd name="connsiteX27" fmla="*/ 824127 w 2177573"/>
+                <a:gd name="connsiteY27" fmla="*/ 441098 h 2440743"/>
+              </a:gdLst>
+              <a:ahLst/>
+              <a:cxnLst>
+                <a:cxn ang="0">
+                  <a:pos x="connsiteX0" y="connsiteY0"/>
+                </a:cxn>
+                <a:cxn ang="0">
+                  <a:pos x="connsiteX1" y="connsiteY1"/>
+                </a:cxn>
+                <a:cxn ang="0">
+                  <a:pos x="connsiteX2" y="connsiteY2"/>
+                </a:cxn>
+                <a:cxn ang="0">
+                  <a:pos x="connsiteX3" y="connsiteY3"/>
+                </a:cxn>
+                <a:cxn ang="0">
+                  <a:pos x="connsiteX4" y="connsiteY4"/>
+                </a:cxn>
+                <a:cxn ang="0">
+                  <a:pos x="connsiteX5" y="connsiteY5"/>
+                </a:cxn>
+                <a:cxn ang="0">
+                  <a:pos x="connsiteX6" y="connsiteY6"/>
+                </a:cxn>
+                <a:cxn ang="0">
+                  <a:pos x="connsiteX7" y="connsiteY7"/>
+                </a:cxn>
+                <a:cxn ang="0">
+                  <a:pos x="connsiteX8" y="connsiteY8"/>
+                </a:cxn>
+                <a:cxn ang="0">
+                  <a:pos x="connsiteX9" y="connsiteY9"/>
+                </a:cxn>
+                <a:cxn ang="0">
+                  <a:pos x="connsiteX10" y="connsiteY10"/>
+                </a:cxn>
+                <a:cxn ang="0">
+                  <a:pos x="connsiteX11" y="connsiteY11"/>
+                </a:cxn>
+                <a:cxn ang="0">
+                  <a:pos x="connsiteX12" y="connsiteY12"/>
+                </a:cxn>
+                <a:cxn ang="0">
+                  <a:pos x="connsiteX13" y="connsiteY13"/>
+                </a:cxn>
+                <a:cxn ang="0">
+                  <a:pos x="connsiteX14" y="connsiteY14"/>
+                </a:cxn>
+                <a:cxn ang="0">
+                  <a:pos x="connsiteX15" y="connsiteY15"/>
+                </a:cxn>
+                <a:cxn ang="0">
+                  <a:pos x="connsiteX16" y="connsiteY16"/>
+                </a:cxn>
+                <a:cxn ang="0">
+                  <a:pos x="connsiteX17" y="connsiteY17"/>
+                </a:cxn>
+                <a:cxn ang="0">
+                  <a:pos x="connsiteX18" y="connsiteY18"/>
+                </a:cxn>
+                <a:cxn ang="0">
+                  <a:pos x="connsiteX19" y="connsiteY19"/>
+                </a:cxn>
+                <a:cxn ang="0">
+                  <a:pos x="connsiteX20" y="connsiteY20"/>
+                </a:cxn>
+                <a:cxn ang="0">
+                  <a:pos x="connsiteX21" y="connsiteY21"/>
+                </a:cxn>
+                <a:cxn ang="0">
+                  <a:pos x="connsiteX22" y="connsiteY22"/>
+                </a:cxn>
+                <a:cxn ang="0">
+                  <a:pos x="connsiteX23" y="connsiteY23"/>
+                </a:cxn>
+                <a:cxn ang="0">
+                  <a:pos x="connsiteX24" y="connsiteY24"/>
+                </a:cxn>
+                <a:cxn ang="0">
+                  <a:pos x="connsiteX25" y="connsiteY25"/>
+                </a:cxn>
+                <a:cxn ang="0">
+                  <a:pos x="connsiteX26" y="connsiteY26"/>
+                </a:cxn>
+                <a:cxn ang="0">
+                  <a:pos x="connsiteX27" y="connsiteY27"/>
+                </a:cxn>
+              </a:cxnLst>
+              <a:rect l="l" t="t" r="r" b="b"/>
+              <a:pathLst>
+                <a:path w="2177573" h="2440743">
+                  <a:moveTo>
+                    <a:pt x="647706" y="560476"/>
+                  </a:moveTo>
+                  <a:cubicBezTo>
+                    <a:pt x="647694" y="559894"/>
+                    <a:pt x="647688" y="559310"/>
+                    <a:pt x="647688" y="558725"/>
+                  </a:cubicBezTo>
+                  <a:lnTo>
+                    <a:pt x="647688" y="441098"/>
+                  </a:lnTo>
+                  <a:cubicBezTo>
+                    <a:pt x="647688" y="197486"/>
+                    <a:pt x="845175" y="0"/>
+                    <a:pt x="1088789" y="0"/>
+                  </a:cubicBezTo>
+                  <a:cubicBezTo>
+                    <a:pt x="1332404" y="0"/>
+                    <a:pt x="1529887" y="197486"/>
+                    <a:pt x="1529887" y="441098"/>
+                  </a:cubicBezTo>
+                  <a:lnTo>
+                    <a:pt x="1529887" y="558725"/>
+                  </a:lnTo>
+                  <a:cubicBezTo>
+                    <a:pt x="1529887" y="559310"/>
+                    <a:pt x="1529875" y="559894"/>
+                    <a:pt x="1529863" y="560476"/>
+                  </a:cubicBezTo>
+                  <a:cubicBezTo>
+                    <a:pt x="1681284" y="565021"/>
+                    <a:pt x="1773938" y="581356"/>
+                    <a:pt x="1844667" y="640060"/>
+                  </a:cubicBezTo>
+                  <a:cubicBezTo>
+                    <a:pt x="1942673" y="721396"/>
+                    <a:pt x="1968480" y="859070"/>
+                    <a:pt x="2020118" y="1134423"/>
+                  </a:cubicBezTo>
+                  <a:lnTo>
+                    <a:pt x="2108337" y="1604927"/>
+                  </a:lnTo>
+                  <a:cubicBezTo>
+                    <a:pt x="2180936" y="1992118"/>
+                    <a:pt x="2217224" y="2185707"/>
+                    <a:pt x="2111396" y="2313225"/>
+                  </a:cubicBezTo>
+                  <a:cubicBezTo>
+                    <a:pt x="2005568" y="2440744"/>
+                    <a:pt x="1808602" y="2440744"/>
+                    <a:pt x="1414660" y="2440744"/>
+                  </a:cubicBezTo>
+                  <a:lnTo>
+                    <a:pt x="762910" y="2440744"/>
+                  </a:lnTo>
+                  <a:cubicBezTo>
+                    <a:pt x="368973" y="2440744"/>
+                    <a:pt x="172004" y="2440744"/>
+                    <a:pt x="66175" y="2313225"/>
+                  </a:cubicBezTo>
+                  <a:cubicBezTo>
+                    <a:pt x="-39656" y="2185707"/>
+                    <a:pt x="-3357" y="1992118"/>
+                    <a:pt x="69241" y="1604927"/>
+                  </a:cubicBezTo>
+                  <a:lnTo>
+                    <a:pt x="157461" y="1134423"/>
+                  </a:lnTo>
+                  <a:cubicBezTo>
+                    <a:pt x="209088" y="859070"/>
+                    <a:pt x="234902" y="721396"/>
+                    <a:pt x="332906" y="640060"/>
+                  </a:cubicBezTo>
+                  <a:cubicBezTo>
+                    <a:pt x="403641" y="581356"/>
+                    <a:pt x="496290" y="565021"/>
+                    <a:pt x="647706" y="560476"/>
+                  </a:cubicBezTo>
+                  <a:close/>
+                  <a:moveTo>
+                    <a:pt x="824127" y="441098"/>
+                  </a:moveTo>
+                  <a:cubicBezTo>
+                    <a:pt x="824127" y="294931"/>
+                    <a:pt x="942615" y="176439"/>
+                    <a:pt x="1088789" y="176439"/>
+                  </a:cubicBezTo>
+                  <a:cubicBezTo>
+                    <a:pt x="1234951" y="176439"/>
+                    <a:pt x="1353448" y="294931"/>
+                    <a:pt x="1353448" y="441098"/>
+                  </a:cubicBezTo>
+                  <a:lnTo>
+                    <a:pt x="1353448" y="558725"/>
+                  </a:lnTo>
+                  <a:cubicBezTo>
+                    <a:pt x="1353448" y="558723"/>
+                    <a:pt x="1353448" y="558726"/>
+                    <a:pt x="1353448" y="558725"/>
+                  </a:cubicBezTo>
+                  <a:cubicBezTo>
+                    <a:pt x="1344590" y="558722"/>
+                    <a:pt x="1335592" y="558725"/>
+                    <a:pt x="1326441" y="558725"/>
+                  </a:cubicBezTo>
+                  <a:lnTo>
+                    <a:pt x="851130" y="558725"/>
+                  </a:lnTo>
+                  <a:cubicBezTo>
+                    <a:pt x="841981" y="558725"/>
+                    <a:pt x="832981" y="558725"/>
+                    <a:pt x="824127" y="558727"/>
+                  </a:cubicBezTo>
+                  <a:cubicBezTo>
+                    <a:pt x="824127" y="558727"/>
+                    <a:pt x="824127" y="558728"/>
+                    <a:pt x="824127" y="558727"/>
+                  </a:cubicBezTo>
+                  <a:lnTo>
+                    <a:pt x="824127" y="441098"/>
+                  </a:lnTo>
+                  <a:close/>
+                </a:path>
+              </a:pathLst>
+            </a:custGeom>
+            <a:solidFill>
+              <a:srgbClr val="FF0000"/>
+            </a:solidFill>
+            <a:ln w="117475" cap="flat">
+              <a:noFill/>
+              <a:prstDash val="solid"/>
+              <a:miter/>
+            </a:ln>
+            <a:effectLst/>
+            <a:scene3d>
+              <a:camera prst="orthographicFront">
+                <a:rot lat="0" lon="0" rev="0"/>
+              </a:camera>
+              <a:lightRig rig="contrasting" dir="t">
+                <a:rot lat="0" lon="0" rev="1500000"/>
+              </a:lightRig>
+            </a:scene3d>
+            <a:sp3d prstMaterial="metal">
+              <a:bevelT w="88900" h="88900"/>
+            </a:sp3d>
+          </p:spPr>
+          <p:txBody>
+            <a:bodyPr rtlCol="0" anchor="ctr"/>
+            <a:lstStyle/>
+            <a:p>
+              <a:endParaRPr lang="en-US" dirty="0"/>
+            </a:p>
+          </p:txBody>
+        </p:sp>
+        <p:sp>
+          <p:nvSpPr>
+            <p:cNvPr id="4" name="Freeform: Shape 3">
+              <a:extLst>
+                <a:ext uri="{FF2B5EF4-FFF2-40B4-BE49-F238E27FC236}">
+                  <a16:creationId xmlns:a16="http://schemas.microsoft.com/office/drawing/2014/main" id="{85977635-B0C2-2A60-FA29-81F672B03A9A}"/>
+                </a:ext>
+              </a:extLst>
+            </p:cNvPr>
+            <p:cNvSpPr/>
+            <p:nvPr/>
+          </p:nvSpPr>
+          <p:spPr>
+            <a:xfrm>
+              <a:off x="3207237" y="3292575"/>
+              <a:ext cx="407168" cy="494834"/>
+            </a:xfrm>
+            <a:custGeom>
+              <a:avLst/>
+              <a:gdLst>
+                <a:gd name="connsiteX0" fmla="*/ 294440 w 372609"/>
+                <a:gd name="connsiteY0" fmla="*/ 292535 h 452834"/>
+                <a:gd name="connsiteX1" fmla="*/ 363790 w 372609"/>
+                <a:gd name="connsiteY1" fmla="*/ 422667 h 452834"/>
+                <a:gd name="connsiteX2" fmla="*/ 369253 w 372609"/>
+                <a:gd name="connsiteY2" fmla="*/ 432739 h 452834"/>
+                <a:gd name="connsiteX3" fmla="*/ 372609 w 372609"/>
+                <a:gd name="connsiteY3" fmla="*/ 442811 h 452834"/>
+                <a:gd name="connsiteX4" fmla="*/ 369502 w 372609"/>
+                <a:gd name="connsiteY4" fmla="*/ 450377 h 452834"/>
+                <a:gd name="connsiteX5" fmla="*/ 360734 w 372609"/>
+                <a:gd name="connsiteY5" fmla="*/ 452732 h 452834"/>
+                <a:gd name="connsiteX6" fmla="*/ 256006 w 372609"/>
+                <a:gd name="connsiteY6" fmla="*/ 452732 h 452834"/>
+                <a:gd name="connsiteX7" fmla="*/ 246586 w 372609"/>
+                <a:gd name="connsiteY7" fmla="*/ 449827 h 452834"/>
+                <a:gd name="connsiteX8" fmla="*/ 241224 w 372609"/>
+                <a:gd name="connsiteY8" fmla="*/ 441558 h 452834"/>
+                <a:gd name="connsiteX9" fmla="*/ 179791 w 372609"/>
+                <a:gd name="connsiteY9" fmla="*/ 325556 h 452834"/>
+                <a:gd name="connsiteX10" fmla="*/ 197279 w 372609"/>
+                <a:gd name="connsiteY10" fmla="*/ 323752 h 452834"/>
+                <a:gd name="connsiteX11" fmla="*/ 294440 w 372609"/>
+                <a:gd name="connsiteY11" fmla="*/ 292535 h 452834"/>
+                <a:gd name="connsiteX12" fmla="*/ 178488 w 372609"/>
+                <a:gd name="connsiteY12" fmla="*/ 38484 h 452834"/>
+                <a:gd name="connsiteX13" fmla="*/ 149024 w 372609"/>
+                <a:gd name="connsiteY13" fmla="*/ 42493 h 452834"/>
+                <a:gd name="connsiteX14" fmla="*/ 122466 w 372609"/>
+                <a:gd name="connsiteY14" fmla="*/ 53667 h 452834"/>
+                <a:gd name="connsiteX15" fmla="*/ 99867 w 372609"/>
+                <a:gd name="connsiteY15" fmla="*/ 70853 h 452834"/>
+                <a:gd name="connsiteX16" fmla="*/ 82479 w 372609"/>
+                <a:gd name="connsiteY16" fmla="*/ 93654 h 452834"/>
+                <a:gd name="connsiteX17" fmla="*/ 71254 w 372609"/>
+                <a:gd name="connsiteY17" fmla="*/ 120261 h 452834"/>
+                <a:gd name="connsiteX18" fmla="*/ 67246 w 372609"/>
+                <a:gd name="connsiteY18" fmla="*/ 149725 h 452834"/>
+                <a:gd name="connsiteX19" fmla="*/ 71254 w 372609"/>
+                <a:gd name="connsiteY19" fmla="*/ 179239 h 452834"/>
+                <a:gd name="connsiteX20" fmla="*/ 82479 w 372609"/>
+                <a:gd name="connsiteY20" fmla="*/ 205846 h 452834"/>
+                <a:gd name="connsiteX21" fmla="*/ 99867 w 372609"/>
+                <a:gd name="connsiteY21" fmla="*/ 228196 h 452834"/>
+                <a:gd name="connsiteX22" fmla="*/ 122466 w 372609"/>
+                <a:gd name="connsiteY22" fmla="*/ 245684 h 452834"/>
+                <a:gd name="connsiteX23" fmla="*/ 149024 w 372609"/>
+                <a:gd name="connsiteY23" fmla="*/ 256857 h 452834"/>
+                <a:gd name="connsiteX24" fmla="*/ 178488 w 372609"/>
+                <a:gd name="connsiteY24" fmla="*/ 260616 h 452834"/>
+                <a:gd name="connsiteX25" fmla="*/ 211560 w 372609"/>
+                <a:gd name="connsiteY25" fmla="*/ 255705 h 452834"/>
+                <a:gd name="connsiteX26" fmla="*/ 241074 w 372609"/>
+                <a:gd name="connsiteY26" fmla="*/ 241375 h 452834"/>
+                <a:gd name="connsiteX27" fmla="*/ 244632 w 372609"/>
+                <a:gd name="connsiteY27" fmla="*/ 237867 h 452834"/>
+                <a:gd name="connsiteX28" fmla="*/ 244230 w 372609"/>
+                <a:gd name="connsiteY28" fmla="*/ 232505 h 452834"/>
+                <a:gd name="connsiteX29" fmla="*/ 219378 w 372609"/>
+                <a:gd name="connsiteY29" fmla="*/ 196777 h 452834"/>
+                <a:gd name="connsiteX30" fmla="*/ 215819 w 372609"/>
+                <a:gd name="connsiteY30" fmla="*/ 194072 h 452834"/>
+                <a:gd name="connsiteX31" fmla="*/ 211560 w 372609"/>
+                <a:gd name="connsiteY31" fmla="*/ 195375 h 452834"/>
+                <a:gd name="connsiteX32" fmla="*/ 195675 w 372609"/>
+                <a:gd name="connsiteY32" fmla="*/ 203642 h 452834"/>
+                <a:gd name="connsiteX33" fmla="*/ 177436 w 372609"/>
+                <a:gd name="connsiteY33" fmla="*/ 206599 h 452834"/>
+                <a:gd name="connsiteX34" fmla="*/ 155488 w 372609"/>
+                <a:gd name="connsiteY34" fmla="*/ 202138 h 452834"/>
+                <a:gd name="connsiteX35" fmla="*/ 138301 w 372609"/>
+                <a:gd name="connsiteY35" fmla="*/ 189811 h 452834"/>
+                <a:gd name="connsiteX36" fmla="*/ 126927 w 372609"/>
+                <a:gd name="connsiteY36" fmla="*/ 171672 h 452834"/>
+                <a:gd name="connsiteX37" fmla="*/ 122866 w 372609"/>
+                <a:gd name="connsiteY37" fmla="*/ 149375 h 452834"/>
+                <a:gd name="connsiteX38" fmla="*/ 126927 w 372609"/>
+                <a:gd name="connsiteY38" fmla="*/ 127026 h 452834"/>
+                <a:gd name="connsiteX39" fmla="*/ 138301 w 372609"/>
+                <a:gd name="connsiteY39" fmla="*/ 108686 h 452834"/>
+                <a:gd name="connsiteX40" fmla="*/ 155488 w 372609"/>
+                <a:gd name="connsiteY40" fmla="*/ 96410 h 452834"/>
+                <a:gd name="connsiteX41" fmla="*/ 177436 w 372609"/>
+                <a:gd name="connsiteY41" fmla="*/ 91951 h 452834"/>
+                <a:gd name="connsiteX42" fmla="*/ 195525 w 372609"/>
+                <a:gd name="connsiteY42" fmla="*/ 94856 h 452834"/>
+                <a:gd name="connsiteX43" fmla="*/ 211360 w 372609"/>
+                <a:gd name="connsiteY43" fmla="*/ 103124 h 452834"/>
+                <a:gd name="connsiteX44" fmla="*/ 215769 w 372609"/>
+                <a:gd name="connsiteY44" fmla="*/ 104227 h 452834"/>
+                <a:gd name="connsiteX45" fmla="*/ 219127 w 372609"/>
+                <a:gd name="connsiteY45" fmla="*/ 101571 h 452834"/>
+                <a:gd name="connsiteX46" fmla="*/ 243730 w 372609"/>
+                <a:gd name="connsiteY46" fmla="*/ 66694 h 452834"/>
+                <a:gd name="connsiteX47" fmla="*/ 244181 w 372609"/>
+                <a:gd name="connsiteY47" fmla="*/ 61082 h 452834"/>
+                <a:gd name="connsiteX48" fmla="*/ 240372 w 372609"/>
+                <a:gd name="connsiteY48" fmla="*/ 57275 h 452834"/>
+                <a:gd name="connsiteX49" fmla="*/ 211360 w 372609"/>
+                <a:gd name="connsiteY49" fmla="*/ 43194 h 452834"/>
+                <a:gd name="connsiteX50" fmla="*/ 178488 w 372609"/>
+                <a:gd name="connsiteY50" fmla="*/ 38484 h 452834"/>
+                <a:gd name="connsiteX51" fmla="*/ 13379 w 372609"/>
+                <a:gd name="connsiteY51" fmla="*/ 0 h 452834"/>
+                <a:gd name="connsiteX52" fmla="*/ 210207 w 372609"/>
+                <a:gd name="connsiteY52" fmla="*/ 0 h 452834"/>
+                <a:gd name="connsiteX53" fmla="*/ 268934 w 372609"/>
+                <a:gd name="connsiteY53" fmla="*/ 11876 h 452834"/>
+                <a:gd name="connsiteX54" fmla="*/ 316739 w 372609"/>
+                <a:gd name="connsiteY54" fmla="*/ 43594 h 452834"/>
+                <a:gd name="connsiteX55" fmla="*/ 348908 w 372609"/>
+                <a:gd name="connsiteY55" fmla="*/ 90747 h 452834"/>
+                <a:gd name="connsiteX56" fmla="*/ 360734 w 372609"/>
+                <a:gd name="connsiteY56" fmla="*/ 148272 h 452834"/>
+                <a:gd name="connsiteX57" fmla="*/ 355122 w 372609"/>
+                <a:gd name="connsiteY57" fmla="*/ 187808 h 452834"/>
+                <a:gd name="connsiteX58" fmla="*/ 339287 w 372609"/>
+                <a:gd name="connsiteY58" fmla="*/ 222884 h 452834"/>
+                <a:gd name="connsiteX59" fmla="*/ 315436 w 372609"/>
+                <a:gd name="connsiteY59" fmla="*/ 252398 h 452834"/>
+                <a:gd name="connsiteX60" fmla="*/ 156841 w 372609"/>
+                <a:gd name="connsiteY60" fmla="*/ 302457 h 452834"/>
+                <a:gd name="connsiteX61" fmla="*/ 118157 w 372609"/>
+                <a:gd name="connsiteY61" fmla="*/ 302457 h 452834"/>
+                <a:gd name="connsiteX62" fmla="*/ 118157 w 372609"/>
+                <a:gd name="connsiteY62" fmla="*/ 439955 h 452834"/>
+                <a:gd name="connsiteX63" fmla="*/ 104076 w 372609"/>
+                <a:gd name="connsiteY63" fmla="*/ 452834 h 452834"/>
+                <a:gd name="connsiteX64" fmla="*/ 13379 w 372609"/>
+                <a:gd name="connsiteY64" fmla="*/ 452834 h 452834"/>
+                <a:gd name="connsiteX65" fmla="*/ 3508 w 372609"/>
+                <a:gd name="connsiteY65" fmla="*/ 449726 h 452834"/>
+                <a:gd name="connsiteX66" fmla="*/ 0 w 372609"/>
+                <a:gd name="connsiteY66" fmla="*/ 439955 h 452834"/>
+                <a:gd name="connsiteX67" fmla="*/ 0 w 372609"/>
+                <a:gd name="connsiteY67" fmla="*/ 14131 h 452834"/>
+                <a:gd name="connsiteX68" fmla="*/ 3358 w 372609"/>
+                <a:gd name="connsiteY68" fmla="*/ 3809 h 452834"/>
+                <a:gd name="connsiteX69" fmla="*/ 13379 w 372609"/>
+                <a:gd name="connsiteY69" fmla="*/ 0 h 452834"/>
+              </a:gdLst>
+              <a:ahLst/>
+              <a:cxnLst>
+                <a:cxn ang="0">
+                  <a:pos x="connsiteX0" y="connsiteY0"/>
+                </a:cxn>
+                <a:cxn ang="0">
+                  <a:pos x="connsiteX1" y="connsiteY1"/>
+                </a:cxn>
+                <a:cxn ang="0">
+                  <a:pos x="connsiteX2" y="connsiteY2"/>
+                </a:cxn>
+                <a:cxn ang="0">
+                  <a:pos x="connsiteX3" y="connsiteY3"/>
+                </a:cxn>
+                <a:cxn ang="0">
+                  <a:pos x="connsiteX4" y="connsiteY4"/>
+                </a:cxn>
+                <a:cxn ang="0">
+                  <a:pos x="connsiteX5" y="connsiteY5"/>
+                </a:cxn>
+                <a:cxn ang="0">
+                  <a:pos x="connsiteX6" y="connsiteY6"/>
+                </a:cxn>
+                <a:cxn ang="0">
+                  <a:pos x="connsiteX7" y="connsiteY7"/>
+                </a:cxn>
+                <a:cxn ang="0">
+                  <a:pos x="connsiteX8" y="connsiteY8"/>
+                </a:cxn>
+                <a:cxn ang="0">
+                  <a:pos x="connsiteX9" y="connsiteY9"/>
+                </a:cxn>
+                <a:cxn ang="0">
+                  <a:pos x="connsiteX10" y="connsiteY10"/>
+                </a:cxn>
+                <a:cxn ang="0">
+                  <a:pos x="connsiteX11" y="connsiteY11"/>
+                </a:cxn>
+                <a:cxn ang="0">
+                  <a:pos x="connsiteX12" y="connsiteY12"/>
+                </a:cxn>
+                <a:cxn ang="0">
+                  <a:pos x="connsiteX13" y="connsiteY13"/>
+                </a:cxn>
+                <a:cxn ang="0">
+                  <a:pos x="connsiteX14" y="connsiteY14"/>
+                </a:cxn>
+                <a:cxn ang="0">
+                  <a:pos x="connsiteX15" y="connsiteY15"/>
+                </a:cxn>
+                <a:cxn ang="0">
+                  <a:pos x="connsiteX16" y="connsiteY16"/>
+                </a:cxn>
+                <a:cxn ang="0">
+                  <a:pos x="connsiteX17" y="connsiteY17"/>
+                </a:cxn>
+                <a:cxn ang="0">
+                  <a:pos x="connsiteX18" y="connsiteY18"/>
+                </a:cxn>
+                <a:cxn ang="0">
+                  <a:pos x="connsiteX19" y="connsiteY19"/>
+                </a:cxn>
+                <a:cxn ang="0">
+                  <a:pos x="connsiteX20" y="connsiteY20"/>
+                </a:cxn>
+                <a:cxn ang="0">
+                  <a:pos x="connsiteX21" y="connsiteY21"/>
+                </a:cxn>
+                <a:cxn ang="0">
+                  <a:pos x="connsiteX22" y="connsiteY22"/>
+                </a:cxn>
+                <a:cxn ang="0">
+                  <a:pos x="connsiteX23" y="connsiteY23"/>
+                </a:cxn>
+                <a:cxn ang="0">
+                  <a:pos x="connsiteX24" y="connsiteY24"/>
+                </a:cxn>
+                <a:cxn ang="0">
+                  <a:pos x="connsiteX25" y="connsiteY25"/>
+                </a:cxn>
+                <a:cxn ang="0">
+                  <a:pos x="connsiteX26" y="connsiteY26"/>
+                </a:cxn>
+                <a:cxn ang="0">
+                  <a:pos x="connsiteX27" y="connsiteY27"/>
+                </a:cxn>
+                <a:cxn ang="0">
+                  <a:pos x="connsiteX28" y="connsiteY28"/>
+                </a:cxn>
+                <a:cxn ang="0">
+                  <a:pos x="connsiteX29" y="connsiteY29"/>
+                </a:cxn>
+                <a:cxn ang="0">
+                  <a:pos x="connsiteX30" y="connsiteY30"/>
+                </a:cxn>
+                <a:cxn ang="0">
+                  <a:pos x="connsiteX31" y="connsiteY31"/>
+                </a:cxn>
+                <a:cxn ang="0">
+                  <a:pos x="connsiteX32" y="connsiteY32"/>
+                </a:cxn>
+                <a:cxn ang="0">
+                  <a:pos x="connsiteX33" y="connsiteY33"/>
+                </a:cxn>
+                <a:cxn ang="0">
+                  <a:pos x="connsiteX34" y="connsiteY34"/>
+                </a:cxn>
+                <a:cxn ang="0">
+                  <a:pos x="connsiteX35" y="connsiteY35"/>
+                </a:cxn>
+                <a:cxn ang="0">
+                  <a:pos x="connsiteX36" y="connsiteY36"/>
+                </a:cxn>
+                <a:cxn ang="0">
+                  <a:pos x="connsiteX37" y="connsiteY37"/>
+                </a:cxn>
+                <a:cxn ang="0">
+                  <a:pos x="connsiteX38" y="connsiteY38"/>
+                </a:cxn>
+                <a:cxn ang="0">
+                  <a:pos x="connsiteX39" y="connsiteY39"/>
+                </a:cxn>
+                <a:cxn ang="0">
+                  <a:pos x="connsiteX40" y="connsiteY40"/>
+                </a:cxn>
+                <a:cxn ang="0">
+                  <a:pos x="connsiteX41" y="connsiteY41"/>
+                </a:cxn>
+                <a:cxn ang="0">
+                  <a:pos x="connsiteX42" y="connsiteY42"/>
+                </a:cxn>
+                <a:cxn ang="0">
+                  <a:pos x="connsiteX43" y="connsiteY43"/>
+                </a:cxn>
+                <a:cxn ang="0">
+                  <a:pos x="connsiteX44" y="connsiteY44"/>
+                </a:cxn>
+                <a:cxn ang="0">
+                  <a:pos x="connsiteX45" y="connsiteY45"/>
+                </a:cxn>
+                <a:cxn ang="0">
+                  <a:pos x="connsiteX46" y="connsiteY46"/>
+                </a:cxn>
+                <a:cxn ang="0">
+                  <a:pos x="connsiteX47" y="connsiteY47"/>
+                </a:cxn>
+                <a:cxn ang="0">
+                  <a:pos x="connsiteX48" y="connsiteY48"/>
+                </a:cxn>
+                <a:cxn ang="0">
+                  <a:pos x="connsiteX49" y="connsiteY49"/>
+                </a:cxn>
+                <a:cxn ang="0">
+                  <a:pos x="connsiteX50" y="connsiteY50"/>
+                </a:cxn>
+                <a:cxn ang="0">
+                  <a:pos x="connsiteX51" y="connsiteY51"/>
+                </a:cxn>
+                <a:cxn ang="0">
+                  <a:pos x="connsiteX52" y="connsiteY52"/>
+                </a:cxn>
+                <a:cxn ang="0">
+                  <a:pos x="connsiteX53" y="connsiteY53"/>
+                </a:cxn>
+                <a:cxn ang="0">
+                  <a:pos x="connsiteX54" y="connsiteY54"/>
+                </a:cxn>
+                <a:cxn ang="0">
+                  <a:pos x="connsiteX55" y="connsiteY55"/>
+                </a:cxn>
+                <a:cxn ang="0">
+                  <a:pos x="connsiteX56" y="connsiteY56"/>
+                </a:cxn>
+                <a:cxn ang="0">
+                  <a:pos x="connsiteX57" y="connsiteY57"/>
+                </a:cxn>
+                <a:cxn ang="0">
+                  <a:pos x="connsiteX58" y="connsiteY58"/>
+                </a:cxn>
+                <a:cxn ang="0">
+                  <a:pos x="connsiteX59" y="connsiteY59"/>
+                </a:cxn>
+                <a:cxn ang="0">
+                  <a:pos x="connsiteX60" y="connsiteY60"/>
+                </a:cxn>
+                <a:cxn ang="0">
+                  <a:pos x="connsiteX61" y="connsiteY61"/>
+                </a:cxn>
+                <a:cxn ang="0">
+                  <a:pos x="connsiteX62" y="connsiteY62"/>
+                </a:cxn>
+                <a:cxn ang="0">
+                  <a:pos x="connsiteX63" y="connsiteY63"/>
+                </a:cxn>
+                <a:cxn ang="0">
+                  <a:pos x="connsiteX64" y="connsiteY64"/>
+                </a:cxn>
+                <a:cxn ang="0">
+                  <a:pos x="connsiteX65" y="connsiteY65"/>
+                </a:cxn>
+                <a:cxn ang="0">
+                  <a:pos x="connsiteX66" y="connsiteY66"/>
+                </a:cxn>
+                <a:cxn ang="0">
+                  <a:pos x="connsiteX67" y="connsiteY67"/>
+                </a:cxn>
+                <a:cxn ang="0">
+                  <a:pos x="connsiteX68" y="connsiteY68"/>
+                </a:cxn>
+                <a:cxn ang="0">
+                  <a:pos x="connsiteX69" y="connsiteY69"/>
+                </a:cxn>
+              </a:cxnLst>
+              <a:rect l="l" t="t" r="r" b="b"/>
+              <a:pathLst>
+                <a:path w="372609" h="452834">
+                  <a:moveTo>
+                    <a:pt x="294440" y="292535"/>
+                  </a:moveTo>
+                  <a:lnTo>
+                    <a:pt x="363790" y="422667"/>
+                  </a:lnTo>
+                  <a:cubicBezTo>
+                    <a:pt x="365243" y="425574"/>
+                    <a:pt x="366997" y="428981"/>
+                    <a:pt x="369253" y="432739"/>
+                  </a:cubicBezTo>
+                  <a:cubicBezTo>
+                    <a:pt x="371507" y="436697"/>
+                    <a:pt x="372609" y="440106"/>
+                    <a:pt x="372609" y="442811"/>
+                  </a:cubicBezTo>
+                  <a:cubicBezTo>
+                    <a:pt x="372609" y="446068"/>
+                    <a:pt x="371507" y="448573"/>
+                    <a:pt x="369502" y="450377"/>
+                  </a:cubicBezTo>
+                  <a:cubicBezTo>
+                    <a:pt x="367248" y="451880"/>
+                    <a:pt x="364292" y="452732"/>
+                    <a:pt x="360734" y="452732"/>
+                  </a:cubicBezTo>
+                  <a:lnTo>
+                    <a:pt x="256006" y="452732"/>
+                  </a:lnTo>
+                  <a:cubicBezTo>
+                    <a:pt x="252399" y="452732"/>
+                    <a:pt x="249241" y="451880"/>
+                    <a:pt x="246586" y="449827"/>
+                  </a:cubicBezTo>
+                  <a:cubicBezTo>
+                    <a:pt x="243880" y="447921"/>
+                    <a:pt x="242126" y="445016"/>
+                    <a:pt x="241224" y="441558"/>
+                  </a:cubicBezTo>
+                  <a:lnTo>
+                    <a:pt x="179791" y="325556"/>
+                  </a:lnTo>
+                  <a:cubicBezTo>
+                    <a:pt x="185003" y="325105"/>
+                    <a:pt x="190714" y="324654"/>
+                    <a:pt x="197279" y="323752"/>
+                  </a:cubicBezTo>
+                  <a:cubicBezTo>
+                    <a:pt x="239269" y="318492"/>
+                    <a:pt x="271641" y="305313"/>
+                    <a:pt x="294440" y="292535"/>
+                  </a:cubicBezTo>
+                  <a:close/>
+                  <a:moveTo>
+                    <a:pt x="178488" y="38484"/>
+                  </a:moveTo>
+                  <a:cubicBezTo>
+                    <a:pt x="168215" y="38484"/>
+                    <a:pt x="158394" y="39787"/>
+                    <a:pt x="149024" y="42493"/>
+                  </a:cubicBezTo>
+                  <a:cubicBezTo>
+                    <a:pt x="139403" y="45148"/>
+                    <a:pt x="130684" y="48757"/>
+                    <a:pt x="122466" y="53667"/>
+                  </a:cubicBezTo>
+                  <a:cubicBezTo>
+                    <a:pt x="114199" y="58327"/>
+                    <a:pt x="106582" y="64139"/>
+                    <a:pt x="99867" y="70853"/>
+                  </a:cubicBezTo>
+                  <a:cubicBezTo>
+                    <a:pt x="93203" y="77819"/>
+                    <a:pt x="87390" y="85135"/>
+                    <a:pt x="82479" y="93654"/>
+                  </a:cubicBezTo>
+                  <a:cubicBezTo>
+                    <a:pt x="77718" y="101921"/>
+                    <a:pt x="73961" y="110640"/>
+                    <a:pt x="71254" y="120261"/>
+                  </a:cubicBezTo>
+                  <a:cubicBezTo>
+                    <a:pt x="68600" y="129631"/>
+                    <a:pt x="67246" y="139453"/>
+                    <a:pt x="67246" y="149725"/>
+                  </a:cubicBezTo>
+                  <a:cubicBezTo>
+                    <a:pt x="67246" y="160047"/>
+                    <a:pt x="68600" y="169869"/>
+                    <a:pt x="71254" y="179239"/>
+                  </a:cubicBezTo>
+                  <a:cubicBezTo>
+                    <a:pt x="73961" y="188861"/>
+                    <a:pt x="77718" y="197580"/>
+                    <a:pt x="82479" y="205846"/>
+                  </a:cubicBezTo>
+                  <a:cubicBezTo>
+                    <a:pt x="87390" y="213864"/>
+                    <a:pt x="93203" y="221481"/>
+                    <a:pt x="99867" y="228196"/>
+                  </a:cubicBezTo>
+                  <a:cubicBezTo>
+                    <a:pt x="106582" y="234959"/>
+                    <a:pt x="114199" y="240723"/>
+                    <a:pt x="122466" y="245684"/>
+                  </a:cubicBezTo>
+                  <a:cubicBezTo>
+                    <a:pt x="130684" y="250394"/>
+                    <a:pt x="139403" y="254202"/>
+                    <a:pt x="149024" y="256857"/>
+                  </a:cubicBezTo>
+                  <a:cubicBezTo>
+                    <a:pt x="158394" y="259313"/>
+                    <a:pt x="168215" y="260616"/>
+                    <a:pt x="178488" y="260616"/>
+                  </a:cubicBezTo>
+                  <a:cubicBezTo>
+                    <a:pt x="190063" y="260616"/>
+                    <a:pt x="201037" y="259063"/>
+                    <a:pt x="211560" y="255705"/>
+                  </a:cubicBezTo>
+                  <a:cubicBezTo>
+                    <a:pt x="222083" y="252348"/>
+                    <a:pt x="231905" y="247638"/>
+                    <a:pt x="241074" y="241375"/>
+                  </a:cubicBezTo>
+                  <a:cubicBezTo>
+                    <a:pt x="242628" y="240472"/>
+                    <a:pt x="243930" y="239370"/>
+                    <a:pt x="244632" y="237867"/>
+                  </a:cubicBezTo>
+                  <a:cubicBezTo>
+                    <a:pt x="245484" y="236513"/>
+                    <a:pt x="245333" y="234710"/>
+                    <a:pt x="244230" y="232505"/>
+                  </a:cubicBezTo>
+                  <a:lnTo>
+                    <a:pt x="219378" y="196777"/>
+                  </a:lnTo>
+                  <a:cubicBezTo>
+                    <a:pt x="218275" y="195175"/>
+                    <a:pt x="217172" y="194272"/>
+                    <a:pt x="215819" y="194072"/>
+                  </a:cubicBezTo>
+                  <a:cubicBezTo>
+                    <a:pt x="214717" y="193871"/>
+                    <a:pt x="213314" y="194272"/>
+                    <a:pt x="211560" y="195375"/>
+                  </a:cubicBezTo>
+                  <a:cubicBezTo>
+                    <a:pt x="206900" y="198982"/>
+                    <a:pt x="201538" y="201687"/>
+                    <a:pt x="195675" y="203642"/>
+                  </a:cubicBezTo>
+                  <a:cubicBezTo>
+                    <a:pt x="189964" y="205697"/>
+                    <a:pt x="183850" y="206599"/>
+                    <a:pt x="177436" y="206599"/>
+                  </a:cubicBezTo>
+                  <a:cubicBezTo>
+                    <a:pt x="169568" y="206599"/>
+                    <a:pt x="162202" y="205246"/>
+                    <a:pt x="155488" y="202138"/>
+                  </a:cubicBezTo>
+                  <a:cubicBezTo>
+                    <a:pt x="148823" y="199233"/>
+                    <a:pt x="142960" y="194974"/>
+                    <a:pt x="138301" y="189811"/>
+                  </a:cubicBezTo>
+                  <a:cubicBezTo>
+                    <a:pt x="133390" y="184651"/>
+                    <a:pt x="129581" y="178638"/>
+                    <a:pt x="126927" y="171672"/>
+                  </a:cubicBezTo>
+                  <a:cubicBezTo>
+                    <a:pt x="124220" y="164808"/>
+                    <a:pt x="122866" y="157393"/>
+                    <a:pt x="122866" y="149375"/>
+                  </a:cubicBezTo>
+                  <a:cubicBezTo>
+                    <a:pt x="122866" y="141558"/>
+                    <a:pt x="124220" y="133941"/>
+                    <a:pt x="126927" y="127026"/>
+                  </a:cubicBezTo>
+                  <a:cubicBezTo>
+                    <a:pt x="129581" y="120060"/>
+                    <a:pt x="133390" y="114047"/>
+                    <a:pt x="138301" y="108686"/>
+                  </a:cubicBezTo>
+                  <a:cubicBezTo>
+                    <a:pt x="143011" y="103525"/>
+                    <a:pt x="148823" y="99566"/>
+                    <a:pt x="155488" y="96410"/>
+                  </a:cubicBezTo>
+                  <a:cubicBezTo>
+                    <a:pt x="162202" y="93553"/>
+                    <a:pt x="169568" y="91951"/>
+                    <a:pt x="177436" y="91951"/>
+                  </a:cubicBezTo>
+                  <a:cubicBezTo>
+                    <a:pt x="183850" y="91951"/>
+                    <a:pt x="189964" y="92851"/>
+                    <a:pt x="195525" y="94856"/>
+                  </a:cubicBezTo>
+                  <a:cubicBezTo>
+                    <a:pt x="201287" y="96861"/>
+                    <a:pt x="206399" y="99566"/>
+                    <a:pt x="211360" y="103124"/>
+                  </a:cubicBezTo>
+                  <a:cubicBezTo>
+                    <a:pt x="212863" y="104227"/>
+                    <a:pt x="214417" y="104678"/>
+                    <a:pt x="215769" y="104227"/>
+                  </a:cubicBezTo>
+                  <a:cubicBezTo>
+                    <a:pt x="216871" y="104026"/>
+                    <a:pt x="217974" y="103124"/>
+                    <a:pt x="219127" y="101571"/>
+                  </a:cubicBezTo>
+                  <a:lnTo>
+                    <a:pt x="243730" y="66694"/>
+                  </a:lnTo>
+                  <a:cubicBezTo>
+                    <a:pt x="244582" y="64440"/>
+                    <a:pt x="244833" y="62636"/>
+                    <a:pt x="244181" y="61082"/>
+                  </a:cubicBezTo>
+                  <a:cubicBezTo>
+                    <a:pt x="243279" y="59530"/>
+                    <a:pt x="242126" y="58377"/>
+                    <a:pt x="240372" y="57275"/>
+                  </a:cubicBezTo>
+                  <a:cubicBezTo>
+                    <a:pt x="231403" y="51211"/>
+                    <a:pt x="221632" y="46501"/>
+                    <a:pt x="211360" y="43194"/>
+                  </a:cubicBezTo>
+                  <a:cubicBezTo>
+                    <a:pt x="201087" y="40038"/>
+                    <a:pt x="190114" y="38484"/>
+                    <a:pt x="178488" y="38484"/>
+                  </a:cubicBezTo>
+                  <a:close/>
+                  <a:moveTo>
+                    <a:pt x="13379" y="0"/>
+                  </a:moveTo>
+                  <a:lnTo>
+                    <a:pt x="210207" y="0"/>
+                  </a:lnTo>
+                  <a:cubicBezTo>
+                    <a:pt x="231152" y="0"/>
+                    <a:pt x="250645" y="4009"/>
+                    <a:pt x="268934" y="11876"/>
+                  </a:cubicBezTo>
+                  <a:cubicBezTo>
+                    <a:pt x="287274" y="19643"/>
+                    <a:pt x="303109" y="30167"/>
+                    <a:pt x="316739" y="43594"/>
+                  </a:cubicBezTo>
+                  <a:cubicBezTo>
+                    <a:pt x="330417" y="56975"/>
+                    <a:pt x="341142" y="72859"/>
+                    <a:pt x="348908" y="90747"/>
+                  </a:cubicBezTo>
+                  <a:cubicBezTo>
+                    <a:pt x="356774" y="108635"/>
+                    <a:pt x="360784" y="127827"/>
+                    <a:pt x="360734" y="148272"/>
+                  </a:cubicBezTo>
+                  <a:cubicBezTo>
+                    <a:pt x="360734" y="162102"/>
+                    <a:pt x="358729" y="175331"/>
+                    <a:pt x="355122" y="187808"/>
+                  </a:cubicBezTo>
+                  <a:cubicBezTo>
+                    <a:pt x="351413" y="200285"/>
+                    <a:pt x="346001" y="211910"/>
+                    <a:pt x="339287" y="222884"/>
+                  </a:cubicBezTo>
+                  <a:cubicBezTo>
+                    <a:pt x="332673" y="233859"/>
+                    <a:pt x="324805" y="243628"/>
+                    <a:pt x="315436" y="252398"/>
+                  </a:cubicBezTo>
+                  <a:cubicBezTo>
+                    <a:pt x="279908" y="286622"/>
+                    <a:pt x="203041" y="300903"/>
+                    <a:pt x="156841" y="302457"/>
+                  </a:cubicBezTo>
+                  <a:lnTo>
+                    <a:pt x="118157" y="302457"/>
+                  </a:lnTo>
+                  <a:lnTo>
+                    <a:pt x="118157" y="439955"/>
+                  </a:lnTo>
+                  <a:cubicBezTo>
+                    <a:pt x="118157" y="448674"/>
+                    <a:pt x="113497" y="452834"/>
+                    <a:pt x="104076" y="452834"/>
+                  </a:cubicBezTo>
+                  <a:lnTo>
+                    <a:pt x="13379" y="452834"/>
+                  </a:lnTo>
+                  <a:cubicBezTo>
+                    <a:pt x="9320" y="452834"/>
+                    <a:pt x="6013" y="451830"/>
+                    <a:pt x="3508" y="449726"/>
+                  </a:cubicBezTo>
+                  <a:cubicBezTo>
+                    <a:pt x="1353" y="447472"/>
+                    <a:pt x="0" y="444365"/>
+                    <a:pt x="0" y="439955"/>
+                  </a:cubicBezTo>
+                  <a:lnTo>
+                    <a:pt x="0" y="14131"/>
+                  </a:lnTo>
+                  <a:cubicBezTo>
+                    <a:pt x="0" y="9872"/>
+                    <a:pt x="1102" y="6514"/>
+                    <a:pt x="3358" y="3809"/>
+                  </a:cubicBezTo>
+                  <a:cubicBezTo>
+                    <a:pt x="5612" y="1353"/>
+                    <a:pt x="8919" y="0"/>
+                    <a:pt x="13379" y="0"/>
+                  </a:cubicBezTo>
+                  <a:close/>
+                </a:path>
+              </a:pathLst>
+            </a:custGeom>
+            <a:solidFill>
+              <a:schemeClr val="bg1"/>
+            </a:solidFill>
+            <a:ln w="97291" cap="flat">
+              <a:noFill/>
+              <a:prstDash val="solid"/>
+              <a:miter/>
+            </a:ln>
+            <a:effectLst>
+              <a:outerShdw blurRad="190500" dist="50800" dir="2700000" algn="ctr">
+                <a:srgbClr val="000000">
+                  <a:alpha val="30000"/>
+                </a:srgbClr>
+              </a:outerShdw>
+            </a:effectLst>
+            <a:scene3d>
+              <a:camera prst="orthographicFront">
+                <a:rot lat="0" lon="0" rev="0"/>
+              </a:camera>
+              <a:lightRig rig="glow" dir="t">
+                <a:rot lat="0" lon="0" rev="4800000"/>
+              </a:lightRig>
+            </a:scene3d>
+            <a:sp3d prstMaterial="matte">
+              <a:bevelT w="127000" h="63500"/>
+            </a:sp3d>
+          </p:spPr>
+          <p:txBody>
+            <a:bodyPr rtlCol="0" anchor="ctr"/>
+            <a:lstStyle/>
+            <a:p>
+              <a:endParaRPr lang="en-US"/>
+            </a:p>
+          </p:txBody>
+        </p:sp>
+      </p:grpSp>
+    </p:spTree>
+    <p:extLst>
+      <p:ext uri="{BB962C8B-B14F-4D97-AF65-F5344CB8AC3E}">
+        <p14:creationId xmlns:p14="http://schemas.microsoft.com/office/powerpoint/2010/main" val="1025434469"/>
+      </p:ext>
+    </p:extLst>
+  </p:cSld>
+  <p:clrMapOvr>
+    <a:masterClrMapping/>
+  </p:clrMapOvr>
+</p:sld>
+</file>
+
 <file path=ppt/theme/theme1.xml><?xml version="1.0" encoding="utf-8"?>
 <a:theme xmlns:a="http://schemas.openxmlformats.org/drawingml/2006/main" name="Office Theme">
   <a:themeElements>
